--- a/docs/diagrams/ModelComponentClassDiagram.pptx
+++ b/docs/diagrams/ModelComponentClassDiagram.pptx
@@ -107,6 +107,22 @@
       </a:defRPr>
     </a:lvl9pPr>
   </p:defaultTextStyle>
+  <p:extLst>
+    <p:ext uri="{EFAFB233-063F-42B5-8137-9DF3F51BA10A}">
+      <p15:sldGuideLst xmlns:p15="http://schemas.microsoft.com/office/powerpoint/2012/main">
+        <p15:guide id="1" orient="horz" pos="1488">
+          <p15:clr>
+            <a:srgbClr val="A4A3A4"/>
+          </p15:clr>
+        </p15:guide>
+        <p15:guide id="2" pos="2880">
+          <p15:clr>
+            <a:srgbClr val="A4A3A4"/>
+          </p15:clr>
+        </p15:guide>
+      </p15:sldGuideLst>
+    </p:ext>
+  </p:extLst>
 </p:presentation>
 </file>
 
@@ -192,7 +208,7 @@
           <a:p>
             <a:fld id="{F5CC4B3F-88C1-4FFA-B1B6-F41C21DC6924}" type="datetimeFigureOut">
               <a:rPr lang="en-US" smtClean="0"/>
-              <a:t>11/19/2016</a:t>
+              <a:t>3/22/17</a:t>
             </a:fld>
             <a:endParaRPr lang="en-US"/>
           </a:p>
@@ -641,7 +657,7 @@
           <a:p>
             <a:fld id="{78C97017-6FC3-485B-9764-EAC9E56C1D49}" type="datetimeFigureOut">
               <a:rPr lang="en-US" smtClean="0"/>
-              <a:t>11/19/2016</a:t>
+              <a:t>3/22/17</a:t>
             </a:fld>
             <a:endParaRPr lang="en-US"/>
           </a:p>
@@ -811,7 +827,7 @@
           <a:p>
             <a:fld id="{78C97017-6FC3-485B-9764-EAC9E56C1D49}" type="datetimeFigureOut">
               <a:rPr lang="en-US" smtClean="0"/>
-              <a:t>11/19/2016</a:t>
+              <a:t>3/22/17</a:t>
             </a:fld>
             <a:endParaRPr lang="en-US"/>
           </a:p>
@@ -991,7 +1007,7 @@
           <a:p>
             <a:fld id="{78C97017-6FC3-485B-9764-EAC9E56C1D49}" type="datetimeFigureOut">
               <a:rPr lang="en-US" smtClean="0"/>
-              <a:t>11/19/2016</a:t>
+              <a:t>3/22/17</a:t>
             </a:fld>
             <a:endParaRPr lang="en-US"/>
           </a:p>
@@ -1161,7 +1177,7 @@
           <a:p>
             <a:fld id="{78C97017-6FC3-485B-9764-EAC9E56C1D49}" type="datetimeFigureOut">
               <a:rPr lang="en-US" smtClean="0"/>
-              <a:t>11/19/2016</a:t>
+              <a:t>3/22/17</a:t>
             </a:fld>
             <a:endParaRPr lang="en-US"/>
           </a:p>
@@ -1407,7 +1423,7 @@
           <a:p>
             <a:fld id="{78C97017-6FC3-485B-9764-EAC9E56C1D49}" type="datetimeFigureOut">
               <a:rPr lang="en-US" smtClean="0"/>
-              <a:t>11/19/2016</a:t>
+              <a:t>3/22/17</a:t>
             </a:fld>
             <a:endParaRPr lang="en-US"/>
           </a:p>
@@ -1695,7 +1711,7 @@
           <a:p>
             <a:fld id="{78C97017-6FC3-485B-9764-EAC9E56C1D49}" type="datetimeFigureOut">
               <a:rPr lang="en-US" smtClean="0"/>
-              <a:t>11/19/2016</a:t>
+              <a:t>3/22/17</a:t>
             </a:fld>
             <a:endParaRPr lang="en-US"/>
           </a:p>
@@ -2117,7 +2133,7 @@
           <a:p>
             <a:fld id="{78C97017-6FC3-485B-9764-EAC9E56C1D49}" type="datetimeFigureOut">
               <a:rPr lang="en-US" smtClean="0"/>
-              <a:t>11/19/2016</a:t>
+              <a:t>3/22/17</a:t>
             </a:fld>
             <a:endParaRPr lang="en-US"/>
           </a:p>
@@ -2235,7 +2251,7 @@
           <a:p>
             <a:fld id="{78C97017-6FC3-485B-9764-EAC9E56C1D49}" type="datetimeFigureOut">
               <a:rPr lang="en-US" smtClean="0"/>
-              <a:t>11/19/2016</a:t>
+              <a:t>3/22/17</a:t>
             </a:fld>
             <a:endParaRPr lang="en-US"/>
           </a:p>
@@ -2330,7 +2346,7 @@
           <a:p>
             <a:fld id="{78C97017-6FC3-485B-9764-EAC9E56C1D49}" type="datetimeFigureOut">
               <a:rPr lang="en-US" smtClean="0"/>
-              <a:t>11/19/2016</a:t>
+              <a:t>3/22/17</a:t>
             </a:fld>
             <a:endParaRPr lang="en-US"/>
           </a:p>
@@ -2607,7 +2623,7 @@
           <a:p>
             <a:fld id="{78C97017-6FC3-485B-9764-EAC9E56C1D49}" type="datetimeFigureOut">
               <a:rPr lang="en-US" smtClean="0"/>
-              <a:t>11/19/2016</a:t>
+              <a:t>3/22/17</a:t>
             </a:fld>
             <a:endParaRPr lang="en-US"/>
           </a:p>
@@ -2860,7 +2876,7 @@
           <a:p>
             <a:fld id="{78C97017-6FC3-485B-9764-EAC9E56C1D49}" type="datetimeFigureOut">
               <a:rPr lang="en-US" smtClean="0"/>
-              <a:t>11/19/2016</a:t>
+              <a:t>3/22/17</a:t>
             </a:fld>
             <a:endParaRPr lang="en-US"/>
           </a:p>
@@ -3073,7 +3089,7 @@
           <a:p>
             <a:fld id="{78C97017-6FC3-485B-9764-EAC9E56C1D49}" type="datetimeFigureOut">
               <a:rPr lang="en-US" smtClean="0"/>
-              <a:t>11/19/2016</a:t>
+              <a:t>3/22/17</a:t>
             </a:fld>
             <a:endParaRPr lang="en-US"/>
           </a:p>
@@ -3456,8 +3472,8 @@
         </p:nvSpPr>
         <p:spPr>
           <a:xfrm>
-            <a:off x="1119865" y="1727200"/>
-            <a:ext cx="7490735" cy="2997200"/>
+            <a:off x="1119865" y="1727199"/>
+            <a:ext cx="7490735" cy="3292695"/>
           </a:xfrm>
           <a:prstGeom prst="roundRect">
             <a:avLst>
@@ -4091,12 +4107,12 @@
           <a:p>
             <a:pPr algn="ctr"/>
             <a:r>
-              <a:rPr lang="en-US" sz="1050" dirty="0" err="1" smtClean="0">
+              <a:rPr lang="en-US" altLang="zh-CN" sz="1050" dirty="0" err="1" smtClean="0">
                 <a:solidFill>
                   <a:srgbClr val="7030A0"/>
                 </a:solidFill>
               </a:rPr>
-              <a:t>AddressBook</a:t>
+              <a:t>TaskManager</a:t>
             </a:r>
             <a:endParaRPr lang="en-SG" sz="1050" dirty="0">
               <a:solidFill>
@@ -4238,7 +4254,23 @@
                   <a:srgbClr val="7030A0"/>
                 </a:solidFill>
               </a:rPr>
-              <a:t>UniquePersonList</a:t>
+              <a:t>Unique</a:t>
+            </a:r>
+            <a:r>
+              <a:rPr lang="en-US" altLang="zh-CN" sz="1050" dirty="0" err="1" smtClean="0">
+                <a:solidFill>
+                  <a:srgbClr val="7030A0"/>
+                </a:solidFill>
+              </a:rPr>
+              <a:t>Task</a:t>
+            </a:r>
+            <a:r>
+              <a:rPr lang="en-US" sz="1050" dirty="0" err="1" smtClean="0">
+                <a:solidFill>
+                  <a:srgbClr val="7030A0"/>
+                </a:solidFill>
+              </a:rPr>
+              <a:t>List</a:t>
             </a:r>
             <a:endParaRPr lang="en-SG" sz="1050" dirty="0">
               <a:solidFill>
@@ -4476,12 +4508,12 @@
           <a:p>
             <a:pPr algn="ctr"/>
             <a:r>
-              <a:rPr lang="en-US" sz="1050" dirty="0" smtClean="0">
+              <a:rPr lang="en-US" altLang="zh-CN" sz="1050" dirty="0" smtClean="0">
                 <a:solidFill>
                   <a:srgbClr val="7030A0"/>
                 </a:solidFill>
               </a:rPr>
-              <a:t>Person</a:t>
+              <a:t>Task</a:t>
             </a:r>
             <a:endParaRPr lang="en-SG" sz="1050" dirty="0">
               <a:solidFill>
@@ -4780,7 +4812,15 @@
                   <a:srgbClr val="7030A0"/>
                 </a:solidFill>
               </a:rPr>
-              <a:t>ReadOnlyPerson</a:t>
+              <a:t>ReadOnly</a:t>
+            </a:r>
+            <a:r>
+              <a:rPr lang="en-US" altLang="zh-CN" sz="1050" dirty="0" err="1" smtClean="0">
+                <a:solidFill>
+                  <a:srgbClr val="7030A0"/>
+                </a:solidFill>
+              </a:rPr>
+              <a:t>Task</a:t>
             </a:r>
             <a:endParaRPr lang="en-SG" sz="1050" dirty="0">
               <a:solidFill>
@@ -4831,12 +4871,28 @@
           <a:p>
             <a:pPr algn="ctr"/>
             <a:r>
-              <a:rPr lang="en-US" sz="1050" dirty="0" smtClean="0">
+              <a:rPr lang="en-US" altLang="zh-CN" sz="1050" dirty="0" smtClean="0">
                 <a:solidFill>
                   <a:srgbClr val="7030A0"/>
                 </a:solidFill>
               </a:rPr>
-              <a:t>Name</a:t>
+              <a:t>Due</a:t>
+            </a:r>
+            <a:r>
+              <a:rPr lang="zh-CN" altLang="en-US" sz="1050" dirty="0" smtClean="0">
+                <a:solidFill>
+                  <a:srgbClr val="7030A0"/>
+                </a:solidFill>
+              </a:rPr>
+              <a:t> </a:t>
+            </a:r>
+            <a:r>
+              <a:rPr lang="en-US" altLang="zh-CN" sz="1050" dirty="0" smtClean="0">
+                <a:solidFill>
+                  <a:srgbClr val="7030A0"/>
+                </a:solidFill>
+              </a:rPr>
+              <a:t>time</a:t>
             </a:r>
             <a:endParaRPr lang="en-SG" sz="1050" dirty="0">
               <a:solidFill>
@@ -4942,8 +4998,8 @@
         </p:nvSpPr>
         <p:spPr>
           <a:xfrm>
-            <a:off x="7712397" y="2887216"/>
-            <a:ext cx="708186" cy="285783"/>
+            <a:off x="7712396" y="2887216"/>
+            <a:ext cx="776558" cy="285783"/>
           </a:xfrm>
           <a:prstGeom prst="rect">
             <a:avLst/>
@@ -4975,14 +5031,14 @@
           <a:p>
             <a:pPr algn="ctr"/>
             <a:r>
-              <a:rPr lang="en-US" sz="1050" dirty="0" smtClean="0">
+              <a:rPr lang="en-US" altLang="zh-CN" sz="1000" dirty="0" smtClean="0">
                 <a:solidFill>
                   <a:srgbClr val="7030A0"/>
                 </a:solidFill>
               </a:rPr>
-              <a:t>Phone</a:t>
-            </a:r>
-            <a:endParaRPr lang="en-SG" sz="1050" dirty="0">
+              <a:t>Description</a:t>
+            </a:r>
+            <a:endParaRPr lang="en-SG" sz="1000" dirty="0">
               <a:solidFill>
                 <a:srgbClr val="7030A0"/>
               </a:solidFill>
@@ -5002,7 +5058,7 @@
         <p:spPr>
           <a:xfrm flipV="1">
             <a:off x="7277995" y="3030108"/>
-            <a:ext cx="434402" cy="4783"/>
+            <a:ext cx="434401" cy="4783"/>
           </a:xfrm>
           <a:prstGeom prst="bentConnector3">
             <a:avLst/>
@@ -5072,12 +5128,12 @@
           <a:p>
             <a:pPr algn="ctr"/>
             <a:r>
-              <a:rPr lang="en-US" sz="1050" dirty="0" smtClean="0">
+              <a:rPr lang="en-US" altLang="zh-CN" sz="1050" dirty="0" smtClean="0">
                 <a:solidFill>
                   <a:srgbClr val="7030A0"/>
                 </a:solidFill>
               </a:rPr>
-              <a:t>Email</a:t>
+              <a:t>Venue</a:t>
             </a:r>
             <a:endParaRPr lang="en-SG" sz="1050" dirty="0">
               <a:solidFill>
@@ -5169,12 +5225,12 @@
           <a:p>
             <a:pPr algn="ctr"/>
             <a:r>
-              <a:rPr lang="en-US" sz="1050" dirty="0" smtClean="0">
+              <a:rPr lang="en-US" altLang="zh-CN" sz="1050" dirty="0" smtClean="0">
                 <a:solidFill>
                   <a:srgbClr val="7030A0"/>
                 </a:solidFill>
               </a:rPr>
-              <a:t>Address</a:t>
+              <a:t>List</a:t>
             </a:r>
             <a:endParaRPr lang="en-SG" sz="1050" dirty="0">
               <a:solidFill>
@@ -5377,7 +5433,15 @@
                   <a:srgbClr val="7030A0"/>
                 </a:solidFill>
               </a:rPr>
-              <a:t>ReadOnlyAddressBook</a:t>
+              <a:t>ReadOnly</a:t>
+            </a:r>
+            <a:r>
+              <a:rPr lang="en-US" altLang="zh-CN" sz="1050" dirty="0" err="1" smtClean="0">
+                <a:solidFill>
+                  <a:srgbClr val="7030A0"/>
+                </a:solidFill>
+              </a:rPr>
+              <a:t>TaskManager</a:t>
             </a:r>
             <a:endParaRPr lang="en-SG" sz="1050" dirty="0">
               <a:solidFill>
@@ -5552,14 +5616,14 @@
           <p:cNvPr id="50" name="Elbow Connector 49"/>
           <p:cNvCxnSpPr>
             <a:stCxn id="62" idx="0"/>
-            <a:endCxn id="57" idx="3"/>
+            <a:endCxn id="67" idx="3"/>
           </p:cNvCxnSpPr>
           <p:nvPr/>
         </p:nvCxnSpPr>
         <p:spPr>
           <a:xfrm rot="16200000" flipV="1">
-            <a:off x="5948976" y="2139271"/>
-            <a:ext cx="404117" cy="1033473"/>
+            <a:off x="5806111" y="1996406"/>
+            <a:ext cx="875354" cy="847965"/>
           </a:xfrm>
           <a:prstGeom prst="bentConnector2">
             <a:avLst/>
@@ -5674,7 +5738,7 @@
         </p:nvSpPr>
         <p:spPr>
           <a:xfrm>
-            <a:off x="5689761" y="2495413"/>
+            <a:off x="5822039" y="2023798"/>
             <a:ext cx="189257" cy="178683"/>
           </a:xfrm>
           <a:prstGeom prst="rect">
@@ -5891,6 +5955,751 @@
                 </a:solidFill>
               </a:rPr>
               <a:t>1</a:t>
+            </a:r>
+            <a:endParaRPr lang="en-SG" sz="1100" dirty="0">
+              <a:solidFill>
+                <a:srgbClr val="7030A0"/>
+              </a:solidFill>
+            </a:endParaRPr>
+          </a:p>
+        </p:txBody>
+      </p:sp>
+      <p:sp>
+        <p:nvSpPr>
+          <p:cNvPr id="74" name="Rectangle 8"/>
+          <p:cNvSpPr/>
+          <p:nvPr/>
+        </p:nvSpPr>
+        <p:spPr>
+          <a:xfrm>
+            <a:off x="7708688" y="3867216"/>
+            <a:ext cx="708186" cy="285783"/>
+          </a:xfrm>
+          <a:prstGeom prst="rect">
+            <a:avLst/>
+          </a:prstGeom>
+          <a:ln w="19050">
+            <a:solidFill>
+              <a:srgbClr val="7030A0"/>
+            </a:solidFill>
+          </a:ln>
+          <a:effectLst/>
+        </p:spPr>
+        <p:style>
+          <a:lnRef idx="1">
+            <a:schemeClr val="accent4"/>
+          </a:lnRef>
+          <a:fillRef idx="2">
+            <a:schemeClr val="accent4"/>
+          </a:fillRef>
+          <a:effectRef idx="1">
+            <a:schemeClr val="accent4"/>
+          </a:effectRef>
+          <a:fontRef idx="minor">
+            <a:schemeClr val="dk1"/>
+          </a:fontRef>
+        </p:style>
+        <p:txBody>
+          <a:bodyPr rtlCol="0" anchor="ctr"/>
+          <a:lstStyle/>
+          <a:p>
+            <a:pPr algn="ctr"/>
+            <a:r>
+              <a:rPr lang="en-US" altLang="zh-CN" sz="1050" dirty="0" smtClean="0">
+                <a:solidFill>
+                  <a:srgbClr val="7030A0"/>
+                </a:solidFill>
+              </a:rPr>
+              <a:t>Priority</a:t>
+            </a:r>
+            <a:endParaRPr lang="en-SG" sz="1050" dirty="0">
+              <a:solidFill>
+                <a:srgbClr val="7030A0"/>
+              </a:solidFill>
+            </a:endParaRPr>
+          </a:p>
+        </p:txBody>
+      </p:sp>
+      <p:sp>
+        <p:nvSpPr>
+          <p:cNvPr id="77" name="Rectangle 76"/>
+          <p:cNvSpPr/>
+          <p:nvPr/>
+        </p:nvSpPr>
+        <p:spPr>
+          <a:xfrm>
+            <a:off x="7708688" y="2230193"/>
+            <a:ext cx="708186" cy="285783"/>
+          </a:xfrm>
+          <a:prstGeom prst="rect">
+            <a:avLst/>
+          </a:prstGeom>
+          <a:ln w="19050">
+            <a:solidFill>
+              <a:srgbClr val="7030A0"/>
+            </a:solidFill>
+          </a:ln>
+          <a:effectLst/>
+        </p:spPr>
+        <p:style>
+          <a:lnRef idx="1">
+            <a:schemeClr val="accent4"/>
+          </a:lnRef>
+          <a:fillRef idx="2">
+            <a:schemeClr val="accent4"/>
+          </a:fillRef>
+          <a:effectRef idx="1">
+            <a:schemeClr val="accent4"/>
+          </a:effectRef>
+          <a:fontRef idx="minor">
+            <a:schemeClr val="dk1"/>
+          </a:fontRef>
+        </p:style>
+        <p:txBody>
+          <a:bodyPr rtlCol="0" anchor="ctr"/>
+          <a:lstStyle>
+            <a:defPPr>
+              <a:defRPr lang="en-US"/>
+            </a:defPPr>
+            <a:lvl1pPr marL="0" algn="l" defTabSz="914400" rtl="0" eaLnBrk="1" latinLnBrk="0" hangingPunct="1">
+              <a:defRPr sz="1800" kern="1200">
+                <a:solidFill>
+                  <a:schemeClr val="dk1"/>
+                </a:solidFill>
+                <a:latin typeface="+mn-lt"/>
+                <a:ea typeface="+mn-ea"/>
+                <a:cs typeface="+mn-cs"/>
+              </a:defRPr>
+            </a:lvl1pPr>
+            <a:lvl2pPr marL="457200" algn="l" defTabSz="914400" rtl="0" eaLnBrk="1" latinLnBrk="0" hangingPunct="1">
+              <a:defRPr sz="1800" kern="1200">
+                <a:solidFill>
+                  <a:schemeClr val="dk1"/>
+                </a:solidFill>
+                <a:latin typeface="+mn-lt"/>
+                <a:ea typeface="+mn-ea"/>
+                <a:cs typeface="+mn-cs"/>
+              </a:defRPr>
+            </a:lvl2pPr>
+            <a:lvl3pPr marL="914400" algn="l" defTabSz="914400" rtl="0" eaLnBrk="1" latinLnBrk="0" hangingPunct="1">
+              <a:defRPr sz="1800" kern="1200">
+                <a:solidFill>
+                  <a:schemeClr val="dk1"/>
+                </a:solidFill>
+                <a:latin typeface="+mn-lt"/>
+                <a:ea typeface="+mn-ea"/>
+                <a:cs typeface="+mn-cs"/>
+              </a:defRPr>
+            </a:lvl3pPr>
+            <a:lvl4pPr marL="1371600" algn="l" defTabSz="914400" rtl="0" eaLnBrk="1" latinLnBrk="0" hangingPunct="1">
+              <a:defRPr sz="1800" kern="1200">
+                <a:solidFill>
+                  <a:schemeClr val="dk1"/>
+                </a:solidFill>
+                <a:latin typeface="+mn-lt"/>
+                <a:ea typeface="+mn-ea"/>
+                <a:cs typeface="+mn-cs"/>
+              </a:defRPr>
+            </a:lvl4pPr>
+            <a:lvl5pPr marL="1828800" algn="l" defTabSz="914400" rtl="0" eaLnBrk="1" latinLnBrk="0" hangingPunct="1">
+              <a:defRPr sz="1800" kern="1200">
+                <a:solidFill>
+                  <a:schemeClr val="dk1"/>
+                </a:solidFill>
+                <a:latin typeface="+mn-lt"/>
+                <a:ea typeface="+mn-ea"/>
+                <a:cs typeface="+mn-cs"/>
+              </a:defRPr>
+            </a:lvl5pPr>
+            <a:lvl6pPr marL="2286000" algn="l" defTabSz="914400" rtl="0" eaLnBrk="1" latinLnBrk="0" hangingPunct="1">
+              <a:defRPr sz="1800" kern="1200">
+                <a:solidFill>
+                  <a:schemeClr val="dk1"/>
+                </a:solidFill>
+                <a:latin typeface="+mn-lt"/>
+                <a:ea typeface="+mn-ea"/>
+                <a:cs typeface="+mn-cs"/>
+              </a:defRPr>
+            </a:lvl6pPr>
+            <a:lvl7pPr marL="2743200" algn="l" defTabSz="914400" rtl="0" eaLnBrk="1" latinLnBrk="0" hangingPunct="1">
+              <a:defRPr sz="1800" kern="1200">
+                <a:solidFill>
+                  <a:schemeClr val="dk1"/>
+                </a:solidFill>
+                <a:latin typeface="+mn-lt"/>
+                <a:ea typeface="+mn-ea"/>
+                <a:cs typeface="+mn-cs"/>
+              </a:defRPr>
+            </a:lvl7pPr>
+            <a:lvl8pPr marL="3200400" algn="l" defTabSz="914400" rtl="0" eaLnBrk="1" latinLnBrk="0" hangingPunct="1">
+              <a:defRPr sz="1800" kern="1200">
+                <a:solidFill>
+                  <a:schemeClr val="dk1"/>
+                </a:solidFill>
+                <a:latin typeface="+mn-lt"/>
+                <a:ea typeface="+mn-ea"/>
+                <a:cs typeface="+mn-cs"/>
+              </a:defRPr>
+            </a:lvl8pPr>
+            <a:lvl9pPr marL="3657600" algn="l" defTabSz="914400" rtl="0" eaLnBrk="1" latinLnBrk="0" hangingPunct="1">
+              <a:defRPr sz="1800" kern="1200">
+                <a:solidFill>
+                  <a:schemeClr val="dk1"/>
+                </a:solidFill>
+                <a:latin typeface="+mn-lt"/>
+                <a:ea typeface="+mn-ea"/>
+                <a:cs typeface="+mn-cs"/>
+              </a:defRPr>
+            </a:lvl9pPr>
+          </a:lstStyle>
+          <a:p>
+            <a:pPr algn="ctr"/>
+            <a:r>
+              <a:rPr lang="en-US" altLang="zh-CN" sz="1050" dirty="0" smtClean="0">
+                <a:solidFill>
+                  <a:srgbClr val="7030A0"/>
+                </a:solidFill>
+              </a:rPr>
+              <a:t>Due</a:t>
+            </a:r>
+            <a:r>
+              <a:rPr lang="zh-CN" altLang="en-US" sz="1050" dirty="0" smtClean="0">
+                <a:solidFill>
+                  <a:srgbClr val="7030A0"/>
+                </a:solidFill>
+              </a:rPr>
+              <a:t> </a:t>
+            </a:r>
+            <a:r>
+              <a:rPr lang="en-US" altLang="zh-CN" sz="1050" dirty="0" smtClean="0">
+                <a:solidFill>
+                  <a:srgbClr val="7030A0"/>
+                </a:solidFill>
+              </a:rPr>
+              <a:t>date</a:t>
+            </a:r>
+            <a:endParaRPr lang="en-SG" sz="1050" dirty="0">
+              <a:solidFill>
+                <a:srgbClr val="7030A0"/>
+              </a:solidFill>
+            </a:endParaRPr>
+          </a:p>
+        </p:txBody>
+      </p:sp>
+      <p:cxnSp>
+        <p:nvCxnSpPr>
+          <p:cNvPr id="82" name="Elbow Connector 81"/>
+          <p:cNvCxnSpPr>
+            <a:endCxn id="74" idx="1"/>
+          </p:cNvCxnSpPr>
+          <p:nvPr/>
+        </p:nvCxnSpPr>
+        <p:spPr>
+          <a:xfrm rot="16200000" flipH="1">
+            <a:off x="7115865" y="3417285"/>
+            <a:ext cx="972154" cy="213491"/>
+          </a:xfrm>
+          <a:prstGeom prst="bentConnector2">
+            <a:avLst/>
+          </a:prstGeom>
+          <a:ln w="19050">
+            <a:solidFill>
+              <a:srgbClr val="7030A0"/>
+            </a:solidFill>
+            <a:headEnd type="none" w="med" len="med"/>
+            <a:tailEnd type="arrow" w="med" len="med"/>
+          </a:ln>
+          <a:effectLst/>
+        </p:spPr>
+        <p:style>
+          <a:lnRef idx="1">
+            <a:schemeClr val="accent2"/>
+          </a:lnRef>
+          <a:fillRef idx="2">
+            <a:schemeClr val="accent2"/>
+          </a:fillRef>
+          <a:effectRef idx="1">
+            <a:schemeClr val="accent2"/>
+          </a:effectRef>
+          <a:fontRef idx="minor">
+            <a:schemeClr val="dk1"/>
+          </a:fontRef>
+        </p:style>
+      </p:cxnSp>
+      <p:cxnSp>
+        <p:nvCxnSpPr>
+          <p:cNvPr id="87" name="Elbow Connector 86"/>
+          <p:cNvCxnSpPr/>
+          <p:nvPr/>
+        </p:nvCxnSpPr>
+        <p:spPr>
+          <a:xfrm rot="5400000" flipH="1" flipV="1">
+            <a:off x="7381649" y="2530764"/>
+            <a:ext cx="444295" cy="217201"/>
+          </a:xfrm>
+          <a:prstGeom prst="bentConnector3">
+            <a:avLst>
+              <a:gd name="adj1" fmla="val 100062"/>
+            </a:avLst>
+          </a:prstGeom>
+          <a:ln w="19050">
+            <a:solidFill>
+              <a:srgbClr val="7030A0"/>
+            </a:solidFill>
+            <a:headEnd type="none" w="med" len="med"/>
+            <a:tailEnd type="arrow" w="med" len="med"/>
+          </a:ln>
+          <a:effectLst/>
+        </p:spPr>
+        <p:style>
+          <a:lnRef idx="1">
+            <a:schemeClr val="accent2"/>
+          </a:lnRef>
+          <a:fillRef idx="2">
+            <a:schemeClr val="accent2"/>
+          </a:fillRef>
+          <a:effectRef idx="1">
+            <a:schemeClr val="accent2"/>
+          </a:effectRef>
+          <a:fontRef idx="minor">
+            <a:schemeClr val="dk1"/>
+          </a:fontRef>
+        </p:style>
+      </p:cxnSp>
+      <p:sp>
+        <p:nvSpPr>
+          <p:cNvPr id="88" name="Rectangle 87"/>
+          <p:cNvSpPr/>
+          <p:nvPr/>
+        </p:nvSpPr>
+        <p:spPr>
+          <a:xfrm>
+            <a:off x="7708688" y="1911998"/>
+            <a:ext cx="708186" cy="285783"/>
+          </a:xfrm>
+          <a:prstGeom prst="rect">
+            <a:avLst/>
+          </a:prstGeom>
+          <a:ln w="19050">
+            <a:solidFill>
+              <a:srgbClr val="7030A0"/>
+            </a:solidFill>
+          </a:ln>
+          <a:effectLst/>
+        </p:spPr>
+        <p:style>
+          <a:lnRef idx="1">
+            <a:schemeClr val="accent4"/>
+          </a:lnRef>
+          <a:fillRef idx="2">
+            <a:schemeClr val="accent4"/>
+          </a:fillRef>
+          <a:effectRef idx="1">
+            <a:schemeClr val="accent4"/>
+          </a:effectRef>
+          <a:fontRef idx="minor">
+            <a:schemeClr val="dk1"/>
+          </a:fontRef>
+        </p:style>
+        <p:txBody>
+          <a:bodyPr rtlCol="0" anchor="ctr"/>
+          <a:lstStyle>
+            <a:defPPr>
+              <a:defRPr lang="en-US"/>
+            </a:defPPr>
+            <a:lvl1pPr marL="0" algn="l" defTabSz="914400" rtl="0" eaLnBrk="1" latinLnBrk="0" hangingPunct="1">
+              <a:defRPr sz="1800" kern="1200">
+                <a:solidFill>
+                  <a:schemeClr val="dk1"/>
+                </a:solidFill>
+                <a:latin typeface="+mn-lt"/>
+                <a:ea typeface="+mn-ea"/>
+                <a:cs typeface="+mn-cs"/>
+              </a:defRPr>
+            </a:lvl1pPr>
+            <a:lvl2pPr marL="457200" algn="l" defTabSz="914400" rtl="0" eaLnBrk="1" latinLnBrk="0" hangingPunct="1">
+              <a:defRPr sz="1800" kern="1200">
+                <a:solidFill>
+                  <a:schemeClr val="dk1"/>
+                </a:solidFill>
+                <a:latin typeface="+mn-lt"/>
+                <a:ea typeface="+mn-ea"/>
+                <a:cs typeface="+mn-cs"/>
+              </a:defRPr>
+            </a:lvl2pPr>
+            <a:lvl3pPr marL="914400" algn="l" defTabSz="914400" rtl="0" eaLnBrk="1" latinLnBrk="0" hangingPunct="1">
+              <a:defRPr sz="1800" kern="1200">
+                <a:solidFill>
+                  <a:schemeClr val="dk1"/>
+                </a:solidFill>
+                <a:latin typeface="+mn-lt"/>
+                <a:ea typeface="+mn-ea"/>
+                <a:cs typeface="+mn-cs"/>
+              </a:defRPr>
+            </a:lvl3pPr>
+            <a:lvl4pPr marL="1371600" algn="l" defTabSz="914400" rtl="0" eaLnBrk="1" latinLnBrk="0" hangingPunct="1">
+              <a:defRPr sz="1800" kern="1200">
+                <a:solidFill>
+                  <a:schemeClr val="dk1"/>
+                </a:solidFill>
+                <a:latin typeface="+mn-lt"/>
+                <a:ea typeface="+mn-ea"/>
+                <a:cs typeface="+mn-cs"/>
+              </a:defRPr>
+            </a:lvl4pPr>
+            <a:lvl5pPr marL="1828800" algn="l" defTabSz="914400" rtl="0" eaLnBrk="1" latinLnBrk="0" hangingPunct="1">
+              <a:defRPr sz="1800" kern="1200">
+                <a:solidFill>
+                  <a:schemeClr val="dk1"/>
+                </a:solidFill>
+                <a:latin typeface="+mn-lt"/>
+                <a:ea typeface="+mn-ea"/>
+                <a:cs typeface="+mn-cs"/>
+              </a:defRPr>
+            </a:lvl5pPr>
+            <a:lvl6pPr marL="2286000" algn="l" defTabSz="914400" rtl="0" eaLnBrk="1" latinLnBrk="0" hangingPunct="1">
+              <a:defRPr sz="1800" kern="1200">
+                <a:solidFill>
+                  <a:schemeClr val="dk1"/>
+                </a:solidFill>
+                <a:latin typeface="+mn-lt"/>
+                <a:ea typeface="+mn-ea"/>
+                <a:cs typeface="+mn-cs"/>
+              </a:defRPr>
+            </a:lvl6pPr>
+            <a:lvl7pPr marL="2743200" algn="l" defTabSz="914400" rtl="0" eaLnBrk="1" latinLnBrk="0" hangingPunct="1">
+              <a:defRPr sz="1800" kern="1200">
+                <a:solidFill>
+                  <a:schemeClr val="dk1"/>
+                </a:solidFill>
+                <a:latin typeface="+mn-lt"/>
+                <a:ea typeface="+mn-ea"/>
+                <a:cs typeface="+mn-cs"/>
+              </a:defRPr>
+            </a:lvl7pPr>
+            <a:lvl8pPr marL="3200400" algn="l" defTabSz="914400" rtl="0" eaLnBrk="1" latinLnBrk="0" hangingPunct="1">
+              <a:defRPr sz="1800" kern="1200">
+                <a:solidFill>
+                  <a:schemeClr val="dk1"/>
+                </a:solidFill>
+                <a:latin typeface="+mn-lt"/>
+                <a:ea typeface="+mn-ea"/>
+                <a:cs typeface="+mn-cs"/>
+              </a:defRPr>
+            </a:lvl8pPr>
+            <a:lvl9pPr marL="3657600" algn="l" defTabSz="914400" rtl="0" eaLnBrk="1" latinLnBrk="0" hangingPunct="1">
+              <a:defRPr sz="1800" kern="1200">
+                <a:solidFill>
+                  <a:schemeClr val="dk1"/>
+                </a:solidFill>
+                <a:latin typeface="+mn-lt"/>
+                <a:ea typeface="+mn-ea"/>
+                <a:cs typeface="+mn-cs"/>
+              </a:defRPr>
+            </a:lvl9pPr>
+          </a:lstStyle>
+          <a:p>
+            <a:pPr algn="ctr"/>
+            <a:r>
+              <a:rPr lang="en-US" altLang="zh-CN" sz="1050" dirty="0" smtClean="0">
+                <a:solidFill>
+                  <a:srgbClr val="7030A0"/>
+                </a:solidFill>
+              </a:rPr>
+              <a:t>Name</a:t>
+            </a:r>
+            <a:endParaRPr lang="en-SG" sz="1050" dirty="0">
+              <a:solidFill>
+                <a:srgbClr val="7030A0"/>
+              </a:solidFill>
+            </a:endParaRPr>
+          </a:p>
+        </p:txBody>
+      </p:sp>
+      <p:sp>
+        <p:nvSpPr>
+          <p:cNvPr id="27" name="TextBox 26"/>
+          <p:cNvSpPr txBox="1"/>
+          <p:nvPr/>
+        </p:nvSpPr>
+        <p:spPr>
+          <a:xfrm>
+            <a:off x="6477000" y="4650563"/>
+            <a:ext cx="184731" cy="369332"/>
+          </a:xfrm>
+          <a:prstGeom prst="rect">
+            <a:avLst/>
+          </a:prstGeom>
+          <a:noFill/>
+        </p:spPr>
+        <p:txBody>
+          <a:bodyPr wrap="none" rtlCol="0">
+            <a:spAutoFit/>
+          </a:bodyPr>
+          <a:lstStyle/>
+          <a:p>
+            <a:endParaRPr lang="en-US"/>
+          </a:p>
+        </p:txBody>
+      </p:sp>
+      <p:sp>
+        <p:nvSpPr>
+          <p:cNvPr id="73" name="Rectangle 8"/>
+          <p:cNvSpPr/>
+          <p:nvPr/>
+        </p:nvSpPr>
+        <p:spPr>
+          <a:xfrm>
+            <a:off x="7721701" y="4190123"/>
+            <a:ext cx="708186" cy="285783"/>
+          </a:xfrm>
+          <a:prstGeom prst="rect">
+            <a:avLst/>
+          </a:prstGeom>
+          <a:ln w="19050">
+            <a:solidFill>
+              <a:srgbClr val="7030A0"/>
+            </a:solidFill>
+          </a:ln>
+          <a:effectLst/>
+        </p:spPr>
+        <p:style>
+          <a:lnRef idx="1">
+            <a:schemeClr val="accent4"/>
+          </a:lnRef>
+          <a:fillRef idx="2">
+            <a:schemeClr val="accent4"/>
+          </a:fillRef>
+          <a:effectRef idx="1">
+            <a:schemeClr val="accent4"/>
+          </a:effectRef>
+          <a:fontRef idx="minor">
+            <a:schemeClr val="dk1"/>
+          </a:fontRef>
+        </p:style>
+        <p:txBody>
+          <a:bodyPr rtlCol="0" anchor="ctr"/>
+          <a:lstStyle/>
+          <a:p>
+            <a:pPr algn="ctr"/>
+            <a:r>
+              <a:rPr lang="en-US" altLang="zh-CN" sz="1050" dirty="0" smtClean="0">
+                <a:solidFill>
+                  <a:srgbClr val="7030A0"/>
+                </a:solidFill>
+              </a:rPr>
+              <a:t>Favorite</a:t>
+            </a:r>
+            <a:endParaRPr lang="en-SG" sz="1050" dirty="0">
+              <a:solidFill>
+                <a:srgbClr val="7030A0"/>
+              </a:solidFill>
+            </a:endParaRPr>
+          </a:p>
+        </p:txBody>
+      </p:sp>
+      <p:sp>
+        <p:nvSpPr>
+          <p:cNvPr id="90" name="Rectangle 8"/>
+          <p:cNvSpPr/>
+          <p:nvPr/>
+        </p:nvSpPr>
+        <p:spPr>
+          <a:xfrm>
+            <a:off x="7721701" y="4507671"/>
+            <a:ext cx="708186" cy="285783"/>
+          </a:xfrm>
+          <a:prstGeom prst="rect">
+            <a:avLst/>
+          </a:prstGeom>
+          <a:ln w="19050">
+            <a:solidFill>
+              <a:srgbClr val="7030A0"/>
+            </a:solidFill>
+          </a:ln>
+          <a:effectLst/>
+        </p:spPr>
+        <p:style>
+          <a:lnRef idx="1">
+            <a:schemeClr val="accent4"/>
+          </a:lnRef>
+          <a:fillRef idx="2">
+            <a:schemeClr val="accent4"/>
+          </a:fillRef>
+          <a:effectRef idx="1">
+            <a:schemeClr val="accent4"/>
+          </a:effectRef>
+          <a:fontRef idx="minor">
+            <a:schemeClr val="dk1"/>
+          </a:fontRef>
+        </p:style>
+        <p:txBody>
+          <a:bodyPr rtlCol="0" anchor="ctr"/>
+          <a:lstStyle/>
+          <a:p>
+            <a:pPr algn="ctr"/>
+            <a:r>
+              <a:rPr lang="en-US" altLang="zh-CN" sz="1050" dirty="0" smtClean="0">
+                <a:solidFill>
+                  <a:srgbClr val="7030A0"/>
+                </a:solidFill>
+              </a:rPr>
+              <a:t>Finished</a:t>
+            </a:r>
+            <a:endParaRPr lang="en-SG" sz="1050" dirty="0">
+              <a:solidFill>
+                <a:srgbClr val="7030A0"/>
+              </a:solidFill>
+            </a:endParaRPr>
+          </a:p>
+        </p:txBody>
+      </p:sp>
+      <p:cxnSp>
+        <p:nvCxnSpPr>
+          <p:cNvPr id="91" name="Elbow Connector 90"/>
+          <p:cNvCxnSpPr/>
+          <p:nvPr/>
+        </p:nvCxnSpPr>
+        <p:spPr>
+          <a:xfrm rot="16200000" flipH="1">
+            <a:off x="7129449" y="3777387"/>
+            <a:ext cx="972154" cy="213491"/>
+          </a:xfrm>
+          <a:prstGeom prst="bentConnector2">
+            <a:avLst/>
+          </a:prstGeom>
+          <a:ln w="19050">
+            <a:solidFill>
+              <a:srgbClr val="7030A0"/>
+            </a:solidFill>
+            <a:headEnd type="none" w="med" len="med"/>
+            <a:tailEnd type="arrow" w="med" len="med"/>
+          </a:ln>
+          <a:effectLst/>
+        </p:spPr>
+        <p:style>
+          <a:lnRef idx="1">
+            <a:schemeClr val="accent2"/>
+          </a:lnRef>
+          <a:fillRef idx="2">
+            <a:schemeClr val="accent2"/>
+          </a:fillRef>
+          <a:effectRef idx="1">
+            <a:schemeClr val="accent2"/>
+          </a:effectRef>
+          <a:fontRef idx="minor">
+            <a:schemeClr val="dk1"/>
+          </a:fontRef>
+        </p:style>
+      </p:cxnSp>
+      <p:cxnSp>
+        <p:nvCxnSpPr>
+          <p:cNvPr id="92" name="Elbow Connector 91"/>
+          <p:cNvCxnSpPr/>
+          <p:nvPr/>
+        </p:nvCxnSpPr>
+        <p:spPr>
+          <a:xfrm rot="16200000" flipH="1">
+            <a:off x="7128879" y="4092589"/>
+            <a:ext cx="972154" cy="213491"/>
+          </a:xfrm>
+          <a:prstGeom prst="bentConnector2">
+            <a:avLst/>
+          </a:prstGeom>
+          <a:ln w="19050">
+            <a:solidFill>
+              <a:srgbClr val="7030A0"/>
+            </a:solidFill>
+            <a:headEnd type="none" w="med" len="med"/>
+            <a:tailEnd type="arrow" w="med" len="med"/>
+          </a:ln>
+          <a:effectLst/>
+        </p:spPr>
+        <p:style>
+          <a:lnRef idx="1">
+            <a:schemeClr val="accent2"/>
+          </a:lnRef>
+          <a:fillRef idx="2">
+            <a:schemeClr val="accent2"/>
+          </a:fillRef>
+          <a:effectRef idx="1">
+            <a:schemeClr val="accent2"/>
+          </a:effectRef>
+          <a:fontRef idx="minor">
+            <a:schemeClr val="dk1"/>
+          </a:fontRef>
+        </p:style>
+      </p:cxnSp>
+      <p:cxnSp>
+        <p:nvCxnSpPr>
+          <p:cNvPr id="93" name="Elbow Connector 92"/>
+          <p:cNvCxnSpPr/>
+          <p:nvPr/>
+        </p:nvCxnSpPr>
+        <p:spPr>
+          <a:xfrm rot="16200000" flipH="1">
+            <a:off x="6464014" y="2680864"/>
+            <a:ext cx="399060" cy="3625"/>
+          </a:xfrm>
+          <a:prstGeom prst="bentConnector3">
+            <a:avLst>
+              <a:gd name="adj1" fmla="val 50000"/>
+            </a:avLst>
+          </a:prstGeom>
+          <a:ln w="19050">
+            <a:solidFill>
+              <a:srgbClr val="7030A0"/>
+            </a:solidFill>
+            <a:headEnd type="none" w="med" len="med"/>
+            <a:tailEnd type="arrow" w="med" len="med"/>
+          </a:ln>
+          <a:effectLst/>
+        </p:spPr>
+        <p:style>
+          <a:lnRef idx="1">
+            <a:schemeClr val="accent2"/>
+          </a:lnRef>
+          <a:fillRef idx="2">
+            <a:schemeClr val="accent2"/>
+          </a:fillRef>
+          <a:effectRef idx="1">
+            <a:schemeClr val="accent2"/>
+          </a:effectRef>
+          <a:fontRef idx="minor">
+            <a:schemeClr val="dk1"/>
+          </a:fontRef>
+        </p:style>
+      </p:cxnSp>
+      <p:sp>
+        <p:nvSpPr>
+          <p:cNvPr id="94" name="TextBox 93"/>
+          <p:cNvSpPr txBox="1"/>
+          <p:nvPr/>
+        </p:nvSpPr>
+        <p:spPr>
+          <a:xfrm>
+            <a:off x="6460829" y="2686420"/>
+            <a:ext cx="189257" cy="178683"/>
+          </a:xfrm>
+          <a:prstGeom prst="rect">
+            <a:avLst/>
+          </a:prstGeom>
+          <a:noFill/>
+        </p:spPr>
+        <p:txBody>
+          <a:bodyPr wrap="square" lIns="0" tIns="0" rIns="0" bIns="0" rtlCol="0">
+            <a:noAutofit/>
+          </a:bodyPr>
+          <a:lstStyle/>
+          <a:p>
+            <a:pPr algn="ctr"/>
+            <a:r>
+              <a:rPr lang="zh-CN" altLang="en-US" sz="1100" dirty="0">
+                <a:solidFill>
+                  <a:srgbClr val="7030A0"/>
+                </a:solidFill>
+              </a:rPr>
+              <a:t>*</a:t>
             </a:r>
             <a:endParaRPr lang="en-SG" sz="1100" dirty="0">
               <a:solidFill>

--- a/docs/diagrams/ModelComponentClassDiagram.pptx
+++ b/docs/diagrams/ModelComponentClassDiagram.pptx
@@ -208,7 +208,7 @@
           <a:p>
             <a:fld id="{F5CC4B3F-88C1-4FFA-B1B6-F41C21DC6924}" type="datetimeFigureOut">
               <a:rPr lang="en-US" smtClean="0"/>
-              <a:t>3/22/17</a:t>
+              <a:t>3/27/17</a:t>
             </a:fld>
             <a:endParaRPr lang="en-US"/>
           </a:p>
@@ -657,7 +657,7 @@
           <a:p>
             <a:fld id="{78C97017-6FC3-485B-9764-EAC9E56C1D49}" type="datetimeFigureOut">
               <a:rPr lang="en-US" smtClean="0"/>
-              <a:t>3/22/17</a:t>
+              <a:t>3/27/17</a:t>
             </a:fld>
             <a:endParaRPr lang="en-US"/>
           </a:p>
@@ -827,7 +827,7 @@
           <a:p>
             <a:fld id="{78C97017-6FC3-485B-9764-EAC9E56C1D49}" type="datetimeFigureOut">
               <a:rPr lang="en-US" smtClean="0"/>
-              <a:t>3/22/17</a:t>
+              <a:t>3/27/17</a:t>
             </a:fld>
             <a:endParaRPr lang="en-US"/>
           </a:p>
@@ -1007,7 +1007,7 @@
           <a:p>
             <a:fld id="{78C97017-6FC3-485B-9764-EAC9E56C1D49}" type="datetimeFigureOut">
               <a:rPr lang="en-US" smtClean="0"/>
-              <a:t>3/22/17</a:t>
+              <a:t>3/27/17</a:t>
             </a:fld>
             <a:endParaRPr lang="en-US"/>
           </a:p>
@@ -1177,7 +1177,7 @@
           <a:p>
             <a:fld id="{78C97017-6FC3-485B-9764-EAC9E56C1D49}" type="datetimeFigureOut">
               <a:rPr lang="en-US" smtClean="0"/>
-              <a:t>3/22/17</a:t>
+              <a:t>3/27/17</a:t>
             </a:fld>
             <a:endParaRPr lang="en-US"/>
           </a:p>
@@ -1423,7 +1423,7 @@
           <a:p>
             <a:fld id="{78C97017-6FC3-485B-9764-EAC9E56C1D49}" type="datetimeFigureOut">
               <a:rPr lang="en-US" smtClean="0"/>
-              <a:t>3/22/17</a:t>
+              <a:t>3/27/17</a:t>
             </a:fld>
             <a:endParaRPr lang="en-US"/>
           </a:p>
@@ -1711,7 +1711,7 @@
           <a:p>
             <a:fld id="{78C97017-6FC3-485B-9764-EAC9E56C1D49}" type="datetimeFigureOut">
               <a:rPr lang="en-US" smtClean="0"/>
-              <a:t>3/22/17</a:t>
+              <a:t>3/27/17</a:t>
             </a:fld>
             <a:endParaRPr lang="en-US"/>
           </a:p>
@@ -2133,7 +2133,7 @@
           <a:p>
             <a:fld id="{78C97017-6FC3-485B-9764-EAC9E56C1D49}" type="datetimeFigureOut">
               <a:rPr lang="en-US" smtClean="0"/>
-              <a:t>3/22/17</a:t>
+              <a:t>3/27/17</a:t>
             </a:fld>
             <a:endParaRPr lang="en-US"/>
           </a:p>
@@ -2251,7 +2251,7 @@
           <a:p>
             <a:fld id="{78C97017-6FC3-485B-9764-EAC9E56C1D49}" type="datetimeFigureOut">
               <a:rPr lang="en-US" smtClean="0"/>
-              <a:t>3/22/17</a:t>
+              <a:t>3/27/17</a:t>
             </a:fld>
             <a:endParaRPr lang="en-US"/>
           </a:p>
@@ -2346,7 +2346,7 @@
           <a:p>
             <a:fld id="{78C97017-6FC3-485B-9764-EAC9E56C1D49}" type="datetimeFigureOut">
               <a:rPr lang="en-US" smtClean="0"/>
-              <a:t>3/22/17</a:t>
+              <a:t>3/27/17</a:t>
             </a:fld>
             <a:endParaRPr lang="en-US"/>
           </a:p>
@@ -2623,7 +2623,7 @@
           <a:p>
             <a:fld id="{78C97017-6FC3-485B-9764-EAC9E56C1D49}" type="datetimeFigureOut">
               <a:rPr lang="en-US" smtClean="0"/>
-              <a:t>3/22/17</a:t>
+              <a:t>3/27/17</a:t>
             </a:fld>
             <a:endParaRPr lang="en-US"/>
           </a:p>
@@ -2876,7 +2876,7 @@
           <a:p>
             <a:fld id="{78C97017-6FC3-485B-9764-EAC9E56C1D49}" type="datetimeFigureOut">
               <a:rPr lang="en-US" smtClean="0"/>
-              <a:t>3/22/17</a:t>
+              <a:t>3/27/17</a:t>
             </a:fld>
             <a:endParaRPr lang="en-US"/>
           </a:p>
@@ -3089,7 +3089,7 @@
           <a:p>
             <a:fld id="{78C97017-6FC3-485B-9764-EAC9E56C1D49}" type="datetimeFigureOut">
               <a:rPr lang="en-US" smtClean="0"/>
-              <a:t>3/22/17</a:t>
+              <a:t>3/27/17</a:t>
             </a:fld>
             <a:endParaRPr lang="en-US"/>
           </a:p>
@@ -3653,11 +3653,13 @@
         </p:nvCxnSpPr>
         <p:spPr>
           <a:xfrm flipV="1">
-            <a:off x="6477000" y="3194131"/>
-            <a:ext cx="95385" cy="416514"/>
-          </a:xfrm>
-          <a:prstGeom prst="bentConnector2">
-            <a:avLst/>
+            <a:off x="5826306" y="3200538"/>
+            <a:ext cx="563361" cy="302526"/>
+          </a:xfrm>
+          <a:prstGeom prst="bentConnector3">
+            <a:avLst>
+              <a:gd name="adj1" fmla="val 108491"/>
+            </a:avLst>
           </a:prstGeom>
           <a:ln w="19050">
             <a:solidFill>
@@ -3687,20 +3689,18 @@
       <p:cxnSp>
         <p:nvCxnSpPr>
           <p:cNvPr id="107" name="Elbow Connector 106"/>
-          <p:cNvCxnSpPr>
-            <a:stCxn id="9" idx="1"/>
-          </p:cNvCxnSpPr>
+          <p:cNvCxnSpPr/>
           <p:nvPr/>
         </p:nvCxnSpPr>
         <p:spPr>
           <a:xfrm rot="5400000" flipH="1" flipV="1">
-            <a:off x="4360065" y="1080909"/>
+            <a:off x="4352093" y="1081059"/>
             <a:ext cx="378691" cy="4637261"/>
           </a:xfrm>
           <a:prstGeom prst="bentConnector4">
             <a:avLst>
-              <a:gd name="adj1" fmla="val -101829"/>
-              <a:gd name="adj2" fmla="val 99976"/>
+              <a:gd name="adj1" fmla="val -182317"/>
+              <a:gd name="adj2" fmla="val 99975"/>
             </a:avLst>
           </a:prstGeom>
           <a:ln w="19050">
@@ -3894,7 +3894,7 @@
         </p:nvSpPr>
         <p:spPr>
           <a:xfrm rot="5400000" flipV="1">
-            <a:off x="6253986" y="3522883"/>
+            <a:off x="5603292" y="3415302"/>
             <a:ext cx="270504" cy="175523"/>
           </a:xfrm>
           <a:prstGeom prst="triangle">
@@ -4469,14 +4469,99 @@
       </p:cxnSp>
       <p:sp>
         <p:nvSpPr>
-          <p:cNvPr id="62" name="Rectangle 8"/>
+          <p:cNvPr id="63" name="Flowchart: Decision 96"/>
           <p:cNvSpPr/>
           <p:nvPr/>
         </p:nvSpPr>
         <p:spPr>
           <a:xfrm>
-            <a:off x="6313677" y="2858066"/>
-            <a:ext cx="708186" cy="346760"/>
+            <a:off x="5643227" y="2943979"/>
+            <a:ext cx="236048" cy="173380"/>
+          </a:xfrm>
+          <a:prstGeom prst="flowChartDecision">
+            <a:avLst/>
+          </a:prstGeom>
+          <a:noFill/>
+          <a:ln w="19050">
+            <a:solidFill>
+              <a:srgbClr val="7030A0"/>
+            </a:solidFill>
+          </a:ln>
+          <a:effectLst/>
+        </p:spPr>
+        <p:style>
+          <a:lnRef idx="1">
+            <a:schemeClr val="accent6"/>
+          </a:lnRef>
+          <a:fillRef idx="2">
+            <a:schemeClr val="accent6"/>
+          </a:fillRef>
+          <a:effectRef idx="1">
+            <a:schemeClr val="accent6"/>
+          </a:effectRef>
+          <a:fontRef idx="minor">
+            <a:schemeClr val="dk1"/>
+          </a:fontRef>
+        </p:style>
+        <p:txBody>
+          <a:bodyPr rtlCol="0" anchor="ctr"/>
+          <a:lstStyle/>
+          <a:p>
+            <a:pPr algn="ctr"/>
+            <a:endParaRPr lang="en-US" sz="1050"/>
+          </a:p>
+        </p:txBody>
+      </p:sp>
+      <p:cxnSp>
+        <p:nvCxnSpPr>
+          <p:cNvPr id="64" name="Elbow Connector 63"/>
+          <p:cNvCxnSpPr>
+            <a:stCxn id="63" idx="3"/>
+          </p:cNvCxnSpPr>
+          <p:nvPr/>
+        </p:nvCxnSpPr>
+        <p:spPr>
+          <a:xfrm>
+            <a:off x="5879275" y="3030669"/>
+            <a:ext cx="434402" cy="777"/>
+          </a:xfrm>
+          <a:prstGeom prst="bentConnector3">
+            <a:avLst/>
+          </a:prstGeom>
+          <a:ln w="19050">
+            <a:solidFill>
+              <a:srgbClr val="7030A0"/>
+            </a:solidFill>
+            <a:headEnd type="none" w="med" len="med"/>
+            <a:tailEnd type="arrow" w="med" len="med"/>
+          </a:ln>
+          <a:effectLst/>
+        </p:spPr>
+        <p:style>
+          <a:lnRef idx="1">
+            <a:schemeClr val="accent2"/>
+          </a:lnRef>
+          <a:fillRef idx="2">
+            <a:schemeClr val="accent2"/>
+          </a:fillRef>
+          <a:effectRef idx="1">
+            <a:schemeClr val="accent2"/>
+          </a:effectRef>
+          <a:fontRef idx="minor">
+            <a:schemeClr val="dk1"/>
+          </a:fontRef>
+        </p:style>
+      </p:cxnSp>
+      <p:sp>
+        <p:nvSpPr>
+          <p:cNvPr id="67" name="Rectangle 8"/>
+          <p:cNvSpPr/>
+          <p:nvPr/>
+        </p:nvSpPr>
+        <p:spPr>
+          <a:xfrm>
+            <a:off x="5336105" y="1809332"/>
+            <a:ext cx="483700" cy="346760"/>
           </a:xfrm>
           <a:prstGeom prst="rect">
             <a:avLst/>
@@ -4508,12 +4593,12 @@
           <a:p>
             <a:pPr algn="ctr"/>
             <a:r>
-              <a:rPr lang="en-US" altLang="zh-CN" sz="1050" dirty="0" smtClean="0">
+              <a:rPr lang="en-US" sz="1050" dirty="0" smtClean="0">
                 <a:solidFill>
                   <a:srgbClr val="7030A0"/>
                 </a:solidFill>
               </a:rPr>
-              <a:t>Task</a:t>
+              <a:t>Tag</a:t>
             </a:r>
             <a:endParaRPr lang="en-SG" sz="1050" dirty="0">
               <a:solidFill>
@@ -4525,13 +4610,13 @@
       </p:sp>
       <p:sp>
         <p:nvSpPr>
-          <p:cNvPr id="63" name="Flowchart: Decision 96"/>
+          <p:cNvPr id="68" name="Flowchart: Decision 96"/>
           <p:cNvSpPr/>
           <p:nvPr/>
         </p:nvSpPr>
         <p:spPr>
-          <a:xfrm>
-            <a:off x="5643227" y="2943979"/>
+          <a:xfrm rot="16200000">
+            <a:off x="4921666" y="2066540"/>
             <a:ext cx="236048" cy="173380"/>
           </a:xfrm>
           <a:prstGeom prst="flowChartDecision">
@@ -4570,19 +4655,19 @@
       </p:sp>
       <p:cxnSp>
         <p:nvCxnSpPr>
-          <p:cNvPr id="64" name="Elbow Connector 63"/>
+          <p:cNvPr id="69" name="Elbow Connector 68"/>
           <p:cNvCxnSpPr>
-            <a:stCxn id="63" idx="3"/>
-            <a:endCxn id="62" idx="1"/>
+            <a:stCxn id="68" idx="3"/>
+            <a:endCxn id="67" idx="1"/>
           </p:cNvCxnSpPr>
           <p:nvPr/>
         </p:nvCxnSpPr>
         <p:spPr>
-          <a:xfrm>
-            <a:off x="5879275" y="3030669"/>
-            <a:ext cx="434402" cy="777"/>
-          </a:xfrm>
-          <a:prstGeom prst="bentConnector3">
+          <a:xfrm rot="5400000" flipH="1" flipV="1">
+            <a:off x="5161650" y="1860752"/>
+            <a:ext cx="52494" cy="296415"/>
+          </a:xfrm>
+          <a:prstGeom prst="bentConnector2">
             <a:avLst/>
           </a:prstGeom>
           <a:ln w="19050">
@@ -4611,14 +4696,14 @@
       </p:cxnSp>
       <p:sp>
         <p:nvSpPr>
-          <p:cNvPr id="67" name="Rectangle 8"/>
+          <p:cNvPr id="72" name="Rectangle 8"/>
           <p:cNvSpPr/>
           <p:nvPr/>
         </p:nvSpPr>
         <p:spPr>
           <a:xfrm>
-            <a:off x="5336105" y="1809332"/>
-            <a:ext cx="483700" cy="346760"/>
+            <a:off x="4498814" y="3306952"/>
+            <a:ext cx="1156969" cy="346760"/>
           </a:xfrm>
           <a:prstGeom prst="rect">
             <a:avLst/>
@@ -4655,7 +4740,30 @@
                   <a:srgbClr val="7030A0"/>
                 </a:solidFill>
               </a:rPr>
-              <a:t>Tag</a:t>
+              <a:t>&lt;&lt;interface&gt;&gt;</a:t>
+            </a:r>
+            <a:br>
+              <a:rPr lang="en-US" sz="1050" dirty="0" smtClean="0">
+                <a:solidFill>
+                  <a:srgbClr val="7030A0"/>
+                </a:solidFill>
+              </a:rPr>
+            </a:br>
+            <a:r>
+              <a:rPr lang="en-US" sz="1050" dirty="0" err="1" smtClean="0">
+                <a:solidFill>
+                  <a:srgbClr val="7030A0"/>
+                </a:solidFill>
+              </a:rPr>
+              <a:t>ReadOnly</a:t>
+            </a:r>
+            <a:r>
+              <a:rPr lang="en-US" altLang="zh-CN" sz="1050" dirty="0" err="1" smtClean="0">
+                <a:solidFill>
+                  <a:srgbClr val="7030A0"/>
+                </a:solidFill>
+              </a:rPr>
+              <a:t>Task</a:t>
             </a:r>
             <a:endParaRPr lang="en-SG" sz="1050" dirty="0">
               <a:solidFill>
@@ -4667,19 +4775,93 @@
       </p:sp>
       <p:sp>
         <p:nvSpPr>
-          <p:cNvPr id="68" name="Flowchart: Decision 96"/>
+          <p:cNvPr id="76" name="Rectangle 8"/>
           <p:cNvSpPr/>
           <p:nvPr/>
         </p:nvSpPr>
         <p:spPr>
-          <a:xfrm rot="16200000">
-            <a:off x="4921666" y="2066540"/>
+          <a:xfrm>
+            <a:off x="7712397" y="2564238"/>
+            <a:ext cx="708186" cy="285783"/>
+          </a:xfrm>
+          <a:prstGeom prst="rect">
+            <a:avLst/>
+          </a:prstGeom>
+          <a:ln w="19050">
+            <a:solidFill>
+              <a:srgbClr val="7030A0"/>
+            </a:solidFill>
+          </a:ln>
+          <a:effectLst/>
+        </p:spPr>
+        <p:style>
+          <a:lnRef idx="1">
+            <a:schemeClr val="accent4"/>
+          </a:lnRef>
+          <a:fillRef idx="2">
+            <a:schemeClr val="accent4"/>
+          </a:fillRef>
+          <a:effectRef idx="1">
+            <a:schemeClr val="accent4"/>
+          </a:effectRef>
+          <a:fontRef idx="minor">
+            <a:schemeClr val="dk1"/>
+          </a:fontRef>
+        </p:style>
+        <p:txBody>
+          <a:bodyPr rtlCol="0" anchor="ctr"/>
+          <a:lstStyle/>
+          <a:p>
+            <a:pPr algn="ctr"/>
+            <a:r>
+              <a:rPr lang="en-US" altLang="zh-CN" sz="1050" dirty="0" smtClean="0">
+                <a:solidFill>
+                  <a:srgbClr val="7030A0"/>
+                </a:solidFill>
+              </a:rPr>
+              <a:t>Due</a:t>
+            </a:r>
+            <a:r>
+              <a:rPr lang="zh-CN" altLang="en-US" sz="1050" dirty="0" smtClean="0">
+                <a:solidFill>
+                  <a:srgbClr val="7030A0"/>
+                </a:solidFill>
+              </a:rPr>
+              <a:t> </a:t>
+            </a:r>
+            <a:r>
+              <a:rPr lang="en-US" altLang="zh-CN" sz="1050" dirty="0" smtClean="0">
+                <a:solidFill>
+                  <a:srgbClr val="7030A0"/>
+                </a:solidFill>
+              </a:rPr>
+              <a:t>time</a:t>
+            </a:r>
+            <a:endParaRPr lang="en-SG" sz="1050" dirty="0">
+              <a:solidFill>
+                <a:srgbClr val="7030A0"/>
+              </a:solidFill>
+            </a:endParaRPr>
+          </a:p>
+        </p:txBody>
+      </p:sp>
+      <p:sp>
+        <p:nvSpPr>
+          <p:cNvPr id="78" name="Flowchart: Decision 96"/>
+          <p:cNvSpPr/>
+          <p:nvPr/>
+        </p:nvSpPr>
+        <p:spPr>
+          <a:xfrm>
+            <a:off x="7041947" y="2948201"/>
             <a:ext cx="236048" cy="173380"/>
           </a:xfrm>
           <a:prstGeom prst="flowChartDecision">
             <a:avLst/>
           </a:prstGeom>
-          <a:noFill/>
+          <a:solidFill>
+            <a:srgbClr val="7030A0"/>
+          </a:solidFill>
           <a:ln w="19050">
             <a:solidFill>
               <a:srgbClr val="7030A0"/>
@@ -4712,19 +4894,19 @@
       </p:sp>
       <p:cxnSp>
         <p:nvCxnSpPr>
-          <p:cNvPr id="69" name="Elbow Connector 68"/>
+          <p:cNvPr id="79" name="Elbow Connector 78"/>
           <p:cNvCxnSpPr>
-            <a:stCxn id="68" idx="3"/>
-            <a:endCxn id="67" idx="1"/>
+            <a:stCxn id="78" idx="3"/>
+            <a:endCxn id="76" idx="1"/>
           </p:cNvCxnSpPr>
           <p:nvPr/>
         </p:nvCxnSpPr>
         <p:spPr>
-          <a:xfrm rot="5400000" flipH="1" flipV="1">
-            <a:off x="5161650" y="1860752"/>
-            <a:ext cx="52494" cy="296415"/>
-          </a:xfrm>
-          <a:prstGeom prst="bentConnector2">
+          <a:xfrm flipV="1">
+            <a:off x="7277995" y="2707130"/>
+            <a:ext cx="434402" cy="327761"/>
+          </a:xfrm>
+          <a:prstGeom prst="bentConnector3">
             <a:avLst/>
           </a:prstGeom>
           <a:ln w="19050">
@@ -4753,14 +4935,14 @@
       </p:cxnSp>
       <p:sp>
         <p:nvSpPr>
-          <p:cNvPr id="72" name="Rectangle 8"/>
+          <p:cNvPr id="80" name="Rectangle 8"/>
           <p:cNvSpPr/>
           <p:nvPr/>
         </p:nvSpPr>
         <p:spPr>
           <a:xfrm>
-            <a:off x="5128257" y="3429000"/>
-            <a:ext cx="1156969" cy="346760"/>
+            <a:off x="7712396" y="2887216"/>
+            <a:ext cx="776558" cy="285783"/>
           </a:xfrm>
           <a:prstGeom prst="rect">
             <a:avLst/>
@@ -4792,37 +4974,14 @@
           <a:p>
             <a:pPr algn="ctr"/>
             <a:r>
-              <a:rPr lang="en-US" sz="1050" dirty="0" smtClean="0">
+              <a:rPr lang="en-US" altLang="zh-CN" sz="1000" dirty="0" smtClean="0">
                 <a:solidFill>
                   <a:srgbClr val="7030A0"/>
                 </a:solidFill>
               </a:rPr>
-              <a:t>&lt;&lt;interface&gt;&gt;</a:t>
-            </a:r>
-            <a:br>
-              <a:rPr lang="en-US" sz="1050" dirty="0" smtClean="0">
-                <a:solidFill>
-                  <a:srgbClr val="7030A0"/>
-                </a:solidFill>
-              </a:rPr>
-            </a:br>
-            <a:r>
-              <a:rPr lang="en-US" sz="1050" dirty="0" err="1" smtClean="0">
-                <a:solidFill>
-                  <a:srgbClr val="7030A0"/>
-                </a:solidFill>
-              </a:rPr>
-              <a:t>ReadOnly</a:t>
-            </a:r>
-            <a:r>
-              <a:rPr lang="en-US" altLang="zh-CN" sz="1050" dirty="0" err="1" smtClean="0">
-                <a:solidFill>
-                  <a:srgbClr val="7030A0"/>
-                </a:solidFill>
-              </a:rPr>
-              <a:t>Task</a:t>
-            </a:r>
-            <a:endParaRPr lang="en-SG" sz="1050" dirty="0">
+              <a:t>Description</a:t>
+            </a:r>
+            <a:endParaRPr lang="en-SG" sz="1000" dirty="0">
               <a:solidFill>
                 <a:srgbClr val="7030A0"/>
               </a:solidFill>
@@ -4830,15 +4989,56 @@
           </a:p>
         </p:txBody>
       </p:sp>
-      <p:sp>
-        <p:nvSpPr>
-          <p:cNvPr id="76" name="Rectangle 8"/>
+      <p:cxnSp>
+        <p:nvCxnSpPr>
+          <p:cNvPr id="81" name="Elbow Connector 80"/>
+          <p:cNvCxnSpPr>
+            <a:stCxn id="78" idx="3"/>
+            <a:endCxn id="80" idx="1"/>
+          </p:cNvCxnSpPr>
+          <p:nvPr/>
+        </p:nvCxnSpPr>
+        <p:spPr>
+          <a:xfrm flipV="1">
+            <a:off x="7277995" y="3030108"/>
+            <a:ext cx="434401" cy="4783"/>
+          </a:xfrm>
+          <a:prstGeom prst="bentConnector3">
+            <a:avLst/>
+          </a:prstGeom>
+          <a:ln w="19050">
+            <a:solidFill>
+              <a:srgbClr val="7030A0"/>
+            </a:solidFill>
+            <a:headEnd type="none" w="med" len="med"/>
+            <a:tailEnd type="arrow" w="med" len="med"/>
+          </a:ln>
+          <a:effectLst/>
+        </p:spPr>
+        <p:style>
+          <a:lnRef idx="1">
+            <a:schemeClr val="accent2"/>
+          </a:lnRef>
+          <a:fillRef idx="2">
+            <a:schemeClr val="accent2"/>
+          </a:fillRef>
+          <a:effectRef idx="1">
+            <a:schemeClr val="accent2"/>
+          </a:effectRef>
+          <a:fontRef idx="minor">
+            <a:schemeClr val="dk1"/>
+          </a:fontRef>
+        </p:style>
+      </p:cxnSp>
+      <p:sp>
+        <p:nvSpPr>
+          <p:cNvPr id="83" name="Rectangle 8"/>
           <p:cNvSpPr/>
           <p:nvPr/>
         </p:nvSpPr>
         <p:spPr>
           <a:xfrm>
-            <a:off x="7712397" y="2564238"/>
+            <a:off x="7712397" y="3210194"/>
             <a:ext cx="708186" cy="285783"/>
           </a:xfrm>
           <a:prstGeom prst="rect">
@@ -4876,23 +5076,7 @@
                   <a:srgbClr val="7030A0"/>
                 </a:solidFill>
               </a:rPr>
-              <a:t>Due</a:t>
-            </a:r>
-            <a:r>
-              <a:rPr lang="zh-CN" altLang="en-US" sz="1050" dirty="0" smtClean="0">
-                <a:solidFill>
-                  <a:srgbClr val="7030A0"/>
-                </a:solidFill>
-              </a:rPr>
-              <a:t> </a:t>
-            </a:r>
-            <a:r>
-              <a:rPr lang="en-US" altLang="zh-CN" sz="1050" dirty="0" smtClean="0">
-                <a:solidFill>
-                  <a:srgbClr val="7030A0"/>
-                </a:solidFill>
-              </a:rPr>
-              <a:t>time</a:t>
+              <a:t>Venue</a:t>
             </a:r>
             <a:endParaRPr lang="en-SG" sz="1050" dirty="0">
               <a:solidFill>
@@ -4902,66 +5086,19 @@
           </a:p>
         </p:txBody>
       </p:sp>
-      <p:sp>
-        <p:nvSpPr>
-          <p:cNvPr id="78" name="Flowchart: Decision 96"/>
-          <p:cNvSpPr/>
-          <p:nvPr/>
-        </p:nvSpPr>
-        <p:spPr>
-          <a:xfrm>
-            <a:off x="7041947" y="2948201"/>
-            <a:ext cx="236048" cy="173380"/>
-          </a:xfrm>
-          <a:prstGeom prst="flowChartDecision">
-            <a:avLst/>
-          </a:prstGeom>
-          <a:solidFill>
-            <a:srgbClr val="7030A0"/>
-          </a:solidFill>
-          <a:ln w="19050">
-            <a:solidFill>
-              <a:srgbClr val="7030A0"/>
-            </a:solidFill>
-          </a:ln>
-          <a:effectLst/>
-        </p:spPr>
-        <p:style>
-          <a:lnRef idx="1">
-            <a:schemeClr val="accent6"/>
-          </a:lnRef>
-          <a:fillRef idx="2">
-            <a:schemeClr val="accent6"/>
-          </a:fillRef>
-          <a:effectRef idx="1">
-            <a:schemeClr val="accent6"/>
-          </a:effectRef>
-          <a:fontRef idx="minor">
-            <a:schemeClr val="dk1"/>
-          </a:fontRef>
-        </p:style>
-        <p:txBody>
-          <a:bodyPr rtlCol="0" anchor="ctr"/>
-          <a:lstStyle/>
-          <a:p>
-            <a:pPr algn="ctr"/>
-            <a:endParaRPr lang="en-US" sz="1050"/>
-          </a:p>
-        </p:txBody>
-      </p:sp>
       <p:cxnSp>
         <p:nvCxnSpPr>
-          <p:cNvPr id="79" name="Elbow Connector 78"/>
+          <p:cNvPr id="84" name="Elbow Connector 83"/>
           <p:cNvCxnSpPr>
             <a:stCxn id="78" idx="3"/>
-            <a:endCxn id="76" idx="1"/>
+            <a:endCxn id="83" idx="1"/>
           </p:cNvCxnSpPr>
           <p:nvPr/>
         </p:nvCxnSpPr>
         <p:spPr>
-          <a:xfrm flipV="1">
-            <a:off x="7277995" y="2707130"/>
-            <a:ext cx="434402" cy="327761"/>
+          <a:xfrm>
+            <a:off x="7277995" y="3034891"/>
+            <a:ext cx="434402" cy="318195"/>
           </a:xfrm>
           <a:prstGeom prst="bentConnector3">
             <a:avLst/>
@@ -4992,14 +5129,14 @@
       </p:cxnSp>
       <p:sp>
         <p:nvSpPr>
-          <p:cNvPr id="80" name="Rectangle 8"/>
+          <p:cNvPr id="85" name="Rectangle 8"/>
           <p:cNvSpPr/>
           <p:nvPr/>
         </p:nvSpPr>
         <p:spPr>
           <a:xfrm>
-            <a:off x="7712396" y="2887216"/>
-            <a:ext cx="776558" cy="285783"/>
+            <a:off x="7712397" y="3533171"/>
+            <a:ext cx="708186" cy="285783"/>
           </a:xfrm>
           <a:prstGeom prst="rect">
             <a:avLst/>
@@ -5031,14 +5168,14 @@
           <a:p>
             <a:pPr algn="ctr"/>
             <a:r>
-              <a:rPr lang="en-US" altLang="zh-CN" sz="1000" dirty="0" smtClean="0">
+              <a:rPr lang="en-US" altLang="zh-CN" sz="1050" dirty="0" smtClean="0">
                 <a:solidFill>
                   <a:srgbClr val="7030A0"/>
                 </a:solidFill>
               </a:rPr>
-              <a:t>Description</a:t>
-            </a:r>
-            <a:endParaRPr lang="en-SG" sz="1000" dirty="0">
+              <a:t>List</a:t>
+            </a:r>
+            <a:endParaRPr lang="en-SG" sz="1050" dirty="0">
               <a:solidFill>
                 <a:srgbClr val="7030A0"/>
               </a:solidFill>
@@ -5048,17 +5185,17 @@
       </p:sp>
       <p:cxnSp>
         <p:nvCxnSpPr>
-          <p:cNvPr id="81" name="Elbow Connector 80"/>
+          <p:cNvPr id="86" name="Elbow Connector 85"/>
           <p:cNvCxnSpPr>
             <a:stCxn id="78" idx="3"/>
-            <a:endCxn id="80" idx="1"/>
+            <a:endCxn id="85" idx="1"/>
           </p:cNvCxnSpPr>
           <p:nvPr/>
         </p:nvCxnSpPr>
         <p:spPr>
-          <a:xfrm flipV="1">
-            <a:off x="7277995" y="3030108"/>
-            <a:ext cx="434401" cy="4783"/>
+          <a:xfrm>
+            <a:off x="7277995" y="3034891"/>
+            <a:ext cx="434402" cy="641172"/>
           </a:xfrm>
           <a:prstGeom prst="bentConnector3">
             <a:avLst/>
@@ -5087,18 +5224,61 @@
           </a:fontRef>
         </p:style>
       </p:cxnSp>
-      <p:sp>
-        <p:nvSpPr>
-          <p:cNvPr id="83" name="Rectangle 8"/>
+      <p:cxnSp>
+        <p:nvCxnSpPr>
+          <p:cNvPr id="97" name="Elbow Connector 63"/>
+          <p:cNvCxnSpPr>
+            <a:stCxn id="99" idx="3"/>
+          </p:cNvCxnSpPr>
+          <p:nvPr/>
+        </p:nvCxnSpPr>
+        <p:spPr>
+          <a:xfrm rot="16200000" flipH="1">
+            <a:off x="3279321" y="2485431"/>
+            <a:ext cx="293825" cy="1"/>
+          </a:xfrm>
+          <a:prstGeom prst="bentConnector3">
+            <a:avLst>
+              <a:gd name="adj1" fmla="val 50000"/>
+            </a:avLst>
+          </a:prstGeom>
+          <a:ln w="19050">
+            <a:solidFill>
+              <a:srgbClr val="7030A0"/>
+            </a:solidFill>
+            <a:prstDash val="sysDot"/>
+            <a:headEnd type="none" w="med" len="med"/>
+            <a:tailEnd type="none" w="med" len="med"/>
+          </a:ln>
+          <a:effectLst/>
+        </p:spPr>
+        <p:style>
+          <a:lnRef idx="1">
+            <a:schemeClr val="accent2"/>
+          </a:lnRef>
+          <a:fillRef idx="2">
+            <a:schemeClr val="accent2"/>
+          </a:fillRef>
+          <a:effectRef idx="1">
+            <a:schemeClr val="accent2"/>
+          </a:effectRef>
+          <a:fontRef idx="minor">
+            <a:schemeClr val="dk1"/>
+          </a:fontRef>
+        </p:style>
+      </p:cxnSp>
+      <p:sp>
+        <p:nvSpPr>
+          <p:cNvPr id="99" name="Isosceles Triangle 102"/>
           <p:cNvSpPr/>
           <p:nvPr/>
         </p:nvSpPr>
         <p:spPr>
-          <a:xfrm>
-            <a:off x="7712397" y="3210194"/>
-            <a:ext cx="708186" cy="285783"/>
-          </a:xfrm>
-          <a:prstGeom prst="rect">
+          <a:xfrm rot="10800000" flipV="1">
+            <a:off x="3290981" y="2162997"/>
+            <a:ext cx="270504" cy="175523"/>
+          </a:xfrm>
+          <a:prstGeom prst="triangle">
             <a:avLst/>
           </a:prstGeom>
           <a:ln w="19050">
@@ -5127,73 +5307,24 @@
           <a:lstStyle/>
           <a:p>
             <a:pPr algn="ctr"/>
-            <a:r>
-              <a:rPr lang="en-US" altLang="zh-CN" sz="1050" dirty="0" smtClean="0">
-                <a:solidFill>
-                  <a:srgbClr val="7030A0"/>
-                </a:solidFill>
-              </a:rPr>
-              <a:t>Venue</a:t>
-            </a:r>
-            <a:endParaRPr lang="en-SG" sz="1050" dirty="0">
+            <a:endParaRPr lang="en-SG" sz="1050" b="1">
               <a:solidFill>
-                <a:srgbClr val="7030A0"/>
+                <a:srgbClr val="92D050"/>
               </a:solidFill>
             </a:endParaRPr>
           </a:p>
         </p:txBody>
       </p:sp>
-      <p:cxnSp>
-        <p:nvCxnSpPr>
-          <p:cNvPr id="84" name="Elbow Connector 83"/>
-          <p:cNvCxnSpPr>
-            <a:stCxn id="78" idx="3"/>
-            <a:endCxn id="83" idx="1"/>
-          </p:cNvCxnSpPr>
-          <p:nvPr/>
-        </p:nvCxnSpPr>
-        <p:spPr>
-          <a:xfrm>
-            <a:off x="7277995" y="3034891"/>
-            <a:ext cx="434402" cy="318195"/>
-          </a:xfrm>
-          <a:prstGeom prst="bentConnector3">
-            <a:avLst/>
-          </a:prstGeom>
-          <a:ln w="19050">
-            <a:solidFill>
-              <a:srgbClr val="7030A0"/>
-            </a:solidFill>
-            <a:headEnd type="none" w="med" len="med"/>
-            <a:tailEnd type="arrow" w="med" len="med"/>
-          </a:ln>
-          <a:effectLst/>
-        </p:spPr>
-        <p:style>
-          <a:lnRef idx="1">
-            <a:schemeClr val="accent2"/>
-          </a:lnRef>
-          <a:fillRef idx="2">
-            <a:schemeClr val="accent2"/>
-          </a:fillRef>
-          <a:effectRef idx="1">
-            <a:schemeClr val="accent2"/>
-          </a:effectRef>
-          <a:fontRef idx="minor">
-            <a:schemeClr val="dk1"/>
-          </a:fontRef>
-        </p:style>
-      </p:cxnSp>
-      <p:sp>
-        <p:nvSpPr>
-          <p:cNvPr id="85" name="Rectangle 8"/>
+      <p:sp>
+        <p:nvSpPr>
+          <p:cNvPr id="100" name="Rectangle 8"/>
           <p:cNvSpPr/>
           <p:nvPr/>
         </p:nvSpPr>
         <p:spPr>
           <a:xfrm>
-            <a:off x="7712397" y="3533171"/>
-            <a:ext cx="708186" cy="285783"/>
+            <a:off x="2660303" y="1806470"/>
+            <a:ext cx="1539926" cy="346760"/>
           </a:xfrm>
           <a:prstGeom prst="rect">
             <a:avLst/>
@@ -5225,12 +5356,35 @@
           <a:p>
             <a:pPr algn="ctr"/>
             <a:r>
-              <a:rPr lang="en-US" altLang="zh-CN" sz="1050" dirty="0" smtClean="0">
+              <a:rPr lang="en-US" sz="1050" dirty="0" smtClean="0">
                 <a:solidFill>
                   <a:srgbClr val="7030A0"/>
                 </a:solidFill>
               </a:rPr>
-              <a:t>List</a:t>
+              <a:t>&lt;&lt;interface&gt;&gt;</a:t>
+            </a:r>
+            <a:br>
+              <a:rPr lang="en-US" sz="1050" dirty="0" smtClean="0">
+                <a:solidFill>
+                  <a:srgbClr val="7030A0"/>
+                </a:solidFill>
+              </a:rPr>
+            </a:br>
+            <a:r>
+              <a:rPr lang="en-US" sz="1050" dirty="0" err="1" smtClean="0">
+                <a:solidFill>
+                  <a:srgbClr val="7030A0"/>
+                </a:solidFill>
+              </a:rPr>
+              <a:t>ReadOnly</a:t>
+            </a:r>
+            <a:r>
+              <a:rPr lang="en-US" altLang="zh-CN" sz="1050" dirty="0" err="1" smtClean="0">
+                <a:solidFill>
+                  <a:srgbClr val="7030A0"/>
+                </a:solidFill>
+              </a:rPr>
+              <a:t>TaskManager</a:t>
             </a:r>
             <a:endParaRPr lang="en-SG" sz="1050" dirty="0">
               <a:solidFill>
@@ -5240,102 +5394,57 @@
           </a:p>
         </p:txBody>
       </p:sp>
-      <p:cxnSp>
-        <p:nvCxnSpPr>
-          <p:cNvPr id="86" name="Elbow Connector 85"/>
-          <p:cNvCxnSpPr>
-            <a:stCxn id="78" idx="3"/>
-            <a:endCxn id="85" idx="1"/>
-          </p:cNvCxnSpPr>
+      <p:sp>
+        <p:nvSpPr>
+          <p:cNvPr id="114" name="TextBox 113"/>
+          <p:cNvSpPr txBox="1"/>
           <p:nvPr/>
-        </p:nvCxnSpPr>
+        </p:nvSpPr>
         <p:spPr>
           <a:xfrm>
-            <a:off x="7277995" y="3034891"/>
-            <a:ext cx="434402" cy="641172"/>
-          </a:xfrm>
-          <a:prstGeom prst="bentConnector3">
+            <a:off x="4895288" y="4266635"/>
+            <a:ext cx="881018" cy="261610"/>
+          </a:xfrm>
+          <a:prstGeom prst="rect">
             <a:avLst/>
           </a:prstGeom>
-          <a:ln w="19050">
-            <a:solidFill>
-              <a:srgbClr val="7030A0"/>
-            </a:solidFill>
-            <a:headEnd type="none" w="med" len="med"/>
-            <a:tailEnd type="arrow" w="med" len="med"/>
-          </a:ln>
-          <a:effectLst/>
-        </p:spPr>
-        <p:style>
-          <a:lnRef idx="1">
-            <a:schemeClr val="accent2"/>
-          </a:lnRef>
-          <a:fillRef idx="2">
-            <a:schemeClr val="accent2"/>
-          </a:fillRef>
-          <a:effectRef idx="1">
-            <a:schemeClr val="accent2"/>
-          </a:effectRef>
-          <a:fontRef idx="minor">
-            <a:schemeClr val="dk1"/>
-          </a:fontRef>
-        </p:style>
-      </p:cxnSp>
-      <p:cxnSp>
-        <p:nvCxnSpPr>
-          <p:cNvPr id="97" name="Elbow Connector 63"/>
-          <p:cNvCxnSpPr>
-            <a:stCxn id="99" idx="3"/>
-          </p:cNvCxnSpPr>
-          <p:nvPr/>
-        </p:nvCxnSpPr>
-        <p:spPr>
-          <a:xfrm rot="16200000" flipH="1">
-            <a:off x="3279321" y="2485431"/>
-            <a:ext cx="293825" cy="1"/>
-          </a:xfrm>
-          <a:prstGeom prst="bentConnector3">
-            <a:avLst>
-              <a:gd name="adj1" fmla="val 50000"/>
-            </a:avLst>
-          </a:prstGeom>
-          <a:ln w="19050">
-            <a:solidFill>
-              <a:srgbClr val="7030A0"/>
-            </a:solidFill>
-            <a:prstDash val="sysDot"/>
-            <a:headEnd type="none" w="med" len="med"/>
-            <a:tailEnd type="none" w="med" len="med"/>
-          </a:ln>
-          <a:effectLst/>
-        </p:spPr>
-        <p:style>
-          <a:lnRef idx="1">
-            <a:schemeClr val="accent2"/>
-          </a:lnRef>
-          <a:fillRef idx="2">
-            <a:schemeClr val="accent2"/>
-          </a:fillRef>
-          <a:effectRef idx="1">
-            <a:schemeClr val="accent2"/>
-          </a:effectRef>
-          <a:fontRef idx="minor">
-            <a:schemeClr val="dk1"/>
-          </a:fontRef>
-        </p:style>
-      </p:cxnSp>
-      <p:sp>
-        <p:nvSpPr>
-          <p:cNvPr id="99" name="Isosceles Triangle 102"/>
+          <a:noFill/>
+        </p:spPr>
+        <p:txBody>
+          <a:bodyPr wrap="square" rtlCol="0">
+            <a:spAutoFit/>
+          </a:bodyPr>
+          <a:lstStyle/>
+          <a:p>
+            <a:pPr algn="r"/>
+            <a:r>
+              <a:rPr lang="en-US" sz="1100" dirty="0" smtClean="0">
+                <a:solidFill>
+                  <a:srgbClr val="7030A0"/>
+                </a:solidFill>
+              </a:rPr>
+              <a:t>filtered list</a:t>
+            </a:r>
+            <a:endParaRPr lang="en-SG" sz="1100" dirty="0">
+              <a:solidFill>
+                <a:srgbClr val="7030A0"/>
+              </a:solidFill>
+            </a:endParaRPr>
+          </a:p>
+        </p:txBody>
+      </p:sp>
+      <p:sp>
+        <p:nvSpPr>
+          <p:cNvPr id="122" name="Rectangle 8"/>
           <p:cNvSpPr/>
           <p:nvPr/>
         </p:nvSpPr>
         <p:spPr>
-          <a:xfrm rot="10800000" flipV="1">
-            <a:off x="3290981" y="2162997"/>
-            <a:ext cx="270504" cy="175523"/>
-          </a:xfrm>
-          <a:prstGeom prst="triangle">
+          <a:xfrm>
+            <a:off x="1957976" y="4457175"/>
+            <a:ext cx="1775949" cy="346760"/>
+          </a:xfrm>
+          <a:prstGeom prst="rect">
             <a:avLst/>
           </a:prstGeom>
           <a:ln w="19050">
@@ -5364,24 +5473,449 @@
           <a:lstStyle/>
           <a:p>
             <a:pPr algn="ctr"/>
-            <a:endParaRPr lang="en-SG" sz="1050" b="1">
+            <a:r>
+              <a:rPr lang="en-US" sz="1050" dirty="0" smtClean="0">
+                <a:solidFill>
+                  <a:srgbClr val="7030A0"/>
+                </a:solidFill>
+              </a:rPr>
+              <a:t>&lt;&lt;interface&gt;&gt;</a:t>
+            </a:r>
+            <a:r>
+              <a:rPr lang="en-US" sz="1050" dirty="0">
+                <a:solidFill>
+                  <a:srgbClr val="7030A0"/>
+                </a:solidFill>
+              </a:rPr>
+              <a:t/>
+            </a:r>
+            <a:br>
+              <a:rPr lang="en-US" sz="1050" dirty="0">
+                <a:solidFill>
+                  <a:srgbClr val="7030A0"/>
+                </a:solidFill>
+              </a:rPr>
+            </a:br>
+            <a:r>
+              <a:rPr lang="en-US" sz="1050" dirty="0" err="1" smtClean="0">
+                <a:solidFill>
+                  <a:srgbClr val="7030A0"/>
+                </a:solidFill>
+              </a:rPr>
+              <a:t>UnmodifiableObservableList</a:t>
+            </a:r>
+            <a:endParaRPr lang="en-SG" sz="1050" dirty="0">
               <a:solidFill>
-                <a:srgbClr val="92D050"/>
+                <a:srgbClr val="7030A0"/>
               </a:solidFill>
             </a:endParaRPr>
           </a:p>
         </p:txBody>
       </p:sp>
-      <p:sp>
-        <p:nvSpPr>
-          <p:cNvPr id="100" name="Rectangle 8"/>
+      <p:cxnSp>
+        <p:nvCxnSpPr>
+          <p:cNvPr id="124" name="Elbow Connector 122"/>
+          <p:cNvCxnSpPr>
+            <a:stCxn id="119" idx="1"/>
+            <a:endCxn id="122" idx="1"/>
+          </p:cNvCxnSpPr>
+          <p:nvPr/>
+        </p:nvCxnSpPr>
+        <p:spPr>
+          <a:xfrm rot="16200000" flipH="1">
+            <a:off x="1205921" y="3878499"/>
+            <a:ext cx="1049155" cy="454956"/>
+          </a:xfrm>
+          <a:prstGeom prst="bentConnector2">
+            <a:avLst/>
+          </a:prstGeom>
+          <a:ln w="19050">
+            <a:solidFill>
+              <a:srgbClr val="7030A0"/>
+            </a:solidFill>
+            <a:prstDash val="sysDot"/>
+            <a:headEnd type="none" w="med" len="med"/>
+            <a:tailEnd type="arrow" w="med" len="med"/>
+          </a:ln>
+          <a:effectLst/>
+        </p:spPr>
+        <p:style>
+          <a:lnRef idx="1">
+            <a:schemeClr val="accent2"/>
+          </a:lnRef>
+          <a:fillRef idx="2">
+            <a:schemeClr val="accent2"/>
+          </a:fillRef>
+          <a:effectRef idx="1">
+            <a:schemeClr val="accent2"/>
+          </a:effectRef>
+          <a:fontRef idx="minor">
+            <a:schemeClr val="dk1"/>
+          </a:fontRef>
+        </p:style>
+      </p:cxnSp>
+      <p:cxnSp>
+        <p:nvCxnSpPr>
+          <p:cNvPr id="50" name="Elbow Connector 49"/>
+          <p:cNvCxnSpPr>
+            <a:endCxn id="67" idx="3"/>
+          </p:cNvCxnSpPr>
+          <p:nvPr/>
+        </p:nvCxnSpPr>
+        <p:spPr>
+          <a:xfrm rot="16200000" flipV="1">
+            <a:off x="5806111" y="1996406"/>
+            <a:ext cx="875354" cy="847965"/>
+          </a:xfrm>
+          <a:prstGeom prst="bentConnector2">
+            <a:avLst/>
+          </a:prstGeom>
+          <a:ln w="19050">
+            <a:solidFill>
+              <a:srgbClr val="7030A0"/>
+            </a:solidFill>
+            <a:headEnd type="none" w="med" len="med"/>
+            <a:tailEnd type="arrow" w="med" len="med"/>
+          </a:ln>
+          <a:effectLst/>
+        </p:spPr>
+        <p:style>
+          <a:lnRef idx="1">
+            <a:schemeClr val="accent2"/>
+          </a:lnRef>
+          <a:fillRef idx="2">
+            <a:schemeClr val="accent2"/>
+          </a:fillRef>
+          <a:effectRef idx="1">
+            <a:schemeClr val="accent2"/>
+          </a:effectRef>
+          <a:fontRef idx="minor">
+            <a:schemeClr val="dk1"/>
+          </a:fontRef>
+        </p:style>
+      </p:cxnSp>
+      <p:sp>
+        <p:nvSpPr>
+          <p:cNvPr id="11" name="TextBox 10"/>
+          <p:cNvSpPr txBox="1"/>
+          <p:nvPr/>
+        </p:nvSpPr>
+        <p:spPr>
+          <a:xfrm>
+            <a:off x="4324972" y="2191228"/>
+            <a:ext cx="189257" cy="178683"/>
+          </a:xfrm>
+          <a:prstGeom prst="rect">
+            <a:avLst/>
+          </a:prstGeom>
+          <a:noFill/>
+        </p:spPr>
+        <p:txBody>
+          <a:bodyPr wrap="square" lIns="0" tIns="0" rIns="0" bIns="0" rtlCol="0">
+            <a:noAutofit/>
+          </a:bodyPr>
+          <a:lstStyle/>
+          <a:p>
+            <a:pPr algn="ctr"/>
+            <a:r>
+              <a:rPr lang="en-US" sz="1100" dirty="0" smtClean="0">
+                <a:solidFill>
+                  <a:srgbClr val="7030A0"/>
+                </a:solidFill>
+              </a:rPr>
+              <a:t>1</a:t>
+            </a:r>
+            <a:endParaRPr lang="en-SG" sz="1100" dirty="0">
+              <a:solidFill>
+                <a:srgbClr val="7030A0"/>
+              </a:solidFill>
+            </a:endParaRPr>
+          </a:p>
+        </p:txBody>
+      </p:sp>
+      <p:sp>
+        <p:nvSpPr>
+          <p:cNvPr id="54" name="TextBox 53"/>
+          <p:cNvSpPr txBox="1"/>
+          <p:nvPr/>
+        </p:nvSpPr>
+        <p:spPr>
+          <a:xfrm>
+            <a:off x="4324972" y="3058864"/>
+            <a:ext cx="189257" cy="178683"/>
+          </a:xfrm>
+          <a:prstGeom prst="rect">
+            <a:avLst/>
+          </a:prstGeom>
+          <a:noFill/>
+        </p:spPr>
+        <p:txBody>
+          <a:bodyPr wrap="square" lIns="0" tIns="0" rIns="0" bIns="0" rtlCol="0">
+            <a:noAutofit/>
+          </a:bodyPr>
+          <a:lstStyle/>
+          <a:p>
+            <a:pPr algn="ctr"/>
+            <a:r>
+              <a:rPr lang="en-US" sz="1100" dirty="0" smtClean="0">
+                <a:solidFill>
+                  <a:srgbClr val="7030A0"/>
+                </a:solidFill>
+              </a:rPr>
+              <a:t>1</a:t>
+            </a:r>
+            <a:endParaRPr lang="en-SG" sz="1100" dirty="0">
+              <a:solidFill>
+                <a:srgbClr val="7030A0"/>
+              </a:solidFill>
+            </a:endParaRPr>
+          </a:p>
+        </p:txBody>
+      </p:sp>
+      <p:sp>
+        <p:nvSpPr>
+          <p:cNvPr id="56" name="TextBox 55"/>
+          <p:cNvSpPr txBox="1"/>
+          <p:nvPr/>
+        </p:nvSpPr>
+        <p:spPr>
+          <a:xfrm>
+            <a:off x="5822039" y="2023798"/>
+            <a:ext cx="189257" cy="178683"/>
+          </a:xfrm>
+          <a:prstGeom prst="rect">
+            <a:avLst/>
+          </a:prstGeom>
+          <a:noFill/>
+        </p:spPr>
+        <p:txBody>
+          <a:bodyPr wrap="square" lIns="0" tIns="0" rIns="0" bIns="0" rtlCol="0">
+            <a:noAutofit/>
+          </a:bodyPr>
+          <a:lstStyle/>
+          <a:p>
+            <a:pPr algn="ctr"/>
+            <a:r>
+              <a:rPr lang="en-US" sz="1100" dirty="0" smtClean="0">
+                <a:solidFill>
+                  <a:srgbClr val="7030A0"/>
+                </a:solidFill>
+              </a:rPr>
+              <a:t>1</a:t>
+            </a:r>
+            <a:endParaRPr lang="en-SG" sz="1100" dirty="0">
+              <a:solidFill>
+                <a:srgbClr val="7030A0"/>
+              </a:solidFill>
+            </a:endParaRPr>
+          </a:p>
+        </p:txBody>
+      </p:sp>
+      <p:sp>
+        <p:nvSpPr>
+          <p:cNvPr id="60" name="TextBox 59"/>
+          <p:cNvSpPr txBox="1"/>
+          <p:nvPr/>
+        </p:nvSpPr>
+        <p:spPr>
+          <a:xfrm>
+            <a:off x="5163172" y="1778919"/>
+            <a:ext cx="189257" cy="178683"/>
+          </a:xfrm>
+          <a:prstGeom prst="rect">
+            <a:avLst/>
+          </a:prstGeom>
+          <a:noFill/>
+        </p:spPr>
+        <p:txBody>
+          <a:bodyPr wrap="square" lIns="0" tIns="0" rIns="0" bIns="0" rtlCol="0">
+            <a:noAutofit/>
+          </a:bodyPr>
+          <a:lstStyle/>
+          <a:p>
+            <a:pPr algn="ctr"/>
+            <a:r>
+              <a:rPr lang="en-US" sz="1100" dirty="0" smtClean="0">
+                <a:solidFill>
+                  <a:srgbClr val="7030A0"/>
+                </a:solidFill>
+              </a:rPr>
+              <a:t>*</a:t>
+            </a:r>
+            <a:endParaRPr lang="en-SG" sz="1100" dirty="0">
+              <a:solidFill>
+                <a:srgbClr val="7030A0"/>
+              </a:solidFill>
+            </a:endParaRPr>
+          </a:p>
+        </p:txBody>
+      </p:sp>
+      <p:sp>
+        <p:nvSpPr>
+          <p:cNvPr id="61" name="TextBox 60"/>
+          <p:cNvSpPr txBox="1"/>
+          <p:nvPr/>
+        </p:nvSpPr>
+        <p:spPr>
+          <a:xfrm>
+            <a:off x="6093944" y="2867442"/>
+            <a:ext cx="189257" cy="178683"/>
+          </a:xfrm>
+          <a:prstGeom prst="rect">
+            <a:avLst/>
+          </a:prstGeom>
+          <a:noFill/>
+        </p:spPr>
+        <p:txBody>
+          <a:bodyPr wrap="square" lIns="0" tIns="0" rIns="0" bIns="0" rtlCol="0">
+            <a:noAutofit/>
+          </a:bodyPr>
+          <a:lstStyle/>
+          <a:p>
+            <a:pPr algn="ctr"/>
+            <a:r>
+              <a:rPr lang="en-US" sz="1100" dirty="0" smtClean="0">
+                <a:solidFill>
+                  <a:srgbClr val="7030A0"/>
+                </a:solidFill>
+              </a:rPr>
+              <a:t>*</a:t>
+            </a:r>
+            <a:endParaRPr lang="en-SG" sz="1100" dirty="0">
+              <a:solidFill>
+                <a:srgbClr val="7030A0"/>
+              </a:solidFill>
+            </a:endParaRPr>
+          </a:p>
+        </p:txBody>
+      </p:sp>
+      <p:sp>
+        <p:nvSpPr>
+          <p:cNvPr id="65" name="TextBox 64"/>
+          <p:cNvSpPr txBox="1"/>
+          <p:nvPr/>
+        </p:nvSpPr>
+        <p:spPr>
+          <a:xfrm>
+            <a:off x="2687923" y="2564238"/>
+            <a:ext cx="189257" cy="178683"/>
+          </a:xfrm>
+          <a:prstGeom prst="rect">
+            <a:avLst/>
+          </a:prstGeom>
+          <a:noFill/>
+        </p:spPr>
+        <p:txBody>
+          <a:bodyPr wrap="square" lIns="0" tIns="0" rIns="0" bIns="0" rtlCol="0">
+            <a:noAutofit/>
+          </a:bodyPr>
+          <a:lstStyle/>
+          <a:p>
+            <a:pPr algn="ctr"/>
+            <a:r>
+              <a:rPr lang="en-US" sz="1100" dirty="0" smtClean="0">
+                <a:solidFill>
+                  <a:srgbClr val="7030A0"/>
+                </a:solidFill>
+              </a:rPr>
+              <a:t>1</a:t>
+            </a:r>
+            <a:endParaRPr lang="en-SG" sz="1100" dirty="0">
+              <a:solidFill>
+                <a:srgbClr val="7030A0"/>
+              </a:solidFill>
+            </a:endParaRPr>
+          </a:p>
+        </p:txBody>
+      </p:sp>
+      <p:sp>
+        <p:nvSpPr>
+          <p:cNvPr id="66" name="TextBox 65"/>
+          <p:cNvSpPr txBox="1"/>
+          <p:nvPr/>
+        </p:nvSpPr>
+        <p:spPr>
+          <a:xfrm>
+            <a:off x="2656370" y="3386050"/>
+            <a:ext cx="189257" cy="178683"/>
+          </a:xfrm>
+          <a:prstGeom prst="rect">
+            <a:avLst/>
+          </a:prstGeom>
+          <a:noFill/>
+        </p:spPr>
+        <p:txBody>
+          <a:bodyPr wrap="square" lIns="0" tIns="0" rIns="0" bIns="0" rtlCol="0">
+            <a:noAutofit/>
+          </a:bodyPr>
+          <a:lstStyle/>
+          <a:p>
+            <a:pPr algn="ctr"/>
+            <a:r>
+              <a:rPr lang="en-US" sz="1100" dirty="0" smtClean="0">
+                <a:solidFill>
+                  <a:srgbClr val="7030A0"/>
+                </a:solidFill>
+              </a:rPr>
+              <a:t>1</a:t>
+            </a:r>
+            <a:endParaRPr lang="en-SG" sz="1100" dirty="0">
+              <a:solidFill>
+                <a:srgbClr val="7030A0"/>
+              </a:solidFill>
+            </a:endParaRPr>
+          </a:p>
+        </p:txBody>
+      </p:sp>
+      <p:sp>
+        <p:nvSpPr>
+          <p:cNvPr id="70" name="TextBox 69"/>
+          <p:cNvSpPr txBox="1"/>
+          <p:nvPr/>
+        </p:nvSpPr>
+        <p:spPr>
+          <a:xfrm>
+            <a:off x="6667770" y="3210194"/>
+            <a:ext cx="189257" cy="178683"/>
+          </a:xfrm>
+          <a:prstGeom prst="rect">
+            <a:avLst/>
+          </a:prstGeom>
+          <a:noFill/>
+        </p:spPr>
+        <p:txBody>
+          <a:bodyPr wrap="square" lIns="0" tIns="0" rIns="0" bIns="0" rtlCol="0">
+            <a:noAutofit/>
+          </a:bodyPr>
+          <a:lstStyle/>
+          <a:p>
+            <a:pPr algn="ctr"/>
+            <a:r>
+              <a:rPr lang="en-US" sz="1100" dirty="0" smtClean="0">
+                <a:solidFill>
+                  <a:srgbClr val="7030A0"/>
+                </a:solidFill>
+              </a:rPr>
+              <a:t>1</a:t>
+            </a:r>
+            <a:endParaRPr lang="en-SG" sz="1100" dirty="0">
+              <a:solidFill>
+                <a:srgbClr val="7030A0"/>
+              </a:solidFill>
+            </a:endParaRPr>
+          </a:p>
+        </p:txBody>
+      </p:sp>
+      <p:sp>
+        <p:nvSpPr>
+          <p:cNvPr id="74" name="Rectangle 8"/>
           <p:cNvSpPr/>
           <p:nvPr/>
         </p:nvSpPr>
         <p:spPr>
           <a:xfrm>
-            <a:off x="2660303" y="1806470"/>
-            <a:ext cx="1539926" cy="346760"/>
+            <a:off x="7708688" y="3867216"/>
+            <a:ext cx="708186" cy="285783"/>
           </a:xfrm>
           <a:prstGeom prst="rect">
             <a:avLst/>
@@ -5413,35 +5947,12 @@
           <a:p>
             <a:pPr algn="ctr"/>
             <a:r>
-              <a:rPr lang="en-US" sz="1050" dirty="0" smtClean="0">
+              <a:rPr lang="en-US" altLang="zh-CN" sz="1050" dirty="0" smtClean="0">
                 <a:solidFill>
                   <a:srgbClr val="7030A0"/>
                 </a:solidFill>
               </a:rPr>
-              <a:t>&lt;&lt;interface&gt;&gt;</a:t>
-            </a:r>
-            <a:br>
-              <a:rPr lang="en-US" sz="1050" dirty="0" smtClean="0">
-                <a:solidFill>
-                  <a:srgbClr val="7030A0"/>
-                </a:solidFill>
-              </a:rPr>
-            </a:br>
-            <a:r>
-              <a:rPr lang="en-US" sz="1050" dirty="0" err="1" smtClean="0">
-                <a:solidFill>
-                  <a:srgbClr val="7030A0"/>
-                </a:solidFill>
-              </a:rPr>
-              <a:t>ReadOnly</a:t>
-            </a:r>
-            <a:r>
-              <a:rPr lang="en-US" altLang="zh-CN" sz="1050" dirty="0" err="1" smtClean="0">
-                <a:solidFill>
-                  <a:srgbClr val="7030A0"/>
-                </a:solidFill>
-              </a:rPr>
-              <a:t>TaskManager</a:t>
+              <a:t>Priority</a:t>
             </a:r>
             <a:endParaRPr lang="en-SG" sz="1050" dirty="0">
               <a:solidFill>
@@ -5453,53 +5964,14 @@
       </p:sp>
       <p:sp>
         <p:nvSpPr>
-          <p:cNvPr id="114" name="TextBox 113"/>
-          <p:cNvSpPr txBox="1"/>
-          <p:nvPr/>
-        </p:nvSpPr>
-        <p:spPr>
-          <a:xfrm rot="16200000">
-            <a:off x="6527512" y="3586305"/>
-            <a:ext cx="881018" cy="261610"/>
-          </a:xfrm>
-          <a:prstGeom prst="rect">
-            <a:avLst/>
-          </a:prstGeom>
-          <a:noFill/>
-        </p:spPr>
-        <p:txBody>
-          <a:bodyPr wrap="square" rtlCol="0">
-            <a:spAutoFit/>
-          </a:bodyPr>
-          <a:lstStyle/>
-          <a:p>
-            <a:pPr algn="r"/>
-            <a:r>
-              <a:rPr lang="en-US" sz="1100" dirty="0" smtClean="0">
-                <a:solidFill>
-                  <a:srgbClr val="7030A0"/>
-                </a:solidFill>
-              </a:rPr>
-              <a:t>filtered list</a:t>
-            </a:r>
-            <a:endParaRPr lang="en-SG" sz="1100" dirty="0">
-              <a:solidFill>
-                <a:srgbClr val="7030A0"/>
-              </a:solidFill>
-            </a:endParaRPr>
-          </a:p>
-        </p:txBody>
-      </p:sp>
-      <p:sp>
-        <p:nvSpPr>
-          <p:cNvPr id="122" name="Rectangle 8"/>
+          <p:cNvPr id="77" name="Rectangle 76"/>
           <p:cNvSpPr/>
           <p:nvPr/>
         </p:nvSpPr>
         <p:spPr>
           <a:xfrm>
-            <a:off x="2057400" y="4239491"/>
-            <a:ext cx="1775949" cy="346760"/>
+            <a:off x="7708688" y="2230193"/>
+            <a:ext cx="708186" cy="285783"/>
           </a:xfrm>
           <a:prstGeom prst="rect">
             <a:avLst/>
@@ -5527,39 +5999,126 @@
         </p:style>
         <p:txBody>
           <a:bodyPr rtlCol="0" anchor="ctr"/>
-          <a:lstStyle/>
+          <a:lstStyle>
+            <a:defPPr>
+              <a:defRPr lang="en-US"/>
+            </a:defPPr>
+            <a:lvl1pPr marL="0" algn="l" defTabSz="914400" rtl="0" eaLnBrk="1" latinLnBrk="0" hangingPunct="1">
+              <a:defRPr sz="1800" kern="1200">
+                <a:solidFill>
+                  <a:schemeClr val="dk1"/>
+                </a:solidFill>
+                <a:latin typeface="+mn-lt"/>
+                <a:ea typeface="+mn-ea"/>
+                <a:cs typeface="+mn-cs"/>
+              </a:defRPr>
+            </a:lvl1pPr>
+            <a:lvl2pPr marL="457200" algn="l" defTabSz="914400" rtl="0" eaLnBrk="1" latinLnBrk="0" hangingPunct="1">
+              <a:defRPr sz="1800" kern="1200">
+                <a:solidFill>
+                  <a:schemeClr val="dk1"/>
+                </a:solidFill>
+                <a:latin typeface="+mn-lt"/>
+                <a:ea typeface="+mn-ea"/>
+                <a:cs typeface="+mn-cs"/>
+              </a:defRPr>
+            </a:lvl2pPr>
+            <a:lvl3pPr marL="914400" algn="l" defTabSz="914400" rtl="0" eaLnBrk="1" latinLnBrk="0" hangingPunct="1">
+              <a:defRPr sz="1800" kern="1200">
+                <a:solidFill>
+                  <a:schemeClr val="dk1"/>
+                </a:solidFill>
+                <a:latin typeface="+mn-lt"/>
+                <a:ea typeface="+mn-ea"/>
+                <a:cs typeface="+mn-cs"/>
+              </a:defRPr>
+            </a:lvl3pPr>
+            <a:lvl4pPr marL="1371600" algn="l" defTabSz="914400" rtl="0" eaLnBrk="1" latinLnBrk="0" hangingPunct="1">
+              <a:defRPr sz="1800" kern="1200">
+                <a:solidFill>
+                  <a:schemeClr val="dk1"/>
+                </a:solidFill>
+                <a:latin typeface="+mn-lt"/>
+                <a:ea typeface="+mn-ea"/>
+                <a:cs typeface="+mn-cs"/>
+              </a:defRPr>
+            </a:lvl4pPr>
+            <a:lvl5pPr marL="1828800" algn="l" defTabSz="914400" rtl="0" eaLnBrk="1" latinLnBrk="0" hangingPunct="1">
+              <a:defRPr sz="1800" kern="1200">
+                <a:solidFill>
+                  <a:schemeClr val="dk1"/>
+                </a:solidFill>
+                <a:latin typeface="+mn-lt"/>
+                <a:ea typeface="+mn-ea"/>
+                <a:cs typeface="+mn-cs"/>
+              </a:defRPr>
+            </a:lvl5pPr>
+            <a:lvl6pPr marL="2286000" algn="l" defTabSz="914400" rtl="0" eaLnBrk="1" latinLnBrk="0" hangingPunct="1">
+              <a:defRPr sz="1800" kern="1200">
+                <a:solidFill>
+                  <a:schemeClr val="dk1"/>
+                </a:solidFill>
+                <a:latin typeface="+mn-lt"/>
+                <a:ea typeface="+mn-ea"/>
+                <a:cs typeface="+mn-cs"/>
+              </a:defRPr>
+            </a:lvl6pPr>
+            <a:lvl7pPr marL="2743200" algn="l" defTabSz="914400" rtl="0" eaLnBrk="1" latinLnBrk="0" hangingPunct="1">
+              <a:defRPr sz="1800" kern="1200">
+                <a:solidFill>
+                  <a:schemeClr val="dk1"/>
+                </a:solidFill>
+                <a:latin typeface="+mn-lt"/>
+                <a:ea typeface="+mn-ea"/>
+                <a:cs typeface="+mn-cs"/>
+              </a:defRPr>
+            </a:lvl7pPr>
+            <a:lvl8pPr marL="3200400" algn="l" defTabSz="914400" rtl="0" eaLnBrk="1" latinLnBrk="0" hangingPunct="1">
+              <a:defRPr sz="1800" kern="1200">
+                <a:solidFill>
+                  <a:schemeClr val="dk1"/>
+                </a:solidFill>
+                <a:latin typeface="+mn-lt"/>
+                <a:ea typeface="+mn-ea"/>
+                <a:cs typeface="+mn-cs"/>
+              </a:defRPr>
+            </a:lvl8pPr>
+            <a:lvl9pPr marL="3657600" algn="l" defTabSz="914400" rtl="0" eaLnBrk="1" latinLnBrk="0" hangingPunct="1">
+              <a:defRPr sz="1800" kern="1200">
+                <a:solidFill>
+                  <a:schemeClr val="dk1"/>
+                </a:solidFill>
+                <a:latin typeface="+mn-lt"/>
+                <a:ea typeface="+mn-ea"/>
+                <a:cs typeface="+mn-cs"/>
+              </a:defRPr>
+            </a:lvl9pPr>
+          </a:lstStyle>
           <a:p>
             <a:pPr algn="ctr"/>
             <a:r>
-              <a:rPr lang="en-US" sz="1050" dirty="0" smtClean="0">
+              <a:rPr lang="en-US" altLang="zh-CN" sz="1050" dirty="0" smtClean="0">
                 <a:solidFill>
                   <a:srgbClr val="7030A0"/>
                 </a:solidFill>
               </a:rPr>
-              <a:t>&lt;&lt;interface&gt;&gt;</a:t>
-            </a:r>
-            <a:r>
-              <a:rPr lang="en-US" sz="1050" dirty="0">
+              <a:t>Due</a:t>
+            </a:r>
+            <a:r>
+              <a:rPr lang="zh-CN" altLang="en-US" sz="1050" dirty="0" smtClean="0">
                 <a:solidFill>
                   <a:srgbClr val="7030A0"/>
                 </a:solidFill>
               </a:rPr>
-              <a:t/>
-            </a:r>
-            <a:br>
-              <a:rPr lang="en-US" sz="1050" dirty="0">
+              <a:t> </a:t>
+            </a:r>
+            <a:r>
+              <a:rPr lang="en-US" altLang="zh-CN" sz="1050" dirty="0" smtClean="0">
                 <a:solidFill>
                   <a:srgbClr val="7030A0"/>
                 </a:solidFill>
               </a:rPr>
-            </a:br>
-            <a:r>
-              <a:rPr lang="en-US" sz="1050" dirty="0" err="1" smtClean="0">
-                <a:solidFill>
-                  <a:srgbClr val="7030A0"/>
-                </a:solidFill>
-              </a:rPr>
-              <a:t>UnmodifiableObservableList</a:t>
+              <a:t>date</a:t>
             </a:r>
             <a:endParaRPr lang="en-SG" sz="1050" dirty="0">
               <a:solidFill>
@@ -5571,17 +6130,16 @@
       </p:sp>
       <p:cxnSp>
         <p:nvCxnSpPr>
-          <p:cNvPr id="124" name="Elbow Connector 122"/>
+          <p:cNvPr id="82" name="Elbow Connector 81"/>
           <p:cNvCxnSpPr>
-            <a:stCxn id="119" idx="1"/>
-            <a:endCxn id="122" idx="1"/>
+            <a:endCxn id="74" idx="1"/>
           </p:cNvCxnSpPr>
           <p:nvPr/>
         </p:nvCxnSpPr>
         <p:spPr>
           <a:xfrm rot="16200000" flipH="1">
-            <a:off x="1364475" y="3719945"/>
-            <a:ext cx="831471" cy="554380"/>
+            <a:off x="7115865" y="3417285"/>
+            <a:ext cx="972154" cy="213491"/>
           </a:xfrm>
           <a:prstGeom prst="bentConnector2">
             <a:avLst/>
@@ -5590,7 +6148,6 @@
             <a:solidFill>
               <a:srgbClr val="7030A0"/>
             </a:solidFill>
-            <a:prstDash val="sysDot"/>
             <a:headEnd type="none" w="med" len="med"/>
             <a:tailEnd type="arrow" w="med" len="med"/>
           </a:ln>
@@ -5613,20 +6170,19 @@
       </p:cxnSp>
       <p:cxnSp>
         <p:nvCxnSpPr>
-          <p:cNvPr id="50" name="Elbow Connector 49"/>
-          <p:cNvCxnSpPr>
-            <a:stCxn id="62" idx="0"/>
-            <a:endCxn id="67" idx="3"/>
-          </p:cNvCxnSpPr>
+          <p:cNvPr id="87" name="Elbow Connector 86"/>
+          <p:cNvCxnSpPr/>
           <p:nvPr/>
         </p:nvCxnSpPr>
         <p:spPr>
-          <a:xfrm rot="16200000" flipV="1">
-            <a:off x="5806111" y="1996406"/>
-            <a:ext cx="875354" cy="847965"/>
-          </a:xfrm>
-          <a:prstGeom prst="bentConnector2">
-            <a:avLst/>
+          <a:xfrm rot="5400000" flipH="1" flipV="1">
+            <a:off x="7381649" y="2530764"/>
+            <a:ext cx="444295" cy="217201"/>
+          </a:xfrm>
+          <a:prstGeom prst="bentConnector3">
+            <a:avLst>
+              <a:gd name="adj1" fmla="val 100062"/>
+            </a:avLst>
           </a:prstGeom>
           <a:ln w="19050">
             <a:solidFill>
@@ -5654,325 +6210,13 @@
       </p:cxnSp>
       <p:sp>
         <p:nvSpPr>
-          <p:cNvPr id="11" name="TextBox 10"/>
-          <p:cNvSpPr txBox="1"/>
-          <p:nvPr/>
-        </p:nvSpPr>
-        <p:spPr>
-          <a:xfrm>
-            <a:off x="4324972" y="2191228"/>
-            <a:ext cx="189257" cy="178683"/>
-          </a:xfrm>
-          <a:prstGeom prst="rect">
-            <a:avLst/>
-          </a:prstGeom>
-          <a:noFill/>
-        </p:spPr>
-        <p:txBody>
-          <a:bodyPr wrap="square" lIns="0" tIns="0" rIns="0" bIns="0" rtlCol="0">
-            <a:noAutofit/>
-          </a:bodyPr>
-          <a:lstStyle/>
-          <a:p>
-            <a:pPr algn="ctr"/>
-            <a:r>
-              <a:rPr lang="en-US" sz="1100" dirty="0" smtClean="0">
-                <a:solidFill>
-                  <a:srgbClr val="7030A0"/>
-                </a:solidFill>
-              </a:rPr>
-              <a:t>1</a:t>
-            </a:r>
-            <a:endParaRPr lang="en-SG" sz="1100" dirty="0">
-              <a:solidFill>
-                <a:srgbClr val="7030A0"/>
-              </a:solidFill>
-            </a:endParaRPr>
-          </a:p>
-        </p:txBody>
-      </p:sp>
-      <p:sp>
-        <p:nvSpPr>
-          <p:cNvPr id="54" name="TextBox 53"/>
-          <p:cNvSpPr txBox="1"/>
-          <p:nvPr/>
-        </p:nvSpPr>
-        <p:spPr>
-          <a:xfrm>
-            <a:off x="4324972" y="3058864"/>
-            <a:ext cx="189257" cy="178683"/>
-          </a:xfrm>
-          <a:prstGeom prst="rect">
-            <a:avLst/>
-          </a:prstGeom>
-          <a:noFill/>
-        </p:spPr>
-        <p:txBody>
-          <a:bodyPr wrap="square" lIns="0" tIns="0" rIns="0" bIns="0" rtlCol="0">
-            <a:noAutofit/>
-          </a:bodyPr>
-          <a:lstStyle/>
-          <a:p>
-            <a:pPr algn="ctr"/>
-            <a:r>
-              <a:rPr lang="en-US" sz="1100" dirty="0" smtClean="0">
-                <a:solidFill>
-                  <a:srgbClr val="7030A0"/>
-                </a:solidFill>
-              </a:rPr>
-              <a:t>1</a:t>
-            </a:r>
-            <a:endParaRPr lang="en-SG" sz="1100" dirty="0">
-              <a:solidFill>
-                <a:srgbClr val="7030A0"/>
-              </a:solidFill>
-            </a:endParaRPr>
-          </a:p>
-        </p:txBody>
-      </p:sp>
-      <p:sp>
-        <p:nvSpPr>
-          <p:cNvPr id="56" name="TextBox 55"/>
-          <p:cNvSpPr txBox="1"/>
-          <p:nvPr/>
-        </p:nvSpPr>
-        <p:spPr>
-          <a:xfrm>
-            <a:off x="5822039" y="2023798"/>
-            <a:ext cx="189257" cy="178683"/>
-          </a:xfrm>
-          <a:prstGeom prst="rect">
-            <a:avLst/>
-          </a:prstGeom>
-          <a:noFill/>
-        </p:spPr>
-        <p:txBody>
-          <a:bodyPr wrap="square" lIns="0" tIns="0" rIns="0" bIns="0" rtlCol="0">
-            <a:noAutofit/>
-          </a:bodyPr>
-          <a:lstStyle/>
-          <a:p>
-            <a:pPr algn="ctr"/>
-            <a:r>
-              <a:rPr lang="en-US" sz="1100" dirty="0" smtClean="0">
-                <a:solidFill>
-                  <a:srgbClr val="7030A0"/>
-                </a:solidFill>
-              </a:rPr>
-              <a:t>1</a:t>
-            </a:r>
-            <a:endParaRPr lang="en-SG" sz="1100" dirty="0">
-              <a:solidFill>
-                <a:srgbClr val="7030A0"/>
-              </a:solidFill>
-            </a:endParaRPr>
-          </a:p>
-        </p:txBody>
-      </p:sp>
-      <p:sp>
-        <p:nvSpPr>
-          <p:cNvPr id="60" name="TextBox 59"/>
-          <p:cNvSpPr txBox="1"/>
-          <p:nvPr/>
-        </p:nvSpPr>
-        <p:spPr>
-          <a:xfrm>
-            <a:off x="5163172" y="1778919"/>
-            <a:ext cx="189257" cy="178683"/>
-          </a:xfrm>
-          <a:prstGeom prst="rect">
-            <a:avLst/>
-          </a:prstGeom>
-          <a:noFill/>
-        </p:spPr>
-        <p:txBody>
-          <a:bodyPr wrap="square" lIns="0" tIns="0" rIns="0" bIns="0" rtlCol="0">
-            <a:noAutofit/>
-          </a:bodyPr>
-          <a:lstStyle/>
-          <a:p>
-            <a:pPr algn="ctr"/>
-            <a:r>
-              <a:rPr lang="en-US" sz="1100" dirty="0" smtClean="0">
-                <a:solidFill>
-                  <a:srgbClr val="7030A0"/>
-                </a:solidFill>
-              </a:rPr>
-              <a:t>*</a:t>
-            </a:r>
-            <a:endParaRPr lang="en-SG" sz="1100" dirty="0">
-              <a:solidFill>
-                <a:srgbClr val="7030A0"/>
-              </a:solidFill>
-            </a:endParaRPr>
-          </a:p>
-        </p:txBody>
-      </p:sp>
-      <p:sp>
-        <p:nvSpPr>
-          <p:cNvPr id="61" name="TextBox 60"/>
-          <p:cNvSpPr txBox="1"/>
-          <p:nvPr/>
-        </p:nvSpPr>
-        <p:spPr>
-          <a:xfrm>
-            <a:off x="6135256" y="3097917"/>
-            <a:ext cx="189257" cy="178683"/>
-          </a:xfrm>
-          <a:prstGeom prst="rect">
-            <a:avLst/>
-          </a:prstGeom>
-          <a:noFill/>
-        </p:spPr>
-        <p:txBody>
-          <a:bodyPr wrap="square" lIns="0" tIns="0" rIns="0" bIns="0" rtlCol="0">
-            <a:noAutofit/>
-          </a:bodyPr>
-          <a:lstStyle/>
-          <a:p>
-            <a:pPr algn="ctr"/>
-            <a:r>
-              <a:rPr lang="en-US" sz="1100" dirty="0" smtClean="0">
-                <a:solidFill>
-                  <a:srgbClr val="7030A0"/>
-                </a:solidFill>
-              </a:rPr>
-              <a:t>*</a:t>
-            </a:r>
-            <a:endParaRPr lang="en-SG" sz="1100" dirty="0">
-              <a:solidFill>
-                <a:srgbClr val="7030A0"/>
-              </a:solidFill>
-            </a:endParaRPr>
-          </a:p>
-        </p:txBody>
-      </p:sp>
-      <p:sp>
-        <p:nvSpPr>
-          <p:cNvPr id="65" name="TextBox 64"/>
-          <p:cNvSpPr txBox="1"/>
-          <p:nvPr/>
-        </p:nvSpPr>
-        <p:spPr>
-          <a:xfrm>
-            <a:off x="2687923" y="2564238"/>
-            <a:ext cx="189257" cy="178683"/>
-          </a:xfrm>
-          <a:prstGeom prst="rect">
-            <a:avLst/>
-          </a:prstGeom>
-          <a:noFill/>
-        </p:spPr>
-        <p:txBody>
-          <a:bodyPr wrap="square" lIns="0" tIns="0" rIns="0" bIns="0" rtlCol="0">
-            <a:noAutofit/>
-          </a:bodyPr>
-          <a:lstStyle/>
-          <a:p>
-            <a:pPr algn="ctr"/>
-            <a:r>
-              <a:rPr lang="en-US" sz="1100" dirty="0" smtClean="0">
-                <a:solidFill>
-                  <a:srgbClr val="7030A0"/>
-                </a:solidFill>
-              </a:rPr>
-              <a:t>1</a:t>
-            </a:r>
-            <a:endParaRPr lang="en-SG" sz="1100" dirty="0">
-              <a:solidFill>
-                <a:srgbClr val="7030A0"/>
-              </a:solidFill>
-            </a:endParaRPr>
-          </a:p>
-        </p:txBody>
-      </p:sp>
-      <p:sp>
-        <p:nvSpPr>
-          <p:cNvPr id="66" name="TextBox 65"/>
-          <p:cNvSpPr txBox="1"/>
-          <p:nvPr/>
-        </p:nvSpPr>
-        <p:spPr>
-          <a:xfrm>
-            <a:off x="2656370" y="3386050"/>
-            <a:ext cx="189257" cy="178683"/>
-          </a:xfrm>
-          <a:prstGeom prst="rect">
-            <a:avLst/>
-          </a:prstGeom>
-          <a:noFill/>
-        </p:spPr>
-        <p:txBody>
-          <a:bodyPr wrap="square" lIns="0" tIns="0" rIns="0" bIns="0" rtlCol="0">
-            <a:noAutofit/>
-          </a:bodyPr>
-          <a:lstStyle/>
-          <a:p>
-            <a:pPr algn="ctr"/>
-            <a:r>
-              <a:rPr lang="en-US" sz="1100" dirty="0" smtClean="0">
-                <a:solidFill>
-                  <a:srgbClr val="7030A0"/>
-                </a:solidFill>
-              </a:rPr>
-              <a:t>1</a:t>
-            </a:r>
-            <a:endParaRPr lang="en-SG" sz="1100" dirty="0">
-              <a:solidFill>
-                <a:srgbClr val="7030A0"/>
-              </a:solidFill>
-            </a:endParaRPr>
-          </a:p>
-        </p:txBody>
-      </p:sp>
-      <p:sp>
-        <p:nvSpPr>
-          <p:cNvPr id="70" name="TextBox 69"/>
-          <p:cNvSpPr txBox="1"/>
-          <p:nvPr/>
-        </p:nvSpPr>
-        <p:spPr>
-          <a:xfrm>
-            <a:off x="6667770" y="3210194"/>
-            <a:ext cx="189257" cy="178683"/>
-          </a:xfrm>
-          <a:prstGeom prst="rect">
-            <a:avLst/>
-          </a:prstGeom>
-          <a:noFill/>
-        </p:spPr>
-        <p:txBody>
-          <a:bodyPr wrap="square" lIns="0" tIns="0" rIns="0" bIns="0" rtlCol="0">
-            <a:noAutofit/>
-          </a:bodyPr>
-          <a:lstStyle/>
-          <a:p>
-            <a:pPr algn="ctr"/>
-            <a:r>
-              <a:rPr lang="en-US" sz="1100" dirty="0" smtClean="0">
-                <a:solidFill>
-                  <a:srgbClr val="7030A0"/>
-                </a:solidFill>
-              </a:rPr>
-              <a:t>1</a:t>
-            </a:r>
-            <a:endParaRPr lang="en-SG" sz="1100" dirty="0">
-              <a:solidFill>
-                <a:srgbClr val="7030A0"/>
-              </a:solidFill>
-            </a:endParaRPr>
-          </a:p>
-        </p:txBody>
-      </p:sp>
-      <p:sp>
-        <p:nvSpPr>
-          <p:cNvPr id="74" name="Rectangle 8"/>
+          <p:cNvPr id="88" name="Rectangle 87"/>
           <p:cNvSpPr/>
           <p:nvPr/>
         </p:nvSpPr>
         <p:spPr>
           <a:xfrm>
-            <a:off x="7708688" y="3867216"/>
+            <a:off x="7708688" y="1911998"/>
             <a:ext cx="708186" cy="285783"/>
           </a:xfrm>
           <a:prstGeom prst="rect">
@@ -6001,7 +6245,101 @@
         </p:style>
         <p:txBody>
           <a:bodyPr rtlCol="0" anchor="ctr"/>
-          <a:lstStyle/>
+          <a:lstStyle>
+            <a:defPPr>
+              <a:defRPr lang="en-US"/>
+            </a:defPPr>
+            <a:lvl1pPr marL="0" algn="l" defTabSz="914400" rtl="0" eaLnBrk="1" latinLnBrk="0" hangingPunct="1">
+              <a:defRPr sz="1800" kern="1200">
+                <a:solidFill>
+                  <a:schemeClr val="dk1"/>
+                </a:solidFill>
+                <a:latin typeface="+mn-lt"/>
+                <a:ea typeface="+mn-ea"/>
+                <a:cs typeface="+mn-cs"/>
+              </a:defRPr>
+            </a:lvl1pPr>
+            <a:lvl2pPr marL="457200" algn="l" defTabSz="914400" rtl="0" eaLnBrk="1" latinLnBrk="0" hangingPunct="1">
+              <a:defRPr sz="1800" kern="1200">
+                <a:solidFill>
+                  <a:schemeClr val="dk1"/>
+                </a:solidFill>
+                <a:latin typeface="+mn-lt"/>
+                <a:ea typeface="+mn-ea"/>
+                <a:cs typeface="+mn-cs"/>
+              </a:defRPr>
+            </a:lvl2pPr>
+            <a:lvl3pPr marL="914400" algn="l" defTabSz="914400" rtl="0" eaLnBrk="1" latinLnBrk="0" hangingPunct="1">
+              <a:defRPr sz="1800" kern="1200">
+                <a:solidFill>
+                  <a:schemeClr val="dk1"/>
+                </a:solidFill>
+                <a:latin typeface="+mn-lt"/>
+                <a:ea typeface="+mn-ea"/>
+                <a:cs typeface="+mn-cs"/>
+              </a:defRPr>
+            </a:lvl3pPr>
+            <a:lvl4pPr marL="1371600" algn="l" defTabSz="914400" rtl="0" eaLnBrk="1" latinLnBrk="0" hangingPunct="1">
+              <a:defRPr sz="1800" kern="1200">
+                <a:solidFill>
+                  <a:schemeClr val="dk1"/>
+                </a:solidFill>
+                <a:latin typeface="+mn-lt"/>
+                <a:ea typeface="+mn-ea"/>
+                <a:cs typeface="+mn-cs"/>
+              </a:defRPr>
+            </a:lvl4pPr>
+            <a:lvl5pPr marL="1828800" algn="l" defTabSz="914400" rtl="0" eaLnBrk="1" latinLnBrk="0" hangingPunct="1">
+              <a:defRPr sz="1800" kern="1200">
+                <a:solidFill>
+                  <a:schemeClr val="dk1"/>
+                </a:solidFill>
+                <a:latin typeface="+mn-lt"/>
+                <a:ea typeface="+mn-ea"/>
+                <a:cs typeface="+mn-cs"/>
+              </a:defRPr>
+            </a:lvl5pPr>
+            <a:lvl6pPr marL="2286000" algn="l" defTabSz="914400" rtl="0" eaLnBrk="1" latinLnBrk="0" hangingPunct="1">
+              <a:defRPr sz="1800" kern="1200">
+                <a:solidFill>
+                  <a:schemeClr val="dk1"/>
+                </a:solidFill>
+                <a:latin typeface="+mn-lt"/>
+                <a:ea typeface="+mn-ea"/>
+                <a:cs typeface="+mn-cs"/>
+              </a:defRPr>
+            </a:lvl6pPr>
+            <a:lvl7pPr marL="2743200" algn="l" defTabSz="914400" rtl="0" eaLnBrk="1" latinLnBrk="0" hangingPunct="1">
+              <a:defRPr sz="1800" kern="1200">
+                <a:solidFill>
+                  <a:schemeClr val="dk1"/>
+                </a:solidFill>
+                <a:latin typeface="+mn-lt"/>
+                <a:ea typeface="+mn-ea"/>
+                <a:cs typeface="+mn-cs"/>
+              </a:defRPr>
+            </a:lvl7pPr>
+            <a:lvl8pPr marL="3200400" algn="l" defTabSz="914400" rtl="0" eaLnBrk="1" latinLnBrk="0" hangingPunct="1">
+              <a:defRPr sz="1800" kern="1200">
+                <a:solidFill>
+                  <a:schemeClr val="dk1"/>
+                </a:solidFill>
+                <a:latin typeface="+mn-lt"/>
+                <a:ea typeface="+mn-ea"/>
+                <a:cs typeface="+mn-cs"/>
+              </a:defRPr>
+            </a:lvl8pPr>
+            <a:lvl9pPr marL="3657600" algn="l" defTabSz="914400" rtl="0" eaLnBrk="1" latinLnBrk="0" hangingPunct="1">
+              <a:defRPr sz="1800" kern="1200">
+                <a:solidFill>
+                  <a:schemeClr val="dk1"/>
+                </a:solidFill>
+                <a:latin typeface="+mn-lt"/>
+                <a:ea typeface="+mn-ea"/>
+                <a:cs typeface="+mn-cs"/>
+              </a:defRPr>
+            </a:lvl9pPr>
+          </a:lstStyle>
           <a:p>
             <a:pPr algn="ctr"/>
             <a:r>
@@ -6010,7 +6348,7 @@
                   <a:srgbClr val="7030A0"/>
                 </a:solidFill>
               </a:rPr>
-              <a:t>Priority</a:t>
+              <a:t>Name</a:t>
             </a:r>
             <a:endParaRPr lang="en-SG" sz="1050" dirty="0">
               <a:solidFill>
@@ -6022,13 +6360,39 @@
       </p:sp>
       <p:sp>
         <p:nvSpPr>
-          <p:cNvPr id="77" name="Rectangle 76"/>
+          <p:cNvPr id="27" name="TextBox 26"/>
+          <p:cNvSpPr txBox="1"/>
+          <p:nvPr/>
+        </p:nvSpPr>
+        <p:spPr>
+          <a:xfrm>
+            <a:off x="6477000" y="4650563"/>
+            <a:ext cx="184731" cy="369332"/>
+          </a:xfrm>
+          <a:prstGeom prst="rect">
+            <a:avLst/>
+          </a:prstGeom>
+          <a:noFill/>
+        </p:spPr>
+        <p:txBody>
+          <a:bodyPr wrap="none" rtlCol="0">
+            <a:spAutoFit/>
+          </a:bodyPr>
+          <a:lstStyle/>
+          <a:p>
+            <a:endParaRPr lang="en-US"/>
+          </a:p>
+        </p:txBody>
+      </p:sp>
+      <p:sp>
+        <p:nvSpPr>
+          <p:cNvPr id="73" name="Rectangle 8"/>
           <p:cNvSpPr/>
           <p:nvPr/>
         </p:nvSpPr>
         <p:spPr>
           <a:xfrm>
-            <a:off x="7708688" y="2230193"/>
+            <a:off x="7721701" y="4190123"/>
             <a:ext cx="708186" cy="285783"/>
           </a:xfrm>
           <a:prstGeom prst="rect">
@@ -6057,101 +6421,7 @@
         </p:style>
         <p:txBody>
           <a:bodyPr rtlCol="0" anchor="ctr"/>
-          <a:lstStyle>
-            <a:defPPr>
-              <a:defRPr lang="en-US"/>
-            </a:defPPr>
-            <a:lvl1pPr marL="0" algn="l" defTabSz="914400" rtl="0" eaLnBrk="1" latinLnBrk="0" hangingPunct="1">
-              <a:defRPr sz="1800" kern="1200">
-                <a:solidFill>
-                  <a:schemeClr val="dk1"/>
-                </a:solidFill>
-                <a:latin typeface="+mn-lt"/>
-                <a:ea typeface="+mn-ea"/>
-                <a:cs typeface="+mn-cs"/>
-              </a:defRPr>
-            </a:lvl1pPr>
-            <a:lvl2pPr marL="457200" algn="l" defTabSz="914400" rtl="0" eaLnBrk="1" latinLnBrk="0" hangingPunct="1">
-              <a:defRPr sz="1800" kern="1200">
-                <a:solidFill>
-                  <a:schemeClr val="dk1"/>
-                </a:solidFill>
-                <a:latin typeface="+mn-lt"/>
-                <a:ea typeface="+mn-ea"/>
-                <a:cs typeface="+mn-cs"/>
-              </a:defRPr>
-            </a:lvl2pPr>
-            <a:lvl3pPr marL="914400" algn="l" defTabSz="914400" rtl="0" eaLnBrk="1" latinLnBrk="0" hangingPunct="1">
-              <a:defRPr sz="1800" kern="1200">
-                <a:solidFill>
-                  <a:schemeClr val="dk1"/>
-                </a:solidFill>
-                <a:latin typeface="+mn-lt"/>
-                <a:ea typeface="+mn-ea"/>
-                <a:cs typeface="+mn-cs"/>
-              </a:defRPr>
-            </a:lvl3pPr>
-            <a:lvl4pPr marL="1371600" algn="l" defTabSz="914400" rtl="0" eaLnBrk="1" latinLnBrk="0" hangingPunct="1">
-              <a:defRPr sz="1800" kern="1200">
-                <a:solidFill>
-                  <a:schemeClr val="dk1"/>
-                </a:solidFill>
-                <a:latin typeface="+mn-lt"/>
-                <a:ea typeface="+mn-ea"/>
-                <a:cs typeface="+mn-cs"/>
-              </a:defRPr>
-            </a:lvl4pPr>
-            <a:lvl5pPr marL="1828800" algn="l" defTabSz="914400" rtl="0" eaLnBrk="1" latinLnBrk="0" hangingPunct="1">
-              <a:defRPr sz="1800" kern="1200">
-                <a:solidFill>
-                  <a:schemeClr val="dk1"/>
-                </a:solidFill>
-                <a:latin typeface="+mn-lt"/>
-                <a:ea typeface="+mn-ea"/>
-                <a:cs typeface="+mn-cs"/>
-              </a:defRPr>
-            </a:lvl5pPr>
-            <a:lvl6pPr marL="2286000" algn="l" defTabSz="914400" rtl="0" eaLnBrk="1" latinLnBrk="0" hangingPunct="1">
-              <a:defRPr sz="1800" kern="1200">
-                <a:solidFill>
-                  <a:schemeClr val="dk1"/>
-                </a:solidFill>
-                <a:latin typeface="+mn-lt"/>
-                <a:ea typeface="+mn-ea"/>
-                <a:cs typeface="+mn-cs"/>
-              </a:defRPr>
-            </a:lvl6pPr>
-            <a:lvl7pPr marL="2743200" algn="l" defTabSz="914400" rtl="0" eaLnBrk="1" latinLnBrk="0" hangingPunct="1">
-              <a:defRPr sz="1800" kern="1200">
-                <a:solidFill>
-                  <a:schemeClr val="dk1"/>
-                </a:solidFill>
-                <a:latin typeface="+mn-lt"/>
-                <a:ea typeface="+mn-ea"/>
-                <a:cs typeface="+mn-cs"/>
-              </a:defRPr>
-            </a:lvl7pPr>
-            <a:lvl8pPr marL="3200400" algn="l" defTabSz="914400" rtl="0" eaLnBrk="1" latinLnBrk="0" hangingPunct="1">
-              <a:defRPr sz="1800" kern="1200">
-                <a:solidFill>
-                  <a:schemeClr val="dk1"/>
-                </a:solidFill>
-                <a:latin typeface="+mn-lt"/>
-                <a:ea typeface="+mn-ea"/>
-                <a:cs typeface="+mn-cs"/>
-              </a:defRPr>
-            </a:lvl8pPr>
-            <a:lvl9pPr marL="3657600" algn="l" defTabSz="914400" rtl="0" eaLnBrk="1" latinLnBrk="0" hangingPunct="1">
-              <a:defRPr sz="1800" kern="1200">
-                <a:solidFill>
-                  <a:schemeClr val="dk1"/>
-                </a:solidFill>
-                <a:latin typeface="+mn-lt"/>
-                <a:ea typeface="+mn-ea"/>
-                <a:cs typeface="+mn-cs"/>
-              </a:defRPr>
-            </a:lvl9pPr>
-          </a:lstStyle>
+          <a:lstStyle/>
           <a:p>
             <a:pPr algn="ctr"/>
             <a:r>
@@ -6160,23 +6430,7 @@
                   <a:srgbClr val="7030A0"/>
                 </a:solidFill>
               </a:rPr>
-              <a:t>Due</a:t>
-            </a:r>
-            <a:r>
-              <a:rPr lang="zh-CN" altLang="en-US" sz="1050" dirty="0" smtClean="0">
-                <a:solidFill>
-                  <a:srgbClr val="7030A0"/>
-                </a:solidFill>
-              </a:rPr>
-              <a:t> </a:t>
-            </a:r>
-            <a:r>
-              <a:rPr lang="en-US" altLang="zh-CN" sz="1050" dirty="0" smtClean="0">
-                <a:solidFill>
-                  <a:srgbClr val="7030A0"/>
-                </a:solidFill>
-              </a:rPr>
-              <a:t>date</a:t>
+              <a:t>Favorite</a:t>
             </a:r>
             <a:endParaRPr lang="en-SG" sz="1050" dirty="0">
               <a:solidFill>
@@ -6186,95 +6440,15 @@
           </a:p>
         </p:txBody>
       </p:sp>
-      <p:cxnSp>
-        <p:nvCxnSpPr>
-          <p:cNvPr id="82" name="Elbow Connector 81"/>
-          <p:cNvCxnSpPr>
-            <a:endCxn id="74" idx="1"/>
-          </p:cNvCxnSpPr>
-          <p:nvPr/>
-        </p:nvCxnSpPr>
-        <p:spPr>
-          <a:xfrm rot="16200000" flipH="1">
-            <a:off x="7115865" y="3417285"/>
-            <a:ext cx="972154" cy="213491"/>
-          </a:xfrm>
-          <a:prstGeom prst="bentConnector2">
-            <a:avLst/>
-          </a:prstGeom>
-          <a:ln w="19050">
-            <a:solidFill>
-              <a:srgbClr val="7030A0"/>
-            </a:solidFill>
-            <a:headEnd type="none" w="med" len="med"/>
-            <a:tailEnd type="arrow" w="med" len="med"/>
-          </a:ln>
-          <a:effectLst/>
-        </p:spPr>
-        <p:style>
-          <a:lnRef idx="1">
-            <a:schemeClr val="accent2"/>
-          </a:lnRef>
-          <a:fillRef idx="2">
-            <a:schemeClr val="accent2"/>
-          </a:fillRef>
-          <a:effectRef idx="1">
-            <a:schemeClr val="accent2"/>
-          </a:effectRef>
-          <a:fontRef idx="minor">
-            <a:schemeClr val="dk1"/>
-          </a:fontRef>
-        </p:style>
-      </p:cxnSp>
-      <p:cxnSp>
-        <p:nvCxnSpPr>
-          <p:cNvPr id="87" name="Elbow Connector 86"/>
-          <p:cNvCxnSpPr/>
-          <p:nvPr/>
-        </p:nvCxnSpPr>
-        <p:spPr>
-          <a:xfrm rot="5400000" flipH="1" flipV="1">
-            <a:off x="7381649" y="2530764"/>
-            <a:ext cx="444295" cy="217201"/>
-          </a:xfrm>
-          <a:prstGeom prst="bentConnector3">
-            <a:avLst>
-              <a:gd name="adj1" fmla="val 100062"/>
-            </a:avLst>
-          </a:prstGeom>
-          <a:ln w="19050">
-            <a:solidFill>
-              <a:srgbClr val="7030A0"/>
-            </a:solidFill>
-            <a:headEnd type="none" w="med" len="med"/>
-            <a:tailEnd type="arrow" w="med" len="med"/>
-          </a:ln>
-          <a:effectLst/>
-        </p:spPr>
-        <p:style>
-          <a:lnRef idx="1">
-            <a:schemeClr val="accent2"/>
-          </a:lnRef>
-          <a:fillRef idx="2">
-            <a:schemeClr val="accent2"/>
-          </a:fillRef>
-          <a:effectRef idx="1">
-            <a:schemeClr val="accent2"/>
-          </a:effectRef>
-          <a:fontRef idx="minor">
-            <a:schemeClr val="dk1"/>
-          </a:fontRef>
-        </p:style>
-      </p:cxnSp>
-      <p:sp>
-        <p:nvSpPr>
-          <p:cNvPr id="88" name="Rectangle 87"/>
+      <p:sp>
+        <p:nvSpPr>
+          <p:cNvPr id="90" name="Rectangle 8"/>
           <p:cNvSpPr/>
           <p:nvPr/>
         </p:nvSpPr>
         <p:spPr>
           <a:xfrm>
-            <a:off x="7708688" y="1911998"/>
+            <a:off x="7721701" y="4507671"/>
             <a:ext cx="708186" cy="285783"/>
           </a:xfrm>
           <a:prstGeom prst="rect">
@@ -6303,101 +6477,7 @@
         </p:style>
         <p:txBody>
           <a:bodyPr rtlCol="0" anchor="ctr"/>
-          <a:lstStyle>
-            <a:defPPr>
-              <a:defRPr lang="en-US"/>
-            </a:defPPr>
-            <a:lvl1pPr marL="0" algn="l" defTabSz="914400" rtl="0" eaLnBrk="1" latinLnBrk="0" hangingPunct="1">
-              <a:defRPr sz="1800" kern="1200">
-                <a:solidFill>
-                  <a:schemeClr val="dk1"/>
-                </a:solidFill>
-                <a:latin typeface="+mn-lt"/>
-                <a:ea typeface="+mn-ea"/>
-                <a:cs typeface="+mn-cs"/>
-              </a:defRPr>
-            </a:lvl1pPr>
-            <a:lvl2pPr marL="457200" algn="l" defTabSz="914400" rtl="0" eaLnBrk="1" latinLnBrk="0" hangingPunct="1">
-              <a:defRPr sz="1800" kern="1200">
-                <a:solidFill>
-                  <a:schemeClr val="dk1"/>
-                </a:solidFill>
-                <a:latin typeface="+mn-lt"/>
-                <a:ea typeface="+mn-ea"/>
-                <a:cs typeface="+mn-cs"/>
-              </a:defRPr>
-            </a:lvl2pPr>
-            <a:lvl3pPr marL="914400" algn="l" defTabSz="914400" rtl="0" eaLnBrk="1" latinLnBrk="0" hangingPunct="1">
-              <a:defRPr sz="1800" kern="1200">
-                <a:solidFill>
-                  <a:schemeClr val="dk1"/>
-                </a:solidFill>
-                <a:latin typeface="+mn-lt"/>
-                <a:ea typeface="+mn-ea"/>
-                <a:cs typeface="+mn-cs"/>
-              </a:defRPr>
-            </a:lvl3pPr>
-            <a:lvl4pPr marL="1371600" algn="l" defTabSz="914400" rtl="0" eaLnBrk="1" latinLnBrk="0" hangingPunct="1">
-              <a:defRPr sz="1800" kern="1200">
-                <a:solidFill>
-                  <a:schemeClr val="dk1"/>
-                </a:solidFill>
-                <a:latin typeface="+mn-lt"/>
-                <a:ea typeface="+mn-ea"/>
-                <a:cs typeface="+mn-cs"/>
-              </a:defRPr>
-            </a:lvl4pPr>
-            <a:lvl5pPr marL="1828800" algn="l" defTabSz="914400" rtl="0" eaLnBrk="1" latinLnBrk="0" hangingPunct="1">
-              <a:defRPr sz="1800" kern="1200">
-                <a:solidFill>
-                  <a:schemeClr val="dk1"/>
-                </a:solidFill>
-                <a:latin typeface="+mn-lt"/>
-                <a:ea typeface="+mn-ea"/>
-                <a:cs typeface="+mn-cs"/>
-              </a:defRPr>
-            </a:lvl5pPr>
-            <a:lvl6pPr marL="2286000" algn="l" defTabSz="914400" rtl="0" eaLnBrk="1" latinLnBrk="0" hangingPunct="1">
-              <a:defRPr sz="1800" kern="1200">
-                <a:solidFill>
-                  <a:schemeClr val="dk1"/>
-                </a:solidFill>
-                <a:latin typeface="+mn-lt"/>
-                <a:ea typeface="+mn-ea"/>
-                <a:cs typeface="+mn-cs"/>
-              </a:defRPr>
-            </a:lvl6pPr>
-            <a:lvl7pPr marL="2743200" algn="l" defTabSz="914400" rtl="0" eaLnBrk="1" latinLnBrk="0" hangingPunct="1">
-              <a:defRPr sz="1800" kern="1200">
-                <a:solidFill>
-                  <a:schemeClr val="dk1"/>
-                </a:solidFill>
-                <a:latin typeface="+mn-lt"/>
-                <a:ea typeface="+mn-ea"/>
-                <a:cs typeface="+mn-cs"/>
-              </a:defRPr>
-            </a:lvl7pPr>
-            <a:lvl8pPr marL="3200400" algn="l" defTabSz="914400" rtl="0" eaLnBrk="1" latinLnBrk="0" hangingPunct="1">
-              <a:defRPr sz="1800" kern="1200">
-                <a:solidFill>
-                  <a:schemeClr val="dk1"/>
-                </a:solidFill>
-                <a:latin typeface="+mn-lt"/>
-                <a:ea typeface="+mn-ea"/>
-                <a:cs typeface="+mn-cs"/>
-              </a:defRPr>
-            </a:lvl8pPr>
-            <a:lvl9pPr marL="3657600" algn="l" defTabSz="914400" rtl="0" eaLnBrk="1" latinLnBrk="0" hangingPunct="1">
-              <a:defRPr sz="1800" kern="1200">
-                <a:solidFill>
-                  <a:schemeClr val="dk1"/>
-                </a:solidFill>
-                <a:latin typeface="+mn-lt"/>
-                <a:ea typeface="+mn-ea"/>
-                <a:cs typeface="+mn-cs"/>
-              </a:defRPr>
-            </a:lvl9pPr>
-          </a:lstStyle>
+          <a:lstStyle/>
           <a:p>
             <a:pPr algn="ctr"/>
             <a:r>
@@ -6406,7 +6486,7 @@
                   <a:srgbClr val="7030A0"/>
                 </a:solidFill>
               </a:rPr>
-              <a:t>Name</a:t>
+              <a:t>Finished</a:t>
             </a:r>
             <a:endParaRPr lang="en-SG" sz="1050" dirty="0">
               <a:solidFill>
@@ -6416,16 +6496,132 @@
           </a:p>
         </p:txBody>
       </p:sp>
-      <p:sp>
-        <p:nvSpPr>
-          <p:cNvPr id="27" name="TextBox 26"/>
+      <p:cxnSp>
+        <p:nvCxnSpPr>
+          <p:cNvPr id="91" name="Elbow Connector 90"/>
+          <p:cNvCxnSpPr/>
+          <p:nvPr/>
+        </p:nvCxnSpPr>
+        <p:spPr>
+          <a:xfrm rot="16200000" flipH="1">
+            <a:off x="7129449" y="3777387"/>
+            <a:ext cx="972154" cy="213491"/>
+          </a:xfrm>
+          <a:prstGeom prst="bentConnector2">
+            <a:avLst/>
+          </a:prstGeom>
+          <a:ln w="19050">
+            <a:solidFill>
+              <a:srgbClr val="7030A0"/>
+            </a:solidFill>
+            <a:headEnd type="none" w="med" len="med"/>
+            <a:tailEnd type="arrow" w="med" len="med"/>
+          </a:ln>
+          <a:effectLst/>
+        </p:spPr>
+        <p:style>
+          <a:lnRef idx="1">
+            <a:schemeClr val="accent2"/>
+          </a:lnRef>
+          <a:fillRef idx="2">
+            <a:schemeClr val="accent2"/>
+          </a:fillRef>
+          <a:effectRef idx="1">
+            <a:schemeClr val="accent2"/>
+          </a:effectRef>
+          <a:fontRef idx="minor">
+            <a:schemeClr val="dk1"/>
+          </a:fontRef>
+        </p:style>
+      </p:cxnSp>
+      <p:cxnSp>
+        <p:nvCxnSpPr>
+          <p:cNvPr id="92" name="Elbow Connector 91"/>
+          <p:cNvCxnSpPr/>
+          <p:nvPr/>
+        </p:nvCxnSpPr>
+        <p:spPr>
+          <a:xfrm rot="16200000" flipH="1">
+            <a:off x="7128879" y="4092589"/>
+            <a:ext cx="972154" cy="213491"/>
+          </a:xfrm>
+          <a:prstGeom prst="bentConnector2">
+            <a:avLst/>
+          </a:prstGeom>
+          <a:ln w="19050">
+            <a:solidFill>
+              <a:srgbClr val="7030A0"/>
+            </a:solidFill>
+            <a:headEnd type="none" w="med" len="med"/>
+            <a:tailEnd type="arrow" w="med" len="med"/>
+          </a:ln>
+          <a:effectLst/>
+        </p:spPr>
+        <p:style>
+          <a:lnRef idx="1">
+            <a:schemeClr val="accent2"/>
+          </a:lnRef>
+          <a:fillRef idx="2">
+            <a:schemeClr val="accent2"/>
+          </a:fillRef>
+          <a:effectRef idx="1">
+            <a:schemeClr val="accent2"/>
+          </a:effectRef>
+          <a:fontRef idx="minor">
+            <a:schemeClr val="dk1"/>
+          </a:fontRef>
+        </p:style>
+      </p:cxnSp>
+      <p:cxnSp>
+        <p:nvCxnSpPr>
+          <p:cNvPr id="93" name="Elbow Connector 92"/>
+          <p:cNvCxnSpPr/>
+          <p:nvPr/>
+        </p:nvCxnSpPr>
+        <p:spPr>
+          <a:xfrm rot="16200000" flipH="1">
+            <a:off x="6469184" y="2689374"/>
+            <a:ext cx="399060" cy="3625"/>
+          </a:xfrm>
+          <a:prstGeom prst="bentConnector3">
+            <a:avLst>
+              <a:gd name="adj1" fmla="val 50000"/>
+            </a:avLst>
+          </a:prstGeom>
+          <a:ln w="19050">
+            <a:solidFill>
+              <a:srgbClr val="7030A0"/>
+            </a:solidFill>
+            <a:headEnd type="none" w="med" len="med"/>
+            <a:tailEnd type="arrow" w="med" len="med"/>
+          </a:ln>
+          <a:effectLst/>
+        </p:spPr>
+        <p:style>
+          <a:lnRef idx="1">
+            <a:schemeClr val="accent2"/>
+          </a:lnRef>
+          <a:fillRef idx="2">
+            <a:schemeClr val="accent2"/>
+          </a:fillRef>
+          <a:effectRef idx="1">
+            <a:schemeClr val="accent2"/>
+          </a:effectRef>
+          <a:fontRef idx="minor">
+            <a:schemeClr val="dk1"/>
+          </a:fontRef>
+        </p:style>
+      </p:cxnSp>
+      <p:sp>
+        <p:nvSpPr>
+          <p:cNvPr id="94" name="TextBox 93"/>
           <p:cNvSpPr txBox="1"/>
           <p:nvPr/>
         </p:nvSpPr>
         <p:spPr>
           <a:xfrm>
-            <a:off x="6477000" y="4650563"/>
-            <a:ext cx="184731" cy="369332"/>
+            <a:off x="6460829" y="2686420"/>
+            <a:ext cx="189257" cy="178683"/>
           </a:xfrm>
           <a:prstGeom prst="rect">
             <a:avLst/>
@@ -6433,25 +6629,38 @@
           <a:noFill/>
         </p:spPr>
         <p:txBody>
-          <a:bodyPr wrap="none" rtlCol="0">
-            <a:spAutoFit/>
+          <a:bodyPr wrap="square" lIns="0" tIns="0" rIns="0" bIns="0" rtlCol="0">
+            <a:noAutofit/>
           </a:bodyPr>
           <a:lstStyle/>
           <a:p>
-            <a:endParaRPr lang="en-US"/>
-          </a:p>
-        </p:txBody>
-      </p:sp>
-      <p:sp>
-        <p:nvSpPr>
-          <p:cNvPr id="73" name="Rectangle 8"/>
+            <a:pPr algn="ctr"/>
+            <a:r>
+              <a:rPr lang="zh-CN" altLang="en-US" sz="1100" dirty="0">
+                <a:solidFill>
+                  <a:srgbClr val="7030A0"/>
+                </a:solidFill>
+              </a:rPr>
+              <a:t>*</a:t>
+            </a:r>
+            <a:endParaRPr lang="en-SG" sz="1100" dirty="0">
+              <a:solidFill>
+                <a:srgbClr val="7030A0"/>
+              </a:solidFill>
+            </a:endParaRPr>
+          </a:p>
+        </p:txBody>
+      </p:sp>
+      <p:sp>
+        <p:nvSpPr>
+          <p:cNvPr id="89" name="Rectangle 8"/>
           <p:cNvSpPr/>
           <p:nvPr/>
         </p:nvSpPr>
         <p:spPr>
           <a:xfrm>
-            <a:off x="7721701" y="4190123"/>
-            <a:ext cx="708186" cy="285783"/>
+            <a:off x="4523796" y="3795783"/>
+            <a:ext cx="1135778" cy="346760"/>
           </a:xfrm>
           <a:prstGeom prst="rect">
             <a:avLst/>
@@ -6483,12 +6692,35 @@
           <a:p>
             <a:pPr algn="ctr"/>
             <a:r>
-              <a:rPr lang="en-US" altLang="zh-CN" sz="1050" dirty="0" smtClean="0">
+              <a:rPr lang="en-US" sz="1050" dirty="0" smtClean="0">
                 <a:solidFill>
                   <a:srgbClr val="7030A0"/>
                 </a:solidFill>
               </a:rPr>
-              <a:t>Favorite</a:t>
+              <a:t>&lt;&lt;interface&gt;&gt;</a:t>
+            </a:r>
+            <a:br>
+              <a:rPr lang="en-US" sz="1050" dirty="0" smtClean="0">
+                <a:solidFill>
+                  <a:srgbClr val="7030A0"/>
+                </a:solidFill>
+              </a:rPr>
+            </a:br>
+            <a:r>
+              <a:rPr lang="en-US" sz="1050" dirty="0" err="1" smtClean="0">
+                <a:solidFill>
+                  <a:srgbClr val="7030A0"/>
+                </a:solidFill>
+              </a:rPr>
+              <a:t>ReadOnly</a:t>
+            </a:r>
+            <a:r>
+              <a:rPr lang="en-US" altLang="zh-CN" sz="1050" dirty="0" err="1" smtClean="0">
+                <a:solidFill>
+                  <a:srgbClr val="7030A0"/>
+                </a:solidFill>
+              </a:rPr>
+              <a:t>Event</a:t>
             </a:r>
             <a:endParaRPr lang="en-SG" sz="1050" dirty="0">
               <a:solidFill>
@@ -6500,18 +6732,21 @@
       </p:sp>
       <p:sp>
         <p:nvSpPr>
-          <p:cNvPr id="90" name="Rectangle 8"/>
+          <p:cNvPr id="95" name="Isosceles Triangle 102"/>
           <p:cNvSpPr/>
           <p:nvPr/>
         </p:nvSpPr>
         <p:spPr>
-          <a:xfrm>
-            <a:off x="7721701" y="4507671"/>
-            <a:ext cx="708186" cy="285783"/>
-          </a:xfrm>
-          <a:prstGeom prst="rect">
+          <a:xfrm rot="16200000">
+            <a:off x="5576717" y="3910840"/>
+            <a:ext cx="270504" cy="137484"/>
+          </a:xfrm>
+          <a:prstGeom prst="triangle">
             <a:avLst/>
           </a:prstGeom>
+          <a:solidFill>
+            <a:srgbClr val="7030A0"/>
+          </a:solidFill>
           <a:ln w="19050">
             <a:solidFill>
               <a:srgbClr val="7030A0"/>
@@ -6538,17 +6773,9 @@
           <a:lstStyle/>
           <a:p>
             <a:pPr algn="ctr"/>
-            <a:r>
-              <a:rPr lang="en-US" altLang="zh-CN" sz="1050" dirty="0" smtClean="0">
-                <a:solidFill>
-                  <a:srgbClr val="7030A0"/>
-                </a:solidFill>
-              </a:rPr>
-              <a:t>Finished</a:t>
-            </a:r>
-            <a:endParaRPr lang="en-SG" sz="1050" dirty="0">
+            <a:endParaRPr lang="en-SG" sz="1050" b="1">
               <a:solidFill>
-                <a:srgbClr val="7030A0"/>
+                <a:srgbClr val="92D050"/>
               </a:solidFill>
             </a:endParaRPr>
           </a:p>
@@ -6556,17 +6783,65 @@
       </p:sp>
       <p:cxnSp>
         <p:nvCxnSpPr>
-          <p:cNvPr id="91" name="Elbow Connector 90"/>
-          <p:cNvCxnSpPr/>
+          <p:cNvPr id="96" name="Elbow Connector 63"/>
+          <p:cNvCxnSpPr>
+            <a:stCxn id="95" idx="3"/>
+            <a:endCxn id="101" idx="1"/>
+          </p:cNvCxnSpPr>
           <p:nvPr/>
         </p:nvCxnSpPr>
         <p:spPr>
-          <a:xfrm rot="16200000" flipH="1">
-            <a:off x="7129449" y="3777387"/>
-            <a:ext cx="972154" cy="213491"/>
-          </a:xfrm>
-          <a:prstGeom prst="bentConnector2">
-            <a:avLst/>
+          <a:xfrm flipV="1">
+            <a:off x="5780711" y="3941454"/>
+            <a:ext cx="522192" cy="38128"/>
+          </a:xfrm>
+          <a:prstGeom prst="bentConnector3">
+            <a:avLst>
+              <a:gd name="adj1" fmla="val 100482"/>
+            </a:avLst>
+          </a:prstGeom>
+          <a:ln w="19050">
+            <a:solidFill>
+              <a:srgbClr val="7030A0"/>
+            </a:solidFill>
+            <a:prstDash val="sysDot"/>
+            <a:headEnd type="none" w="med" len="med"/>
+            <a:tailEnd type="none" w="med" len="med"/>
+          </a:ln>
+          <a:effectLst/>
+        </p:spPr>
+        <p:style>
+          <a:lnRef idx="1">
+            <a:schemeClr val="accent2"/>
+          </a:lnRef>
+          <a:fillRef idx="2">
+            <a:schemeClr val="accent2"/>
+          </a:fillRef>
+          <a:effectRef idx="1">
+            <a:schemeClr val="accent2"/>
+          </a:effectRef>
+          <a:fontRef idx="minor">
+            <a:schemeClr val="dk1"/>
+          </a:fontRef>
+        </p:style>
+      </p:cxnSp>
+      <p:cxnSp>
+        <p:nvCxnSpPr>
+          <p:cNvPr id="98" name="Elbow Connector 97"/>
+          <p:cNvCxnSpPr>
+            <a:stCxn id="102" idx="3"/>
+          </p:cNvCxnSpPr>
+          <p:nvPr/>
+        </p:nvCxnSpPr>
+        <p:spPr>
+          <a:xfrm rot="16200000" flipV="1">
+            <a:off x="6372078" y="3323738"/>
+            <a:ext cx="518948" cy="2932"/>
+          </a:xfrm>
+          <a:prstGeom prst="bentConnector3">
+            <a:avLst>
+              <a:gd name="adj1" fmla="val 50000"/>
+            </a:avLst>
           </a:prstGeom>
           <a:ln w="19050">
             <a:solidFill>
@@ -6592,19 +6867,184 @@
           </a:fontRef>
         </p:style>
       </p:cxnSp>
+      <p:sp>
+        <p:nvSpPr>
+          <p:cNvPr id="101" name="Rectangle 8"/>
+          <p:cNvSpPr/>
+          <p:nvPr/>
+        </p:nvSpPr>
+        <p:spPr>
+          <a:xfrm>
+            <a:off x="6302903" y="3768074"/>
+            <a:ext cx="708186" cy="346760"/>
+          </a:xfrm>
+          <a:prstGeom prst="rect">
+            <a:avLst/>
+          </a:prstGeom>
+          <a:ln w="19050">
+            <a:solidFill>
+              <a:srgbClr val="7030A0"/>
+            </a:solidFill>
+          </a:ln>
+          <a:effectLst/>
+        </p:spPr>
+        <p:style>
+          <a:lnRef idx="1">
+            <a:schemeClr val="accent4"/>
+          </a:lnRef>
+          <a:fillRef idx="2">
+            <a:schemeClr val="accent4"/>
+          </a:fillRef>
+          <a:effectRef idx="1">
+            <a:schemeClr val="accent4"/>
+          </a:effectRef>
+          <a:fontRef idx="minor">
+            <a:schemeClr val="dk1"/>
+          </a:fontRef>
+        </p:style>
+        <p:txBody>
+          <a:bodyPr rtlCol="0" anchor="ctr"/>
+          <a:lstStyle/>
+          <a:p>
+            <a:pPr algn="ctr"/>
+            <a:r>
+              <a:rPr lang="en-US" altLang="zh-CN" sz="1050" dirty="0" smtClean="0">
+                <a:solidFill>
+                  <a:srgbClr val="7030A0"/>
+                </a:solidFill>
+              </a:rPr>
+              <a:t>Event</a:t>
+            </a:r>
+            <a:endParaRPr lang="en-SG" sz="1050" dirty="0">
+              <a:solidFill>
+                <a:srgbClr val="7030A0"/>
+              </a:solidFill>
+            </a:endParaRPr>
+          </a:p>
+        </p:txBody>
+      </p:sp>
+      <p:sp>
+        <p:nvSpPr>
+          <p:cNvPr id="102" name="Isosceles Triangle 102"/>
+          <p:cNvSpPr/>
+          <p:nvPr/>
+        </p:nvSpPr>
+        <p:spPr>
+          <a:xfrm flipV="1">
+            <a:off x="6497766" y="3584678"/>
+            <a:ext cx="270504" cy="175523"/>
+          </a:xfrm>
+          <a:prstGeom prst="triangle">
+            <a:avLst/>
+          </a:prstGeom>
+          <a:noFill/>
+          <a:ln w="19050">
+            <a:solidFill>
+              <a:srgbClr val="7030A0"/>
+            </a:solidFill>
+          </a:ln>
+          <a:effectLst/>
+        </p:spPr>
+        <p:style>
+          <a:lnRef idx="1">
+            <a:schemeClr val="accent4"/>
+          </a:lnRef>
+          <a:fillRef idx="2">
+            <a:schemeClr val="accent4"/>
+          </a:fillRef>
+          <a:effectRef idx="1">
+            <a:schemeClr val="accent4"/>
+          </a:effectRef>
+          <a:fontRef idx="minor">
+            <a:schemeClr val="dk1"/>
+          </a:fontRef>
+        </p:style>
+        <p:txBody>
+          <a:bodyPr rtlCol="0" anchor="ctr"/>
+          <a:lstStyle/>
+          <a:p>
+            <a:pPr algn="ctr"/>
+            <a:endParaRPr lang="en-SG" sz="1050" b="1">
+              <a:solidFill>
+                <a:srgbClr val="92D050"/>
+              </a:solidFill>
+            </a:endParaRPr>
+          </a:p>
+        </p:txBody>
+      </p:sp>
+      <p:sp>
+        <p:nvSpPr>
+          <p:cNvPr id="104" name="Rectangle 8"/>
+          <p:cNvSpPr/>
+          <p:nvPr/>
+        </p:nvSpPr>
+        <p:spPr>
+          <a:xfrm>
+            <a:off x="6323719" y="2857571"/>
+            <a:ext cx="708186" cy="346760"/>
+          </a:xfrm>
+          <a:prstGeom prst="rect">
+            <a:avLst/>
+          </a:prstGeom>
+          <a:ln w="19050">
+            <a:solidFill>
+              <a:srgbClr val="7030A0"/>
+            </a:solidFill>
+          </a:ln>
+          <a:effectLst/>
+        </p:spPr>
+        <p:style>
+          <a:lnRef idx="1">
+            <a:schemeClr val="accent4"/>
+          </a:lnRef>
+          <a:fillRef idx="2">
+            <a:schemeClr val="accent4"/>
+          </a:fillRef>
+          <a:effectRef idx="1">
+            <a:schemeClr val="accent4"/>
+          </a:effectRef>
+          <a:fontRef idx="minor">
+            <a:schemeClr val="dk1"/>
+          </a:fontRef>
+        </p:style>
+        <p:txBody>
+          <a:bodyPr rtlCol="0" anchor="ctr"/>
+          <a:lstStyle/>
+          <a:p>
+            <a:pPr algn="ctr"/>
+            <a:r>
+              <a:rPr lang="en-US" altLang="zh-CN" sz="1050" dirty="0" smtClean="0">
+                <a:solidFill>
+                  <a:srgbClr val="7030A0"/>
+                </a:solidFill>
+              </a:rPr>
+              <a:t>Task</a:t>
+            </a:r>
+            <a:endParaRPr lang="en-SG" sz="1050" dirty="0">
+              <a:solidFill>
+                <a:srgbClr val="7030A0"/>
+              </a:solidFill>
+            </a:endParaRPr>
+          </a:p>
+        </p:txBody>
+      </p:sp>
       <p:cxnSp>
         <p:nvCxnSpPr>
-          <p:cNvPr id="92" name="Elbow Connector 91"/>
-          <p:cNvCxnSpPr/>
+          <p:cNvPr id="105" name="Elbow Connector 104"/>
+          <p:cNvCxnSpPr>
+            <a:endCxn id="109" idx="1"/>
+          </p:cNvCxnSpPr>
           <p:nvPr/>
         </p:nvCxnSpPr>
         <p:spPr>
-          <a:xfrm rot="16200000" flipH="1">
-            <a:off x="7128879" y="4092589"/>
-            <a:ext cx="972154" cy="213491"/>
-          </a:xfrm>
-          <a:prstGeom prst="bentConnector2">
-            <a:avLst/>
+          <a:xfrm>
+            <a:off x="6360920" y="4120207"/>
+            <a:ext cx="313198" cy="222019"/>
+          </a:xfrm>
+          <a:prstGeom prst="bentConnector3">
+            <a:avLst>
+              <a:gd name="adj1" fmla="val 50000"/>
+            </a:avLst>
           </a:prstGeom>
           <a:ln w="19050">
             <a:solidFill>
@@ -6630,20 +7070,186 @@
           </a:fontRef>
         </p:style>
       </p:cxnSp>
+      <p:sp>
+        <p:nvSpPr>
+          <p:cNvPr id="109" name="Rectangle 108"/>
+          <p:cNvSpPr/>
+          <p:nvPr/>
+        </p:nvSpPr>
+        <p:spPr>
+          <a:xfrm>
+            <a:off x="6674118" y="4199334"/>
+            <a:ext cx="729310" cy="285783"/>
+          </a:xfrm>
+          <a:prstGeom prst="rect">
+            <a:avLst/>
+          </a:prstGeom>
+          <a:ln w="19050">
+            <a:solidFill>
+              <a:srgbClr val="7030A0"/>
+            </a:solidFill>
+          </a:ln>
+          <a:effectLst/>
+        </p:spPr>
+        <p:style>
+          <a:lnRef idx="1">
+            <a:schemeClr val="accent4"/>
+          </a:lnRef>
+          <a:fillRef idx="2">
+            <a:schemeClr val="accent4"/>
+          </a:fillRef>
+          <a:effectRef idx="1">
+            <a:schemeClr val="accent4"/>
+          </a:effectRef>
+          <a:fontRef idx="minor">
+            <a:schemeClr val="dk1"/>
+          </a:fontRef>
+        </p:style>
+        <p:txBody>
+          <a:bodyPr rtlCol="0" anchor="ctr"/>
+          <a:lstStyle>
+            <a:defPPr>
+              <a:defRPr lang="en-US"/>
+            </a:defPPr>
+            <a:lvl1pPr marL="0" algn="l" defTabSz="914400" rtl="0" eaLnBrk="1" latinLnBrk="0" hangingPunct="1">
+              <a:defRPr sz="1800" kern="1200">
+                <a:solidFill>
+                  <a:schemeClr val="dk1"/>
+                </a:solidFill>
+                <a:latin typeface="+mn-lt"/>
+                <a:ea typeface="+mn-ea"/>
+                <a:cs typeface="+mn-cs"/>
+              </a:defRPr>
+            </a:lvl1pPr>
+            <a:lvl2pPr marL="457200" algn="l" defTabSz="914400" rtl="0" eaLnBrk="1" latinLnBrk="0" hangingPunct="1">
+              <a:defRPr sz="1800" kern="1200">
+                <a:solidFill>
+                  <a:schemeClr val="dk1"/>
+                </a:solidFill>
+                <a:latin typeface="+mn-lt"/>
+                <a:ea typeface="+mn-ea"/>
+                <a:cs typeface="+mn-cs"/>
+              </a:defRPr>
+            </a:lvl2pPr>
+            <a:lvl3pPr marL="914400" algn="l" defTabSz="914400" rtl="0" eaLnBrk="1" latinLnBrk="0" hangingPunct="1">
+              <a:defRPr sz="1800" kern="1200">
+                <a:solidFill>
+                  <a:schemeClr val="dk1"/>
+                </a:solidFill>
+                <a:latin typeface="+mn-lt"/>
+                <a:ea typeface="+mn-ea"/>
+                <a:cs typeface="+mn-cs"/>
+              </a:defRPr>
+            </a:lvl3pPr>
+            <a:lvl4pPr marL="1371600" algn="l" defTabSz="914400" rtl="0" eaLnBrk="1" latinLnBrk="0" hangingPunct="1">
+              <a:defRPr sz="1800" kern="1200">
+                <a:solidFill>
+                  <a:schemeClr val="dk1"/>
+                </a:solidFill>
+                <a:latin typeface="+mn-lt"/>
+                <a:ea typeface="+mn-ea"/>
+                <a:cs typeface="+mn-cs"/>
+              </a:defRPr>
+            </a:lvl4pPr>
+            <a:lvl5pPr marL="1828800" algn="l" defTabSz="914400" rtl="0" eaLnBrk="1" latinLnBrk="0" hangingPunct="1">
+              <a:defRPr sz="1800" kern="1200">
+                <a:solidFill>
+                  <a:schemeClr val="dk1"/>
+                </a:solidFill>
+                <a:latin typeface="+mn-lt"/>
+                <a:ea typeface="+mn-ea"/>
+                <a:cs typeface="+mn-cs"/>
+              </a:defRPr>
+            </a:lvl5pPr>
+            <a:lvl6pPr marL="2286000" algn="l" defTabSz="914400" rtl="0" eaLnBrk="1" latinLnBrk="0" hangingPunct="1">
+              <a:defRPr sz="1800" kern="1200">
+                <a:solidFill>
+                  <a:schemeClr val="dk1"/>
+                </a:solidFill>
+                <a:latin typeface="+mn-lt"/>
+                <a:ea typeface="+mn-ea"/>
+                <a:cs typeface="+mn-cs"/>
+              </a:defRPr>
+            </a:lvl6pPr>
+            <a:lvl7pPr marL="2743200" algn="l" defTabSz="914400" rtl="0" eaLnBrk="1" latinLnBrk="0" hangingPunct="1">
+              <a:defRPr sz="1800" kern="1200">
+                <a:solidFill>
+                  <a:schemeClr val="dk1"/>
+                </a:solidFill>
+                <a:latin typeface="+mn-lt"/>
+                <a:ea typeface="+mn-ea"/>
+                <a:cs typeface="+mn-cs"/>
+              </a:defRPr>
+            </a:lvl7pPr>
+            <a:lvl8pPr marL="3200400" algn="l" defTabSz="914400" rtl="0" eaLnBrk="1" latinLnBrk="0" hangingPunct="1">
+              <a:defRPr sz="1800" kern="1200">
+                <a:solidFill>
+                  <a:schemeClr val="dk1"/>
+                </a:solidFill>
+                <a:latin typeface="+mn-lt"/>
+                <a:ea typeface="+mn-ea"/>
+                <a:cs typeface="+mn-cs"/>
+              </a:defRPr>
+            </a:lvl8pPr>
+            <a:lvl9pPr marL="3657600" algn="l" defTabSz="914400" rtl="0" eaLnBrk="1" latinLnBrk="0" hangingPunct="1">
+              <a:defRPr sz="1800" kern="1200">
+                <a:solidFill>
+                  <a:schemeClr val="dk1"/>
+                </a:solidFill>
+                <a:latin typeface="+mn-lt"/>
+                <a:ea typeface="+mn-ea"/>
+                <a:cs typeface="+mn-cs"/>
+              </a:defRPr>
+            </a:lvl9pPr>
+          </a:lstStyle>
+          <a:p>
+            <a:pPr algn="ctr"/>
+            <a:r>
+              <a:rPr lang="en-US" altLang="zh-CN" sz="1050" dirty="0" smtClean="0">
+                <a:solidFill>
+                  <a:srgbClr val="7030A0"/>
+                </a:solidFill>
+              </a:rPr>
+              <a:t>Start</a:t>
+            </a:r>
+            <a:r>
+              <a:rPr lang="zh-CN" altLang="en-US" sz="1050" dirty="0" smtClean="0">
+                <a:solidFill>
+                  <a:srgbClr val="7030A0"/>
+                </a:solidFill>
+              </a:rPr>
+              <a:t> </a:t>
+            </a:r>
+            <a:r>
+              <a:rPr lang="en-US" altLang="zh-CN" sz="1050" dirty="0" smtClean="0">
+                <a:solidFill>
+                  <a:srgbClr val="7030A0"/>
+                </a:solidFill>
+              </a:rPr>
+              <a:t>date</a:t>
+            </a:r>
+            <a:endParaRPr lang="en-SG" sz="1050" dirty="0">
+              <a:solidFill>
+                <a:srgbClr val="7030A0"/>
+              </a:solidFill>
+            </a:endParaRPr>
+          </a:p>
+        </p:txBody>
+      </p:sp>
       <p:cxnSp>
         <p:nvCxnSpPr>
-          <p:cNvPr id="93" name="Elbow Connector 92"/>
+          <p:cNvPr id="115" name="Elbow Connector 114"/>
           <p:cNvCxnSpPr/>
           <p:nvPr/>
         </p:nvCxnSpPr>
         <p:spPr>
           <a:xfrm rot="16200000" flipH="1">
-            <a:off x="6464014" y="2680864"/>
-            <a:ext cx="399060" cy="3625"/>
+            <a:off x="6342923" y="4357187"/>
+            <a:ext cx="493888" cy="157710"/>
           </a:xfrm>
           <a:prstGeom prst="bentConnector3">
             <a:avLst>
-              <a:gd name="adj1" fmla="val 50000"/>
+              <a:gd name="adj1" fmla="val 100039"/>
             </a:avLst>
           </a:prstGeom>
           <a:ln w="19050">
@@ -6672,36 +7278,163 @@
       </p:cxnSp>
       <p:sp>
         <p:nvSpPr>
-          <p:cNvPr id="94" name="TextBox 93"/>
-          <p:cNvSpPr txBox="1"/>
+          <p:cNvPr id="117" name="Rectangle 116"/>
+          <p:cNvSpPr/>
           <p:nvPr/>
         </p:nvSpPr>
         <p:spPr>
           <a:xfrm>
-            <a:off x="6460829" y="2686420"/>
-            <a:ext cx="189257" cy="178683"/>
+            <a:off x="6680048" y="4576638"/>
+            <a:ext cx="723379" cy="285783"/>
           </a:xfrm>
           <a:prstGeom prst="rect">
             <a:avLst/>
           </a:prstGeom>
-          <a:noFill/>
-        </p:spPr>
-        <p:txBody>
-          <a:bodyPr wrap="square" lIns="0" tIns="0" rIns="0" bIns="0" rtlCol="0">
-            <a:noAutofit/>
-          </a:bodyPr>
-          <a:lstStyle/>
+          <a:ln w="19050">
+            <a:solidFill>
+              <a:srgbClr val="7030A0"/>
+            </a:solidFill>
+          </a:ln>
+          <a:effectLst/>
+        </p:spPr>
+        <p:style>
+          <a:lnRef idx="1">
+            <a:schemeClr val="accent4"/>
+          </a:lnRef>
+          <a:fillRef idx="2">
+            <a:schemeClr val="accent4"/>
+          </a:fillRef>
+          <a:effectRef idx="1">
+            <a:schemeClr val="accent4"/>
+          </a:effectRef>
+          <a:fontRef idx="minor">
+            <a:schemeClr val="dk1"/>
+          </a:fontRef>
+        </p:style>
+        <p:txBody>
+          <a:bodyPr rtlCol="0" anchor="ctr"/>
+          <a:lstStyle>
+            <a:defPPr>
+              <a:defRPr lang="en-US"/>
+            </a:defPPr>
+            <a:lvl1pPr marL="0" algn="l" defTabSz="914400" rtl="0" eaLnBrk="1" latinLnBrk="0" hangingPunct="1">
+              <a:defRPr sz="1800" kern="1200">
+                <a:solidFill>
+                  <a:schemeClr val="dk1"/>
+                </a:solidFill>
+                <a:latin typeface="+mn-lt"/>
+                <a:ea typeface="+mn-ea"/>
+                <a:cs typeface="+mn-cs"/>
+              </a:defRPr>
+            </a:lvl1pPr>
+            <a:lvl2pPr marL="457200" algn="l" defTabSz="914400" rtl="0" eaLnBrk="1" latinLnBrk="0" hangingPunct="1">
+              <a:defRPr sz="1800" kern="1200">
+                <a:solidFill>
+                  <a:schemeClr val="dk1"/>
+                </a:solidFill>
+                <a:latin typeface="+mn-lt"/>
+                <a:ea typeface="+mn-ea"/>
+                <a:cs typeface="+mn-cs"/>
+              </a:defRPr>
+            </a:lvl2pPr>
+            <a:lvl3pPr marL="914400" algn="l" defTabSz="914400" rtl="0" eaLnBrk="1" latinLnBrk="0" hangingPunct="1">
+              <a:defRPr sz="1800" kern="1200">
+                <a:solidFill>
+                  <a:schemeClr val="dk1"/>
+                </a:solidFill>
+                <a:latin typeface="+mn-lt"/>
+                <a:ea typeface="+mn-ea"/>
+                <a:cs typeface="+mn-cs"/>
+              </a:defRPr>
+            </a:lvl3pPr>
+            <a:lvl4pPr marL="1371600" algn="l" defTabSz="914400" rtl="0" eaLnBrk="1" latinLnBrk="0" hangingPunct="1">
+              <a:defRPr sz="1800" kern="1200">
+                <a:solidFill>
+                  <a:schemeClr val="dk1"/>
+                </a:solidFill>
+                <a:latin typeface="+mn-lt"/>
+                <a:ea typeface="+mn-ea"/>
+                <a:cs typeface="+mn-cs"/>
+              </a:defRPr>
+            </a:lvl4pPr>
+            <a:lvl5pPr marL="1828800" algn="l" defTabSz="914400" rtl="0" eaLnBrk="1" latinLnBrk="0" hangingPunct="1">
+              <a:defRPr sz="1800" kern="1200">
+                <a:solidFill>
+                  <a:schemeClr val="dk1"/>
+                </a:solidFill>
+                <a:latin typeface="+mn-lt"/>
+                <a:ea typeface="+mn-ea"/>
+                <a:cs typeface="+mn-cs"/>
+              </a:defRPr>
+            </a:lvl5pPr>
+            <a:lvl6pPr marL="2286000" algn="l" defTabSz="914400" rtl="0" eaLnBrk="1" latinLnBrk="0" hangingPunct="1">
+              <a:defRPr sz="1800" kern="1200">
+                <a:solidFill>
+                  <a:schemeClr val="dk1"/>
+                </a:solidFill>
+                <a:latin typeface="+mn-lt"/>
+                <a:ea typeface="+mn-ea"/>
+                <a:cs typeface="+mn-cs"/>
+              </a:defRPr>
+            </a:lvl6pPr>
+            <a:lvl7pPr marL="2743200" algn="l" defTabSz="914400" rtl="0" eaLnBrk="1" latinLnBrk="0" hangingPunct="1">
+              <a:defRPr sz="1800" kern="1200">
+                <a:solidFill>
+                  <a:schemeClr val="dk1"/>
+                </a:solidFill>
+                <a:latin typeface="+mn-lt"/>
+                <a:ea typeface="+mn-ea"/>
+                <a:cs typeface="+mn-cs"/>
+              </a:defRPr>
+            </a:lvl7pPr>
+            <a:lvl8pPr marL="3200400" algn="l" defTabSz="914400" rtl="0" eaLnBrk="1" latinLnBrk="0" hangingPunct="1">
+              <a:defRPr sz="1800" kern="1200">
+                <a:solidFill>
+                  <a:schemeClr val="dk1"/>
+                </a:solidFill>
+                <a:latin typeface="+mn-lt"/>
+                <a:ea typeface="+mn-ea"/>
+                <a:cs typeface="+mn-cs"/>
+              </a:defRPr>
+            </a:lvl8pPr>
+            <a:lvl9pPr marL="3657600" algn="l" defTabSz="914400" rtl="0" eaLnBrk="1" latinLnBrk="0" hangingPunct="1">
+              <a:defRPr sz="1800" kern="1200">
+                <a:solidFill>
+                  <a:schemeClr val="dk1"/>
+                </a:solidFill>
+                <a:latin typeface="+mn-lt"/>
+                <a:ea typeface="+mn-ea"/>
+                <a:cs typeface="+mn-cs"/>
+              </a:defRPr>
+            </a:lvl9pPr>
+          </a:lstStyle>
           <a:p>
             <a:pPr algn="ctr"/>
             <a:r>
-              <a:rPr lang="zh-CN" altLang="en-US" sz="1100" dirty="0">
+              <a:rPr lang="en-US" altLang="zh-CN" sz="1050" dirty="0" smtClean="0">
                 <a:solidFill>
                   <a:srgbClr val="7030A0"/>
                 </a:solidFill>
               </a:rPr>
-              <a:t>*</a:t>
-            </a:r>
-            <a:endParaRPr lang="en-SG" sz="1100" dirty="0">
+              <a:t>Start</a:t>
+            </a:r>
+            <a:r>
+              <a:rPr lang="zh-CN" altLang="en-US" sz="1050" dirty="0" smtClean="0">
+                <a:solidFill>
+                  <a:srgbClr val="7030A0"/>
+                </a:solidFill>
+              </a:rPr>
+              <a:t> </a:t>
+            </a:r>
+            <a:r>
+              <a:rPr lang="en-US" altLang="zh-CN" sz="1050" dirty="0" smtClean="0">
+                <a:solidFill>
+                  <a:srgbClr val="7030A0"/>
+                </a:solidFill>
+              </a:rPr>
+              <a:t>time</a:t>
+            </a:r>
+            <a:endParaRPr lang="en-SG" sz="1050" dirty="0">
               <a:solidFill>
                 <a:srgbClr val="7030A0"/>
               </a:solidFill>

--- a/docs/diagrams/ModelComponentClassDiagram.pptx
+++ b/docs/diagrams/ModelComponentClassDiagram.pptx
@@ -109,7 +109,7 @@
   </p:defaultTextStyle>
   <p:extLst>
     <p:ext uri="{EFAFB233-063F-42B5-8137-9DF3F51BA10A}">
-      <p15:sldGuideLst xmlns:p15="http://schemas.microsoft.com/office/powerpoint/2012/main">
+      <p15:sldGuideLst xmlns:p15="http://schemas.microsoft.com/office/powerpoint/2012/main" xmlns="">
         <p15:guide id="1" orient="horz" pos="1488">
           <p15:clr>
             <a:srgbClr val="A4A3A4"/>
@@ -208,7 +208,8 @@
           <a:p>
             <a:fld id="{F5CC4B3F-88C1-4FFA-B1B6-F41C21DC6924}" type="datetimeFigureOut">
               <a:rPr lang="en-US" smtClean="0"/>
-              <a:t>3/27/17</a:t>
+              <a:pPr/>
+              <a:t>3/27/2017</a:t>
             </a:fld>
             <a:endParaRPr lang="en-US"/>
           </a:p>
@@ -367,6 +368,7 @@
           <a:p>
             <a:fld id="{5A7AB025-77E3-4BD1-A2FD-B3183DBA47A3}" type="slidenum">
               <a:rPr lang="en-US" smtClean="0"/>
+              <a:pPr/>
               <a:t>‹#›</a:t>
             </a:fld>
             <a:endParaRPr lang="en-US"/>
@@ -376,7 +378,7 @@
     </p:spTree>
     <p:extLst>
       <p:ext uri="{BB962C8B-B14F-4D97-AF65-F5344CB8AC3E}">
-        <p14:creationId xmlns:p14="http://schemas.microsoft.com/office/powerpoint/2010/main" val="2023976206"/>
+        <p14:creationId xmlns:p14="http://schemas.microsoft.com/office/powerpoint/2010/main" xmlns="" val="2023976206"/>
       </p:ext>
     </p:extLst>
   </p:cSld>
@@ -657,7 +659,8 @@
           <a:p>
             <a:fld id="{78C97017-6FC3-485B-9764-EAC9E56C1D49}" type="datetimeFigureOut">
               <a:rPr lang="en-US" smtClean="0"/>
-              <a:t>3/27/17</a:t>
+              <a:pPr/>
+              <a:t>3/27/2017</a:t>
             </a:fld>
             <a:endParaRPr lang="en-US"/>
           </a:p>
@@ -699,6 +702,7 @@
           <a:p>
             <a:fld id="{FB34683C-161B-4520-BF45-B179E228CF2A}" type="slidenum">
               <a:rPr lang="en-US" smtClean="0"/>
+              <a:pPr/>
               <a:t>‹#›</a:t>
             </a:fld>
             <a:endParaRPr lang="en-US"/>
@@ -708,7 +712,7 @@
     </p:spTree>
     <p:extLst>
       <p:ext uri="{BB962C8B-B14F-4D97-AF65-F5344CB8AC3E}">
-        <p14:creationId xmlns:p14="http://schemas.microsoft.com/office/powerpoint/2010/main" val="3246593157"/>
+        <p14:creationId xmlns:p14="http://schemas.microsoft.com/office/powerpoint/2010/main" xmlns="" val="3246593157"/>
       </p:ext>
     </p:extLst>
   </p:cSld>
@@ -827,7 +831,8 @@
           <a:p>
             <a:fld id="{78C97017-6FC3-485B-9764-EAC9E56C1D49}" type="datetimeFigureOut">
               <a:rPr lang="en-US" smtClean="0"/>
-              <a:t>3/27/17</a:t>
+              <a:pPr/>
+              <a:t>3/27/2017</a:t>
             </a:fld>
             <a:endParaRPr lang="en-US"/>
           </a:p>
@@ -869,6 +874,7 @@
           <a:p>
             <a:fld id="{FB34683C-161B-4520-BF45-B179E228CF2A}" type="slidenum">
               <a:rPr lang="en-US" smtClean="0"/>
+              <a:pPr/>
               <a:t>‹#›</a:t>
             </a:fld>
             <a:endParaRPr lang="en-US"/>
@@ -878,7 +884,7 @@
     </p:spTree>
     <p:extLst>
       <p:ext uri="{BB962C8B-B14F-4D97-AF65-F5344CB8AC3E}">
-        <p14:creationId xmlns:p14="http://schemas.microsoft.com/office/powerpoint/2010/main" val="2707025021"/>
+        <p14:creationId xmlns:p14="http://schemas.microsoft.com/office/powerpoint/2010/main" xmlns="" val="2707025021"/>
       </p:ext>
     </p:extLst>
   </p:cSld>
@@ -1007,7 +1013,8 @@
           <a:p>
             <a:fld id="{78C97017-6FC3-485B-9764-EAC9E56C1D49}" type="datetimeFigureOut">
               <a:rPr lang="en-US" smtClean="0"/>
-              <a:t>3/27/17</a:t>
+              <a:pPr/>
+              <a:t>3/27/2017</a:t>
             </a:fld>
             <a:endParaRPr lang="en-US"/>
           </a:p>
@@ -1049,6 +1056,7 @@
           <a:p>
             <a:fld id="{FB34683C-161B-4520-BF45-B179E228CF2A}" type="slidenum">
               <a:rPr lang="en-US" smtClean="0"/>
+              <a:pPr/>
               <a:t>‹#›</a:t>
             </a:fld>
             <a:endParaRPr lang="en-US"/>
@@ -1058,7 +1066,7 @@
     </p:spTree>
     <p:extLst>
       <p:ext uri="{BB962C8B-B14F-4D97-AF65-F5344CB8AC3E}">
-        <p14:creationId xmlns:p14="http://schemas.microsoft.com/office/powerpoint/2010/main" val="568378986"/>
+        <p14:creationId xmlns:p14="http://schemas.microsoft.com/office/powerpoint/2010/main" xmlns="" val="568378986"/>
       </p:ext>
     </p:extLst>
   </p:cSld>
@@ -1177,7 +1185,8 @@
           <a:p>
             <a:fld id="{78C97017-6FC3-485B-9764-EAC9E56C1D49}" type="datetimeFigureOut">
               <a:rPr lang="en-US" smtClean="0"/>
-              <a:t>3/27/17</a:t>
+              <a:pPr/>
+              <a:t>3/27/2017</a:t>
             </a:fld>
             <a:endParaRPr lang="en-US"/>
           </a:p>
@@ -1219,6 +1228,7 @@
           <a:p>
             <a:fld id="{FB34683C-161B-4520-BF45-B179E228CF2A}" type="slidenum">
               <a:rPr lang="en-US" smtClean="0"/>
+              <a:pPr/>
               <a:t>‹#›</a:t>
             </a:fld>
             <a:endParaRPr lang="en-US"/>
@@ -1228,7 +1238,7 @@
     </p:spTree>
     <p:extLst>
       <p:ext uri="{BB962C8B-B14F-4D97-AF65-F5344CB8AC3E}">
-        <p14:creationId xmlns:p14="http://schemas.microsoft.com/office/powerpoint/2010/main" val="266658052"/>
+        <p14:creationId xmlns:p14="http://schemas.microsoft.com/office/powerpoint/2010/main" xmlns="" val="266658052"/>
       </p:ext>
     </p:extLst>
   </p:cSld>
@@ -1423,7 +1433,8 @@
           <a:p>
             <a:fld id="{78C97017-6FC3-485B-9764-EAC9E56C1D49}" type="datetimeFigureOut">
               <a:rPr lang="en-US" smtClean="0"/>
-              <a:t>3/27/17</a:t>
+              <a:pPr/>
+              <a:t>3/27/2017</a:t>
             </a:fld>
             <a:endParaRPr lang="en-US"/>
           </a:p>
@@ -1465,6 +1476,7 @@
           <a:p>
             <a:fld id="{FB34683C-161B-4520-BF45-B179E228CF2A}" type="slidenum">
               <a:rPr lang="en-US" smtClean="0"/>
+              <a:pPr/>
               <a:t>‹#›</a:t>
             </a:fld>
             <a:endParaRPr lang="en-US"/>
@@ -1474,7 +1486,7 @@
     </p:spTree>
     <p:extLst>
       <p:ext uri="{BB962C8B-B14F-4D97-AF65-F5344CB8AC3E}">
-        <p14:creationId xmlns:p14="http://schemas.microsoft.com/office/powerpoint/2010/main" val="474686344"/>
+        <p14:creationId xmlns:p14="http://schemas.microsoft.com/office/powerpoint/2010/main" xmlns="" val="474686344"/>
       </p:ext>
     </p:extLst>
   </p:cSld>
@@ -1711,7 +1723,8 @@
           <a:p>
             <a:fld id="{78C97017-6FC3-485B-9764-EAC9E56C1D49}" type="datetimeFigureOut">
               <a:rPr lang="en-US" smtClean="0"/>
-              <a:t>3/27/17</a:t>
+              <a:pPr/>
+              <a:t>3/27/2017</a:t>
             </a:fld>
             <a:endParaRPr lang="en-US"/>
           </a:p>
@@ -1753,6 +1766,7 @@
           <a:p>
             <a:fld id="{FB34683C-161B-4520-BF45-B179E228CF2A}" type="slidenum">
               <a:rPr lang="en-US" smtClean="0"/>
+              <a:pPr/>
               <a:t>‹#›</a:t>
             </a:fld>
             <a:endParaRPr lang="en-US"/>
@@ -1762,7 +1776,7 @@
     </p:spTree>
     <p:extLst>
       <p:ext uri="{BB962C8B-B14F-4D97-AF65-F5344CB8AC3E}">
-        <p14:creationId xmlns:p14="http://schemas.microsoft.com/office/powerpoint/2010/main" val="562293251"/>
+        <p14:creationId xmlns:p14="http://schemas.microsoft.com/office/powerpoint/2010/main" xmlns="" val="562293251"/>
       </p:ext>
     </p:extLst>
   </p:cSld>
@@ -2133,7 +2147,8 @@
           <a:p>
             <a:fld id="{78C97017-6FC3-485B-9764-EAC9E56C1D49}" type="datetimeFigureOut">
               <a:rPr lang="en-US" smtClean="0"/>
-              <a:t>3/27/17</a:t>
+              <a:pPr/>
+              <a:t>3/27/2017</a:t>
             </a:fld>
             <a:endParaRPr lang="en-US"/>
           </a:p>
@@ -2175,6 +2190,7 @@
           <a:p>
             <a:fld id="{FB34683C-161B-4520-BF45-B179E228CF2A}" type="slidenum">
               <a:rPr lang="en-US" smtClean="0"/>
+              <a:pPr/>
               <a:t>‹#›</a:t>
             </a:fld>
             <a:endParaRPr lang="en-US"/>
@@ -2184,7 +2200,7 @@
     </p:spTree>
     <p:extLst>
       <p:ext uri="{BB962C8B-B14F-4D97-AF65-F5344CB8AC3E}">
-        <p14:creationId xmlns:p14="http://schemas.microsoft.com/office/powerpoint/2010/main" val="1126424250"/>
+        <p14:creationId xmlns:p14="http://schemas.microsoft.com/office/powerpoint/2010/main" xmlns="" val="1126424250"/>
       </p:ext>
     </p:extLst>
   </p:cSld>
@@ -2251,7 +2267,8 @@
           <a:p>
             <a:fld id="{78C97017-6FC3-485B-9764-EAC9E56C1D49}" type="datetimeFigureOut">
               <a:rPr lang="en-US" smtClean="0"/>
-              <a:t>3/27/17</a:t>
+              <a:pPr/>
+              <a:t>3/27/2017</a:t>
             </a:fld>
             <a:endParaRPr lang="en-US"/>
           </a:p>
@@ -2293,6 +2310,7 @@
           <a:p>
             <a:fld id="{FB34683C-161B-4520-BF45-B179E228CF2A}" type="slidenum">
               <a:rPr lang="en-US" smtClean="0"/>
+              <a:pPr/>
               <a:t>‹#›</a:t>
             </a:fld>
             <a:endParaRPr lang="en-US"/>
@@ -2302,7 +2320,7 @@
     </p:spTree>
     <p:extLst>
       <p:ext uri="{BB962C8B-B14F-4D97-AF65-F5344CB8AC3E}">
-        <p14:creationId xmlns:p14="http://schemas.microsoft.com/office/powerpoint/2010/main" val="4159724230"/>
+        <p14:creationId xmlns:p14="http://schemas.microsoft.com/office/powerpoint/2010/main" xmlns="" val="4159724230"/>
       </p:ext>
     </p:extLst>
   </p:cSld>
@@ -2346,7 +2364,8 @@
           <a:p>
             <a:fld id="{78C97017-6FC3-485B-9764-EAC9E56C1D49}" type="datetimeFigureOut">
               <a:rPr lang="en-US" smtClean="0"/>
-              <a:t>3/27/17</a:t>
+              <a:pPr/>
+              <a:t>3/27/2017</a:t>
             </a:fld>
             <a:endParaRPr lang="en-US"/>
           </a:p>
@@ -2388,6 +2407,7 @@
           <a:p>
             <a:fld id="{FB34683C-161B-4520-BF45-B179E228CF2A}" type="slidenum">
               <a:rPr lang="en-US" smtClean="0"/>
+              <a:pPr/>
               <a:t>‹#›</a:t>
             </a:fld>
             <a:endParaRPr lang="en-US"/>
@@ -2397,7 +2417,7 @@
     </p:spTree>
     <p:extLst>
       <p:ext uri="{BB962C8B-B14F-4D97-AF65-F5344CB8AC3E}">
-        <p14:creationId xmlns:p14="http://schemas.microsoft.com/office/powerpoint/2010/main" val="1793928710"/>
+        <p14:creationId xmlns:p14="http://schemas.microsoft.com/office/powerpoint/2010/main" xmlns="" val="1793928710"/>
       </p:ext>
     </p:extLst>
   </p:cSld>
@@ -2623,7 +2643,8 @@
           <a:p>
             <a:fld id="{78C97017-6FC3-485B-9764-EAC9E56C1D49}" type="datetimeFigureOut">
               <a:rPr lang="en-US" smtClean="0"/>
-              <a:t>3/27/17</a:t>
+              <a:pPr/>
+              <a:t>3/27/2017</a:t>
             </a:fld>
             <a:endParaRPr lang="en-US"/>
           </a:p>
@@ -2665,6 +2686,7 @@
           <a:p>
             <a:fld id="{FB34683C-161B-4520-BF45-B179E228CF2A}" type="slidenum">
               <a:rPr lang="en-US" smtClean="0"/>
+              <a:pPr/>
               <a:t>‹#›</a:t>
             </a:fld>
             <a:endParaRPr lang="en-US"/>
@@ -2674,7 +2696,7 @@
     </p:spTree>
     <p:extLst>
       <p:ext uri="{BB962C8B-B14F-4D97-AF65-F5344CB8AC3E}">
-        <p14:creationId xmlns:p14="http://schemas.microsoft.com/office/powerpoint/2010/main" val="2076802089"/>
+        <p14:creationId xmlns:p14="http://schemas.microsoft.com/office/powerpoint/2010/main" xmlns="" val="2076802089"/>
       </p:ext>
     </p:extLst>
   </p:cSld>
@@ -2876,7 +2898,8 @@
           <a:p>
             <a:fld id="{78C97017-6FC3-485B-9764-EAC9E56C1D49}" type="datetimeFigureOut">
               <a:rPr lang="en-US" smtClean="0"/>
-              <a:t>3/27/17</a:t>
+              <a:pPr/>
+              <a:t>3/27/2017</a:t>
             </a:fld>
             <a:endParaRPr lang="en-US"/>
           </a:p>
@@ -2918,6 +2941,7 @@
           <a:p>
             <a:fld id="{FB34683C-161B-4520-BF45-B179E228CF2A}" type="slidenum">
               <a:rPr lang="en-US" smtClean="0"/>
+              <a:pPr/>
               <a:t>‹#›</a:t>
             </a:fld>
             <a:endParaRPr lang="en-US"/>
@@ -2927,7 +2951,7 @@
     </p:spTree>
     <p:extLst>
       <p:ext uri="{BB962C8B-B14F-4D97-AF65-F5344CB8AC3E}">
-        <p14:creationId xmlns:p14="http://schemas.microsoft.com/office/powerpoint/2010/main" val="201835938"/>
+        <p14:creationId xmlns:p14="http://schemas.microsoft.com/office/powerpoint/2010/main" xmlns="" val="201835938"/>
       </p:ext>
     </p:extLst>
   </p:cSld>
@@ -3089,7 +3113,8 @@
           <a:p>
             <a:fld id="{78C97017-6FC3-485B-9764-EAC9E56C1D49}" type="datetimeFigureOut">
               <a:rPr lang="en-US" smtClean="0"/>
-              <a:t>3/27/17</a:t>
+              <a:pPr/>
+              <a:t>3/27/2017</a:t>
             </a:fld>
             <a:endParaRPr lang="en-US"/>
           </a:p>
@@ -3167,6 +3192,7 @@
           <a:p>
             <a:fld id="{FB34683C-161B-4520-BF45-B179E228CF2A}" type="slidenum">
               <a:rPr lang="en-US" smtClean="0"/>
+              <a:pPr/>
               <a:t>‹#›</a:t>
             </a:fld>
             <a:endParaRPr lang="en-US"/>
@@ -3176,7 +3202,7 @@
     </p:spTree>
     <p:extLst>
       <p:ext uri="{BB962C8B-B14F-4D97-AF65-F5344CB8AC3E}">
-        <p14:creationId xmlns:p14="http://schemas.microsoft.com/office/powerpoint/2010/main" val="2341400630"/>
+        <p14:creationId xmlns:p14="http://schemas.microsoft.com/office/powerpoint/2010/main" xmlns="" val="2341400630"/>
       </p:ext>
     </p:extLst>
   </p:cSld>
@@ -3472,8 +3498,8 @@
         </p:nvSpPr>
         <p:spPr>
           <a:xfrm>
-            <a:off x="1119865" y="1727199"/>
-            <a:ext cx="7490735" cy="3292695"/>
+            <a:off x="304800" y="1905000"/>
+            <a:ext cx="8229600" cy="4114800"/>
           </a:xfrm>
           <a:prstGeom prst="roundRect">
             <a:avLst>
@@ -3533,7 +3559,7 @@
         </p:nvSpPr>
         <p:spPr>
           <a:xfrm>
-            <a:off x="2877180" y="3158440"/>
+            <a:off x="2062115" y="3336241"/>
             <a:ext cx="1093635" cy="346760"/>
           </a:xfrm>
           <a:prstGeom prst="rect">
@@ -3592,7 +3618,7 @@
         </p:nvSpPr>
         <p:spPr>
           <a:xfrm rot="16200000">
-            <a:off x="1683963" y="2868687"/>
+            <a:off x="868898" y="3046488"/>
             <a:ext cx="1093635" cy="346760"/>
           </a:xfrm>
           <a:prstGeom prst="rect">
@@ -3648,17 +3674,18 @@
           <p:cNvPr id="53" name="Elbow Connector 63"/>
           <p:cNvCxnSpPr>
             <a:stCxn id="71" idx="3"/>
+            <a:endCxn id="89" idx="1"/>
           </p:cNvCxnSpPr>
           <p:nvPr/>
         </p:nvCxnSpPr>
         <p:spPr>
           <a:xfrm flipV="1">
-            <a:off x="5826306" y="3200538"/>
-            <a:ext cx="563361" cy="302526"/>
+            <a:off x="4595124" y="2230780"/>
+            <a:ext cx="1881876" cy="1485873"/>
           </a:xfrm>
           <a:prstGeom prst="bentConnector3">
             <a:avLst>
-              <a:gd name="adj1" fmla="val 108491"/>
+              <a:gd name="adj1" fmla="val 50000"/>
             </a:avLst>
           </a:prstGeom>
           <a:ln w="19050">
@@ -3689,19 +3716,19 @@
       <p:cxnSp>
         <p:nvCxnSpPr>
           <p:cNvPr id="107" name="Elbow Connector 106"/>
-          <p:cNvCxnSpPr/>
+          <p:cNvCxnSpPr>
+            <a:stCxn id="9" idx="1"/>
+            <a:endCxn id="104" idx="1"/>
+          </p:cNvCxnSpPr>
           <p:nvPr/>
         </p:nvCxnSpPr>
         <p:spPr>
-          <a:xfrm rot="5400000" flipH="1" flipV="1">
-            <a:off x="4352093" y="1081059"/>
-            <a:ext cx="378691" cy="4637261"/>
-          </a:xfrm>
-          <a:prstGeom prst="bentConnector4">
-            <a:avLst>
-              <a:gd name="adj1" fmla="val -182317"/>
-              <a:gd name="adj2" fmla="val 99975"/>
-            </a:avLst>
+          <a:xfrm rot="16200000" flipH="1">
+            <a:off x="2695011" y="2487391"/>
+            <a:ext cx="369094" cy="2927684"/>
+          </a:xfrm>
+          <a:prstGeom prst="bentConnector2">
+            <a:avLst/>
           </a:prstGeom>
           <a:ln w="19050">
             <a:solidFill>
@@ -3736,7 +3763,7 @@
         </p:nvSpPr>
         <p:spPr>
           <a:xfrm rot="16200000">
-            <a:off x="956202" y="2861202"/>
+            <a:off x="141137" y="3039003"/>
             <a:ext cx="1093635" cy="346760"/>
           </a:xfrm>
           <a:prstGeom prst="rect">
@@ -3806,7 +3833,7 @@
         </p:nvSpPr>
         <p:spPr>
           <a:xfrm rot="16200000">
-            <a:off x="1626910" y="2952291"/>
+            <a:off x="811845" y="3130092"/>
             <a:ext cx="270504" cy="175523"/>
           </a:xfrm>
           <a:prstGeom prst="triangle">
@@ -3856,7 +3883,7 @@
         </p:nvCxnSpPr>
         <p:spPr>
           <a:xfrm>
-            <a:off x="2656370" y="3326536"/>
+            <a:off x="1841305" y="3504337"/>
             <a:ext cx="220810" cy="5284"/>
           </a:xfrm>
           <a:prstGeom prst="straightConnector1">
@@ -3894,7 +3921,7 @@
         </p:nvSpPr>
         <p:spPr>
           <a:xfrm rot="5400000" flipV="1">
-            <a:off x="5603292" y="3415302"/>
+            <a:off x="4372110" y="3628891"/>
             <a:ext cx="270504" cy="175523"/>
           </a:xfrm>
           <a:prstGeom prst="triangle">
@@ -3945,7 +3972,7 @@
         </p:nvCxnSpPr>
         <p:spPr>
           <a:xfrm>
-            <a:off x="910091" y="3040053"/>
+            <a:off x="95026" y="3217854"/>
             <a:ext cx="419548" cy="2860"/>
           </a:xfrm>
           <a:prstGeom prst="bentConnector3">
@@ -3990,7 +4017,7 @@
         </p:nvCxnSpPr>
         <p:spPr>
           <a:xfrm flipV="1">
-            <a:off x="1849924" y="3040052"/>
+            <a:off x="1034859" y="3217853"/>
             <a:ext cx="216105" cy="1"/>
           </a:xfrm>
           <a:prstGeom prst="line">
@@ -4029,7 +4056,7 @@
         </p:nvSpPr>
         <p:spPr>
           <a:xfrm>
-            <a:off x="2420322" y="3239846"/>
+            <a:off x="1605257" y="3417647"/>
             <a:ext cx="236048" cy="173380"/>
           </a:xfrm>
           <a:prstGeom prst="flowChartDecision">
@@ -4074,7 +4101,7 @@
         </p:nvSpPr>
         <p:spPr>
           <a:xfrm>
-            <a:off x="2879490" y="2627420"/>
+            <a:off x="2064425" y="2805221"/>
             <a:ext cx="1093635" cy="346760"/>
           </a:xfrm>
           <a:prstGeom prst="rect">
@@ -4133,7 +4160,7 @@
         </p:nvCxnSpPr>
         <p:spPr>
           <a:xfrm>
-            <a:off x="2658680" y="2795516"/>
+            <a:off x="1843615" y="2973317"/>
             <a:ext cx="220810" cy="5284"/>
           </a:xfrm>
           <a:prstGeom prst="straightConnector1">
@@ -4171,7 +4198,7 @@
         </p:nvSpPr>
         <p:spPr>
           <a:xfrm>
-            <a:off x="2422632" y="2708826"/>
+            <a:off x="1607567" y="2886627"/>
             <a:ext cx="236048" cy="173380"/>
           </a:xfrm>
           <a:prstGeom prst="flowChartDecision">
@@ -4216,7 +4243,7 @@
         </p:nvSpPr>
         <p:spPr>
           <a:xfrm>
-            <a:off x="4487017" y="2847371"/>
+            <a:off x="3671952" y="3025172"/>
             <a:ext cx="1156969" cy="346760"/>
           </a:xfrm>
           <a:prstGeom prst="rect">
@@ -4288,7 +4315,7 @@
         </p:nvSpPr>
         <p:spPr>
           <a:xfrm>
-            <a:off x="3984303" y="2673991"/>
+            <a:off x="3169238" y="2851792"/>
             <a:ext cx="236048" cy="173380"/>
           </a:xfrm>
           <a:prstGeom prst="flowChartDecision">
@@ -4338,7 +4365,7 @@
         </p:nvCxnSpPr>
         <p:spPr>
           <a:xfrm>
-            <a:off x="4220351" y="2760681"/>
+            <a:off x="3405286" y="2938482"/>
             <a:ext cx="266666" cy="260070"/>
           </a:xfrm>
           <a:prstGeom prst="bentConnector3">
@@ -4376,7 +4403,7 @@
         </p:nvSpPr>
         <p:spPr>
           <a:xfrm>
-            <a:off x="4477328" y="2280569"/>
+            <a:off x="3662263" y="2458370"/>
             <a:ext cx="1156969" cy="346760"/>
           </a:xfrm>
           <a:prstGeom prst="rect">
@@ -4435,7 +4462,7 @@
         </p:nvCxnSpPr>
         <p:spPr>
           <a:xfrm flipV="1">
-            <a:off x="4220351" y="2453949"/>
+            <a:off x="3405286" y="2631750"/>
             <a:ext cx="256977" cy="306732"/>
           </a:xfrm>
           <a:prstGeom prst="bentConnector3">
@@ -4475,7 +4502,7 @@
         </p:nvSpPr>
         <p:spPr>
           <a:xfrm>
-            <a:off x="5643227" y="2943979"/>
+            <a:off x="4828162" y="3121780"/>
             <a:ext cx="236048" cy="173380"/>
           </a:xfrm>
           <a:prstGeom prst="flowChartDecision">
@@ -4517,16 +4544,20 @@
           <p:cNvPr id="64" name="Elbow Connector 63"/>
           <p:cNvCxnSpPr>
             <a:stCxn id="63" idx="3"/>
+            <a:endCxn id="104" idx="0"/>
           </p:cNvCxnSpPr>
           <p:nvPr/>
         </p:nvCxnSpPr>
         <p:spPr>
-          <a:xfrm>
-            <a:off x="5879275" y="3030669"/>
-            <a:ext cx="434402" cy="777"/>
-          </a:xfrm>
-          <a:prstGeom prst="bentConnector3">
-            <a:avLst/>
+          <a:xfrm flipH="1">
+            <a:off x="4697493" y="3208470"/>
+            <a:ext cx="366717" cy="753930"/>
+          </a:xfrm>
+          <a:prstGeom prst="bentConnector4">
+            <a:avLst>
+              <a:gd name="adj1" fmla="val -62337"/>
+              <a:gd name="adj2" fmla="val 55749"/>
+            </a:avLst>
           </a:prstGeom>
           <a:ln w="19050">
             <a:solidFill>
@@ -4560,7 +4591,7 @@
         </p:nvSpPr>
         <p:spPr>
           <a:xfrm>
-            <a:off x="5336105" y="1809332"/>
+            <a:off x="4521040" y="1987133"/>
             <a:ext cx="483700" cy="346760"/>
           </a:xfrm>
           <a:prstGeom prst="rect">
@@ -4616,7 +4647,7 @@
         </p:nvSpPr>
         <p:spPr>
           <a:xfrm rot="16200000">
-            <a:off x="4921666" y="2066540"/>
+            <a:off x="4106601" y="2244341"/>
             <a:ext cx="236048" cy="173380"/>
           </a:xfrm>
           <a:prstGeom prst="flowChartDecision">
@@ -4664,7 +4695,7 @@
         </p:nvCxnSpPr>
         <p:spPr>
           <a:xfrm rot="5400000" flipH="1" flipV="1">
-            <a:off x="5161650" y="1860752"/>
+            <a:off x="4346585" y="2038553"/>
             <a:ext cx="52494" cy="296415"/>
           </a:xfrm>
           <a:prstGeom prst="bentConnector2">
@@ -4702,7 +4733,7 @@
         </p:nvSpPr>
         <p:spPr>
           <a:xfrm>
-            <a:off x="4498814" y="3306952"/>
+            <a:off x="3276600" y="3505200"/>
             <a:ext cx="1156969" cy="346760"/>
           </a:xfrm>
           <a:prstGeom prst="rect">
@@ -4781,7 +4812,7 @@
         </p:nvSpPr>
         <p:spPr>
           <a:xfrm>
-            <a:off x="7712397" y="2564238"/>
+            <a:off x="2590800" y="5562600"/>
             <a:ext cx="708186" cy="285783"/>
           </a:xfrm>
           <a:prstGeom prst="rect">
@@ -4847,101 +4878,13 @@
       </p:sp>
       <p:sp>
         <p:nvSpPr>
-          <p:cNvPr id="78" name="Flowchart: Decision 96"/>
-          <p:cNvSpPr/>
-          <p:nvPr/>
-        </p:nvSpPr>
-        <p:spPr>
-          <a:xfrm>
-            <a:off x="7041947" y="2948201"/>
-            <a:ext cx="236048" cy="173380"/>
-          </a:xfrm>
-          <a:prstGeom prst="flowChartDecision">
-            <a:avLst/>
-          </a:prstGeom>
-          <a:solidFill>
-            <a:srgbClr val="7030A0"/>
-          </a:solidFill>
-          <a:ln w="19050">
-            <a:solidFill>
-              <a:srgbClr val="7030A0"/>
-            </a:solidFill>
-          </a:ln>
-          <a:effectLst/>
-        </p:spPr>
-        <p:style>
-          <a:lnRef idx="1">
-            <a:schemeClr val="accent6"/>
-          </a:lnRef>
-          <a:fillRef idx="2">
-            <a:schemeClr val="accent6"/>
-          </a:fillRef>
-          <a:effectRef idx="1">
-            <a:schemeClr val="accent6"/>
-          </a:effectRef>
-          <a:fontRef idx="minor">
-            <a:schemeClr val="dk1"/>
-          </a:fontRef>
-        </p:style>
-        <p:txBody>
-          <a:bodyPr rtlCol="0" anchor="ctr"/>
-          <a:lstStyle/>
-          <a:p>
-            <a:pPr algn="ctr"/>
-            <a:endParaRPr lang="en-US" sz="1050"/>
-          </a:p>
-        </p:txBody>
-      </p:sp>
-      <p:cxnSp>
-        <p:nvCxnSpPr>
-          <p:cNvPr id="79" name="Elbow Connector 78"/>
-          <p:cNvCxnSpPr>
-            <a:stCxn id="78" idx="3"/>
-            <a:endCxn id="76" idx="1"/>
-          </p:cNvCxnSpPr>
-          <p:nvPr/>
-        </p:nvCxnSpPr>
-        <p:spPr>
-          <a:xfrm flipV="1">
-            <a:off x="7277995" y="2707130"/>
-            <a:ext cx="434402" cy="327761"/>
-          </a:xfrm>
-          <a:prstGeom prst="bentConnector3">
-            <a:avLst/>
-          </a:prstGeom>
-          <a:ln w="19050">
-            <a:solidFill>
-              <a:srgbClr val="7030A0"/>
-            </a:solidFill>
-            <a:headEnd type="none" w="med" len="med"/>
-            <a:tailEnd type="arrow" w="med" len="med"/>
-          </a:ln>
-          <a:effectLst/>
-        </p:spPr>
-        <p:style>
-          <a:lnRef idx="1">
-            <a:schemeClr val="accent2"/>
-          </a:lnRef>
-          <a:fillRef idx="2">
-            <a:schemeClr val="accent2"/>
-          </a:fillRef>
-          <a:effectRef idx="1">
-            <a:schemeClr val="accent2"/>
-          </a:effectRef>
-          <a:fontRef idx="minor">
-            <a:schemeClr val="dk1"/>
-          </a:fontRef>
-        </p:style>
-      </p:cxnSp>
-      <p:sp>
-        <p:nvSpPr>
           <p:cNvPr id="80" name="Rectangle 8"/>
           <p:cNvSpPr/>
           <p:nvPr/>
         </p:nvSpPr>
         <p:spPr>
           <a:xfrm>
-            <a:off x="7712396" y="2887216"/>
+            <a:off x="3505200" y="5562600"/>
             <a:ext cx="776558" cy="285783"/>
           </a:xfrm>
           <a:prstGeom prst="rect">
@@ -4989,47 +4932,6 @@
           </a:p>
         </p:txBody>
       </p:sp>
-      <p:cxnSp>
-        <p:nvCxnSpPr>
-          <p:cNvPr id="81" name="Elbow Connector 80"/>
-          <p:cNvCxnSpPr>
-            <a:stCxn id="78" idx="3"/>
-            <a:endCxn id="80" idx="1"/>
-          </p:cNvCxnSpPr>
-          <p:nvPr/>
-        </p:nvCxnSpPr>
-        <p:spPr>
-          <a:xfrm flipV="1">
-            <a:off x="7277995" y="3030108"/>
-            <a:ext cx="434401" cy="4783"/>
-          </a:xfrm>
-          <a:prstGeom prst="bentConnector3">
-            <a:avLst/>
-          </a:prstGeom>
-          <a:ln w="19050">
-            <a:solidFill>
-              <a:srgbClr val="7030A0"/>
-            </a:solidFill>
-            <a:headEnd type="none" w="med" len="med"/>
-            <a:tailEnd type="arrow" w="med" len="med"/>
-          </a:ln>
-          <a:effectLst/>
-        </p:spPr>
-        <p:style>
-          <a:lnRef idx="1">
-            <a:schemeClr val="accent2"/>
-          </a:lnRef>
-          <a:fillRef idx="2">
-            <a:schemeClr val="accent2"/>
-          </a:fillRef>
-          <a:effectRef idx="1">
-            <a:schemeClr val="accent2"/>
-          </a:effectRef>
-          <a:fontRef idx="minor">
-            <a:schemeClr val="dk1"/>
-          </a:fontRef>
-        </p:style>
-      </p:cxnSp>
       <p:sp>
         <p:nvSpPr>
           <p:cNvPr id="83" name="Rectangle 8"/>
@@ -5038,7 +4940,7 @@
         </p:nvSpPr>
         <p:spPr>
           <a:xfrm>
-            <a:off x="7712397" y="3210194"/>
+            <a:off x="4495800" y="5562600"/>
             <a:ext cx="708186" cy="285783"/>
           </a:xfrm>
           <a:prstGeom prst="rect">
@@ -5088,27 +4990,29 @@
       </p:sp>
       <p:cxnSp>
         <p:nvCxnSpPr>
-          <p:cNvPr id="84" name="Elbow Connector 83"/>
+          <p:cNvPr id="97" name="Elbow Connector 63"/>
           <p:cNvCxnSpPr>
-            <a:stCxn id="78" idx="3"/>
-            <a:endCxn id="83" idx="1"/>
+            <a:stCxn id="99" idx="3"/>
           </p:cNvCxnSpPr>
           <p:nvPr/>
         </p:nvCxnSpPr>
         <p:spPr>
-          <a:xfrm>
-            <a:off x="7277995" y="3034891"/>
-            <a:ext cx="434402" cy="318195"/>
+          <a:xfrm rot="16200000" flipH="1">
+            <a:off x="2464256" y="2663232"/>
+            <a:ext cx="293825" cy="1"/>
           </a:xfrm>
           <a:prstGeom prst="bentConnector3">
-            <a:avLst/>
+            <a:avLst>
+              <a:gd name="adj1" fmla="val 50000"/>
+            </a:avLst>
           </a:prstGeom>
           <a:ln w="19050">
             <a:solidFill>
               <a:srgbClr val="7030A0"/>
             </a:solidFill>
+            <a:prstDash val="sysDot"/>
             <a:headEnd type="none" w="med" len="med"/>
-            <a:tailEnd type="arrow" w="med" len="med"/>
+            <a:tailEnd type="none" w="med" len="med"/>
           </a:ln>
           <a:effectLst/>
         </p:spPr>
@@ -5129,16 +5033,16 @@
       </p:cxnSp>
       <p:sp>
         <p:nvSpPr>
-          <p:cNvPr id="85" name="Rectangle 8"/>
+          <p:cNvPr id="99" name="Isosceles Triangle 102"/>
           <p:cNvSpPr/>
           <p:nvPr/>
         </p:nvSpPr>
         <p:spPr>
-          <a:xfrm>
-            <a:off x="7712397" y="3533171"/>
-            <a:ext cx="708186" cy="285783"/>
-          </a:xfrm>
-          <a:prstGeom prst="rect">
+          <a:xfrm rot="10800000" flipV="1">
+            <a:off x="2475916" y="2340798"/>
+            <a:ext cx="270504" cy="175523"/>
+          </a:xfrm>
+          <a:prstGeom prst="triangle">
             <a:avLst/>
           </a:prstGeom>
           <a:ln w="19050">
@@ -5167,118 +5071,26 @@
           <a:lstStyle/>
           <a:p>
             <a:pPr algn="ctr"/>
-            <a:r>
-              <a:rPr lang="en-US" altLang="zh-CN" sz="1050" dirty="0" smtClean="0">
-                <a:solidFill>
-                  <a:srgbClr val="7030A0"/>
-                </a:solidFill>
-              </a:rPr>
-              <a:t>List</a:t>
-            </a:r>
-            <a:endParaRPr lang="en-SG" sz="1050" dirty="0">
+            <a:endParaRPr lang="en-SG" sz="1050" b="1">
               <a:solidFill>
-                <a:srgbClr val="7030A0"/>
+                <a:srgbClr val="92D050"/>
               </a:solidFill>
             </a:endParaRPr>
           </a:p>
         </p:txBody>
       </p:sp>
-      <p:cxnSp>
-        <p:nvCxnSpPr>
-          <p:cNvPr id="86" name="Elbow Connector 85"/>
-          <p:cNvCxnSpPr>
-            <a:stCxn id="78" idx="3"/>
-            <a:endCxn id="85" idx="1"/>
-          </p:cNvCxnSpPr>
-          <p:nvPr/>
-        </p:nvCxnSpPr>
-        <p:spPr>
-          <a:xfrm>
-            <a:off x="7277995" y="3034891"/>
-            <a:ext cx="434402" cy="641172"/>
-          </a:xfrm>
-          <a:prstGeom prst="bentConnector3">
-            <a:avLst/>
-          </a:prstGeom>
-          <a:ln w="19050">
-            <a:solidFill>
-              <a:srgbClr val="7030A0"/>
-            </a:solidFill>
-            <a:headEnd type="none" w="med" len="med"/>
-            <a:tailEnd type="arrow" w="med" len="med"/>
-          </a:ln>
-          <a:effectLst/>
-        </p:spPr>
-        <p:style>
-          <a:lnRef idx="1">
-            <a:schemeClr val="accent2"/>
-          </a:lnRef>
-          <a:fillRef idx="2">
-            <a:schemeClr val="accent2"/>
-          </a:fillRef>
-          <a:effectRef idx="1">
-            <a:schemeClr val="accent2"/>
-          </a:effectRef>
-          <a:fontRef idx="minor">
-            <a:schemeClr val="dk1"/>
-          </a:fontRef>
-        </p:style>
-      </p:cxnSp>
-      <p:cxnSp>
-        <p:nvCxnSpPr>
-          <p:cNvPr id="97" name="Elbow Connector 63"/>
-          <p:cNvCxnSpPr>
-            <a:stCxn id="99" idx="3"/>
-          </p:cNvCxnSpPr>
-          <p:nvPr/>
-        </p:nvCxnSpPr>
-        <p:spPr>
-          <a:xfrm rot="16200000" flipH="1">
-            <a:off x="3279321" y="2485431"/>
-            <a:ext cx="293825" cy="1"/>
-          </a:xfrm>
-          <a:prstGeom prst="bentConnector3">
-            <a:avLst>
-              <a:gd name="adj1" fmla="val 50000"/>
-            </a:avLst>
-          </a:prstGeom>
-          <a:ln w="19050">
-            <a:solidFill>
-              <a:srgbClr val="7030A0"/>
-            </a:solidFill>
-            <a:prstDash val="sysDot"/>
-            <a:headEnd type="none" w="med" len="med"/>
-            <a:tailEnd type="none" w="med" len="med"/>
-          </a:ln>
-          <a:effectLst/>
-        </p:spPr>
-        <p:style>
-          <a:lnRef idx="1">
-            <a:schemeClr val="accent2"/>
-          </a:lnRef>
-          <a:fillRef idx="2">
-            <a:schemeClr val="accent2"/>
-          </a:fillRef>
-          <a:effectRef idx="1">
-            <a:schemeClr val="accent2"/>
-          </a:effectRef>
-          <a:fontRef idx="minor">
-            <a:schemeClr val="dk1"/>
-          </a:fontRef>
-        </p:style>
-      </p:cxnSp>
-      <p:sp>
-        <p:nvSpPr>
-          <p:cNvPr id="99" name="Isosceles Triangle 102"/>
+      <p:sp>
+        <p:nvSpPr>
+          <p:cNvPr id="100" name="Rectangle 8"/>
           <p:cNvSpPr/>
           <p:nvPr/>
         </p:nvSpPr>
         <p:spPr>
-          <a:xfrm rot="10800000" flipV="1">
-            <a:off x="3290981" y="2162997"/>
-            <a:ext cx="270504" cy="175523"/>
-          </a:xfrm>
-          <a:prstGeom prst="triangle">
+          <a:xfrm>
+            <a:off x="1845238" y="1984271"/>
+            <a:ext cx="1539926" cy="346760"/>
+          </a:xfrm>
+          <a:prstGeom prst="rect">
             <a:avLst/>
           </a:prstGeom>
           <a:ln w="19050">
@@ -5307,9 +5119,40 @@
           <a:lstStyle/>
           <a:p>
             <a:pPr algn="ctr"/>
-            <a:endParaRPr lang="en-SG" sz="1050" b="1">
+            <a:r>
+              <a:rPr lang="en-US" sz="1050" dirty="0" smtClean="0">
+                <a:solidFill>
+                  <a:srgbClr val="7030A0"/>
+                </a:solidFill>
+              </a:rPr>
+              <a:t>&lt;&lt;interface&gt;&gt;</a:t>
+            </a:r>
+            <a:br>
+              <a:rPr lang="en-US" sz="1050" dirty="0" smtClean="0">
+                <a:solidFill>
+                  <a:srgbClr val="7030A0"/>
+                </a:solidFill>
+              </a:rPr>
+            </a:br>
+            <a:r>
+              <a:rPr lang="en-US" sz="1050" dirty="0" err="1" smtClean="0">
+                <a:solidFill>
+                  <a:srgbClr val="7030A0"/>
+                </a:solidFill>
+              </a:rPr>
+              <a:t>ReadOnly</a:t>
+            </a:r>
+            <a:r>
+              <a:rPr lang="en-US" altLang="zh-CN" sz="1050" dirty="0" err="1" smtClean="0">
+                <a:solidFill>
+                  <a:srgbClr val="7030A0"/>
+                </a:solidFill>
+              </a:rPr>
+              <a:t>TaskManager</a:t>
+            </a:r>
+            <a:endParaRPr lang="en-SG" sz="1050" dirty="0">
               <a:solidFill>
-                <a:srgbClr val="92D050"/>
+                <a:srgbClr val="7030A0"/>
               </a:solidFill>
             </a:endParaRPr>
           </a:p>
@@ -5317,14 +5160,53 @@
       </p:sp>
       <p:sp>
         <p:nvSpPr>
-          <p:cNvPr id="100" name="Rectangle 8"/>
+          <p:cNvPr id="114" name="TextBox 113"/>
+          <p:cNvSpPr txBox="1"/>
+          <p:nvPr/>
+        </p:nvSpPr>
+        <p:spPr>
+          <a:xfrm>
+            <a:off x="2438400" y="3929390"/>
+            <a:ext cx="881018" cy="261610"/>
+          </a:xfrm>
+          <a:prstGeom prst="rect">
+            <a:avLst/>
+          </a:prstGeom>
+          <a:noFill/>
+        </p:spPr>
+        <p:txBody>
+          <a:bodyPr wrap="square" rtlCol="0">
+            <a:spAutoFit/>
+          </a:bodyPr>
+          <a:lstStyle/>
+          <a:p>
+            <a:pPr algn="r"/>
+            <a:r>
+              <a:rPr lang="en-US" sz="1100" dirty="0" smtClean="0">
+                <a:solidFill>
+                  <a:srgbClr val="7030A0"/>
+                </a:solidFill>
+              </a:rPr>
+              <a:t>filtered list</a:t>
+            </a:r>
+            <a:endParaRPr lang="en-SG" sz="1100" dirty="0">
+              <a:solidFill>
+                <a:srgbClr val="7030A0"/>
+              </a:solidFill>
+            </a:endParaRPr>
+          </a:p>
+        </p:txBody>
+      </p:sp>
+      <p:sp>
+        <p:nvSpPr>
+          <p:cNvPr id="122" name="Rectangle 8"/>
           <p:cNvSpPr/>
           <p:nvPr/>
         </p:nvSpPr>
         <p:spPr>
           <a:xfrm>
-            <a:off x="2660303" y="1806470"/>
-            <a:ext cx="1539926" cy="346760"/>
+            <a:off x="1066800" y="4419600"/>
+            <a:ext cx="1775949" cy="346760"/>
           </a:xfrm>
           <a:prstGeom prst="rect">
             <a:avLst/>
@@ -5363,8 +5245,16 @@
               </a:rPr>
               <a:t>&lt;&lt;interface&gt;&gt;</a:t>
             </a:r>
+            <a:r>
+              <a:rPr lang="en-US" sz="1050" dirty="0">
+                <a:solidFill>
+                  <a:srgbClr val="7030A0"/>
+                </a:solidFill>
+              </a:rPr>
+              <a:t/>
+            </a:r>
             <a:br>
-              <a:rPr lang="en-US" sz="1050" dirty="0" smtClean="0">
+              <a:rPr lang="en-US" sz="1050" dirty="0">
                 <a:solidFill>
                   <a:srgbClr val="7030A0"/>
                 </a:solidFill>
@@ -5376,15 +5266,7 @@
                   <a:srgbClr val="7030A0"/>
                 </a:solidFill>
               </a:rPr>
-              <a:t>ReadOnly</a:t>
-            </a:r>
-            <a:r>
-              <a:rPr lang="en-US" altLang="zh-CN" sz="1050" dirty="0" err="1" smtClean="0">
-                <a:solidFill>
-                  <a:srgbClr val="7030A0"/>
-                </a:solidFill>
-              </a:rPr>
-              <a:t>TaskManager</a:t>
+              <a:t>UnmodifiableObservableList</a:t>
             </a:r>
             <a:endParaRPr lang="en-SG" sz="1050" dirty="0">
               <a:solidFill>
@@ -5394,16 +5276,98 @@
           </a:p>
         </p:txBody>
       </p:sp>
-      <p:sp>
-        <p:nvSpPr>
-          <p:cNvPr id="114" name="TextBox 113"/>
+      <p:cxnSp>
+        <p:nvCxnSpPr>
+          <p:cNvPr id="124" name="Elbow Connector 122"/>
+          <p:cNvCxnSpPr>
+            <a:stCxn id="119" idx="1"/>
+            <a:endCxn id="122" idx="1"/>
+          </p:cNvCxnSpPr>
+          <p:nvPr/>
+        </p:nvCxnSpPr>
+        <p:spPr>
+          <a:xfrm rot="16200000" flipH="1">
+            <a:off x="460488" y="3986667"/>
+            <a:ext cx="833779" cy="378845"/>
+          </a:xfrm>
+          <a:prstGeom prst="bentConnector2">
+            <a:avLst/>
+          </a:prstGeom>
+          <a:ln w="19050">
+            <a:solidFill>
+              <a:srgbClr val="7030A0"/>
+            </a:solidFill>
+            <a:prstDash val="sysDot"/>
+            <a:headEnd type="none" w="med" len="med"/>
+            <a:tailEnd type="arrow" w="med" len="med"/>
+          </a:ln>
+          <a:effectLst/>
+        </p:spPr>
+        <p:style>
+          <a:lnRef idx="1">
+            <a:schemeClr val="accent2"/>
+          </a:lnRef>
+          <a:fillRef idx="2">
+            <a:schemeClr val="accent2"/>
+          </a:fillRef>
+          <a:effectRef idx="1">
+            <a:schemeClr val="accent2"/>
+          </a:effectRef>
+          <a:fontRef idx="minor">
+            <a:schemeClr val="dk1"/>
+          </a:fontRef>
+        </p:style>
+      </p:cxnSp>
+      <p:cxnSp>
+        <p:nvCxnSpPr>
+          <p:cNvPr id="50" name="Elbow Connector 49"/>
+          <p:cNvCxnSpPr>
+            <a:endCxn id="67" idx="3"/>
+          </p:cNvCxnSpPr>
+          <p:nvPr/>
+        </p:nvCxnSpPr>
+        <p:spPr>
+          <a:xfrm rot="16200000" flipV="1">
+            <a:off x="4991046" y="2174207"/>
+            <a:ext cx="875354" cy="847965"/>
+          </a:xfrm>
+          <a:prstGeom prst="bentConnector2">
+            <a:avLst/>
+          </a:prstGeom>
+          <a:ln w="19050">
+            <a:solidFill>
+              <a:srgbClr val="7030A0"/>
+            </a:solidFill>
+            <a:headEnd type="none" w="med" len="med"/>
+            <a:tailEnd type="arrow" w="med" len="med"/>
+          </a:ln>
+          <a:effectLst/>
+        </p:spPr>
+        <p:style>
+          <a:lnRef idx="1">
+            <a:schemeClr val="accent2"/>
+          </a:lnRef>
+          <a:fillRef idx="2">
+            <a:schemeClr val="accent2"/>
+          </a:fillRef>
+          <a:effectRef idx="1">
+            <a:schemeClr val="accent2"/>
+          </a:effectRef>
+          <a:fontRef idx="minor">
+            <a:schemeClr val="dk1"/>
+          </a:fontRef>
+        </p:style>
+      </p:cxnSp>
+      <p:sp>
+        <p:nvSpPr>
+          <p:cNvPr id="11" name="TextBox 10"/>
           <p:cNvSpPr txBox="1"/>
           <p:nvPr/>
         </p:nvSpPr>
         <p:spPr>
           <a:xfrm>
-            <a:off x="4895288" y="4266635"/>
-            <a:ext cx="881018" cy="261610"/>
+            <a:off x="3509907" y="2369029"/>
+            <a:ext cx="189257" cy="178683"/>
           </a:xfrm>
           <a:prstGeom prst="rect">
             <a:avLst/>
@@ -5411,19 +5375,19 @@
           <a:noFill/>
         </p:spPr>
         <p:txBody>
-          <a:bodyPr wrap="square" rtlCol="0">
-            <a:spAutoFit/>
+          <a:bodyPr wrap="square" lIns="0" tIns="0" rIns="0" bIns="0" rtlCol="0">
+            <a:noAutofit/>
           </a:bodyPr>
           <a:lstStyle/>
           <a:p>
-            <a:pPr algn="r"/>
+            <a:pPr algn="ctr"/>
             <a:r>
               <a:rPr lang="en-US" sz="1100" dirty="0" smtClean="0">
                 <a:solidFill>
                   <a:srgbClr val="7030A0"/>
                 </a:solidFill>
               </a:rPr>
-              <a:t>filtered list</a:t>
+              <a:t>1</a:t>
             </a:r>
             <a:endParaRPr lang="en-SG" sz="1100" dirty="0">
               <a:solidFill>
@@ -5435,14 +5399,287 @@
       </p:sp>
       <p:sp>
         <p:nvSpPr>
-          <p:cNvPr id="122" name="Rectangle 8"/>
+          <p:cNvPr id="54" name="TextBox 53"/>
+          <p:cNvSpPr txBox="1"/>
+          <p:nvPr/>
+        </p:nvSpPr>
+        <p:spPr>
+          <a:xfrm>
+            <a:off x="3509907" y="3236665"/>
+            <a:ext cx="189257" cy="178683"/>
+          </a:xfrm>
+          <a:prstGeom prst="rect">
+            <a:avLst/>
+          </a:prstGeom>
+          <a:noFill/>
+        </p:spPr>
+        <p:txBody>
+          <a:bodyPr wrap="square" lIns="0" tIns="0" rIns="0" bIns="0" rtlCol="0">
+            <a:noAutofit/>
+          </a:bodyPr>
+          <a:lstStyle/>
+          <a:p>
+            <a:pPr algn="ctr"/>
+            <a:r>
+              <a:rPr lang="en-US" sz="1100" dirty="0" smtClean="0">
+                <a:solidFill>
+                  <a:srgbClr val="7030A0"/>
+                </a:solidFill>
+              </a:rPr>
+              <a:t>1</a:t>
+            </a:r>
+            <a:endParaRPr lang="en-SG" sz="1100" dirty="0">
+              <a:solidFill>
+                <a:srgbClr val="7030A0"/>
+              </a:solidFill>
+            </a:endParaRPr>
+          </a:p>
+        </p:txBody>
+      </p:sp>
+      <p:sp>
+        <p:nvSpPr>
+          <p:cNvPr id="56" name="TextBox 55"/>
+          <p:cNvSpPr txBox="1"/>
+          <p:nvPr/>
+        </p:nvSpPr>
+        <p:spPr>
+          <a:xfrm>
+            <a:off x="5006974" y="2201599"/>
+            <a:ext cx="189257" cy="178683"/>
+          </a:xfrm>
+          <a:prstGeom prst="rect">
+            <a:avLst/>
+          </a:prstGeom>
+          <a:noFill/>
+        </p:spPr>
+        <p:txBody>
+          <a:bodyPr wrap="square" lIns="0" tIns="0" rIns="0" bIns="0" rtlCol="0">
+            <a:noAutofit/>
+          </a:bodyPr>
+          <a:lstStyle/>
+          <a:p>
+            <a:pPr algn="ctr"/>
+            <a:r>
+              <a:rPr lang="en-US" sz="1100" dirty="0" smtClean="0">
+                <a:solidFill>
+                  <a:srgbClr val="7030A0"/>
+                </a:solidFill>
+              </a:rPr>
+              <a:t>1</a:t>
+            </a:r>
+            <a:endParaRPr lang="en-SG" sz="1100" dirty="0">
+              <a:solidFill>
+                <a:srgbClr val="7030A0"/>
+              </a:solidFill>
+            </a:endParaRPr>
+          </a:p>
+        </p:txBody>
+      </p:sp>
+      <p:sp>
+        <p:nvSpPr>
+          <p:cNvPr id="60" name="TextBox 59"/>
+          <p:cNvSpPr txBox="1"/>
+          <p:nvPr/>
+        </p:nvSpPr>
+        <p:spPr>
+          <a:xfrm>
+            <a:off x="4348107" y="1956720"/>
+            <a:ext cx="189257" cy="178683"/>
+          </a:xfrm>
+          <a:prstGeom prst="rect">
+            <a:avLst/>
+          </a:prstGeom>
+          <a:noFill/>
+        </p:spPr>
+        <p:txBody>
+          <a:bodyPr wrap="square" lIns="0" tIns="0" rIns="0" bIns="0" rtlCol="0">
+            <a:noAutofit/>
+          </a:bodyPr>
+          <a:lstStyle/>
+          <a:p>
+            <a:pPr algn="ctr"/>
+            <a:r>
+              <a:rPr lang="en-US" sz="1100" dirty="0" smtClean="0">
+                <a:solidFill>
+                  <a:srgbClr val="7030A0"/>
+                </a:solidFill>
+              </a:rPr>
+              <a:t>*</a:t>
+            </a:r>
+            <a:endParaRPr lang="en-SG" sz="1100" dirty="0">
+              <a:solidFill>
+                <a:srgbClr val="7030A0"/>
+              </a:solidFill>
+            </a:endParaRPr>
+          </a:p>
+        </p:txBody>
+      </p:sp>
+      <p:sp>
+        <p:nvSpPr>
+          <p:cNvPr id="61" name="TextBox 60"/>
+          <p:cNvSpPr txBox="1"/>
+          <p:nvPr/>
+        </p:nvSpPr>
+        <p:spPr>
+          <a:xfrm>
+            <a:off x="5105400" y="3200400"/>
+            <a:ext cx="189257" cy="178683"/>
+          </a:xfrm>
+          <a:prstGeom prst="rect">
+            <a:avLst/>
+          </a:prstGeom>
+          <a:noFill/>
+        </p:spPr>
+        <p:txBody>
+          <a:bodyPr wrap="square" lIns="0" tIns="0" rIns="0" bIns="0" rtlCol="0">
+            <a:noAutofit/>
+          </a:bodyPr>
+          <a:lstStyle/>
+          <a:p>
+            <a:pPr algn="ctr"/>
+            <a:r>
+              <a:rPr lang="en-US" sz="1100" dirty="0" smtClean="0">
+                <a:solidFill>
+                  <a:srgbClr val="7030A0"/>
+                </a:solidFill>
+              </a:rPr>
+              <a:t>*</a:t>
+            </a:r>
+            <a:endParaRPr lang="en-SG" sz="1100" dirty="0">
+              <a:solidFill>
+                <a:srgbClr val="7030A0"/>
+              </a:solidFill>
+            </a:endParaRPr>
+          </a:p>
+        </p:txBody>
+      </p:sp>
+      <p:sp>
+        <p:nvSpPr>
+          <p:cNvPr id="65" name="TextBox 64"/>
+          <p:cNvSpPr txBox="1"/>
+          <p:nvPr/>
+        </p:nvSpPr>
+        <p:spPr>
+          <a:xfrm>
+            <a:off x="1872858" y="2742039"/>
+            <a:ext cx="189257" cy="178683"/>
+          </a:xfrm>
+          <a:prstGeom prst="rect">
+            <a:avLst/>
+          </a:prstGeom>
+          <a:noFill/>
+        </p:spPr>
+        <p:txBody>
+          <a:bodyPr wrap="square" lIns="0" tIns="0" rIns="0" bIns="0" rtlCol="0">
+            <a:noAutofit/>
+          </a:bodyPr>
+          <a:lstStyle/>
+          <a:p>
+            <a:pPr algn="ctr"/>
+            <a:r>
+              <a:rPr lang="en-US" sz="1100" dirty="0" smtClean="0">
+                <a:solidFill>
+                  <a:srgbClr val="7030A0"/>
+                </a:solidFill>
+              </a:rPr>
+              <a:t>1</a:t>
+            </a:r>
+            <a:endParaRPr lang="en-SG" sz="1100" dirty="0">
+              <a:solidFill>
+                <a:srgbClr val="7030A0"/>
+              </a:solidFill>
+            </a:endParaRPr>
+          </a:p>
+        </p:txBody>
+      </p:sp>
+      <p:sp>
+        <p:nvSpPr>
+          <p:cNvPr id="66" name="TextBox 65"/>
+          <p:cNvSpPr txBox="1"/>
+          <p:nvPr/>
+        </p:nvSpPr>
+        <p:spPr>
+          <a:xfrm>
+            <a:off x="1841305" y="3563851"/>
+            <a:ext cx="189257" cy="178683"/>
+          </a:xfrm>
+          <a:prstGeom prst="rect">
+            <a:avLst/>
+          </a:prstGeom>
+          <a:noFill/>
+        </p:spPr>
+        <p:txBody>
+          <a:bodyPr wrap="square" lIns="0" tIns="0" rIns="0" bIns="0" rtlCol="0">
+            <a:noAutofit/>
+          </a:bodyPr>
+          <a:lstStyle/>
+          <a:p>
+            <a:pPr algn="ctr"/>
+            <a:r>
+              <a:rPr lang="en-US" sz="1100" dirty="0" smtClean="0">
+                <a:solidFill>
+                  <a:srgbClr val="7030A0"/>
+                </a:solidFill>
+              </a:rPr>
+              <a:t>1</a:t>
+            </a:r>
+            <a:endParaRPr lang="en-SG" sz="1100" dirty="0">
+              <a:solidFill>
+                <a:srgbClr val="7030A0"/>
+              </a:solidFill>
+            </a:endParaRPr>
+          </a:p>
+        </p:txBody>
+      </p:sp>
+      <p:sp>
+        <p:nvSpPr>
+          <p:cNvPr id="70" name="TextBox 69"/>
+          <p:cNvSpPr txBox="1"/>
+          <p:nvPr/>
+        </p:nvSpPr>
+        <p:spPr>
+          <a:xfrm>
+            <a:off x="4800600" y="2971800"/>
+            <a:ext cx="189257" cy="178683"/>
+          </a:xfrm>
+          <a:prstGeom prst="rect">
+            <a:avLst/>
+          </a:prstGeom>
+          <a:noFill/>
+        </p:spPr>
+        <p:txBody>
+          <a:bodyPr wrap="square" lIns="0" tIns="0" rIns="0" bIns="0" rtlCol="0">
+            <a:noAutofit/>
+          </a:bodyPr>
+          <a:lstStyle/>
+          <a:p>
+            <a:pPr algn="ctr"/>
+            <a:r>
+              <a:rPr lang="en-US" sz="1100" dirty="0" smtClean="0">
+                <a:solidFill>
+                  <a:srgbClr val="7030A0"/>
+                </a:solidFill>
+              </a:rPr>
+              <a:t>1</a:t>
+            </a:r>
+            <a:endParaRPr lang="en-SG" sz="1100" dirty="0">
+              <a:solidFill>
+                <a:srgbClr val="7030A0"/>
+              </a:solidFill>
+            </a:endParaRPr>
+          </a:p>
+        </p:txBody>
+      </p:sp>
+      <p:sp>
+        <p:nvSpPr>
+          <p:cNvPr id="74" name="Rectangle 8"/>
           <p:cNvSpPr/>
           <p:nvPr/>
         </p:nvSpPr>
         <p:spPr>
           <a:xfrm>
-            <a:off x="1957976" y="4457175"/>
-            <a:ext cx="1775949" cy="346760"/>
+            <a:off x="5410200" y="5562600"/>
+            <a:ext cx="708186" cy="285783"/>
           </a:xfrm>
           <a:prstGeom prst="rect">
             <a:avLst/>
@@ -5474,35 +5711,12 @@
           <a:p>
             <a:pPr algn="ctr"/>
             <a:r>
-              <a:rPr lang="en-US" sz="1050" dirty="0" smtClean="0">
+              <a:rPr lang="en-US" altLang="zh-CN" sz="1050" dirty="0" smtClean="0">
                 <a:solidFill>
                   <a:srgbClr val="7030A0"/>
                 </a:solidFill>
               </a:rPr>
-              <a:t>&lt;&lt;interface&gt;&gt;</a:t>
-            </a:r>
-            <a:r>
-              <a:rPr lang="en-US" sz="1050" dirty="0">
-                <a:solidFill>
-                  <a:srgbClr val="7030A0"/>
-                </a:solidFill>
-              </a:rPr>
-              <a:t/>
-            </a:r>
-            <a:br>
-              <a:rPr lang="en-US" sz="1050" dirty="0">
-                <a:solidFill>
-                  <a:srgbClr val="7030A0"/>
-                </a:solidFill>
-              </a:rPr>
-            </a:br>
-            <a:r>
-              <a:rPr lang="en-US" sz="1050" dirty="0" err="1" smtClean="0">
-                <a:solidFill>
-                  <a:srgbClr val="7030A0"/>
-                </a:solidFill>
-              </a:rPr>
-              <a:t>UnmodifiableObservableList</a:t>
+              <a:t>Priority</a:t>
             </a:r>
             <a:endParaRPr lang="en-SG" sz="1050" dirty="0">
               <a:solidFill>
@@ -5512,409 +5726,15 @@
           </a:p>
         </p:txBody>
       </p:sp>
-      <p:cxnSp>
-        <p:nvCxnSpPr>
-          <p:cNvPr id="124" name="Elbow Connector 122"/>
-          <p:cNvCxnSpPr>
-            <a:stCxn id="119" idx="1"/>
-            <a:endCxn id="122" idx="1"/>
-          </p:cNvCxnSpPr>
-          <p:nvPr/>
-        </p:nvCxnSpPr>
-        <p:spPr>
-          <a:xfrm rot="16200000" flipH="1">
-            <a:off x="1205921" y="3878499"/>
-            <a:ext cx="1049155" cy="454956"/>
-          </a:xfrm>
-          <a:prstGeom prst="bentConnector2">
-            <a:avLst/>
-          </a:prstGeom>
-          <a:ln w="19050">
-            <a:solidFill>
-              <a:srgbClr val="7030A0"/>
-            </a:solidFill>
-            <a:prstDash val="sysDot"/>
-            <a:headEnd type="none" w="med" len="med"/>
-            <a:tailEnd type="arrow" w="med" len="med"/>
-          </a:ln>
-          <a:effectLst/>
-        </p:spPr>
-        <p:style>
-          <a:lnRef idx="1">
-            <a:schemeClr val="accent2"/>
-          </a:lnRef>
-          <a:fillRef idx="2">
-            <a:schemeClr val="accent2"/>
-          </a:fillRef>
-          <a:effectRef idx="1">
-            <a:schemeClr val="accent2"/>
-          </a:effectRef>
-          <a:fontRef idx="minor">
-            <a:schemeClr val="dk1"/>
-          </a:fontRef>
-        </p:style>
-      </p:cxnSp>
-      <p:cxnSp>
-        <p:nvCxnSpPr>
-          <p:cNvPr id="50" name="Elbow Connector 49"/>
-          <p:cNvCxnSpPr>
-            <a:endCxn id="67" idx="3"/>
-          </p:cNvCxnSpPr>
-          <p:nvPr/>
-        </p:nvCxnSpPr>
-        <p:spPr>
-          <a:xfrm rot="16200000" flipV="1">
-            <a:off x="5806111" y="1996406"/>
-            <a:ext cx="875354" cy="847965"/>
-          </a:xfrm>
-          <a:prstGeom prst="bentConnector2">
-            <a:avLst/>
-          </a:prstGeom>
-          <a:ln w="19050">
-            <a:solidFill>
-              <a:srgbClr val="7030A0"/>
-            </a:solidFill>
-            <a:headEnd type="none" w="med" len="med"/>
-            <a:tailEnd type="arrow" w="med" len="med"/>
-          </a:ln>
-          <a:effectLst/>
-        </p:spPr>
-        <p:style>
-          <a:lnRef idx="1">
-            <a:schemeClr val="accent2"/>
-          </a:lnRef>
-          <a:fillRef idx="2">
-            <a:schemeClr val="accent2"/>
-          </a:fillRef>
-          <a:effectRef idx="1">
-            <a:schemeClr val="accent2"/>
-          </a:effectRef>
-          <a:fontRef idx="minor">
-            <a:schemeClr val="dk1"/>
-          </a:fontRef>
-        </p:style>
-      </p:cxnSp>
-      <p:sp>
-        <p:nvSpPr>
-          <p:cNvPr id="11" name="TextBox 10"/>
-          <p:cNvSpPr txBox="1"/>
-          <p:nvPr/>
-        </p:nvSpPr>
-        <p:spPr>
-          <a:xfrm>
-            <a:off x="4324972" y="2191228"/>
-            <a:ext cx="189257" cy="178683"/>
-          </a:xfrm>
-          <a:prstGeom prst="rect">
-            <a:avLst/>
-          </a:prstGeom>
-          <a:noFill/>
-        </p:spPr>
-        <p:txBody>
-          <a:bodyPr wrap="square" lIns="0" tIns="0" rIns="0" bIns="0" rtlCol="0">
-            <a:noAutofit/>
-          </a:bodyPr>
-          <a:lstStyle/>
-          <a:p>
-            <a:pPr algn="ctr"/>
-            <a:r>
-              <a:rPr lang="en-US" sz="1100" dirty="0" smtClean="0">
-                <a:solidFill>
-                  <a:srgbClr val="7030A0"/>
-                </a:solidFill>
-              </a:rPr>
-              <a:t>1</a:t>
-            </a:r>
-            <a:endParaRPr lang="en-SG" sz="1100" dirty="0">
-              <a:solidFill>
-                <a:srgbClr val="7030A0"/>
-              </a:solidFill>
-            </a:endParaRPr>
-          </a:p>
-        </p:txBody>
-      </p:sp>
-      <p:sp>
-        <p:nvSpPr>
-          <p:cNvPr id="54" name="TextBox 53"/>
-          <p:cNvSpPr txBox="1"/>
-          <p:nvPr/>
-        </p:nvSpPr>
-        <p:spPr>
-          <a:xfrm>
-            <a:off x="4324972" y="3058864"/>
-            <a:ext cx="189257" cy="178683"/>
-          </a:xfrm>
-          <a:prstGeom prst="rect">
-            <a:avLst/>
-          </a:prstGeom>
-          <a:noFill/>
-        </p:spPr>
-        <p:txBody>
-          <a:bodyPr wrap="square" lIns="0" tIns="0" rIns="0" bIns="0" rtlCol="0">
-            <a:noAutofit/>
-          </a:bodyPr>
-          <a:lstStyle/>
-          <a:p>
-            <a:pPr algn="ctr"/>
-            <a:r>
-              <a:rPr lang="en-US" sz="1100" dirty="0" smtClean="0">
-                <a:solidFill>
-                  <a:srgbClr val="7030A0"/>
-                </a:solidFill>
-              </a:rPr>
-              <a:t>1</a:t>
-            </a:r>
-            <a:endParaRPr lang="en-SG" sz="1100" dirty="0">
-              <a:solidFill>
-                <a:srgbClr val="7030A0"/>
-              </a:solidFill>
-            </a:endParaRPr>
-          </a:p>
-        </p:txBody>
-      </p:sp>
-      <p:sp>
-        <p:nvSpPr>
-          <p:cNvPr id="56" name="TextBox 55"/>
-          <p:cNvSpPr txBox="1"/>
-          <p:nvPr/>
-        </p:nvSpPr>
-        <p:spPr>
-          <a:xfrm>
-            <a:off x="5822039" y="2023798"/>
-            <a:ext cx="189257" cy="178683"/>
-          </a:xfrm>
-          <a:prstGeom prst="rect">
-            <a:avLst/>
-          </a:prstGeom>
-          <a:noFill/>
-        </p:spPr>
-        <p:txBody>
-          <a:bodyPr wrap="square" lIns="0" tIns="0" rIns="0" bIns="0" rtlCol="0">
-            <a:noAutofit/>
-          </a:bodyPr>
-          <a:lstStyle/>
-          <a:p>
-            <a:pPr algn="ctr"/>
-            <a:r>
-              <a:rPr lang="en-US" sz="1100" dirty="0" smtClean="0">
-                <a:solidFill>
-                  <a:srgbClr val="7030A0"/>
-                </a:solidFill>
-              </a:rPr>
-              <a:t>1</a:t>
-            </a:r>
-            <a:endParaRPr lang="en-SG" sz="1100" dirty="0">
-              <a:solidFill>
-                <a:srgbClr val="7030A0"/>
-              </a:solidFill>
-            </a:endParaRPr>
-          </a:p>
-        </p:txBody>
-      </p:sp>
-      <p:sp>
-        <p:nvSpPr>
-          <p:cNvPr id="60" name="TextBox 59"/>
-          <p:cNvSpPr txBox="1"/>
-          <p:nvPr/>
-        </p:nvSpPr>
-        <p:spPr>
-          <a:xfrm>
-            <a:off x="5163172" y="1778919"/>
-            <a:ext cx="189257" cy="178683"/>
-          </a:xfrm>
-          <a:prstGeom prst="rect">
-            <a:avLst/>
-          </a:prstGeom>
-          <a:noFill/>
-        </p:spPr>
-        <p:txBody>
-          <a:bodyPr wrap="square" lIns="0" tIns="0" rIns="0" bIns="0" rtlCol="0">
-            <a:noAutofit/>
-          </a:bodyPr>
-          <a:lstStyle/>
-          <a:p>
-            <a:pPr algn="ctr"/>
-            <a:r>
-              <a:rPr lang="en-US" sz="1100" dirty="0" smtClean="0">
-                <a:solidFill>
-                  <a:srgbClr val="7030A0"/>
-                </a:solidFill>
-              </a:rPr>
-              <a:t>*</a:t>
-            </a:r>
-            <a:endParaRPr lang="en-SG" sz="1100" dirty="0">
-              <a:solidFill>
-                <a:srgbClr val="7030A0"/>
-              </a:solidFill>
-            </a:endParaRPr>
-          </a:p>
-        </p:txBody>
-      </p:sp>
-      <p:sp>
-        <p:nvSpPr>
-          <p:cNvPr id="61" name="TextBox 60"/>
-          <p:cNvSpPr txBox="1"/>
-          <p:nvPr/>
-        </p:nvSpPr>
-        <p:spPr>
-          <a:xfrm>
-            <a:off x="6093944" y="2867442"/>
-            <a:ext cx="189257" cy="178683"/>
-          </a:xfrm>
-          <a:prstGeom prst="rect">
-            <a:avLst/>
-          </a:prstGeom>
-          <a:noFill/>
-        </p:spPr>
-        <p:txBody>
-          <a:bodyPr wrap="square" lIns="0" tIns="0" rIns="0" bIns="0" rtlCol="0">
-            <a:noAutofit/>
-          </a:bodyPr>
-          <a:lstStyle/>
-          <a:p>
-            <a:pPr algn="ctr"/>
-            <a:r>
-              <a:rPr lang="en-US" sz="1100" dirty="0" smtClean="0">
-                <a:solidFill>
-                  <a:srgbClr val="7030A0"/>
-                </a:solidFill>
-              </a:rPr>
-              <a:t>*</a:t>
-            </a:r>
-            <a:endParaRPr lang="en-SG" sz="1100" dirty="0">
-              <a:solidFill>
-                <a:srgbClr val="7030A0"/>
-              </a:solidFill>
-            </a:endParaRPr>
-          </a:p>
-        </p:txBody>
-      </p:sp>
-      <p:sp>
-        <p:nvSpPr>
-          <p:cNvPr id="65" name="TextBox 64"/>
-          <p:cNvSpPr txBox="1"/>
-          <p:nvPr/>
-        </p:nvSpPr>
-        <p:spPr>
-          <a:xfrm>
-            <a:off x="2687923" y="2564238"/>
-            <a:ext cx="189257" cy="178683"/>
-          </a:xfrm>
-          <a:prstGeom prst="rect">
-            <a:avLst/>
-          </a:prstGeom>
-          <a:noFill/>
-        </p:spPr>
-        <p:txBody>
-          <a:bodyPr wrap="square" lIns="0" tIns="0" rIns="0" bIns="0" rtlCol="0">
-            <a:noAutofit/>
-          </a:bodyPr>
-          <a:lstStyle/>
-          <a:p>
-            <a:pPr algn="ctr"/>
-            <a:r>
-              <a:rPr lang="en-US" sz="1100" dirty="0" smtClean="0">
-                <a:solidFill>
-                  <a:srgbClr val="7030A0"/>
-                </a:solidFill>
-              </a:rPr>
-              <a:t>1</a:t>
-            </a:r>
-            <a:endParaRPr lang="en-SG" sz="1100" dirty="0">
-              <a:solidFill>
-                <a:srgbClr val="7030A0"/>
-              </a:solidFill>
-            </a:endParaRPr>
-          </a:p>
-        </p:txBody>
-      </p:sp>
-      <p:sp>
-        <p:nvSpPr>
-          <p:cNvPr id="66" name="TextBox 65"/>
-          <p:cNvSpPr txBox="1"/>
-          <p:nvPr/>
-        </p:nvSpPr>
-        <p:spPr>
-          <a:xfrm>
-            <a:off x="2656370" y="3386050"/>
-            <a:ext cx="189257" cy="178683"/>
-          </a:xfrm>
-          <a:prstGeom prst="rect">
-            <a:avLst/>
-          </a:prstGeom>
-          <a:noFill/>
-        </p:spPr>
-        <p:txBody>
-          <a:bodyPr wrap="square" lIns="0" tIns="0" rIns="0" bIns="0" rtlCol="0">
-            <a:noAutofit/>
-          </a:bodyPr>
-          <a:lstStyle/>
-          <a:p>
-            <a:pPr algn="ctr"/>
-            <a:r>
-              <a:rPr lang="en-US" sz="1100" dirty="0" smtClean="0">
-                <a:solidFill>
-                  <a:srgbClr val="7030A0"/>
-                </a:solidFill>
-              </a:rPr>
-              <a:t>1</a:t>
-            </a:r>
-            <a:endParaRPr lang="en-SG" sz="1100" dirty="0">
-              <a:solidFill>
-                <a:srgbClr val="7030A0"/>
-              </a:solidFill>
-            </a:endParaRPr>
-          </a:p>
-        </p:txBody>
-      </p:sp>
-      <p:sp>
-        <p:nvSpPr>
-          <p:cNvPr id="70" name="TextBox 69"/>
-          <p:cNvSpPr txBox="1"/>
-          <p:nvPr/>
-        </p:nvSpPr>
-        <p:spPr>
-          <a:xfrm>
-            <a:off x="6667770" y="3210194"/>
-            <a:ext cx="189257" cy="178683"/>
-          </a:xfrm>
-          <a:prstGeom prst="rect">
-            <a:avLst/>
-          </a:prstGeom>
-          <a:noFill/>
-        </p:spPr>
-        <p:txBody>
-          <a:bodyPr wrap="square" lIns="0" tIns="0" rIns="0" bIns="0" rtlCol="0">
-            <a:noAutofit/>
-          </a:bodyPr>
-          <a:lstStyle/>
-          <a:p>
-            <a:pPr algn="ctr"/>
-            <a:r>
-              <a:rPr lang="en-US" sz="1100" dirty="0" smtClean="0">
-                <a:solidFill>
-                  <a:srgbClr val="7030A0"/>
-                </a:solidFill>
-              </a:rPr>
-              <a:t>1</a:t>
-            </a:r>
-            <a:endParaRPr lang="en-SG" sz="1100" dirty="0">
-              <a:solidFill>
-                <a:srgbClr val="7030A0"/>
-              </a:solidFill>
-            </a:endParaRPr>
-          </a:p>
-        </p:txBody>
-      </p:sp>
-      <p:sp>
-        <p:nvSpPr>
-          <p:cNvPr id="74" name="Rectangle 8"/>
+      <p:sp>
+        <p:nvSpPr>
+          <p:cNvPr id="77" name="Rectangle 76"/>
           <p:cNvSpPr/>
           <p:nvPr/>
         </p:nvSpPr>
         <p:spPr>
           <a:xfrm>
-            <a:off x="7708688" y="3867216"/>
+            <a:off x="1676400" y="5562600"/>
             <a:ext cx="708186" cy="285783"/>
           </a:xfrm>
           <a:prstGeom prst="rect">
@@ -5943,7 +5763,101 @@
         </p:style>
         <p:txBody>
           <a:bodyPr rtlCol="0" anchor="ctr"/>
-          <a:lstStyle/>
+          <a:lstStyle>
+            <a:defPPr>
+              <a:defRPr lang="en-US"/>
+            </a:defPPr>
+            <a:lvl1pPr marL="0" algn="l" defTabSz="914400" rtl="0" eaLnBrk="1" latinLnBrk="0" hangingPunct="1">
+              <a:defRPr sz="1800" kern="1200">
+                <a:solidFill>
+                  <a:schemeClr val="dk1"/>
+                </a:solidFill>
+                <a:latin typeface="+mn-lt"/>
+                <a:ea typeface="+mn-ea"/>
+                <a:cs typeface="+mn-cs"/>
+              </a:defRPr>
+            </a:lvl1pPr>
+            <a:lvl2pPr marL="457200" algn="l" defTabSz="914400" rtl="0" eaLnBrk="1" latinLnBrk="0" hangingPunct="1">
+              <a:defRPr sz="1800" kern="1200">
+                <a:solidFill>
+                  <a:schemeClr val="dk1"/>
+                </a:solidFill>
+                <a:latin typeface="+mn-lt"/>
+                <a:ea typeface="+mn-ea"/>
+                <a:cs typeface="+mn-cs"/>
+              </a:defRPr>
+            </a:lvl2pPr>
+            <a:lvl3pPr marL="914400" algn="l" defTabSz="914400" rtl="0" eaLnBrk="1" latinLnBrk="0" hangingPunct="1">
+              <a:defRPr sz="1800" kern="1200">
+                <a:solidFill>
+                  <a:schemeClr val="dk1"/>
+                </a:solidFill>
+                <a:latin typeface="+mn-lt"/>
+                <a:ea typeface="+mn-ea"/>
+                <a:cs typeface="+mn-cs"/>
+              </a:defRPr>
+            </a:lvl3pPr>
+            <a:lvl4pPr marL="1371600" algn="l" defTabSz="914400" rtl="0" eaLnBrk="1" latinLnBrk="0" hangingPunct="1">
+              <a:defRPr sz="1800" kern="1200">
+                <a:solidFill>
+                  <a:schemeClr val="dk1"/>
+                </a:solidFill>
+                <a:latin typeface="+mn-lt"/>
+                <a:ea typeface="+mn-ea"/>
+                <a:cs typeface="+mn-cs"/>
+              </a:defRPr>
+            </a:lvl4pPr>
+            <a:lvl5pPr marL="1828800" algn="l" defTabSz="914400" rtl="0" eaLnBrk="1" latinLnBrk="0" hangingPunct="1">
+              <a:defRPr sz="1800" kern="1200">
+                <a:solidFill>
+                  <a:schemeClr val="dk1"/>
+                </a:solidFill>
+                <a:latin typeface="+mn-lt"/>
+                <a:ea typeface="+mn-ea"/>
+                <a:cs typeface="+mn-cs"/>
+              </a:defRPr>
+            </a:lvl5pPr>
+            <a:lvl6pPr marL="2286000" algn="l" defTabSz="914400" rtl="0" eaLnBrk="1" latinLnBrk="0" hangingPunct="1">
+              <a:defRPr sz="1800" kern="1200">
+                <a:solidFill>
+                  <a:schemeClr val="dk1"/>
+                </a:solidFill>
+                <a:latin typeface="+mn-lt"/>
+                <a:ea typeface="+mn-ea"/>
+                <a:cs typeface="+mn-cs"/>
+              </a:defRPr>
+            </a:lvl6pPr>
+            <a:lvl7pPr marL="2743200" algn="l" defTabSz="914400" rtl="0" eaLnBrk="1" latinLnBrk="0" hangingPunct="1">
+              <a:defRPr sz="1800" kern="1200">
+                <a:solidFill>
+                  <a:schemeClr val="dk1"/>
+                </a:solidFill>
+                <a:latin typeface="+mn-lt"/>
+                <a:ea typeface="+mn-ea"/>
+                <a:cs typeface="+mn-cs"/>
+              </a:defRPr>
+            </a:lvl7pPr>
+            <a:lvl8pPr marL="3200400" algn="l" defTabSz="914400" rtl="0" eaLnBrk="1" latinLnBrk="0" hangingPunct="1">
+              <a:defRPr sz="1800" kern="1200">
+                <a:solidFill>
+                  <a:schemeClr val="dk1"/>
+                </a:solidFill>
+                <a:latin typeface="+mn-lt"/>
+                <a:ea typeface="+mn-ea"/>
+                <a:cs typeface="+mn-cs"/>
+              </a:defRPr>
+            </a:lvl8pPr>
+            <a:lvl9pPr marL="3657600" algn="l" defTabSz="914400" rtl="0" eaLnBrk="1" latinLnBrk="0" hangingPunct="1">
+              <a:defRPr sz="1800" kern="1200">
+                <a:solidFill>
+                  <a:schemeClr val="dk1"/>
+                </a:solidFill>
+                <a:latin typeface="+mn-lt"/>
+                <a:ea typeface="+mn-ea"/>
+                <a:cs typeface="+mn-cs"/>
+              </a:defRPr>
+            </a:lvl9pPr>
+          </a:lstStyle>
           <a:p>
             <a:pPr algn="ctr"/>
             <a:r>
@@ -5952,7 +5866,23 @@
                   <a:srgbClr val="7030A0"/>
                 </a:solidFill>
               </a:rPr>
-              <a:t>Priority</a:t>
+              <a:t>Due</a:t>
+            </a:r>
+            <a:r>
+              <a:rPr lang="zh-CN" altLang="en-US" sz="1050" dirty="0" smtClean="0">
+                <a:solidFill>
+                  <a:srgbClr val="7030A0"/>
+                </a:solidFill>
+              </a:rPr>
+              <a:t> </a:t>
+            </a:r>
+            <a:r>
+              <a:rPr lang="en-US" altLang="zh-CN" sz="1050" dirty="0" smtClean="0">
+                <a:solidFill>
+                  <a:srgbClr val="7030A0"/>
+                </a:solidFill>
+              </a:rPr>
+              <a:t>date</a:t>
             </a:r>
             <a:endParaRPr lang="en-SG" sz="1050" dirty="0">
               <a:solidFill>
@@ -5964,13 +5894,13 @@
       </p:sp>
       <p:sp>
         <p:nvSpPr>
-          <p:cNvPr id="77" name="Rectangle 76"/>
+          <p:cNvPr id="88" name="Rectangle 87"/>
           <p:cNvSpPr/>
           <p:nvPr/>
         </p:nvSpPr>
         <p:spPr>
           <a:xfrm>
-            <a:off x="7708688" y="2230193"/>
+            <a:off x="762000" y="5562600"/>
             <a:ext cx="708186" cy="285783"/>
           </a:xfrm>
           <a:prstGeom prst="rect">
@@ -6102,23 +6032,7 @@
                   <a:srgbClr val="7030A0"/>
                 </a:solidFill>
               </a:rPr>
-              <a:t>Due</a:t>
-            </a:r>
-            <a:r>
-              <a:rPr lang="zh-CN" altLang="en-US" sz="1050" dirty="0" smtClean="0">
-                <a:solidFill>
-                  <a:srgbClr val="7030A0"/>
-                </a:solidFill>
-              </a:rPr>
-              <a:t> </a:t>
-            </a:r>
-            <a:r>
-              <a:rPr lang="en-US" altLang="zh-CN" sz="1050" dirty="0" smtClean="0">
-                <a:solidFill>
-                  <a:srgbClr val="7030A0"/>
-                </a:solidFill>
-              </a:rPr>
-              <a:t>date</a:t>
+              <a:t>Name</a:t>
             </a:r>
             <a:endParaRPr lang="en-SG" sz="1050" dirty="0">
               <a:solidFill>
@@ -6128,95 +6042,15 @@
           </a:p>
         </p:txBody>
       </p:sp>
-      <p:cxnSp>
-        <p:nvCxnSpPr>
-          <p:cNvPr id="82" name="Elbow Connector 81"/>
-          <p:cNvCxnSpPr>
-            <a:endCxn id="74" idx="1"/>
-          </p:cNvCxnSpPr>
-          <p:nvPr/>
-        </p:nvCxnSpPr>
-        <p:spPr>
-          <a:xfrm rot="16200000" flipH="1">
-            <a:off x="7115865" y="3417285"/>
-            <a:ext cx="972154" cy="213491"/>
-          </a:xfrm>
-          <a:prstGeom prst="bentConnector2">
-            <a:avLst/>
-          </a:prstGeom>
-          <a:ln w="19050">
-            <a:solidFill>
-              <a:srgbClr val="7030A0"/>
-            </a:solidFill>
-            <a:headEnd type="none" w="med" len="med"/>
-            <a:tailEnd type="arrow" w="med" len="med"/>
-          </a:ln>
-          <a:effectLst/>
-        </p:spPr>
-        <p:style>
-          <a:lnRef idx="1">
-            <a:schemeClr val="accent2"/>
-          </a:lnRef>
-          <a:fillRef idx="2">
-            <a:schemeClr val="accent2"/>
-          </a:fillRef>
-          <a:effectRef idx="1">
-            <a:schemeClr val="accent2"/>
-          </a:effectRef>
-          <a:fontRef idx="minor">
-            <a:schemeClr val="dk1"/>
-          </a:fontRef>
-        </p:style>
-      </p:cxnSp>
-      <p:cxnSp>
-        <p:nvCxnSpPr>
-          <p:cNvPr id="87" name="Elbow Connector 86"/>
-          <p:cNvCxnSpPr/>
-          <p:nvPr/>
-        </p:nvCxnSpPr>
-        <p:spPr>
-          <a:xfrm rot="5400000" flipH="1" flipV="1">
-            <a:off x="7381649" y="2530764"/>
-            <a:ext cx="444295" cy="217201"/>
-          </a:xfrm>
-          <a:prstGeom prst="bentConnector3">
-            <a:avLst>
-              <a:gd name="adj1" fmla="val 100062"/>
-            </a:avLst>
-          </a:prstGeom>
-          <a:ln w="19050">
-            <a:solidFill>
-              <a:srgbClr val="7030A0"/>
-            </a:solidFill>
-            <a:headEnd type="none" w="med" len="med"/>
-            <a:tailEnd type="arrow" w="med" len="med"/>
-          </a:ln>
-          <a:effectLst/>
-        </p:spPr>
-        <p:style>
-          <a:lnRef idx="1">
-            <a:schemeClr val="accent2"/>
-          </a:lnRef>
-          <a:fillRef idx="2">
-            <a:schemeClr val="accent2"/>
-          </a:fillRef>
-          <a:effectRef idx="1">
-            <a:schemeClr val="accent2"/>
-          </a:effectRef>
-          <a:fontRef idx="minor">
-            <a:schemeClr val="dk1"/>
-          </a:fontRef>
-        </p:style>
-      </p:cxnSp>
-      <p:sp>
-        <p:nvSpPr>
-          <p:cNvPr id="88" name="Rectangle 87"/>
+      <p:sp>
+        <p:nvSpPr>
+          <p:cNvPr id="73" name="Rectangle 8"/>
           <p:cNvSpPr/>
           <p:nvPr/>
         </p:nvSpPr>
         <p:spPr>
           <a:xfrm>
-            <a:off x="7708688" y="1911998"/>
+            <a:off x="6400800" y="5562600"/>
             <a:ext cx="708186" cy="285783"/>
           </a:xfrm>
           <a:prstGeom prst="rect">
@@ -6245,101 +6079,7 @@
         </p:style>
         <p:txBody>
           <a:bodyPr rtlCol="0" anchor="ctr"/>
-          <a:lstStyle>
-            <a:defPPr>
-              <a:defRPr lang="en-US"/>
-            </a:defPPr>
-            <a:lvl1pPr marL="0" algn="l" defTabSz="914400" rtl="0" eaLnBrk="1" latinLnBrk="0" hangingPunct="1">
-              <a:defRPr sz="1800" kern="1200">
-                <a:solidFill>
-                  <a:schemeClr val="dk1"/>
-                </a:solidFill>
-                <a:latin typeface="+mn-lt"/>
-                <a:ea typeface="+mn-ea"/>
-                <a:cs typeface="+mn-cs"/>
-              </a:defRPr>
-            </a:lvl1pPr>
-            <a:lvl2pPr marL="457200" algn="l" defTabSz="914400" rtl="0" eaLnBrk="1" latinLnBrk="0" hangingPunct="1">
-              <a:defRPr sz="1800" kern="1200">
-                <a:solidFill>
-                  <a:schemeClr val="dk1"/>
-                </a:solidFill>
-                <a:latin typeface="+mn-lt"/>
-                <a:ea typeface="+mn-ea"/>
-                <a:cs typeface="+mn-cs"/>
-              </a:defRPr>
-            </a:lvl2pPr>
-            <a:lvl3pPr marL="914400" algn="l" defTabSz="914400" rtl="0" eaLnBrk="1" latinLnBrk="0" hangingPunct="1">
-              <a:defRPr sz="1800" kern="1200">
-                <a:solidFill>
-                  <a:schemeClr val="dk1"/>
-                </a:solidFill>
-                <a:latin typeface="+mn-lt"/>
-                <a:ea typeface="+mn-ea"/>
-                <a:cs typeface="+mn-cs"/>
-              </a:defRPr>
-            </a:lvl3pPr>
-            <a:lvl4pPr marL="1371600" algn="l" defTabSz="914400" rtl="0" eaLnBrk="1" latinLnBrk="0" hangingPunct="1">
-              <a:defRPr sz="1800" kern="1200">
-                <a:solidFill>
-                  <a:schemeClr val="dk1"/>
-                </a:solidFill>
-                <a:latin typeface="+mn-lt"/>
-                <a:ea typeface="+mn-ea"/>
-                <a:cs typeface="+mn-cs"/>
-              </a:defRPr>
-            </a:lvl4pPr>
-            <a:lvl5pPr marL="1828800" algn="l" defTabSz="914400" rtl="0" eaLnBrk="1" latinLnBrk="0" hangingPunct="1">
-              <a:defRPr sz="1800" kern="1200">
-                <a:solidFill>
-                  <a:schemeClr val="dk1"/>
-                </a:solidFill>
-                <a:latin typeface="+mn-lt"/>
-                <a:ea typeface="+mn-ea"/>
-                <a:cs typeface="+mn-cs"/>
-              </a:defRPr>
-            </a:lvl5pPr>
-            <a:lvl6pPr marL="2286000" algn="l" defTabSz="914400" rtl="0" eaLnBrk="1" latinLnBrk="0" hangingPunct="1">
-              <a:defRPr sz="1800" kern="1200">
-                <a:solidFill>
-                  <a:schemeClr val="dk1"/>
-                </a:solidFill>
-                <a:latin typeface="+mn-lt"/>
-                <a:ea typeface="+mn-ea"/>
-                <a:cs typeface="+mn-cs"/>
-              </a:defRPr>
-            </a:lvl6pPr>
-            <a:lvl7pPr marL="2743200" algn="l" defTabSz="914400" rtl="0" eaLnBrk="1" latinLnBrk="0" hangingPunct="1">
-              <a:defRPr sz="1800" kern="1200">
-                <a:solidFill>
-                  <a:schemeClr val="dk1"/>
-                </a:solidFill>
-                <a:latin typeface="+mn-lt"/>
-                <a:ea typeface="+mn-ea"/>
-                <a:cs typeface="+mn-cs"/>
-              </a:defRPr>
-            </a:lvl7pPr>
-            <a:lvl8pPr marL="3200400" algn="l" defTabSz="914400" rtl="0" eaLnBrk="1" latinLnBrk="0" hangingPunct="1">
-              <a:defRPr sz="1800" kern="1200">
-                <a:solidFill>
-                  <a:schemeClr val="dk1"/>
-                </a:solidFill>
-                <a:latin typeface="+mn-lt"/>
-                <a:ea typeface="+mn-ea"/>
-                <a:cs typeface="+mn-cs"/>
-              </a:defRPr>
-            </a:lvl8pPr>
-            <a:lvl9pPr marL="3657600" algn="l" defTabSz="914400" rtl="0" eaLnBrk="1" latinLnBrk="0" hangingPunct="1">
-              <a:defRPr sz="1800" kern="1200">
-                <a:solidFill>
-                  <a:schemeClr val="dk1"/>
-                </a:solidFill>
-                <a:latin typeface="+mn-lt"/>
-                <a:ea typeface="+mn-ea"/>
-                <a:cs typeface="+mn-cs"/>
-              </a:defRPr>
-            </a:lvl9pPr>
-          </a:lstStyle>
+          <a:lstStyle/>
           <a:p>
             <a:pPr algn="ctr"/>
             <a:r>
@@ -6348,7 +6088,7 @@
                   <a:srgbClr val="7030A0"/>
                 </a:solidFill>
               </a:rPr>
-              <a:t>Name</a:t>
+              <a:t>Favorite</a:t>
             </a:r>
             <a:endParaRPr lang="en-SG" sz="1050" dirty="0">
               <a:solidFill>
@@ -6360,39 +6100,13 @@
       </p:sp>
       <p:sp>
         <p:nvSpPr>
-          <p:cNvPr id="27" name="TextBox 26"/>
-          <p:cNvSpPr txBox="1"/>
-          <p:nvPr/>
-        </p:nvSpPr>
-        <p:spPr>
-          <a:xfrm>
-            <a:off x="6477000" y="4650563"/>
-            <a:ext cx="184731" cy="369332"/>
-          </a:xfrm>
-          <a:prstGeom prst="rect">
-            <a:avLst/>
-          </a:prstGeom>
-          <a:noFill/>
-        </p:spPr>
-        <p:txBody>
-          <a:bodyPr wrap="none" rtlCol="0">
-            <a:spAutoFit/>
-          </a:bodyPr>
-          <a:lstStyle/>
-          <a:p>
-            <a:endParaRPr lang="en-US"/>
-          </a:p>
-        </p:txBody>
-      </p:sp>
-      <p:sp>
-        <p:nvSpPr>
-          <p:cNvPr id="73" name="Rectangle 8"/>
+          <p:cNvPr id="90" name="Rectangle 8"/>
           <p:cNvSpPr/>
           <p:nvPr/>
         </p:nvSpPr>
         <p:spPr>
           <a:xfrm>
-            <a:off x="7721701" y="4190123"/>
+            <a:off x="7391400" y="5562600"/>
             <a:ext cx="708186" cy="285783"/>
           </a:xfrm>
           <a:prstGeom prst="rect">
@@ -6430,7 +6144,7 @@
                   <a:srgbClr val="7030A0"/>
                 </a:solidFill>
               </a:rPr>
-              <a:t>Favorite</a:t>
+              <a:t>Finished</a:t>
             </a:r>
             <a:endParaRPr lang="en-SG" sz="1050" dirty="0">
               <a:solidFill>
@@ -6440,16 +6154,95 @@
           </a:p>
         </p:txBody>
       </p:sp>
-      <p:sp>
-        <p:nvSpPr>
-          <p:cNvPr id="90" name="Rectangle 8"/>
+      <p:cxnSp>
+        <p:nvCxnSpPr>
+          <p:cNvPr id="93" name="Elbow Connector 92"/>
+          <p:cNvCxnSpPr/>
+          <p:nvPr/>
+        </p:nvCxnSpPr>
+        <p:spPr>
+          <a:xfrm rot="5400000">
+            <a:off x="4717847" y="2828411"/>
+            <a:ext cx="1292942" cy="975036"/>
+          </a:xfrm>
+          <a:prstGeom prst="bentConnector3">
+            <a:avLst>
+              <a:gd name="adj1" fmla="val 50000"/>
+            </a:avLst>
+          </a:prstGeom>
+          <a:ln w="19050">
+            <a:solidFill>
+              <a:srgbClr val="7030A0"/>
+            </a:solidFill>
+            <a:headEnd type="none" w="med" len="med"/>
+            <a:tailEnd type="arrow" w="med" len="med"/>
+          </a:ln>
+          <a:effectLst/>
+        </p:spPr>
+        <p:style>
+          <a:lnRef idx="1">
+            <a:schemeClr val="accent2"/>
+          </a:lnRef>
+          <a:fillRef idx="2">
+            <a:schemeClr val="accent2"/>
+          </a:fillRef>
+          <a:effectRef idx="1">
+            <a:schemeClr val="accent2"/>
+          </a:effectRef>
+          <a:fontRef idx="minor">
+            <a:schemeClr val="dk1"/>
+          </a:fontRef>
+        </p:style>
+      </p:cxnSp>
+      <p:sp>
+        <p:nvSpPr>
+          <p:cNvPr id="94" name="TextBox 93"/>
+          <p:cNvSpPr txBox="1"/>
+          <p:nvPr/>
+        </p:nvSpPr>
+        <p:spPr>
+          <a:xfrm>
+            <a:off x="5029200" y="3810000"/>
+            <a:ext cx="189257" cy="178683"/>
+          </a:xfrm>
+          <a:prstGeom prst="rect">
+            <a:avLst/>
+          </a:prstGeom>
+          <a:noFill/>
+        </p:spPr>
+        <p:txBody>
+          <a:bodyPr wrap="square" lIns="0" tIns="0" rIns="0" bIns="0" rtlCol="0">
+            <a:noAutofit/>
+          </a:bodyPr>
+          <a:lstStyle/>
+          <a:p>
+            <a:pPr algn="ctr"/>
+            <a:r>
+              <a:rPr lang="zh-CN" altLang="en-US" sz="1100" dirty="0">
+                <a:solidFill>
+                  <a:srgbClr val="7030A0"/>
+                </a:solidFill>
+              </a:rPr>
+              <a:t>*</a:t>
+            </a:r>
+            <a:endParaRPr lang="en-SG" sz="1100" dirty="0">
+              <a:solidFill>
+                <a:srgbClr val="7030A0"/>
+              </a:solidFill>
+            </a:endParaRPr>
+          </a:p>
+        </p:txBody>
+      </p:sp>
+      <p:sp>
+        <p:nvSpPr>
+          <p:cNvPr id="89" name="Rectangle 8"/>
           <p:cNvSpPr/>
           <p:nvPr/>
         </p:nvSpPr>
         <p:spPr>
           <a:xfrm>
-            <a:off x="7721701" y="4507671"/>
-            <a:ext cx="708186" cy="285783"/>
+            <a:off x="6477000" y="2057400"/>
+            <a:ext cx="1135778" cy="346760"/>
           </a:xfrm>
           <a:prstGeom prst="rect">
             <a:avLst/>
@@ -6481,12 +6274,35 @@
           <a:p>
             <a:pPr algn="ctr"/>
             <a:r>
-              <a:rPr lang="en-US" altLang="zh-CN" sz="1050" dirty="0" smtClean="0">
+              <a:rPr lang="en-US" sz="1050" dirty="0" smtClean="0">
                 <a:solidFill>
                   <a:srgbClr val="7030A0"/>
                 </a:solidFill>
               </a:rPr>
-              <a:t>Finished</a:t>
+              <a:t>&lt;&lt;interface&gt;&gt;</a:t>
+            </a:r>
+            <a:br>
+              <a:rPr lang="en-US" sz="1050" dirty="0" smtClean="0">
+                <a:solidFill>
+                  <a:srgbClr val="7030A0"/>
+                </a:solidFill>
+              </a:rPr>
+            </a:br>
+            <a:r>
+              <a:rPr lang="en-US" sz="1050" dirty="0" err="1" smtClean="0">
+                <a:solidFill>
+                  <a:srgbClr val="7030A0"/>
+                </a:solidFill>
+              </a:rPr>
+              <a:t>ReadOnly</a:t>
+            </a:r>
+            <a:r>
+              <a:rPr lang="en-US" altLang="zh-CN" sz="1050" dirty="0" err="1" smtClean="0">
+                <a:solidFill>
+                  <a:srgbClr val="7030A0"/>
+                </a:solidFill>
+              </a:rPr>
+              <a:t>Event</a:t>
             </a:r>
             <a:endParaRPr lang="en-SG" sz="1050" dirty="0">
               <a:solidFill>
@@ -6496,171 +6312,16 @@
           </a:p>
         </p:txBody>
       </p:sp>
-      <p:cxnSp>
-        <p:nvCxnSpPr>
-          <p:cNvPr id="91" name="Elbow Connector 90"/>
-          <p:cNvCxnSpPr/>
-          <p:nvPr/>
-        </p:nvCxnSpPr>
-        <p:spPr>
-          <a:xfrm rot="16200000" flipH="1">
-            <a:off x="7129449" y="3777387"/>
-            <a:ext cx="972154" cy="213491"/>
-          </a:xfrm>
-          <a:prstGeom prst="bentConnector2">
-            <a:avLst/>
-          </a:prstGeom>
-          <a:ln w="19050">
-            <a:solidFill>
-              <a:srgbClr val="7030A0"/>
-            </a:solidFill>
-            <a:headEnd type="none" w="med" len="med"/>
-            <a:tailEnd type="arrow" w="med" len="med"/>
-          </a:ln>
-          <a:effectLst/>
-        </p:spPr>
-        <p:style>
-          <a:lnRef idx="1">
-            <a:schemeClr val="accent2"/>
-          </a:lnRef>
-          <a:fillRef idx="2">
-            <a:schemeClr val="accent2"/>
-          </a:fillRef>
-          <a:effectRef idx="1">
-            <a:schemeClr val="accent2"/>
-          </a:effectRef>
-          <a:fontRef idx="minor">
-            <a:schemeClr val="dk1"/>
-          </a:fontRef>
-        </p:style>
-      </p:cxnSp>
-      <p:cxnSp>
-        <p:nvCxnSpPr>
-          <p:cNvPr id="92" name="Elbow Connector 91"/>
-          <p:cNvCxnSpPr/>
-          <p:nvPr/>
-        </p:nvCxnSpPr>
-        <p:spPr>
-          <a:xfrm rot="16200000" flipH="1">
-            <a:off x="7128879" y="4092589"/>
-            <a:ext cx="972154" cy="213491"/>
-          </a:xfrm>
-          <a:prstGeom prst="bentConnector2">
-            <a:avLst/>
-          </a:prstGeom>
-          <a:ln w="19050">
-            <a:solidFill>
-              <a:srgbClr val="7030A0"/>
-            </a:solidFill>
-            <a:headEnd type="none" w="med" len="med"/>
-            <a:tailEnd type="arrow" w="med" len="med"/>
-          </a:ln>
-          <a:effectLst/>
-        </p:spPr>
-        <p:style>
-          <a:lnRef idx="1">
-            <a:schemeClr val="accent2"/>
-          </a:lnRef>
-          <a:fillRef idx="2">
-            <a:schemeClr val="accent2"/>
-          </a:fillRef>
-          <a:effectRef idx="1">
-            <a:schemeClr val="accent2"/>
-          </a:effectRef>
-          <a:fontRef idx="minor">
-            <a:schemeClr val="dk1"/>
-          </a:fontRef>
-        </p:style>
-      </p:cxnSp>
-      <p:cxnSp>
-        <p:nvCxnSpPr>
-          <p:cNvPr id="93" name="Elbow Connector 92"/>
-          <p:cNvCxnSpPr/>
-          <p:nvPr/>
-        </p:nvCxnSpPr>
-        <p:spPr>
-          <a:xfrm rot="16200000" flipH="1">
-            <a:off x="6469184" y="2689374"/>
-            <a:ext cx="399060" cy="3625"/>
-          </a:xfrm>
-          <a:prstGeom prst="bentConnector3">
-            <a:avLst>
-              <a:gd name="adj1" fmla="val 50000"/>
-            </a:avLst>
-          </a:prstGeom>
-          <a:ln w="19050">
-            <a:solidFill>
-              <a:srgbClr val="7030A0"/>
-            </a:solidFill>
-            <a:headEnd type="none" w="med" len="med"/>
-            <a:tailEnd type="arrow" w="med" len="med"/>
-          </a:ln>
-          <a:effectLst/>
-        </p:spPr>
-        <p:style>
-          <a:lnRef idx="1">
-            <a:schemeClr val="accent2"/>
-          </a:lnRef>
-          <a:fillRef idx="2">
-            <a:schemeClr val="accent2"/>
-          </a:fillRef>
-          <a:effectRef idx="1">
-            <a:schemeClr val="accent2"/>
-          </a:effectRef>
-          <a:fontRef idx="minor">
-            <a:schemeClr val="dk1"/>
-          </a:fontRef>
-        </p:style>
-      </p:cxnSp>
-      <p:sp>
-        <p:nvSpPr>
-          <p:cNvPr id="94" name="TextBox 93"/>
-          <p:cNvSpPr txBox="1"/>
-          <p:nvPr/>
-        </p:nvSpPr>
-        <p:spPr>
-          <a:xfrm>
-            <a:off x="6460829" y="2686420"/>
-            <a:ext cx="189257" cy="178683"/>
-          </a:xfrm>
-          <a:prstGeom prst="rect">
-            <a:avLst/>
-          </a:prstGeom>
-          <a:noFill/>
-        </p:spPr>
-        <p:txBody>
-          <a:bodyPr wrap="square" lIns="0" tIns="0" rIns="0" bIns="0" rtlCol="0">
-            <a:noAutofit/>
-          </a:bodyPr>
-          <a:lstStyle/>
-          <a:p>
-            <a:pPr algn="ctr"/>
-            <a:r>
-              <a:rPr lang="zh-CN" altLang="en-US" sz="1100" dirty="0">
-                <a:solidFill>
-                  <a:srgbClr val="7030A0"/>
-                </a:solidFill>
-              </a:rPr>
-              <a:t>*</a:t>
-            </a:r>
-            <a:endParaRPr lang="en-SG" sz="1100" dirty="0">
-              <a:solidFill>
-                <a:srgbClr val="7030A0"/>
-              </a:solidFill>
-            </a:endParaRPr>
-          </a:p>
-        </p:txBody>
-      </p:sp>
-      <p:sp>
-        <p:nvSpPr>
-          <p:cNvPr id="89" name="Rectangle 8"/>
+      <p:sp>
+        <p:nvSpPr>
+          <p:cNvPr id="101" name="Rectangle 8"/>
           <p:cNvSpPr/>
           <p:nvPr/>
         </p:nvSpPr>
         <p:spPr>
           <a:xfrm>
-            <a:off x="4523796" y="3795783"/>
-            <a:ext cx="1135778" cy="346760"/>
+            <a:off x="6781800" y="2895600"/>
+            <a:ext cx="708186" cy="346760"/>
           </a:xfrm>
           <a:prstGeom prst="rect">
             <a:avLst/>
@@ -6692,30 +6353,7 @@
           <a:p>
             <a:pPr algn="ctr"/>
             <a:r>
-              <a:rPr lang="en-US" sz="1050" dirty="0" smtClean="0">
-                <a:solidFill>
-                  <a:srgbClr val="7030A0"/>
-                </a:solidFill>
-              </a:rPr>
-              <a:t>&lt;&lt;interface&gt;&gt;</a:t>
-            </a:r>
-            <a:br>
-              <a:rPr lang="en-US" sz="1050" dirty="0" smtClean="0">
-                <a:solidFill>
-                  <a:srgbClr val="7030A0"/>
-                </a:solidFill>
-              </a:rPr>
-            </a:br>
-            <a:r>
-              <a:rPr lang="en-US" sz="1050" dirty="0" err="1" smtClean="0">
-                <a:solidFill>
-                  <a:srgbClr val="7030A0"/>
-                </a:solidFill>
-              </a:rPr>
-              <a:t>ReadOnly</a:t>
-            </a:r>
-            <a:r>
-              <a:rPr lang="en-US" altLang="zh-CN" sz="1050" dirty="0" err="1" smtClean="0">
+              <a:rPr lang="en-US" altLang="zh-CN" sz="1050" dirty="0" smtClean="0">
                 <a:solidFill>
                   <a:srgbClr val="7030A0"/>
                 </a:solidFill>
@@ -6732,21 +6370,18 @@
       </p:sp>
       <p:sp>
         <p:nvSpPr>
-          <p:cNvPr id="95" name="Isosceles Triangle 102"/>
+          <p:cNvPr id="104" name="Rectangle 8"/>
           <p:cNvSpPr/>
           <p:nvPr/>
         </p:nvSpPr>
         <p:spPr>
-          <a:xfrm rot="16200000">
-            <a:off x="5576717" y="3910840"/>
-            <a:ext cx="270504" cy="137484"/>
-          </a:xfrm>
-          <a:prstGeom prst="triangle">
+          <a:xfrm>
+            <a:off x="4343400" y="3962400"/>
+            <a:ext cx="708186" cy="346760"/>
+          </a:xfrm>
+          <a:prstGeom prst="rect">
             <a:avLst/>
           </a:prstGeom>
-          <a:solidFill>
-            <a:srgbClr val="7030A0"/>
-          </a:solidFill>
           <a:ln w="19050">
             <a:solidFill>
               <a:srgbClr val="7030A0"/>
@@ -6773,110 +6408,32 @@
           <a:lstStyle/>
           <a:p>
             <a:pPr algn="ctr"/>
-            <a:endParaRPr lang="en-SG" sz="1050" b="1">
+            <a:r>
+              <a:rPr lang="en-US" altLang="zh-CN" sz="1050" dirty="0" smtClean="0">
+                <a:solidFill>
+                  <a:srgbClr val="7030A0"/>
+                </a:solidFill>
+              </a:rPr>
+              <a:t>Task</a:t>
+            </a:r>
+            <a:endParaRPr lang="en-SG" sz="1050" dirty="0">
               <a:solidFill>
-                <a:srgbClr val="92D050"/>
+                <a:srgbClr val="7030A0"/>
               </a:solidFill>
             </a:endParaRPr>
           </a:p>
         </p:txBody>
       </p:sp>
-      <p:cxnSp>
-        <p:nvCxnSpPr>
-          <p:cNvPr id="96" name="Elbow Connector 63"/>
-          <p:cNvCxnSpPr>
-            <a:stCxn id="95" idx="3"/>
-            <a:endCxn id="101" idx="1"/>
-          </p:cNvCxnSpPr>
-          <p:nvPr/>
-        </p:nvCxnSpPr>
-        <p:spPr>
-          <a:xfrm flipV="1">
-            <a:off x="5780711" y="3941454"/>
-            <a:ext cx="522192" cy="38128"/>
-          </a:xfrm>
-          <a:prstGeom prst="bentConnector3">
-            <a:avLst>
-              <a:gd name="adj1" fmla="val 100482"/>
-            </a:avLst>
-          </a:prstGeom>
-          <a:ln w="19050">
-            <a:solidFill>
-              <a:srgbClr val="7030A0"/>
-            </a:solidFill>
-            <a:prstDash val="sysDot"/>
-            <a:headEnd type="none" w="med" len="med"/>
-            <a:tailEnd type="none" w="med" len="med"/>
-          </a:ln>
-          <a:effectLst/>
-        </p:spPr>
-        <p:style>
-          <a:lnRef idx="1">
-            <a:schemeClr val="accent2"/>
-          </a:lnRef>
-          <a:fillRef idx="2">
-            <a:schemeClr val="accent2"/>
-          </a:fillRef>
-          <a:effectRef idx="1">
-            <a:schemeClr val="accent2"/>
-          </a:effectRef>
-          <a:fontRef idx="minor">
-            <a:schemeClr val="dk1"/>
-          </a:fontRef>
-        </p:style>
-      </p:cxnSp>
-      <p:cxnSp>
-        <p:nvCxnSpPr>
-          <p:cNvPr id="98" name="Elbow Connector 97"/>
-          <p:cNvCxnSpPr>
-            <a:stCxn id="102" idx="3"/>
-          </p:cNvCxnSpPr>
-          <p:nvPr/>
-        </p:nvCxnSpPr>
-        <p:spPr>
-          <a:xfrm rot="16200000" flipV="1">
-            <a:off x="6372078" y="3323738"/>
-            <a:ext cx="518948" cy="2932"/>
-          </a:xfrm>
-          <a:prstGeom prst="bentConnector3">
-            <a:avLst>
-              <a:gd name="adj1" fmla="val 50000"/>
-            </a:avLst>
-          </a:prstGeom>
-          <a:ln w="19050">
-            <a:solidFill>
-              <a:srgbClr val="7030A0"/>
-            </a:solidFill>
-            <a:headEnd type="none" w="med" len="med"/>
-            <a:tailEnd type="arrow" w="med" len="med"/>
-          </a:ln>
-          <a:effectLst/>
-        </p:spPr>
-        <p:style>
-          <a:lnRef idx="1">
-            <a:schemeClr val="accent2"/>
-          </a:lnRef>
-          <a:fillRef idx="2">
-            <a:schemeClr val="accent2"/>
-          </a:fillRef>
-          <a:effectRef idx="1">
-            <a:schemeClr val="accent2"/>
-          </a:effectRef>
-          <a:fontRef idx="minor">
-            <a:schemeClr val="dk1"/>
-          </a:fontRef>
-        </p:style>
-      </p:cxnSp>
-      <p:sp>
-        <p:nvSpPr>
-          <p:cNvPr id="101" name="Rectangle 8"/>
+      <p:sp>
+        <p:nvSpPr>
+          <p:cNvPr id="132" name="Rectangle 8"/>
           <p:cNvSpPr/>
           <p:nvPr/>
         </p:nvSpPr>
         <p:spPr>
           <a:xfrm>
-            <a:off x="6302903" y="3768074"/>
-            <a:ext cx="708186" cy="346760"/>
+            <a:off x="4200525" y="4648200"/>
+            <a:ext cx="990600" cy="381000"/>
           </a:xfrm>
           <a:prstGeom prst="rect">
             <a:avLst/>
@@ -6908,12 +6465,27 @@
           <a:p>
             <a:pPr algn="ctr"/>
             <a:r>
-              <a:rPr lang="en-US" altLang="zh-CN" sz="1050" dirty="0" smtClean="0">
+              <a:rPr lang="en-US" sz="1050" dirty="0" smtClean="0">
                 <a:solidFill>
                   <a:srgbClr val="7030A0"/>
                 </a:solidFill>
               </a:rPr>
-              <a:t>Event</a:t>
+              <a:t>&lt;&lt;interface&gt;&gt;</a:t>
+            </a:r>
+            <a:br>
+              <a:rPr lang="en-US" sz="1050" dirty="0" smtClean="0">
+                <a:solidFill>
+                  <a:srgbClr val="7030A0"/>
+                </a:solidFill>
+              </a:rPr>
+            </a:br>
+            <a:r>
+              <a:rPr lang="en-US" sz="1050" dirty="0" smtClean="0">
+                <a:solidFill>
+                  <a:srgbClr val="7030A0"/>
+                </a:solidFill>
+              </a:rPr>
+              <a:t>TaskField</a:t>
             </a:r>
             <a:endParaRPr lang="en-SG" sz="1050" dirty="0">
               <a:solidFill>
@@ -6923,21 +6495,63 @@
           </a:p>
         </p:txBody>
       </p:sp>
-      <p:sp>
-        <p:nvSpPr>
-          <p:cNvPr id="102" name="Isosceles Triangle 102"/>
+      <p:cxnSp>
+        <p:nvCxnSpPr>
+          <p:cNvPr id="194" name="Elbow Connector 63"/>
+          <p:cNvCxnSpPr>
+            <a:stCxn id="195" idx="3"/>
+          </p:cNvCxnSpPr>
+          <p:nvPr/>
+        </p:nvCxnSpPr>
+        <p:spPr>
+          <a:xfrm rot="16200000" flipH="1">
+            <a:off x="6998740" y="2732259"/>
+            <a:ext cx="293825" cy="1"/>
+          </a:xfrm>
+          <a:prstGeom prst="bentConnector3">
+            <a:avLst>
+              <a:gd name="adj1" fmla="val 50000"/>
+            </a:avLst>
+          </a:prstGeom>
+          <a:ln w="19050">
+            <a:solidFill>
+              <a:srgbClr val="7030A0"/>
+            </a:solidFill>
+            <a:prstDash val="sysDot"/>
+            <a:headEnd type="none" w="med" len="med"/>
+            <a:tailEnd type="none" w="med" len="med"/>
+          </a:ln>
+          <a:effectLst/>
+        </p:spPr>
+        <p:style>
+          <a:lnRef idx="1">
+            <a:schemeClr val="accent2"/>
+          </a:lnRef>
+          <a:fillRef idx="2">
+            <a:schemeClr val="accent2"/>
+          </a:fillRef>
+          <a:effectRef idx="1">
+            <a:schemeClr val="accent2"/>
+          </a:effectRef>
+          <a:fontRef idx="minor">
+            <a:schemeClr val="dk1"/>
+          </a:fontRef>
+        </p:style>
+      </p:cxnSp>
+      <p:sp>
+        <p:nvSpPr>
+          <p:cNvPr id="195" name="Isosceles Triangle 102"/>
           <p:cNvSpPr/>
           <p:nvPr/>
         </p:nvSpPr>
         <p:spPr>
-          <a:xfrm flipV="1">
-            <a:off x="6497766" y="3584678"/>
+          <a:xfrm rot="10800000" flipV="1">
+            <a:off x="7010400" y="2409825"/>
             <a:ext cx="270504" cy="175523"/>
           </a:xfrm>
           <a:prstGeom prst="triangle">
             <a:avLst/>
           </a:prstGeom>
-          <a:noFill/>
           <a:ln w="19050">
             <a:solidFill>
               <a:srgbClr val="7030A0"/>
@@ -6974,16 +6588,16 @@
       </p:sp>
       <p:sp>
         <p:nvSpPr>
-          <p:cNvPr id="104" name="Rectangle 8"/>
+          <p:cNvPr id="200" name="Isosceles Triangle 102"/>
           <p:cNvSpPr/>
           <p:nvPr/>
         </p:nvSpPr>
         <p:spPr>
-          <a:xfrm>
-            <a:off x="6323719" y="2857571"/>
-            <a:ext cx="708186" cy="346760"/>
-          </a:xfrm>
-          <a:prstGeom prst="rect">
+          <a:xfrm rot="5400000" flipV="1">
+            <a:off x="4991235" y="4019416"/>
+            <a:ext cx="270504" cy="175523"/>
+          </a:xfrm>
+          <a:prstGeom prst="triangle">
             <a:avLst/>
           </a:prstGeom>
           <a:ln w="19050">
@@ -7012,17 +6626,9 @@
           <a:lstStyle/>
           <a:p>
             <a:pPr algn="ctr"/>
-            <a:r>
-              <a:rPr lang="en-US" altLang="zh-CN" sz="1050" dirty="0" smtClean="0">
-                <a:solidFill>
-                  <a:srgbClr val="7030A0"/>
-                </a:solidFill>
-              </a:rPr>
-              <a:t>Task</a:t>
-            </a:r>
-            <a:endParaRPr lang="en-SG" sz="1050" dirty="0">
+            <a:endParaRPr lang="en-SG" sz="1050" b="1">
               <a:solidFill>
-                <a:srgbClr val="7030A0"/>
+                <a:srgbClr val="92D050"/>
               </a:solidFill>
             </a:endParaRPr>
           </a:p>
@@ -7030,16 +6636,55 @@
       </p:sp>
       <p:cxnSp>
         <p:nvCxnSpPr>
-          <p:cNvPr id="105" name="Elbow Connector 104"/>
+          <p:cNvPr id="204" name="肘形连接符 203"/>
           <p:cNvCxnSpPr>
-            <a:endCxn id="109" idx="1"/>
+            <a:stCxn id="200" idx="3"/>
+            <a:endCxn id="101" idx="2"/>
           </p:cNvCxnSpPr>
           <p:nvPr/>
         </p:nvCxnSpPr>
         <p:spPr>
-          <a:xfrm>
-            <a:off x="6360920" y="4120207"/>
-            <a:ext cx="313198" cy="222019"/>
+          <a:xfrm flipV="1">
+            <a:off x="5214249" y="3242360"/>
+            <a:ext cx="1921644" cy="864818"/>
+          </a:xfrm>
+          <a:prstGeom prst="bentConnector2">
+            <a:avLst/>
+          </a:prstGeom>
+          <a:ln w="19050">
+            <a:solidFill>
+              <a:srgbClr val="7030A0"/>
+            </a:solidFill>
+          </a:ln>
+        </p:spPr>
+        <p:style>
+          <a:lnRef idx="1">
+            <a:schemeClr val="accent1"/>
+          </a:lnRef>
+          <a:fillRef idx="0">
+            <a:schemeClr val="accent1"/>
+          </a:fillRef>
+          <a:effectRef idx="0">
+            <a:schemeClr val="accent1"/>
+          </a:effectRef>
+          <a:fontRef idx="minor">
+            <a:schemeClr val="tx1"/>
+          </a:fontRef>
+        </p:style>
+      </p:cxnSp>
+      <p:cxnSp>
+        <p:nvCxnSpPr>
+          <p:cNvPr id="206" name="Elbow Connector 106"/>
+          <p:cNvCxnSpPr>
+            <a:stCxn id="104" idx="2"/>
+            <a:endCxn id="132" idx="0"/>
+          </p:cNvCxnSpPr>
+          <p:nvPr/>
+        </p:nvCxnSpPr>
+        <p:spPr>
+          <a:xfrm rot="5400000">
+            <a:off x="4527139" y="4477846"/>
+            <a:ext cx="339040" cy="1668"/>
           </a:xfrm>
           <a:prstGeom prst="bentConnector3">
             <a:avLst>
@@ -7050,6 +6695,7 @@
             <a:solidFill>
               <a:srgbClr val="7030A0"/>
             </a:solidFill>
+            <a:prstDash val="solid"/>
             <a:headEnd type="none" w="med" len="med"/>
             <a:tailEnd type="arrow" w="med" len="med"/>
           </a:ln>
@@ -7072,16 +6718,16 @@
       </p:cxnSp>
       <p:sp>
         <p:nvSpPr>
-          <p:cNvPr id="109" name="Rectangle 108"/>
+          <p:cNvPr id="214" name="Isosceles Triangle 102"/>
           <p:cNvSpPr/>
           <p:nvPr/>
         </p:nvSpPr>
         <p:spPr>
-          <a:xfrm>
-            <a:off x="6674118" y="4199334"/>
-            <a:ext cx="729310" cy="285783"/>
-          </a:xfrm>
-          <a:prstGeom prst="rect">
+          <a:xfrm rot="10800000" flipV="1">
+            <a:off x="4572000" y="5029200"/>
+            <a:ext cx="270504" cy="175523"/>
+          </a:xfrm>
+          <a:prstGeom prst="triangle">
             <a:avLst/>
           </a:prstGeom>
           <a:ln w="19050">
@@ -7107,130 +6753,12 @@
         </p:style>
         <p:txBody>
           <a:bodyPr rtlCol="0" anchor="ctr"/>
-          <a:lstStyle>
-            <a:defPPr>
-              <a:defRPr lang="en-US"/>
-            </a:defPPr>
-            <a:lvl1pPr marL="0" algn="l" defTabSz="914400" rtl="0" eaLnBrk="1" latinLnBrk="0" hangingPunct="1">
-              <a:defRPr sz="1800" kern="1200">
-                <a:solidFill>
-                  <a:schemeClr val="dk1"/>
-                </a:solidFill>
-                <a:latin typeface="+mn-lt"/>
-                <a:ea typeface="+mn-ea"/>
-                <a:cs typeface="+mn-cs"/>
-              </a:defRPr>
-            </a:lvl1pPr>
-            <a:lvl2pPr marL="457200" algn="l" defTabSz="914400" rtl="0" eaLnBrk="1" latinLnBrk="0" hangingPunct="1">
-              <a:defRPr sz="1800" kern="1200">
-                <a:solidFill>
-                  <a:schemeClr val="dk1"/>
-                </a:solidFill>
-                <a:latin typeface="+mn-lt"/>
-                <a:ea typeface="+mn-ea"/>
-                <a:cs typeface="+mn-cs"/>
-              </a:defRPr>
-            </a:lvl2pPr>
-            <a:lvl3pPr marL="914400" algn="l" defTabSz="914400" rtl="0" eaLnBrk="1" latinLnBrk="0" hangingPunct="1">
-              <a:defRPr sz="1800" kern="1200">
-                <a:solidFill>
-                  <a:schemeClr val="dk1"/>
-                </a:solidFill>
-                <a:latin typeface="+mn-lt"/>
-                <a:ea typeface="+mn-ea"/>
-                <a:cs typeface="+mn-cs"/>
-              </a:defRPr>
-            </a:lvl3pPr>
-            <a:lvl4pPr marL="1371600" algn="l" defTabSz="914400" rtl="0" eaLnBrk="1" latinLnBrk="0" hangingPunct="1">
-              <a:defRPr sz="1800" kern="1200">
-                <a:solidFill>
-                  <a:schemeClr val="dk1"/>
-                </a:solidFill>
-                <a:latin typeface="+mn-lt"/>
-                <a:ea typeface="+mn-ea"/>
-                <a:cs typeface="+mn-cs"/>
-              </a:defRPr>
-            </a:lvl4pPr>
-            <a:lvl5pPr marL="1828800" algn="l" defTabSz="914400" rtl="0" eaLnBrk="1" latinLnBrk="0" hangingPunct="1">
-              <a:defRPr sz="1800" kern="1200">
-                <a:solidFill>
-                  <a:schemeClr val="dk1"/>
-                </a:solidFill>
-                <a:latin typeface="+mn-lt"/>
-                <a:ea typeface="+mn-ea"/>
-                <a:cs typeface="+mn-cs"/>
-              </a:defRPr>
-            </a:lvl5pPr>
-            <a:lvl6pPr marL="2286000" algn="l" defTabSz="914400" rtl="0" eaLnBrk="1" latinLnBrk="0" hangingPunct="1">
-              <a:defRPr sz="1800" kern="1200">
-                <a:solidFill>
-                  <a:schemeClr val="dk1"/>
-                </a:solidFill>
-                <a:latin typeface="+mn-lt"/>
-                <a:ea typeface="+mn-ea"/>
-                <a:cs typeface="+mn-cs"/>
-              </a:defRPr>
-            </a:lvl6pPr>
-            <a:lvl7pPr marL="2743200" algn="l" defTabSz="914400" rtl="0" eaLnBrk="1" latinLnBrk="0" hangingPunct="1">
-              <a:defRPr sz="1800" kern="1200">
-                <a:solidFill>
-                  <a:schemeClr val="dk1"/>
-                </a:solidFill>
-                <a:latin typeface="+mn-lt"/>
-                <a:ea typeface="+mn-ea"/>
-                <a:cs typeface="+mn-cs"/>
-              </a:defRPr>
-            </a:lvl7pPr>
-            <a:lvl8pPr marL="3200400" algn="l" defTabSz="914400" rtl="0" eaLnBrk="1" latinLnBrk="0" hangingPunct="1">
-              <a:defRPr sz="1800" kern="1200">
-                <a:solidFill>
-                  <a:schemeClr val="dk1"/>
-                </a:solidFill>
-                <a:latin typeface="+mn-lt"/>
-                <a:ea typeface="+mn-ea"/>
-                <a:cs typeface="+mn-cs"/>
-              </a:defRPr>
-            </a:lvl8pPr>
-            <a:lvl9pPr marL="3657600" algn="l" defTabSz="914400" rtl="0" eaLnBrk="1" latinLnBrk="0" hangingPunct="1">
-              <a:defRPr sz="1800" kern="1200">
-                <a:solidFill>
-                  <a:schemeClr val="dk1"/>
-                </a:solidFill>
-                <a:latin typeface="+mn-lt"/>
-                <a:ea typeface="+mn-ea"/>
-                <a:cs typeface="+mn-cs"/>
-              </a:defRPr>
-            </a:lvl9pPr>
-          </a:lstStyle>
+          <a:lstStyle/>
           <a:p>
             <a:pPr algn="ctr"/>
-            <a:r>
-              <a:rPr lang="en-US" altLang="zh-CN" sz="1050" dirty="0" smtClean="0">
-                <a:solidFill>
-                  <a:srgbClr val="7030A0"/>
-                </a:solidFill>
-              </a:rPr>
-              <a:t>Start</a:t>
-            </a:r>
-            <a:r>
-              <a:rPr lang="zh-CN" altLang="en-US" sz="1050" dirty="0" smtClean="0">
-                <a:solidFill>
-                  <a:srgbClr val="7030A0"/>
-                </a:solidFill>
-              </a:rPr>
-              <a:t> </a:t>
-            </a:r>
-            <a:r>
-              <a:rPr lang="en-US" altLang="zh-CN" sz="1050" dirty="0" smtClean="0">
-                <a:solidFill>
-                  <a:srgbClr val="7030A0"/>
-                </a:solidFill>
-              </a:rPr>
-              <a:t>date</a:t>
-            </a:r>
-            <a:endParaRPr lang="en-SG" sz="1050" dirty="0">
+            <a:endParaRPr lang="en-SG" sz="1050" b="1">
               <a:solidFill>
-                <a:srgbClr val="7030A0"/>
+                <a:srgbClr val="92D050"/>
               </a:solidFill>
             </a:endParaRPr>
           </a:p>
@@ -7238,26 +6766,30 @@
       </p:sp>
       <p:cxnSp>
         <p:nvCxnSpPr>
-          <p:cNvPr id="115" name="Elbow Connector 114"/>
-          <p:cNvCxnSpPr/>
+          <p:cNvPr id="215" name="Elbow Connector 63"/>
+          <p:cNvCxnSpPr>
+            <a:stCxn id="214" idx="3"/>
+            <a:endCxn id="90" idx="0"/>
+          </p:cNvCxnSpPr>
           <p:nvPr/>
         </p:nvCxnSpPr>
         <p:spPr>
           <a:xfrm rot="16200000" flipH="1">
-            <a:off x="6342923" y="4357187"/>
-            <a:ext cx="493888" cy="157710"/>
+            <a:off x="6047434" y="3864540"/>
+            <a:ext cx="357877" cy="3038241"/>
           </a:xfrm>
           <a:prstGeom prst="bentConnector3">
             <a:avLst>
-              <a:gd name="adj1" fmla="val 100039"/>
+              <a:gd name="adj1" fmla="val 50000"/>
             </a:avLst>
           </a:prstGeom>
           <a:ln w="19050">
             <a:solidFill>
               <a:srgbClr val="7030A0"/>
             </a:solidFill>
+            <a:prstDash val="sysDot"/>
             <a:headEnd type="none" w="med" len="med"/>
-            <a:tailEnd type="arrow" w="med" len="med"/>
+            <a:tailEnd type="none" w="med" len="med"/>
           </a:ln>
           <a:effectLst/>
         </p:spPr>
@@ -7276,176 +6808,318 @@
           </a:fontRef>
         </p:style>
       </p:cxnSp>
-      <p:sp>
-        <p:nvSpPr>
-          <p:cNvPr id="117" name="Rectangle 116"/>
-          <p:cNvSpPr/>
+      <p:cxnSp>
+        <p:nvCxnSpPr>
+          <p:cNvPr id="218" name="Elbow Connector 63"/>
+          <p:cNvCxnSpPr>
+            <a:stCxn id="214" idx="3"/>
+            <a:endCxn id="73" idx="0"/>
+          </p:cNvCxnSpPr>
           <p:nvPr/>
-        </p:nvSpPr>
-        <p:spPr>
-          <a:xfrm>
-            <a:off x="6680048" y="4576638"/>
-            <a:ext cx="723379" cy="285783"/>
-          </a:xfrm>
-          <a:prstGeom prst="rect">
-            <a:avLst/>
+        </p:nvCxnSpPr>
+        <p:spPr>
+          <a:xfrm rot="16200000" flipH="1">
+            <a:off x="5552134" y="4359840"/>
+            <a:ext cx="357877" cy="2047641"/>
+          </a:xfrm>
+          <a:prstGeom prst="bentConnector3">
+            <a:avLst>
+              <a:gd name="adj1" fmla="val 50000"/>
+            </a:avLst>
           </a:prstGeom>
           <a:ln w="19050">
             <a:solidFill>
               <a:srgbClr val="7030A0"/>
             </a:solidFill>
+            <a:prstDash val="sysDot"/>
+            <a:headEnd type="none" w="med" len="med"/>
+            <a:tailEnd type="none" w="med" len="med"/>
           </a:ln>
           <a:effectLst/>
         </p:spPr>
         <p:style>
           <a:lnRef idx="1">
-            <a:schemeClr val="accent4"/>
+            <a:schemeClr val="accent2"/>
           </a:lnRef>
           <a:fillRef idx="2">
-            <a:schemeClr val="accent4"/>
+            <a:schemeClr val="accent2"/>
           </a:fillRef>
           <a:effectRef idx="1">
-            <a:schemeClr val="accent4"/>
+            <a:schemeClr val="accent2"/>
           </a:effectRef>
           <a:fontRef idx="minor">
             <a:schemeClr val="dk1"/>
           </a:fontRef>
         </p:style>
-        <p:txBody>
-          <a:bodyPr rtlCol="0" anchor="ctr"/>
-          <a:lstStyle>
-            <a:defPPr>
-              <a:defRPr lang="en-US"/>
-            </a:defPPr>
-            <a:lvl1pPr marL="0" algn="l" defTabSz="914400" rtl="0" eaLnBrk="1" latinLnBrk="0" hangingPunct="1">
-              <a:defRPr sz="1800" kern="1200">
-                <a:solidFill>
-                  <a:schemeClr val="dk1"/>
-                </a:solidFill>
-                <a:latin typeface="+mn-lt"/>
-                <a:ea typeface="+mn-ea"/>
-                <a:cs typeface="+mn-cs"/>
-              </a:defRPr>
-            </a:lvl1pPr>
-            <a:lvl2pPr marL="457200" algn="l" defTabSz="914400" rtl="0" eaLnBrk="1" latinLnBrk="0" hangingPunct="1">
-              <a:defRPr sz="1800" kern="1200">
-                <a:solidFill>
-                  <a:schemeClr val="dk1"/>
-                </a:solidFill>
-                <a:latin typeface="+mn-lt"/>
-                <a:ea typeface="+mn-ea"/>
-                <a:cs typeface="+mn-cs"/>
-              </a:defRPr>
-            </a:lvl2pPr>
-            <a:lvl3pPr marL="914400" algn="l" defTabSz="914400" rtl="0" eaLnBrk="1" latinLnBrk="0" hangingPunct="1">
-              <a:defRPr sz="1800" kern="1200">
-                <a:solidFill>
-                  <a:schemeClr val="dk1"/>
-                </a:solidFill>
-                <a:latin typeface="+mn-lt"/>
-                <a:ea typeface="+mn-ea"/>
-                <a:cs typeface="+mn-cs"/>
-              </a:defRPr>
-            </a:lvl3pPr>
-            <a:lvl4pPr marL="1371600" algn="l" defTabSz="914400" rtl="0" eaLnBrk="1" latinLnBrk="0" hangingPunct="1">
-              <a:defRPr sz="1800" kern="1200">
-                <a:solidFill>
-                  <a:schemeClr val="dk1"/>
-                </a:solidFill>
-                <a:latin typeface="+mn-lt"/>
-                <a:ea typeface="+mn-ea"/>
-                <a:cs typeface="+mn-cs"/>
-              </a:defRPr>
-            </a:lvl4pPr>
-            <a:lvl5pPr marL="1828800" algn="l" defTabSz="914400" rtl="0" eaLnBrk="1" latinLnBrk="0" hangingPunct="1">
-              <a:defRPr sz="1800" kern="1200">
-                <a:solidFill>
-                  <a:schemeClr val="dk1"/>
-                </a:solidFill>
-                <a:latin typeface="+mn-lt"/>
-                <a:ea typeface="+mn-ea"/>
-                <a:cs typeface="+mn-cs"/>
-              </a:defRPr>
-            </a:lvl5pPr>
-            <a:lvl6pPr marL="2286000" algn="l" defTabSz="914400" rtl="0" eaLnBrk="1" latinLnBrk="0" hangingPunct="1">
-              <a:defRPr sz="1800" kern="1200">
-                <a:solidFill>
-                  <a:schemeClr val="dk1"/>
-                </a:solidFill>
-                <a:latin typeface="+mn-lt"/>
-                <a:ea typeface="+mn-ea"/>
-                <a:cs typeface="+mn-cs"/>
-              </a:defRPr>
-            </a:lvl6pPr>
-            <a:lvl7pPr marL="2743200" algn="l" defTabSz="914400" rtl="0" eaLnBrk="1" latinLnBrk="0" hangingPunct="1">
-              <a:defRPr sz="1800" kern="1200">
-                <a:solidFill>
-                  <a:schemeClr val="dk1"/>
-                </a:solidFill>
-                <a:latin typeface="+mn-lt"/>
-                <a:ea typeface="+mn-ea"/>
-                <a:cs typeface="+mn-cs"/>
-              </a:defRPr>
-            </a:lvl7pPr>
-            <a:lvl8pPr marL="3200400" algn="l" defTabSz="914400" rtl="0" eaLnBrk="1" latinLnBrk="0" hangingPunct="1">
-              <a:defRPr sz="1800" kern="1200">
-                <a:solidFill>
-                  <a:schemeClr val="dk1"/>
-                </a:solidFill>
-                <a:latin typeface="+mn-lt"/>
-                <a:ea typeface="+mn-ea"/>
-                <a:cs typeface="+mn-cs"/>
-              </a:defRPr>
-            </a:lvl8pPr>
-            <a:lvl9pPr marL="3657600" algn="l" defTabSz="914400" rtl="0" eaLnBrk="1" latinLnBrk="0" hangingPunct="1">
-              <a:defRPr sz="1800" kern="1200">
-                <a:solidFill>
-                  <a:schemeClr val="dk1"/>
-                </a:solidFill>
-                <a:latin typeface="+mn-lt"/>
-                <a:ea typeface="+mn-ea"/>
-                <a:cs typeface="+mn-cs"/>
-              </a:defRPr>
-            </a:lvl9pPr>
-          </a:lstStyle>
-          <a:p>
-            <a:pPr algn="ctr"/>
-            <a:r>
-              <a:rPr lang="en-US" altLang="zh-CN" sz="1050" dirty="0" smtClean="0">
-                <a:solidFill>
-                  <a:srgbClr val="7030A0"/>
-                </a:solidFill>
-              </a:rPr>
-              <a:t>Start</a:t>
-            </a:r>
-            <a:r>
-              <a:rPr lang="zh-CN" altLang="en-US" sz="1050" dirty="0" smtClean="0">
-                <a:solidFill>
-                  <a:srgbClr val="7030A0"/>
-                </a:solidFill>
-              </a:rPr>
-              <a:t> </a:t>
-            </a:r>
-            <a:r>
-              <a:rPr lang="en-US" altLang="zh-CN" sz="1050" dirty="0" smtClean="0">
-                <a:solidFill>
-                  <a:srgbClr val="7030A0"/>
-                </a:solidFill>
-              </a:rPr>
-              <a:t>time</a:t>
-            </a:r>
-            <a:endParaRPr lang="en-SG" sz="1050" dirty="0">
-              <a:solidFill>
-                <a:srgbClr val="7030A0"/>
-              </a:solidFill>
-            </a:endParaRPr>
-          </a:p>
-        </p:txBody>
-      </p:sp>
+      </p:cxnSp>
+      <p:cxnSp>
+        <p:nvCxnSpPr>
+          <p:cNvPr id="221" name="Elbow Connector 63"/>
+          <p:cNvCxnSpPr>
+            <a:stCxn id="214" idx="3"/>
+            <a:endCxn id="74" idx="0"/>
+          </p:cNvCxnSpPr>
+          <p:nvPr/>
+        </p:nvCxnSpPr>
+        <p:spPr>
+          <a:xfrm rot="16200000" flipH="1">
+            <a:off x="5056834" y="4855140"/>
+            <a:ext cx="357877" cy="1057041"/>
+          </a:xfrm>
+          <a:prstGeom prst="bentConnector3">
+            <a:avLst>
+              <a:gd name="adj1" fmla="val 50000"/>
+            </a:avLst>
+          </a:prstGeom>
+          <a:ln w="19050">
+            <a:solidFill>
+              <a:srgbClr val="7030A0"/>
+            </a:solidFill>
+            <a:prstDash val="sysDot"/>
+            <a:headEnd type="none" w="med" len="med"/>
+            <a:tailEnd type="none" w="med" len="med"/>
+          </a:ln>
+          <a:effectLst/>
+        </p:spPr>
+        <p:style>
+          <a:lnRef idx="1">
+            <a:schemeClr val="accent2"/>
+          </a:lnRef>
+          <a:fillRef idx="2">
+            <a:schemeClr val="accent2"/>
+          </a:fillRef>
+          <a:effectRef idx="1">
+            <a:schemeClr val="accent2"/>
+          </a:effectRef>
+          <a:fontRef idx="minor">
+            <a:schemeClr val="dk1"/>
+          </a:fontRef>
+        </p:style>
+      </p:cxnSp>
+      <p:cxnSp>
+        <p:nvCxnSpPr>
+          <p:cNvPr id="224" name="Elbow Connector 63"/>
+          <p:cNvCxnSpPr>
+            <a:stCxn id="214" idx="3"/>
+            <a:endCxn id="83" idx="0"/>
+          </p:cNvCxnSpPr>
+          <p:nvPr/>
+        </p:nvCxnSpPr>
+        <p:spPr>
+          <a:xfrm rot="16200000" flipH="1">
+            <a:off x="4599634" y="5312340"/>
+            <a:ext cx="357877" cy="142641"/>
+          </a:xfrm>
+          <a:prstGeom prst="bentConnector3">
+            <a:avLst>
+              <a:gd name="adj1" fmla="val 50000"/>
+            </a:avLst>
+          </a:prstGeom>
+          <a:ln w="19050">
+            <a:solidFill>
+              <a:srgbClr val="7030A0"/>
+            </a:solidFill>
+            <a:prstDash val="sysDot"/>
+            <a:headEnd type="none" w="med" len="med"/>
+            <a:tailEnd type="none" w="med" len="med"/>
+          </a:ln>
+          <a:effectLst/>
+        </p:spPr>
+        <p:style>
+          <a:lnRef idx="1">
+            <a:schemeClr val="accent2"/>
+          </a:lnRef>
+          <a:fillRef idx="2">
+            <a:schemeClr val="accent2"/>
+          </a:fillRef>
+          <a:effectRef idx="1">
+            <a:schemeClr val="accent2"/>
+          </a:effectRef>
+          <a:fontRef idx="minor">
+            <a:schemeClr val="dk1"/>
+          </a:fontRef>
+        </p:style>
+      </p:cxnSp>
+      <p:cxnSp>
+        <p:nvCxnSpPr>
+          <p:cNvPr id="227" name="Elbow Connector 63"/>
+          <p:cNvCxnSpPr>
+            <a:stCxn id="214" idx="3"/>
+            <a:endCxn id="80" idx="0"/>
+          </p:cNvCxnSpPr>
+          <p:nvPr/>
+        </p:nvCxnSpPr>
+        <p:spPr>
+          <a:xfrm rot="5400000">
+            <a:off x="4121428" y="4976775"/>
+            <a:ext cx="357877" cy="813773"/>
+          </a:xfrm>
+          <a:prstGeom prst="bentConnector3">
+            <a:avLst>
+              <a:gd name="adj1" fmla="val 50000"/>
+            </a:avLst>
+          </a:prstGeom>
+          <a:ln w="19050">
+            <a:solidFill>
+              <a:srgbClr val="7030A0"/>
+            </a:solidFill>
+            <a:prstDash val="sysDot"/>
+            <a:headEnd type="none" w="med" len="med"/>
+            <a:tailEnd type="none" w="med" len="med"/>
+          </a:ln>
+          <a:effectLst/>
+        </p:spPr>
+        <p:style>
+          <a:lnRef idx="1">
+            <a:schemeClr val="accent2"/>
+          </a:lnRef>
+          <a:fillRef idx="2">
+            <a:schemeClr val="accent2"/>
+          </a:fillRef>
+          <a:effectRef idx="1">
+            <a:schemeClr val="accent2"/>
+          </a:effectRef>
+          <a:fontRef idx="minor">
+            <a:schemeClr val="dk1"/>
+          </a:fontRef>
+        </p:style>
+      </p:cxnSp>
+      <p:cxnSp>
+        <p:nvCxnSpPr>
+          <p:cNvPr id="230" name="Elbow Connector 63"/>
+          <p:cNvCxnSpPr>
+            <a:stCxn id="214" idx="3"/>
+            <a:endCxn id="76" idx="0"/>
+          </p:cNvCxnSpPr>
+          <p:nvPr/>
+        </p:nvCxnSpPr>
+        <p:spPr>
+          <a:xfrm rot="5400000">
+            <a:off x="3647135" y="4502482"/>
+            <a:ext cx="357877" cy="1762359"/>
+          </a:xfrm>
+          <a:prstGeom prst="bentConnector3">
+            <a:avLst>
+              <a:gd name="adj1" fmla="val 50000"/>
+            </a:avLst>
+          </a:prstGeom>
+          <a:ln w="19050">
+            <a:solidFill>
+              <a:srgbClr val="7030A0"/>
+            </a:solidFill>
+            <a:prstDash val="sysDot"/>
+            <a:headEnd type="none" w="med" len="med"/>
+            <a:tailEnd type="none" w="med" len="med"/>
+          </a:ln>
+          <a:effectLst/>
+        </p:spPr>
+        <p:style>
+          <a:lnRef idx="1">
+            <a:schemeClr val="accent2"/>
+          </a:lnRef>
+          <a:fillRef idx="2">
+            <a:schemeClr val="accent2"/>
+          </a:fillRef>
+          <a:effectRef idx="1">
+            <a:schemeClr val="accent2"/>
+          </a:effectRef>
+          <a:fontRef idx="minor">
+            <a:schemeClr val="dk1"/>
+          </a:fontRef>
+        </p:style>
+      </p:cxnSp>
+      <p:cxnSp>
+        <p:nvCxnSpPr>
+          <p:cNvPr id="233" name="Elbow Connector 63"/>
+          <p:cNvCxnSpPr>
+            <a:stCxn id="214" idx="3"/>
+            <a:endCxn id="77" idx="0"/>
+          </p:cNvCxnSpPr>
+          <p:nvPr/>
+        </p:nvCxnSpPr>
+        <p:spPr>
+          <a:xfrm rot="5400000">
+            <a:off x="3189935" y="4045282"/>
+            <a:ext cx="357877" cy="2676759"/>
+          </a:xfrm>
+          <a:prstGeom prst="bentConnector3">
+            <a:avLst>
+              <a:gd name="adj1" fmla="val 50000"/>
+            </a:avLst>
+          </a:prstGeom>
+          <a:ln w="19050">
+            <a:solidFill>
+              <a:srgbClr val="7030A0"/>
+            </a:solidFill>
+            <a:prstDash val="sysDot"/>
+            <a:headEnd type="none" w="med" len="med"/>
+            <a:tailEnd type="none" w="med" len="med"/>
+          </a:ln>
+          <a:effectLst/>
+        </p:spPr>
+        <p:style>
+          <a:lnRef idx="1">
+            <a:schemeClr val="accent2"/>
+          </a:lnRef>
+          <a:fillRef idx="2">
+            <a:schemeClr val="accent2"/>
+          </a:fillRef>
+          <a:effectRef idx="1">
+            <a:schemeClr val="accent2"/>
+          </a:effectRef>
+          <a:fontRef idx="minor">
+            <a:schemeClr val="dk1"/>
+          </a:fontRef>
+        </p:style>
+      </p:cxnSp>
+      <p:cxnSp>
+        <p:nvCxnSpPr>
+          <p:cNvPr id="236" name="Elbow Connector 63"/>
+          <p:cNvCxnSpPr>
+            <a:stCxn id="214" idx="3"/>
+            <a:endCxn id="88" idx="0"/>
+          </p:cNvCxnSpPr>
+          <p:nvPr/>
+        </p:nvCxnSpPr>
+        <p:spPr>
+          <a:xfrm rot="5400000">
+            <a:off x="2732735" y="3588082"/>
+            <a:ext cx="357877" cy="3591159"/>
+          </a:xfrm>
+          <a:prstGeom prst="bentConnector3">
+            <a:avLst>
+              <a:gd name="adj1" fmla="val 50000"/>
+            </a:avLst>
+          </a:prstGeom>
+          <a:ln w="19050">
+            <a:solidFill>
+              <a:srgbClr val="7030A0"/>
+            </a:solidFill>
+            <a:prstDash val="sysDot"/>
+            <a:headEnd type="none" w="med" len="med"/>
+            <a:tailEnd type="none" w="med" len="med"/>
+          </a:ln>
+          <a:effectLst/>
+        </p:spPr>
+        <p:style>
+          <a:lnRef idx="1">
+            <a:schemeClr val="accent2"/>
+          </a:lnRef>
+          <a:fillRef idx="2">
+            <a:schemeClr val="accent2"/>
+          </a:fillRef>
+          <a:effectRef idx="1">
+            <a:schemeClr val="accent2"/>
+          </a:effectRef>
+          <a:fontRef idx="minor">
+            <a:schemeClr val="dk1"/>
+          </a:fontRef>
+        </p:style>
+      </p:cxnSp>
     </p:spTree>
     <p:extLst>
       <p:ext uri="{BB962C8B-B14F-4D97-AF65-F5344CB8AC3E}">
-        <p14:creationId xmlns:p14="http://schemas.microsoft.com/office/powerpoint/2010/main" val="2396968029"/>
+        <p14:creationId xmlns:p14="http://schemas.microsoft.com/office/powerpoint/2010/main" xmlns="" val="2396968029"/>
       </p:ext>
     </p:extLst>
   </p:cSld>

--- a/docs/diagrams/ModelComponentClassDiagram.pptx
+++ b/docs/diagrams/ModelComponentClassDiagram.pptx
@@ -109,7 +109,7 @@
   </p:defaultTextStyle>
   <p:extLst>
     <p:ext uri="{EFAFB233-063F-42B5-8137-9DF3F51BA10A}">
-      <p15:sldGuideLst xmlns:p15="http://schemas.microsoft.com/office/powerpoint/2012/main" xmlns="">
+      <p15:sldGuideLst xmlns:p15="http://schemas.microsoft.com/office/powerpoint/2012/main">
         <p15:guide id="1" orient="horz" pos="1488">
           <p15:clr>
             <a:srgbClr val="A4A3A4"/>
@@ -209,7 +209,7 @@
             <a:fld id="{F5CC4B3F-88C1-4FFA-B1B6-F41C21DC6924}" type="datetimeFigureOut">
               <a:rPr lang="en-US" smtClean="0"/>
               <a:pPr/>
-              <a:t>3/27/2017</a:t>
+              <a:t>3/27/17</a:t>
             </a:fld>
             <a:endParaRPr lang="en-US"/>
           </a:p>
@@ -378,7 +378,7 @@
     </p:spTree>
     <p:extLst>
       <p:ext uri="{BB962C8B-B14F-4D97-AF65-F5344CB8AC3E}">
-        <p14:creationId xmlns:p14="http://schemas.microsoft.com/office/powerpoint/2010/main" xmlns="" val="2023976206"/>
+        <p14:creationId xmlns:p14="http://schemas.microsoft.com/office/powerpoint/2010/main" val="2023976206"/>
       </p:ext>
     </p:extLst>
   </p:cSld>
@@ -660,7 +660,7 @@
             <a:fld id="{78C97017-6FC3-485B-9764-EAC9E56C1D49}" type="datetimeFigureOut">
               <a:rPr lang="en-US" smtClean="0"/>
               <a:pPr/>
-              <a:t>3/27/2017</a:t>
+              <a:t>3/27/17</a:t>
             </a:fld>
             <a:endParaRPr lang="en-US"/>
           </a:p>
@@ -712,7 +712,7 @@
     </p:spTree>
     <p:extLst>
       <p:ext uri="{BB962C8B-B14F-4D97-AF65-F5344CB8AC3E}">
-        <p14:creationId xmlns:p14="http://schemas.microsoft.com/office/powerpoint/2010/main" xmlns="" val="3246593157"/>
+        <p14:creationId xmlns:p14="http://schemas.microsoft.com/office/powerpoint/2010/main" val="3246593157"/>
       </p:ext>
     </p:extLst>
   </p:cSld>
@@ -832,7 +832,7 @@
             <a:fld id="{78C97017-6FC3-485B-9764-EAC9E56C1D49}" type="datetimeFigureOut">
               <a:rPr lang="en-US" smtClean="0"/>
               <a:pPr/>
-              <a:t>3/27/2017</a:t>
+              <a:t>3/27/17</a:t>
             </a:fld>
             <a:endParaRPr lang="en-US"/>
           </a:p>
@@ -884,7 +884,7 @@
     </p:spTree>
     <p:extLst>
       <p:ext uri="{BB962C8B-B14F-4D97-AF65-F5344CB8AC3E}">
-        <p14:creationId xmlns:p14="http://schemas.microsoft.com/office/powerpoint/2010/main" xmlns="" val="2707025021"/>
+        <p14:creationId xmlns:p14="http://schemas.microsoft.com/office/powerpoint/2010/main" val="2707025021"/>
       </p:ext>
     </p:extLst>
   </p:cSld>
@@ -1014,7 +1014,7 @@
             <a:fld id="{78C97017-6FC3-485B-9764-EAC9E56C1D49}" type="datetimeFigureOut">
               <a:rPr lang="en-US" smtClean="0"/>
               <a:pPr/>
-              <a:t>3/27/2017</a:t>
+              <a:t>3/27/17</a:t>
             </a:fld>
             <a:endParaRPr lang="en-US"/>
           </a:p>
@@ -1066,7 +1066,7 @@
     </p:spTree>
     <p:extLst>
       <p:ext uri="{BB962C8B-B14F-4D97-AF65-F5344CB8AC3E}">
-        <p14:creationId xmlns:p14="http://schemas.microsoft.com/office/powerpoint/2010/main" xmlns="" val="568378986"/>
+        <p14:creationId xmlns:p14="http://schemas.microsoft.com/office/powerpoint/2010/main" val="568378986"/>
       </p:ext>
     </p:extLst>
   </p:cSld>
@@ -1186,7 +1186,7 @@
             <a:fld id="{78C97017-6FC3-485B-9764-EAC9E56C1D49}" type="datetimeFigureOut">
               <a:rPr lang="en-US" smtClean="0"/>
               <a:pPr/>
-              <a:t>3/27/2017</a:t>
+              <a:t>3/27/17</a:t>
             </a:fld>
             <a:endParaRPr lang="en-US"/>
           </a:p>
@@ -1238,7 +1238,7 @@
     </p:spTree>
     <p:extLst>
       <p:ext uri="{BB962C8B-B14F-4D97-AF65-F5344CB8AC3E}">
-        <p14:creationId xmlns:p14="http://schemas.microsoft.com/office/powerpoint/2010/main" xmlns="" val="266658052"/>
+        <p14:creationId xmlns:p14="http://schemas.microsoft.com/office/powerpoint/2010/main" val="266658052"/>
       </p:ext>
     </p:extLst>
   </p:cSld>
@@ -1434,7 +1434,7 @@
             <a:fld id="{78C97017-6FC3-485B-9764-EAC9E56C1D49}" type="datetimeFigureOut">
               <a:rPr lang="en-US" smtClean="0"/>
               <a:pPr/>
-              <a:t>3/27/2017</a:t>
+              <a:t>3/27/17</a:t>
             </a:fld>
             <a:endParaRPr lang="en-US"/>
           </a:p>
@@ -1486,7 +1486,7 @@
     </p:spTree>
     <p:extLst>
       <p:ext uri="{BB962C8B-B14F-4D97-AF65-F5344CB8AC3E}">
-        <p14:creationId xmlns:p14="http://schemas.microsoft.com/office/powerpoint/2010/main" xmlns="" val="474686344"/>
+        <p14:creationId xmlns:p14="http://schemas.microsoft.com/office/powerpoint/2010/main" val="474686344"/>
       </p:ext>
     </p:extLst>
   </p:cSld>
@@ -1724,7 +1724,7 @@
             <a:fld id="{78C97017-6FC3-485B-9764-EAC9E56C1D49}" type="datetimeFigureOut">
               <a:rPr lang="en-US" smtClean="0"/>
               <a:pPr/>
-              <a:t>3/27/2017</a:t>
+              <a:t>3/27/17</a:t>
             </a:fld>
             <a:endParaRPr lang="en-US"/>
           </a:p>
@@ -1776,7 +1776,7 @@
     </p:spTree>
     <p:extLst>
       <p:ext uri="{BB962C8B-B14F-4D97-AF65-F5344CB8AC3E}">
-        <p14:creationId xmlns:p14="http://schemas.microsoft.com/office/powerpoint/2010/main" xmlns="" val="562293251"/>
+        <p14:creationId xmlns:p14="http://schemas.microsoft.com/office/powerpoint/2010/main" val="562293251"/>
       </p:ext>
     </p:extLst>
   </p:cSld>
@@ -2148,7 +2148,7 @@
             <a:fld id="{78C97017-6FC3-485B-9764-EAC9E56C1D49}" type="datetimeFigureOut">
               <a:rPr lang="en-US" smtClean="0"/>
               <a:pPr/>
-              <a:t>3/27/2017</a:t>
+              <a:t>3/27/17</a:t>
             </a:fld>
             <a:endParaRPr lang="en-US"/>
           </a:p>
@@ -2200,7 +2200,7 @@
     </p:spTree>
     <p:extLst>
       <p:ext uri="{BB962C8B-B14F-4D97-AF65-F5344CB8AC3E}">
-        <p14:creationId xmlns:p14="http://schemas.microsoft.com/office/powerpoint/2010/main" xmlns="" val="1126424250"/>
+        <p14:creationId xmlns:p14="http://schemas.microsoft.com/office/powerpoint/2010/main" val="1126424250"/>
       </p:ext>
     </p:extLst>
   </p:cSld>
@@ -2268,7 +2268,7 @@
             <a:fld id="{78C97017-6FC3-485B-9764-EAC9E56C1D49}" type="datetimeFigureOut">
               <a:rPr lang="en-US" smtClean="0"/>
               <a:pPr/>
-              <a:t>3/27/2017</a:t>
+              <a:t>3/27/17</a:t>
             </a:fld>
             <a:endParaRPr lang="en-US"/>
           </a:p>
@@ -2320,7 +2320,7 @@
     </p:spTree>
     <p:extLst>
       <p:ext uri="{BB962C8B-B14F-4D97-AF65-F5344CB8AC3E}">
-        <p14:creationId xmlns:p14="http://schemas.microsoft.com/office/powerpoint/2010/main" xmlns="" val="4159724230"/>
+        <p14:creationId xmlns:p14="http://schemas.microsoft.com/office/powerpoint/2010/main" val="4159724230"/>
       </p:ext>
     </p:extLst>
   </p:cSld>
@@ -2365,7 +2365,7 @@
             <a:fld id="{78C97017-6FC3-485B-9764-EAC9E56C1D49}" type="datetimeFigureOut">
               <a:rPr lang="en-US" smtClean="0"/>
               <a:pPr/>
-              <a:t>3/27/2017</a:t>
+              <a:t>3/27/17</a:t>
             </a:fld>
             <a:endParaRPr lang="en-US"/>
           </a:p>
@@ -2417,7 +2417,7 @@
     </p:spTree>
     <p:extLst>
       <p:ext uri="{BB962C8B-B14F-4D97-AF65-F5344CB8AC3E}">
-        <p14:creationId xmlns:p14="http://schemas.microsoft.com/office/powerpoint/2010/main" xmlns="" val="1793928710"/>
+        <p14:creationId xmlns:p14="http://schemas.microsoft.com/office/powerpoint/2010/main" val="1793928710"/>
       </p:ext>
     </p:extLst>
   </p:cSld>
@@ -2644,7 +2644,7 @@
             <a:fld id="{78C97017-6FC3-485B-9764-EAC9E56C1D49}" type="datetimeFigureOut">
               <a:rPr lang="en-US" smtClean="0"/>
               <a:pPr/>
-              <a:t>3/27/2017</a:t>
+              <a:t>3/27/17</a:t>
             </a:fld>
             <a:endParaRPr lang="en-US"/>
           </a:p>
@@ -2696,7 +2696,7 @@
     </p:spTree>
     <p:extLst>
       <p:ext uri="{BB962C8B-B14F-4D97-AF65-F5344CB8AC3E}">
-        <p14:creationId xmlns:p14="http://schemas.microsoft.com/office/powerpoint/2010/main" xmlns="" val="2076802089"/>
+        <p14:creationId xmlns:p14="http://schemas.microsoft.com/office/powerpoint/2010/main" val="2076802089"/>
       </p:ext>
     </p:extLst>
   </p:cSld>
@@ -2899,7 +2899,7 @@
             <a:fld id="{78C97017-6FC3-485B-9764-EAC9E56C1D49}" type="datetimeFigureOut">
               <a:rPr lang="en-US" smtClean="0"/>
               <a:pPr/>
-              <a:t>3/27/2017</a:t>
+              <a:t>3/27/17</a:t>
             </a:fld>
             <a:endParaRPr lang="en-US"/>
           </a:p>
@@ -2951,7 +2951,7 @@
     </p:spTree>
     <p:extLst>
       <p:ext uri="{BB962C8B-B14F-4D97-AF65-F5344CB8AC3E}">
-        <p14:creationId xmlns:p14="http://schemas.microsoft.com/office/powerpoint/2010/main" xmlns="" val="201835938"/>
+        <p14:creationId xmlns:p14="http://schemas.microsoft.com/office/powerpoint/2010/main" val="201835938"/>
       </p:ext>
     </p:extLst>
   </p:cSld>
@@ -3114,7 +3114,7 @@
             <a:fld id="{78C97017-6FC3-485B-9764-EAC9E56C1D49}" type="datetimeFigureOut">
               <a:rPr lang="en-US" smtClean="0"/>
               <a:pPr/>
-              <a:t>3/27/2017</a:t>
+              <a:t>3/27/17</a:t>
             </a:fld>
             <a:endParaRPr lang="en-US"/>
           </a:p>
@@ -3202,7 +3202,7 @@
     </p:spTree>
     <p:extLst>
       <p:ext uri="{BB962C8B-B14F-4D97-AF65-F5344CB8AC3E}">
-        <p14:creationId xmlns:p14="http://schemas.microsoft.com/office/powerpoint/2010/main" xmlns="" val="2341400630"/>
+        <p14:creationId xmlns:p14="http://schemas.microsoft.com/office/powerpoint/2010/main" val="2341400630"/>
       </p:ext>
     </p:extLst>
   </p:cSld>
@@ -3498,7 +3498,7 @@
         </p:nvSpPr>
         <p:spPr>
           <a:xfrm>
-            <a:off x="304800" y="1905000"/>
+            <a:off x="381000" y="1832423"/>
             <a:ext cx="8229600" cy="4114800"/>
           </a:xfrm>
           <a:prstGeom prst="roundRect">
@@ -3669,50 +3669,6 @@
           </a:p>
         </p:txBody>
       </p:sp>
-      <p:cxnSp>
-        <p:nvCxnSpPr>
-          <p:cNvPr id="53" name="Elbow Connector 63"/>
-          <p:cNvCxnSpPr>
-            <a:stCxn id="71" idx="3"/>
-            <a:endCxn id="89" idx="1"/>
-          </p:cNvCxnSpPr>
-          <p:nvPr/>
-        </p:nvCxnSpPr>
-        <p:spPr>
-          <a:xfrm flipV="1">
-            <a:off x="4595124" y="2230780"/>
-            <a:ext cx="1881876" cy="1485873"/>
-          </a:xfrm>
-          <a:prstGeom prst="bentConnector3">
-            <a:avLst>
-              <a:gd name="adj1" fmla="val 50000"/>
-            </a:avLst>
-          </a:prstGeom>
-          <a:ln w="19050">
-            <a:solidFill>
-              <a:srgbClr val="7030A0"/>
-            </a:solidFill>
-            <a:prstDash val="sysDot"/>
-            <a:headEnd type="none" w="med" len="med"/>
-            <a:tailEnd type="none" w="med" len="med"/>
-          </a:ln>
-          <a:effectLst/>
-        </p:spPr>
-        <p:style>
-          <a:lnRef idx="1">
-            <a:schemeClr val="accent2"/>
-          </a:lnRef>
-          <a:fillRef idx="2">
-            <a:schemeClr val="accent2"/>
-          </a:fillRef>
-          <a:effectRef idx="1">
-            <a:schemeClr val="accent2"/>
-          </a:effectRef>
-          <a:fontRef idx="minor">
-            <a:schemeClr val="dk1"/>
-          </a:fontRef>
-        </p:style>
-      </p:cxnSp>
       <p:cxnSp>
         <p:nvCxnSpPr>
           <p:cNvPr id="107" name="Elbow Connector 106"/>
@@ -3920,9 +3876,9 @@
           <p:nvPr/>
         </p:nvSpPr>
         <p:spPr>
-          <a:xfrm rot="5400000" flipV="1">
-            <a:off x="4372110" y="3628891"/>
-            <a:ext cx="270504" cy="175523"/>
+          <a:xfrm flipV="1">
+            <a:off x="6429082" y="3742150"/>
+            <a:ext cx="270504" cy="184677"/>
           </a:xfrm>
           <a:prstGeom prst="triangle">
             <a:avLst/>
@@ -4243,7 +4199,7 @@
         </p:nvSpPr>
         <p:spPr>
           <a:xfrm>
-            <a:off x="3671952" y="3025172"/>
+            <a:off x="3659833" y="2860247"/>
             <a:ext cx="1156969" cy="346760"/>
           </a:xfrm>
           <a:prstGeom prst="rect">
@@ -4366,7 +4322,7 @@
         <p:spPr>
           <a:xfrm>
             <a:off x="3405286" y="2938482"/>
-            <a:ext cx="266666" cy="260070"/>
+            <a:ext cx="254547" cy="95145"/>
           </a:xfrm>
           <a:prstGeom prst="bentConnector3">
             <a:avLst/>
@@ -4501,8 +4457,8 @@
           <p:nvPr/>
         </p:nvSpPr>
         <p:spPr>
-          <a:xfrm>
-            <a:off x="4828162" y="3121780"/>
+          <a:xfrm rot="5400000">
+            <a:off x="3982972" y="3240484"/>
             <a:ext cx="236048" cy="173380"/>
           </a:xfrm>
           <a:prstGeom prst="flowChartDecision">
@@ -4549,14 +4505,13 @@
           <p:nvPr/>
         </p:nvCxnSpPr>
         <p:spPr>
-          <a:xfrm flipH="1">
-            <a:off x="4697493" y="3208470"/>
-            <a:ext cx="366717" cy="753930"/>
-          </a:xfrm>
-          <a:prstGeom prst="bentConnector4">
+          <a:xfrm rot="16200000" flipH="1">
+            <a:off x="4140643" y="3405550"/>
+            <a:ext cx="517202" cy="596497"/>
+          </a:xfrm>
+          <a:prstGeom prst="bentConnector3">
             <a:avLst>
-              <a:gd name="adj1" fmla="val -62337"/>
-              <a:gd name="adj2" fmla="val 55749"/>
+              <a:gd name="adj1" fmla="val 50000"/>
             </a:avLst>
           </a:prstGeom>
           <a:ln w="19050">
@@ -4733,7 +4688,7 @@
         </p:nvSpPr>
         <p:spPr>
           <a:xfrm>
-            <a:off x="3276600" y="3505200"/>
+            <a:off x="5969362" y="3909559"/>
             <a:ext cx="1156969" cy="346760"/>
           </a:xfrm>
           <a:prstGeom prst="rect">
@@ -5318,21 +5273,818 @@
           </a:fontRef>
         </p:style>
       </p:cxnSp>
+      <p:sp>
+        <p:nvSpPr>
+          <p:cNvPr id="11" name="TextBox 10"/>
+          <p:cNvSpPr txBox="1"/>
+          <p:nvPr/>
+        </p:nvSpPr>
+        <p:spPr>
+          <a:xfrm>
+            <a:off x="3509907" y="2369029"/>
+            <a:ext cx="189257" cy="178683"/>
+          </a:xfrm>
+          <a:prstGeom prst="rect">
+            <a:avLst/>
+          </a:prstGeom>
+          <a:noFill/>
+        </p:spPr>
+        <p:txBody>
+          <a:bodyPr wrap="square" lIns="0" tIns="0" rIns="0" bIns="0" rtlCol="0">
+            <a:noAutofit/>
+          </a:bodyPr>
+          <a:lstStyle/>
+          <a:p>
+            <a:pPr algn="ctr"/>
+            <a:r>
+              <a:rPr lang="en-US" sz="1100" dirty="0" smtClean="0">
+                <a:solidFill>
+                  <a:srgbClr val="7030A0"/>
+                </a:solidFill>
+              </a:rPr>
+              <a:t>1</a:t>
+            </a:r>
+            <a:endParaRPr lang="en-SG" sz="1100" dirty="0">
+              <a:solidFill>
+                <a:srgbClr val="7030A0"/>
+              </a:solidFill>
+            </a:endParaRPr>
+          </a:p>
+        </p:txBody>
+      </p:sp>
+      <p:sp>
+        <p:nvSpPr>
+          <p:cNvPr id="54" name="TextBox 53"/>
+          <p:cNvSpPr txBox="1"/>
+          <p:nvPr/>
+        </p:nvSpPr>
+        <p:spPr>
+          <a:xfrm>
+            <a:off x="3509907" y="3236665"/>
+            <a:ext cx="189257" cy="178683"/>
+          </a:xfrm>
+          <a:prstGeom prst="rect">
+            <a:avLst/>
+          </a:prstGeom>
+          <a:noFill/>
+        </p:spPr>
+        <p:txBody>
+          <a:bodyPr wrap="square" lIns="0" tIns="0" rIns="0" bIns="0" rtlCol="0">
+            <a:noAutofit/>
+          </a:bodyPr>
+          <a:lstStyle/>
+          <a:p>
+            <a:pPr algn="ctr"/>
+            <a:r>
+              <a:rPr lang="en-US" sz="1100" dirty="0" smtClean="0">
+                <a:solidFill>
+                  <a:srgbClr val="7030A0"/>
+                </a:solidFill>
+              </a:rPr>
+              <a:t>1</a:t>
+            </a:r>
+            <a:endParaRPr lang="en-SG" sz="1100" dirty="0">
+              <a:solidFill>
+                <a:srgbClr val="7030A0"/>
+              </a:solidFill>
+            </a:endParaRPr>
+          </a:p>
+        </p:txBody>
+      </p:sp>
+      <p:sp>
+        <p:nvSpPr>
+          <p:cNvPr id="56" name="TextBox 55"/>
+          <p:cNvSpPr txBox="1"/>
+          <p:nvPr/>
+        </p:nvSpPr>
+        <p:spPr>
+          <a:xfrm>
+            <a:off x="5006974" y="2201599"/>
+            <a:ext cx="189257" cy="178683"/>
+          </a:xfrm>
+          <a:prstGeom prst="rect">
+            <a:avLst/>
+          </a:prstGeom>
+          <a:noFill/>
+        </p:spPr>
+        <p:txBody>
+          <a:bodyPr wrap="square" lIns="0" tIns="0" rIns="0" bIns="0" rtlCol="0">
+            <a:noAutofit/>
+          </a:bodyPr>
+          <a:lstStyle/>
+          <a:p>
+            <a:pPr algn="ctr"/>
+            <a:r>
+              <a:rPr lang="en-US" sz="1100" dirty="0" smtClean="0">
+                <a:solidFill>
+                  <a:srgbClr val="7030A0"/>
+                </a:solidFill>
+              </a:rPr>
+              <a:t>1</a:t>
+            </a:r>
+            <a:endParaRPr lang="en-SG" sz="1100" dirty="0">
+              <a:solidFill>
+                <a:srgbClr val="7030A0"/>
+              </a:solidFill>
+            </a:endParaRPr>
+          </a:p>
+        </p:txBody>
+      </p:sp>
+      <p:sp>
+        <p:nvSpPr>
+          <p:cNvPr id="60" name="TextBox 59"/>
+          <p:cNvSpPr txBox="1"/>
+          <p:nvPr/>
+        </p:nvSpPr>
+        <p:spPr>
+          <a:xfrm>
+            <a:off x="4348107" y="1956720"/>
+            <a:ext cx="189257" cy="178683"/>
+          </a:xfrm>
+          <a:prstGeom prst="rect">
+            <a:avLst/>
+          </a:prstGeom>
+          <a:noFill/>
+        </p:spPr>
+        <p:txBody>
+          <a:bodyPr wrap="square" lIns="0" tIns="0" rIns="0" bIns="0" rtlCol="0">
+            <a:noAutofit/>
+          </a:bodyPr>
+          <a:lstStyle/>
+          <a:p>
+            <a:pPr algn="ctr"/>
+            <a:r>
+              <a:rPr lang="en-US" sz="1100" dirty="0" smtClean="0">
+                <a:solidFill>
+                  <a:srgbClr val="7030A0"/>
+                </a:solidFill>
+              </a:rPr>
+              <a:t>*</a:t>
+            </a:r>
+            <a:endParaRPr lang="en-SG" sz="1100" dirty="0">
+              <a:solidFill>
+                <a:srgbClr val="7030A0"/>
+              </a:solidFill>
+            </a:endParaRPr>
+          </a:p>
+        </p:txBody>
+      </p:sp>
+      <p:sp>
+        <p:nvSpPr>
+          <p:cNvPr id="61" name="TextBox 60"/>
+          <p:cNvSpPr txBox="1"/>
+          <p:nvPr/>
+        </p:nvSpPr>
+        <p:spPr>
+          <a:xfrm>
+            <a:off x="4464444" y="3802509"/>
+            <a:ext cx="189257" cy="178683"/>
+          </a:xfrm>
+          <a:prstGeom prst="rect">
+            <a:avLst/>
+          </a:prstGeom>
+          <a:noFill/>
+        </p:spPr>
+        <p:txBody>
+          <a:bodyPr wrap="square" lIns="0" tIns="0" rIns="0" bIns="0" rtlCol="0">
+            <a:noAutofit/>
+          </a:bodyPr>
+          <a:lstStyle/>
+          <a:p>
+            <a:pPr algn="ctr"/>
+            <a:r>
+              <a:rPr lang="en-US" sz="1100" dirty="0" smtClean="0">
+                <a:solidFill>
+                  <a:srgbClr val="7030A0"/>
+                </a:solidFill>
+              </a:rPr>
+              <a:t>*</a:t>
+            </a:r>
+            <a:endParaRPr lang="en-SG" sz="1100" dirty="0">
+              <a:solidFill>
+                <a:srgbClr val="7030A0"/>
+              </a:solidFill>
+            </a:endParaRPr>
+          </a:p>
+        </p:txBody>
+      </p:sp>
+      <p:sp>
+        <p:nvSpPr>
+          <p:cNvPr id="65" name="TextBox 64"/>
+          <p:cNvSpPr txBox="1"/>
+          <p:nvPr/>
+        </p:nvSpPr>
+        <p:spPr>
+          <a:xfrm>
+            <a:off x="1872858" y="2742039"/>
+            <a:ext cx="189257" cy="178683"/>
+          </a:xfrm>
+          <a:prstGeom prst="rect">
+            <a:avLst/>
+          </a:prstGeom>
+          <a:noFill/>
+        </p:spPr>
+        <p:txBody>
+          <a:bodyPr wrap="square" lIns="0" tIns="0" rIns="0" bIns="0" rtlCol="0">
+            <a:noAutofit/>
+          </a:bodyPr>
+          <a:lstStyle/>
+          <a:p>
+            <a:pPr algn="ctr"/>
+            <a:r>
+              <a:rPr lang="en-US" sz="1100" dirty="0" smtClean="0">
+                <a:solidFill>
+                  <a:srgbClr val="7030A0"/>
+                </a:solidFill>
+              </a:rPr>
+              <a:t>1</a:t>
+            </a:r>
+            <a:endParaRPr lang="en-SG" sz="1100" dirty="0">
+              <a:solidFill>
+                <a:srgbClr val="7030A0"/>
+              </a:solidFill>
+            </a:endParaRPr>
+          </a:p>
+        </p:txBody>
+      </p:sp>
+      <p:sp>
+        <p:nvSpPr>
+          <p:cNvPr id="66" name="TextBox 65"/>
+          <p:cNvSpPr txBox="1"/>
+          <p:nvPr/>
+        </p:nvSpPr>
+        <p:spPr>
+          <a:xfrm>
+            <a:off x="1841305" y="3563851"/>
+            <a:ext cx="189257" cy="178683"/>
+          </a:xfrm>
+          <a:prstGeom prst="rect">
+            <a:avLst/>
+          </a:prstGeom>
+          <a:noFill/>
+        </p:spPr>
+        <p:txBody>
+          <a:bodyPr wrap="square" lIns="0" tIns="0" rIns="0" bIns="0" rtlCol="0">
+            <a:noAutofit/>
+          </a:bodyPr>
+          <a:lstStyle/>
+          <a:p>
+            <a:pPr algn="ctr"/>
+            <a:r>
+              <a:rPr lang="en-US" sz="1100" dirty="0" smtClean="0">
+                <a:solidFill>
+                  <a:srgbClr val="7030A0"/>
+                </a:solidFill>
+              </a:rPr>
+              <a:t>1</a:t>
+            </a:r>
+            <a:endParaRPr lang="en-SG" sz="1100" dirty="0">
+              <a:solidFill>
+                <a:srgbClr val="7030A0"/>
+              </a:solidFill>
+            </a:endParaRPr>
+          </a:p>
+        </p:txBody>
+      </p:sp>
+      <p:sp>
+        <p:nvSpPr>
+          <p:cNvPr id="70" name="TextBox 69"/>
+          <p:cNvSpPr txBox="1"/>
+          <p:nvPr/>
+        </p:nvSpPr>
+        <p:spPr>
+          <a:xfrm>
+            <a:off x="4800600" y="2971800"/>
+            <a:ext cx="189257" cy="178683"/>
+          </a:xfrm>
+          <a:prstGeom prst="rect">
+            <a:avLst/>
+          </a:prstGeom>
+          <a:noFill/>
+        </p:spPr>
+        <p:txBody>
+          <a:bodyPr wrap="square" lIns="0" tIns="0" rIns="0" bIns="0" rtlCol="0">
+            <a:noAutofit/>
+          </a:bodyPr>
+          <a:lstStyle/>
+          <a:p>
+            <a:pPr algn="ctr"/>
+            <a:r>
+              <a:rPr lang="en-US" sz="1100" dirty="0" smtClean="0">
+                <a:solidFill>
+                  <a:srgbClr val="7030A0"/>
+                </a:solidFill>
+              </a:rPr>
+              <a:t>1</a:t>
+            </a:r>
+            <a:endParaRPr lang="en-SG" sz="1100" dirty="0">
+              <a:solidFill>
+                <a:srgbClr val="7030A0"/>
+              </a:solidFill>
+            </a:endParaRPr>
+          </a:p>
+        </p:txBody>
+      </p:sp>
+      <p:sp>
+        <p:nvSpPr>
+          <p:cNvPr id="74" name="Rectangle 8"/>
+          <p:cNvSpPr/>
+          <p:nvPr/>
+        </p:nvSpPr>
+        <p:spPr>
+          <a:xfrm>
+            <a:off x="5410200" y="5562600"/>
+            <a:ext cx="708186" cy="285783"/>
+          </a:xfrm>
+          <a:prstGeom prst="rect">
+            <a:avLst/>
+          </a:prstGeom>
+          <a:ln w="19050">
+            <a:solidFill>
+              <a:srgbClr val="7030A0"/>
+            </a:solidFill>
+          </a:ln>
+          <a:effectLst/>
+        </p:spPr>
+        <p:style>
+          <a:lnRef idx="1">
+            <a:schemeClr val="accent4"/>
+          </a:lnRef>
+          <a:fillRef idx="2">
+            <a:schemeClr val="accent4"/>
+          </a:fillRef>
+          <a:effectRef idx="1">
+            <a:schemeClr val="accent4"/>
+          </a:effectRef>
+          <a:fontRef idx="minor">
+            <a:schemeClr val="dk1"/>
+          </a:fontRef>
+        </p:style>
+        <p:txBody>
+          <a:bodyPr rtlCol="0" anchor="ctr"/>
+          <a:lstStyle/>
+          <a:p>
+            <a:pPr algn="ctr"/>
+            <a:r>
+              <a:rPr lang="en-US" altLang="zh-CN" sz="1050" dirty="0" smtClean="0">
+                <a:solidFill>
+                  <a:srgbClr val="7030A0"/>
+                </a:solidFill>
+              </a:rPr>
+              <a:t>Priority</a:t>
+            </a:r>
+            <a:endParaRPr lang="en-SG" sz="1050" dirty="0">
+              <a:solidFill>
+                <a:srgbClr val="7030A0"/>
+              </a:solidFill>
+            </a:endParaRPr>
+          </a:p>
+        </p:txBody>
+      </p:sp>
+      <p:sp>
+        <p:nvSpPr>
+          <p:cNvPr id="77" name="Rectangle 76"/>
+          <p:cNvSpPr/>
+          <p:nvPr/>
+        </p:nvSpPr>
+        <p:spPr>
+          <a:xfrm>
+            <a:off x="1676400" y="5562600"/>
+            <a:ext cx="708186" cy="285783"/>
+          </a:xfrm>
+          <a:prstGeom prst="rect">
+            <a:avLst/>
+          </a:prstGeom>
+          <a:ln w="19050">
+            <a:solidFill>
+              <a:srgbClr val="7030A0"/>
+            </a:solidFill>
+          </a:ln>
+          <a:effectLst/>
+        </p:spPr>
+        <p:style>
+          <a:lnRef idx="1">
+            <a:schemeClr val="accent4"/>
+          </a:lnRef>
+          <a:fillRef idx="2">
+            <a:schemeClr val="accent4"/>
+          </a:fillRef>
+          <a:effectRef idx="1">
+            <a:schemeClr val="accent4"/>
+          </a:effectRef>
+          <a:fontRef idx="minor">
+            <a:schemeClr val="dk1"/>
+          </a:fontRef>
+        </p:style>
+        <p:txBody>
+          <a:bodyPr rtlCol="0" anchor="ctr"/>
+          <a:lstStyle>
+            <a:defPPr>
+              <a:defRPr lang="en-US"/>
+            </a:defPPr>
+            <a:lvl1pPr marL="0" algn="l" defTabSz="914400" rtl="0" eaLnBrk="1" latinLnBrk="0" hangingPunct="1">
+              <a:defRPr sz="1800" kern="1200">
+                <a:solidFill>
+                  <a:schemeClr val="dk1"/>
+                </a:solidFill>
+                <a:latin typeface="+mn-lt"/>
+                <a:ea typeface="+mn-ea"/>
+                <a:cs typeface="+mn-cs"/>
+              </a:defRPr>
+            </a:lvl1pPr>
+            <a:lvl2pPr marL="457200" algn="l" defTabSz="914400" rtl="0" eaLnBrk="1" latinLnBrk="0" hangingPunct="1">
+              <a:defRPr sz="1800" kern="1200">
+                <a:solidFill>
+                  <a:schemeClr val="dk1"/>
+                </a:solidFill>
+                <a:latin typeface="+mn-lt"/>
+                <a:ea typeface="+mn-ea"/>
+                <a:cs typeface="+mn-cs"/>
+              </a:defRPr>
+            </a:lvl2pPr>
+            <a:lvl3pPr marL="914400" algn="l" defTabSz="914400" rtl="0" eaLnBrk="1" latinLnBrk="0" hangingPunct="1">
+              <a:defRPr sz="1800" kern="1200">
+                <a:solidFill>
+                  <a:schemeClr val="dk1"/>
+                </a:solidFill>
+                <a:latin typeface="+mn-lt"/>
+                <a:ea typeface="+mn-ea"/>
+                <a:cs typeface="+mn-cs"/>
+              </a:defRPr>
+            </a:lvl3pPr>
+            <a:lvl4pPr marL="1371600" algn="l" defTabSz="914400" rtl="0" eaLnBrk="1" latinLnBrk="0" hangingPunct="1">
+              <a:defRPr sz="1800" kern="1200">
+                <a:solidFill>
+                  <a:schemeClr val="dk1"/>
+                </a:solidFill>
+                <a:latin typeface="+mn-lt"/>
+                <a:ea typeface="+mn-ea"/>
+                <a:cs typeface="+mn-cs"/>
+              </a:defRPr>
+            </a:lvl4pPr>
+            <a:lvl5pPr marL="1828800" algn="l" defTabSz="914400" rtl="0" eaLnBrk="1" latinLnBrk="0" hangingPunct="1">
+              <a:defRPr sz="1800" kern="1200">
+                <a:solidFill>
+                  <a:schemeClr val="dk1"/>
+                </a:solidFill>
+                <a:latin typeface="+mn-lt"/>
+                <a:ea typeface="+mn-ea"/>
+                <a:cs typeface="+mn-cs"/>
+              </a:defRPr>
+            </a:lvl5pPr>
+            <a:lvl6pPr marL="2286000" algn="l" defTabSz="914400" rtl="0" eaLnBrk="1" latinLnBrk="0" hangingPunct="1">
+              <a:defRPr sz="1800" kern="1200">
+                <a:solidFill>
+                  <a:schemeClr val="dk1"/>
+                </a:solidFill>
+                <a:latin typeface="+mn-lt"/>
+                <a:ea typeface="+mn-ea"/>
+                <a:cs typeface="+mn-cs"/>
+              </a:defRPr>
+            </a:lvl6pPr>
+            <a:lvl7pPr marL="2743200" algn="l" defTabSz="914400" rtl="0" eaLnBrk="1" latinLnBrk="0" hangingPunct="1">
+              <a:defRPr sz="1800" kern="1200">
+                <a:solidFill>
+                  <a:schemeClr val="dk1"/>
+                </a:solidFill>
+                <a:latin typeface="+mn-lt"/>
+                <a:ea typeface="+mn-ea"/>
+                <a:cs typeface="+mn-cs"/>
+              </a:defRPr>
+            </a:lvl7pPr>
+            <a:lvl8pPr marL="3200400" algn="l" defTabSz="914400" rtl="0" eaLnBrk="1" latinLnBrk="0" hangingPunct="1">
+              <a:defRPr sz="1800" kern="1200">
+                <a:solidFill>
+                  <a:schemeClr val="dk1"/>
+                </a:solidFill>
+                <a:latin typeface="+mn-lt"/>
+                <a:ea typeface="+mn-ea"/>
+                <a:cs typeface="+mn-cs"/>
+              </a:defRPr>
+            </a:lvl8pPr>
+            <a:lvl9pPr marL="3657600" algn="l" defTabSz="914400" rtl="0" eaLnBrk="1" latinLnBrk="0" hangingPunct="1">
+              <a:defRPr sz="1800" kern="1200">
+                <a:solidFill>
+                  <a:schemeClr val="dk1"/>
+                </a:solidFill>
+                <a:latin typeface="+mn-lt"/>
+                <a:ea typeface="+mn-ea"/>
+                <a:cs typeface="+mn-cs"/>
+              </a:defRPr>
+            </a:lvl9pPr>
+          </a:lstStyle>
+          <a:p>
+            <a:pPr algn="ctr"/>
+            <a:r>
+              <a:rPr lang="en-US" altLang="zh-CN" sz="1050" dirty="0" smtClean="0">
+                <a:solidFill>
+                  <a:srgbClr val="7030A0"/>
+                </a:solidFill>
+              </a:rPr>
+              <a:t>Due</a:t>
+            </a:r>
+            <a:r>
+              <a:rPr lang="zh-CN" altLang="en-US" sz="1050" dirty="0" smtClean="0">
+                <a:solidFill>
+                  <a:srgbClr val="7030A0"/>
+                </a:solidFill>
+              </a:rPr>
+              <a:t> </a:t>
+            </a:r>
+            <a:r>
+              <a:rPr lang="en-US" altLang="zh-CN" sz="1050" dirty="0" smtClean="0">
+                <a:solidFill>
+                  <a:srgbClr val="7030A0"/>
+                </a:solidFill>
+              </a:rPr>
+              <a:t>date</a:t>
+            </a:r>
+            <a:endParaRPr lang="en-SG" sz="1050" dirty="0">
+              <a:solidFill>
+                <a:srgbClr val="7030A0"/>
+              </a:solidFill>
+            </a:endParaRPr>
+          </a:p>
+        </p:txBody>
+      </p:sp>
+      <p:sp>
+        <p:nvSpPr>
+          <p:cNvPr id="88" name="Rectangle 87"/>
+          <p:cNvSpPr/>
+          <p:nvPr/>
+        </p:nvSpPr>
+        <p:spPr>
+          <a:xfrm>
+            <a:off x="762000" y="5562600"/>
+            <a:ext cx="708186" cy="285783"/>
+          </a:xfrm>
+          <a:prstGeom prst="rect">
+            <a:avLst/>
+          </a:prstGeom>
+          <a:ln w="19050">
+            <a:solidFill>
+              <a:srgbClr val="7030A0"/>
+            </a:solidFill>
+          </a:ln>
+          <a:effectLst/>
+        </p:spPr>
+        <p:style>
+          <a:lnRef idx="1">
+            <a:schemeClr val="accent4"/>
+          </a:lnRef>
+          <a:fillRef idx="2">
+            <a:schemeClr val="accent4"/>
+          </a:fillRef>
+          <a:effectRef idx="1">
+            <a:schemeClr val="accent4"/>
+          </a:effectRef>
+          <a:fontRef idx="minor">
+            <a:schemeClr val="dk1"/>
+          </a:fontRef>
+        </p:style>
+        <p:txBody>
+          <a:bodyPr rtlCol="0" anchor="ctr"/>
+          <a:lstStyle>
+            <a:defPPr>
+              <a:defRPr lang="en-US"/>
+            </a:defPPr>
+            <a:lvl1pPr marL="0" algn="l" defTabSz="914400" rtl="0" eaLnBrk="1" latinLnBrk="0" hangingPunct="1">
+              <a:defRPr sz="1800" kern="1200">
+                <a:solidFill>
+                  <a:schemeClr val="dk1"/>
+                </a:solidFill>
+                <a:latin typeface="+mn-lt"/>
+                <a:ea typeface="+mn-ea"/>
+                <a:cs typeface="+mn-cs"/>
+              </a:defRPr>
+            </a:lvl1pPr>
+            <a:lvl2pPr marL="457200" algn="l" defTabSz="914400" rtl="0" eaLnBrk="1" latinLnBrk="0" hangingPunct="1">
+              <a:defRPr sz="1800" kern="1200">
+                <a:solidFill>
+                  <a:schemeClr val="dk1"/>
+                </a:solidFill>
+                <a:latin typeface="+mn-lt"/>
+                <a:ea typeface="+mn-ea"/>
+                <a:cs typeface="+mn-cs"/>
+              </a:defRPr>
+            </a:lvl2pPr>
+            <a:lvl3pPr marL="914400" algn="l" defTabSz="914400" rtl="0" eaLnBrk="1" latinLnBrk="0" hangingPunct="1">
+              <a:defRPr sz="1800" kern="1200">
+                <a:solidFill>
+                  <a:schemeClr val="dk1"/>
+                </a:solidFill>
+                <a:latin typeface="+mn-lt"/>
+                <a:ea typeface="+mn-ea"/>
+                <a:cs typeface="+mn-cs"/>
+              </a:defRPr>
+            </a:lvl3pPr>
+            <a:lvl4pPr marL="1371600" algn="l" defTabSz="914400" rtl="0" eaLnBrk="1" latinLnBrk="0" hangingPunct="1">
+              <a:defRPr sz="1800" kern="1200">
+                <a:solidFill>
+                  <a:schemeClr val="dk1"/>
+                </a:solidFill>
+                <a:latin typeface="+mn-lt"/>
+                <a:ea typeface="+mn-ea"/>
+                <a:cs typeface="+mn-cs"/>
+              </a:defRPr>
+            </a:lvl4pPr>
+            <a:lvl5pPr marL="1828800" algn="l" defTabSz="914400" rtl="0" eaLnBrk="1" latinLnBrk="0" hangingPunct="1">
+              <a:defRPr sz="1800" kern="1200">
+                <a:solidFill>
+                  <a:schemeClr val="dk1"/>
+                </a:solidFill>
+                <a:latin typeface="+mn-lt"/>
+                <a:ea typeface="+mn-ea"/>
+                <a:cs typeface="+mn-cs"/>
+              </a:defRPr>
+            </a:lvl5pPr>
+            <a:lvl6pPr marL="2286000" algn="l" defTabSz="914400" rtl="0" eaLnBrk="1" latinLnBrk="0" hangingPunct="1">
+              <a:defRPr sz="1800" kern="1200">
+                <a:solidFill>
+                  <a:schemeClr val="dk1"/>
+                </a:solidFill>
+                <a:latin typeface="+mn-lt"/>
+                <a:ea typeface="+mn-ea"/>
+                <a:cs typeface="+mn-cs"/>
+              </a:defRPr>
+            </a:lvl6pPr>
+            <a:lvl7pPr marL="2743200" algn="l" defTabSz="914400" rtl="0" eaLnBrk="1" latinLnBrk="0" hangingPunct="1">
+              <a:defRPr sz="1800" kern="1200">
+                <a:solidFill>
+                  <a:schemeClr val="dk1"/>
+                </a:solidFill>
+                <a:latin typeface="+mn-lt"/>
+                <a:ea typeface="+mn-ea"/>
+                <a:cs typeface="+mn-cs"/>
+              </a:defRPr>
+            </a:lvl7pPr>
+            <a:lvl8pPr marL="3200400" algn="l" defTabSz="914400" rtl="0" eaLnBrk="1" latinLnBrk="0" hangingPunct="1">
+              <a:defRPr sz="1800" kern="1200">
+                <a:solidFill>
+                  <a:schemeClr val="dk1"/>
+                </a:solidFill>
+                <a:latin typeface="+mn-lt"/>
+                <a:ea typeface="+mn-ea"/>
+                <a:cs typeface="+mn-cs"/>
+              </a:defRPr>
+            </a:lvl8pPr>
+            <a:lvl9pPr marL="3657600" algn="l" defTabSz="914400" rtl="0" eaLnBrk="1" latinLnBrk="0" hangingPunct="1">
+              <a:defRPr sz="1800" kern="1200">
+                <a:solidFill>
+                  <a:schemeClr val="dk1"/>
+                </a:solidFill>
+                <a:latin typeface="+mn-lt"/>
+                <a:ea typeface="+mn-ea"/>
+                <a:cs typeface="+mn-cs"/>
+              </a:defRPr>
+            </a:lvl9pPr>
+          </a:lstStyle>
+          <a:p>
+            <a:pPr algn="ctr"/>
+            <a:r>
+              <a:rPr lang="en-US" altLang="zh-CN" sz="1050" dirty="0" smtClean="0">
+                <a:solidFill>
+                  <a:srgbClr val="7030A0"/>
+                </a:solidFill>
+              </a:rPr>
+              <a:t>Name</a:t>
+            </a:r>
+            <a:endParaRPr lang="en-SG" sz="1050" dirty="0">
+              <a:solidFill>
+                <a:srgbClr val="7030A0"/>
+              </a:solidFill>
+            </a:endParaRPr>
+          </a:p>
+        </p:txBody>
+      </p:sp>
+      <p:sp>
+        <p:nvSpPr>
+          <p:cNvPr id="73" name="Rectangle 8"/>
+          <p:cNvSpPr/>
+          <p:nvPr/>
+        </p:nvSpPr>
+        <p:spPr>
+          <a:xfrm>
+            <a:off x="6400800" y="5562600"/>
+            <a:ext cx="708186" cy="285783"/>
+          </a:xfrm>
+          <a:prstGeom prst="rect">
+            <a:avLst/>
+          </a:prstGeom>
+          <a:ln w="19050">
+            <a:solidFill>
+              <a:srgbClr val="7030A0"/>
+            </a:solidFill>
+          </a:ln>
+          <a:effectLst/>
+        </p:spPr>
+        <p:style>
+          <a:lnRef idx="1">
+            <a:schemeClr val="accent4"/>
+          </a:lnRef>
+          <a:fillRef idx="2">
+            <a:schemeClr val="accent4"/>
+          </a:fillRef>
+          <a:effectRef idx="1">
+            <a:schemeClr val="accent4"/>
+          </a:effectRef>
+          <a:fontRef idx="minor">
+            <a:schemeClr val="dk1"/>
+          </a:fontRef>
+        </p:style>
+        <p:txBody>
+          <a:bodyPr rtlCol="0" anchor="ctr"/>
+          <a:lstStyle/>
+          <a:p>
+            <a:pPr algn="ctr"/>
+            <a:r>
+              <a:rPr lang="en-US" altLang="zh-CN" sz="1050" dirty="0" smtClean="0">
+                <a:solidFill>
+                  <a:srgbClr val="7030A0"/>
+                </a:solidFill>
+              </a:rPr>
+              <a:t>Favorite</a:t>
+            </a:r>
+            <a:endParaRPr lang="en-SG" sz="1050" dirty="0">
+              <a:solidFill>
+                <a:srgbClr val="7030A0"/>
+              </a:solidFill>
+            </a:endParaRPr>
+          </a:p>
+        </p:txBody>
+      </p:sp>
+      <p:sp>
+        <p:nvSpPr>
+          <p:cNvPr id="90" name="Rectangle 8"/>
+          <p:cNvSpPr/>
+          <p:nvPr/>
+        </p:nvSpPr>
+        <p:spPr>
+          <a:xfrm>
+            <a:off x="7391400" y="5562600"/>
+            <a:ext cx="708186" cy="285783"/>
+          </a:xfrm>
+          <a:prstGeom prst="rect">
+            <a:avLst/>
+          </a:prstGeom>
+          <a:ln w="19050">
+            <a:solidFill>
+              <a:srgbClr val="7030A0"/>
+            </a:solidFill>
+          </a:ln>
+          <a:effectLst/>
+        </p:spPr>
+        <p:style>
+          <a:lnRef idx="1">
+            <a:schemeClr val="accent4"/>
+          </a:lnRef>
+          <a:fillRef idx="2">
+            <a:schemeClr val="accent4"/>
+          </a:fillRef>
+          <a:effectRef idx="1">
+            <a:schemeClr val="accent4"/>
+          </a:effectRef>
+          <a:fontRef idx="minor">
+            <a:schemeClr val="dk1"/>
+          </a:fontRef>
+        </p:style>
+        <p:txBody>
+          <a:bodyPr rtlCol="0" anchor="ctr"/>
+          <a:lstStyle/>
+          <a:p>
+            <a:pPr algn="ctr"/>
+            <a:r>
+              <a:rPr lang="en-US" altLang="zh-CN" sz="1050" dirty="0" smtClean="0">
+                <a:solidFill>
+                  <a:srgbClr val="7030A0"/>
+                </a:solidFill>
+              </a:rPr>
+              <a:t>Finished</a:t>
+            </a:r>
+            <a:endParaRPr lang="en-SG" sz="1050" dirty="0">
+              <a:solidFill>
+                <a:srgbClr val="7030A0"/>
+              </a:solidFill>
+            </a:endParaRPr>
+          </a:p>
+        </p:txBody>
+      </p:sp>
       <p:cxnSp>
         <p:nvCxnSpPr>
-          <p:cNvPr id="50" name="Elbow Connector 49"/>
-          <p:cNvCxnSpPr>
-            <a:endCxn id="67" idx="3"/>
-          </p:cNvCxnSpPr>
+          <p:cNvPr id="93" name="Elbow Connector 92"/>
+          <p:cNvCxnSpPr/>
           <p:nvPr/>
         </p:nvCxnSpPr>
         <p:spPr>
-          <a:xfrm rot="16200000" flipV="1">
-            <a:off x="4991046" y="2174207"/>
-            <a:ext cx="875354" cy="847965"/>
-          </a:xfrm>
-          <a:prstGeom prst="bentConnector2">
-            <a:avLst/>
+          <a:xfrm flipH="1">
+            <a:off x="4885557" y="2158993"/>
+            <a:ext cx="128525" cy="1822199"/>
+          </a:xfrm>
+          <a:prstGeom prst="bentConnector4">
+            <a:avLst>
+              <a:gd name="adj1" fmla="val -177864"/>
+              <a:gd name="adj2" fmla="val 84866"/>
+            </a:avLst>
           </a:prstGeom>
           <a:ln w="19050">
             <a:solidFill>
@@ -5360,13 +6112,13 @@
       </p:cxnSp>
       <p:sp>
         <p:nvSpPr>
-          <p:cNvPr id="11" name="TextBox 10"/>
+          <p:cNvPr id="94" name="TextBox 93"/>
           <p:cNvSpPr txBox="1"/>
           <p:nvPr/>
         </p:nvSpPr>
         <p:spPr>
           <a:xfrm>
-            <a:off x="3509907" y="2369029"/>
+            <a:off x="4967094" y="3782321"/>
             <a:ext cx="189257" cy="178683"/>
           </a:xfrm>
           <a:prstGeom prst="rect">
@@ -5382,12 +6134,12 @@
           <a:p>
             <a:pPr algn="ctr"/>
             <a:r>
-              <a:rPr lang="en-US" sz="1100" dirty="0" smtClean="0">
+              <a:rPr lang="zh-CN" altLang="en-US" sz="1100" dirty="0">
                 <a:solidFill>
                   <a:srgbClr val="7030A0"/>
                 </a:solidFill>
               </a:rPr>
-              <a:t>1</a:t>
+              <a:t>*</a:t>
             </a:r>
             <a:endParaRPr lang="en-SG" sz="1100" dirty="0">
               <a:solidFill>
@@ -5399,287 +6151,14 @@
       </p:sp>
       <p:sp>
         <p:nvSpPr>
-          <p:cNvPr id="54" name="TextBox 53"/>
-          <p:cNvSpPr txBox="1"/>
-          <p:nvPr/>
-        </p:nvSpPr>
-        <p:spPr>
-          <a:xfrm>
-            <a:off x="3509907" y="3236665"/>
-            <a:ext cx="189257" cy="178683"/>
-          </a:xfrm>
-          <a:prstGeom prst="rect">
-            <a:avLst/>
-          </a:prstGeom>
-          <a:noFill/>
-        </p:spPr>
-        <p:txBody>
-          <a:bodyPr wrap="square" lIns="0" tIns="0" rIns="0" bIns="0" rtlCol="0">
-            <a:noAutofit/>
-          </a:bodyPr>
-          <a:lstStyle/>
-          <a:p>
-            <a:pPr algn="ctr"/>
-            <a:r>
-              <a:rPr lang="en-US" sz="1100" dirty="0" smtClean="0">
-                <a:solidFill>
-                  <a:srgbClr val="7030A0"/>
-                </a:solidFill>
-              </a:rPr>
-              <a:t>1</a:t>
-            </a:r>
-            <a:endParaRPr lang="en-SG" sz="1100" dirty="0">
-              <a:solidFill>
-                <a:srgbClr val="7030A0"/>
-              </a:solidFill>
-            </a:endParaRPr>
-          </a:p>
-        </p:txBody>
-      </p:sp>
-      <p:sp>
-        <p:nvSpPr>
-          <p:cNvPr id="56" name="TextBox 55"/>
-          <p:cNvSpPr txBox="1"/>
-          <p:nvPr/>
-        </p:nvSpPr>
-        <p:spPr>
-          <a:xfrm>
-            <a:off x="5006974" y="2201599"/>
-            <a:ext cx="189257" cy="178683"/>
-          </a:xfrm>
-          <a:prstGeom prst="rect">
-            <a:avLst/>
-          </a:prstGeom>
-          <a:noFill/>
-        </p:spPr>
-        <p:txBody>
-          <a:bodyPr wrap="square" lIns="0" tIns="0" rIns="0" bIns="0" rtlCol="0">
-            <a:noAutofit/>
-          </a:bodyPr>
-          <a:lstStyle/>
-          <a:p>
-            <a:pPr algn="ctr"/>
-            <a:r>
-              <a:rPr lang="en-US" sz="1100" dirty="0" smtClean="0">
-                <a:solidFill>
-                  <a:srgbClr val="7030A0"/>
-                </a:solidFill>
-              </a:rPr>
-              <a:t>1</a:t>
-            </a:r>
-            <a:endParaRPr lang="en-SG" sz="1100" dirty="0">
-              <a:solidFill>
-                <a:srgbClr val="7030A0"/>
-              </a:solidFill>
-            </a:endParaRPr>
-          </a:p>
-        </p:txBody>
-      </p:sp>
-      <p:sp>
-        <p:nvSpPr>
-          <p:cNvPr id="60" name="TextBox 59"/>
-          <p:cNvSpPr txBox="1"/>
-          <p:nvPr/>
-        </p:nvSpPr>
-        <p:spPr>
-          <a:xfrm>
-            <a:off x="4348107" y="1956720"/>
-            <a:ext cx="189257" cy="178683"/>
-          </a:xfrm>
-          <a:prstGeom prst="rect">
-            <a:avLst/>
-          </a:prstGeom>
-          <a:noFill/>
-        </p:spPr>
-        <p:txBody>
-          <a:bodyPr wrap="square" lIns="0" tIns="0" rIns="0" bIns="0" rtlCol="0">
-            <a:noAutofit/>
-          </a:bodyPr>
-          <a:lstStyle/>
-          <a:p>
-            <a:pPr algn="ctr"/>
-            <a:r>
-              <a:rPr lang="en-US" sz="1100" dirty="0" smtClean="0">
-                <a:solidFill>
-                  <a:srgbClr val="7030A0"/>
-                </a:solidFill>
-              </a:rPr>
-              <a:t>*</a:t>
-            </a:r>
-            <a:endParaRPr lang="en-SG" sz="1100" dirty="0">
-              <a:solidFill>
-                <a:srgbClr val="7030A0"/>
-              </a:solidFill>
-            </a:endParaRPr>
-          </a:p>
-        </p:txBody>
-      </p:sp>
-      <p:sp>
-        <p:nvSpPr>
-          <p:cNvPr id="61" name="TextBox 60"/>
-          <p:cNvSpPr txBox="1"/>
-          <p:nvPr/>
-        </p:nvSpPr>
-        <p:spPr>
-          <a:xfrm>
-            <a:off x="5105400" y="3200400"/>
-            <a:ext cx="189257" cy="178683"/>
-          </a:xfrm>
-          <a:prstGeom prst="rect">
-            <a:avLst/>
-          </a:prstGeom>
-          <a:noFill/>
-        </p:spPr>
-        <p:txBody>
-          <a:bodyPr wrap="square" lIns="0" tIns="0" rIns="0" bIns="0" rtlCol="0">
-            <a:noAutofit/>
-          </a:bodyPr>
-          <a:lstStyle/>
-          <a:p>
-            <a:pPr algn="ctr"/>
-            <a:r>
-              <a:rPr lang="en-US" sz="1100" dirty="0" smtClean="0">
-                <a:solidFill>
-                  <a:srgbClr val="7030A0"/>
-                </a:solidFill>
-              </a:rPr>
-              <a:t>*</a:t>
-            </a:r>
-            <a:endParaRPr lang="en-SG" sz="1100" dirty="0">
-              <a:solidFill>
-                <a:srgbClr val="7030A0"/>
-              </a:solidFill>
-            </a:endParaRPr>
-          </a:p>
-        </p:txBody>
-      </p:sp>
-      <p:sp>
-        <p:nvSpPr>
-          <p:cNvPr id="65" name="TextBox 64"/>
-          <p:cNvSpPr txBox="1"/>
-          <p:nvPr/>
-        </p:nvSpPr>
-        <p:spPr>
-          <a:xfrm>
-            <a:off x="1872858" y="2742039"/>
-            <a:ext cx="189257" cy="178683"/>
-          </a:xfrm>
-          <a:prstGeom prst="rect">
-            <a:avLst/>
-          </a:prstGeom>
-          <a:noFill/>
-        </p:spPr>
-        <p:txBody>
-          <a:bodyPr wrap="square" lIns="0" tIns="0" rIns="0" bIns="0" rtlCol="0">
-            <a:noAutofit/>
-          </a:bodyPr>
-          <a:lstStyle/>
-          <a:p>
-            <a:pPr algn="ctr"/>
-            <a:r>
-              <a:rPr lang="en-US" sz="1100" dirty="0" smtClean="0">
-                <a:solidFill>
-                  <a:srgbClr val="7030A0"/>
-                </a:solidFill>
-              </a:rPr>
-              <a:t>1</a:t>
-            </a:r>
-            <a:endParaRPr lang="en-SG" sz="1100" dirty="0">
-              <a:solidFill>
-                <a:srgbClr val="7030A0"/>
-              </a:solidFill>
-            </a:endParaRPr>
-          </a:p>
-        </p:txBody>
-      </p:sp>
-      <p:sp>
-        <p:nvSpPr>
-          <p:cNvPr id="66" name="TextBox 65"/>
-          <p:cNvSpPr txBox="1"/>
-          <p:nvPr/>
-        </p:nvSpPr>
-        <p:spPr>
-          <a:xfrm>
-            <a:off x="1841305" y="3563851"/>
-            <a:ext cx="189257" cy="178683"/>
-          </a:xfrm>
-          <a:prstGeom prst="rect">
-            <a:avLst/>
-          </a:prstGeom>
-          <a:noFill/>
-        </p:spPr>
-        <p:txBody>
-          <a:bodyPr wrap="square" lIns="0" tIns="0" rIns="0" bIns="0" rtlCol="0">
-            <a:noAutofit/>
-          </a:bodyPr>
-          <a:lstStyle/>
-          <a:p>
-            <a:pPr algn="ctr"/>
-            <a:r>
-              <a:rPr lang="en-US" sz="1100" dirty="0" smtClean="0">
-                <a:solidFill>
-                  <a:srgbClr val="7030A0"/>
-                </a:solidFill>
-              </a:rPr>
-              <a:t>1</a:t>
-            </a:r>
-            <a:endParaRPr lang="en-SG" sz="1100" dirty="0">
-              <a:solidFill>
-                <a:srgbClr val="7030A0"/>
-              </a:solidFill>
-            </a:endParaRPr>
-          </a:p>
-        </p:txBody>
-      </p:sp>
-      <p:sp>
-        <p:nvSpPr>
-          <p:cNvPr id="70" name="TextBox 69"/>
-          <p:cNvSpPr txBox="1"/>
-          <p:nvPr/>
-        </p:nvSpPr>
-        <p:spPr>
-          <a:xfrm>
-            <a:off x="4800600" y="2971800"/>
-            <a:ext cx="189257" cy="178683"/>
-          </a:xfrm>
-          <a:prstGeom prst="rect">
-            <a:avLst/>
-          </a:prstGeom>
-          <a:noFill/>
-        </p:spPr>
-        <p:txBody>
-          <a:bodyPr wrap="square" lIns="0" tIns="0" rIns="0" bIns="0" rtlCol="0">
-            <a:noAutofit/>
-          </a:bodyPr>
-          <a:lstStyle/>
-          <a:p>
-            <a:pPr algn="ctr"/>
-            <a:r>
-              <a:rPr lang="en-US" sz="1100" dirty="0" smtClean="0">
-                <a:solidFill>
-                  <a:srgbClr val="7030A0"/>
-                </a:solidFill>
-              </a:rPr>
-              <a:t>1</a:t>
-            </a:r>
-            <a:endParaRPr lang="en-SG" sz="1100" dirty="0">
-              <a:solidFill>
-                <a:srgbClr val="7030A0"/>
-              </a:solidFill>
-            </a:endParaRPr>
-          </a:p>
-        </p:txBody>
-      </p:sp>
-      <p:sp>
-        <p:nvSpPr>
-          <p:cNvPr id="74" name="Rectangle 8"/>
+          <p:cNvPr id="89" name="Rectangle 8"/>
           <p:cNvSpPr/>
           <p:nvPr/>
         </p:nvSpPr>
         <p:spPr>
           <a:xfrm>
-            <a:off x="5410200" y="5562600"/>
-            <a:ext cx="708186" cy="285783"/>
+            <a:off x="5958340" y="2927761"/>
+            <a:ext cx="1135778" cy="346760"/>
           </a:xfrm>
           <a:prstGeom prst="rect">
             <a:avLst/>
@@ -5711,12 +6190,35 @@
           <a:p>
             <a:pPr algn="ctr"/>
             <a:r>
-              <a:rPr lang="en-US" altLang="zh-CN" sz="1050" dirty="0" smtClean="0">
+              <a:rPr lang="en-US" sz="1050" dirty="0" smtClean="0">
                 <a:solidFill>
                   <a:srgbClr val="7030A0"/>
                 </a:solidFill>
               </a:rPr>
-              <a:t>Priority</a:t>
+              <a:t>&lt;&lt;interface&gt;&gt;</a:t>
+            </a:r>
+            <a:br>
+              <a:rPr lang="en-US" sz="1050" dirty="0" smtClean="0">
+                <a:solidFill>
+                  <a:srgbClr val="7030A0"/>
+                </a:solidFill>
+              </a:rPr>
+            </a:br>
+            <a:r>
+              <a:rPr lang="en-US" sz="1050" dirty="0" err="1" smtClean="0">
+                <a:solidFill>
+                  <a:srgbClr val="7030A0"/>
+                </a:solidFill>
+              </a:rPr>
+              <a:t>ReadOnly</a:t>
+            </a:r>
+            <a:r>
+              <a:rPr lang="en-US" altLang="zh-CN" sz="1050" dirty="0" err="1" smtClean="0">
+                <a:solidFill>
+                  <a:srgbClr val="7030A0"/>
+                </a:solidFill>
+              </a:rPr>
+              <a:t>Event</a:t>
             </a:r>
             <a:endParaRPr lang="en-SG" sz="1050" dirty="0">
               <a:solidFill>
@@ -5728,14 +6230,14 @@
       </p:sp>
       <p:sp>
         <p:nvSpPr>
-          <p:cNvPr id="77" name="Rectangle 76"/>
+          <p:cNvPr id="101" name="Rectangle 8"/>
           <p:cNvSpPr/>
           <p:nvPr/>
         </p:nvSpPr>
         <p:spPr>
           <a:xfrm>
-            <a:off x="1676400" y="5562600"/>
-            <a:ext cx="708186" cy="285783"/>
+            <a:off x="7727518" y="2938482"/>
+            <a:ext cx="708186" cy="346760"/>
           </a:xfrm>
           <a:prstGeom prst="rect">
             <a:avLst/>
@@ -5763,101 +6265,7 @@
         </p:style>
         <p:txBody>
           <a:bodyPr rtlCol="0" anchor="ctr"/>
-          <a:lstStyle>
-            <a:defPPr>
-              <a:defRPr lang="en-US"/>
-            </a:defPPr>
-            <a:lvl1pPr marL="0" algn="l" defTabSz="914400" rtl="0" eaLnBrk="1" latinLnBrk="0" hangingPunct="1">
-              <a:defRPr sz="1800" kern="1200">
-                <a:solidFill>
-                  <a:schemeClr val="dk1"/>
-                </a:solidFill>
-                <a:latin typeface="+mn-lt"/>
-                <a:ea typeface="+mn-ea"/>
-                <a:cs typeface="+mn-cs"/>
-              </a:defRPr>
-            </a:lvl1pPr>
-            <a:lvl2pPr marL="457200" algn="l" defTabSz="914400" rtl="0" eaLnBrk="1" latinLnBrk="0" hangingPunct="1">
-              <a:defRPr sz="1800" kern="1200">
-                <a:solidFill>
-                  <a:schemeClr val="dk1"/>
-                </a:solidFill>
-                <a:latin typeface="+mn-lt"/>
-                <a:ea typeface="+mn-ea"/>
-                <a:cs typeface="+mn-cs"/>
-              </a:defRPr>
-            </a:lvl2pPr>
-            <a:lvl3pPr marL="914400" algn="l" defTabSz="914400" rtl="0" eaLnBrk="1" latinLnBrk="0" hangingPunct="1">
-              <a:defRPr sz="1800" kern="1200">
-                <a:solidFill>
-                  <a:schemeClr val="dk1"/>
-                </a:solidFill>
-                <a:latin typeface="+mn-lt"/>
-                <a:ea typeface="+mn-ea"/>
-                <a:cs typeface="+mn-cs"/>
-              </a:defRPr>
-            </a:lvl3pPr>
-            <a:lvl4pPr marL="1371600" algn="l" defTabSz="914400" rtl="0" eaLnBrk="1" latinLnBrk="0" hangingPunct="1">
-              <a:defRPr sz="1800" kern="1200">
-                <a:solidFill>
-                  <a:schemeClr val="dk1"/>
-                </a:solidFill>
-                <a:latin typeface="+mn-lt"/>
-                <a:ea typeface="+mn-ea"/>
-                <a:cs typeface="+mn-cs"/>
-              </a:defRPr>
-            </a:lvl4pPr>
-            <a:lvl5pPr marL="1828800" algn="l" defTabSz="914400" rtl="0" eaLnBrk="1" latinLnBrk="0" hangingPunct="1">
-              <a:defRPr sz="1800" kern="1200">
-                <a:solidFill>
-                  <a:schemeClr val="dk1"/>
-                </a:solidFill>
-                <a:latin typeface="+mn-lt"/>
-                <a:ea typeface="+mn-ea"/>
-                <a:cs typeface="+mn-cs"/>
-              </a:defRPr>
-            </a:lvl5pPr>
-            <a:lvl6pPr marL="2286000" algn="l" defTabSz="914400" rtl="0" eaLnBrk="1" latinLnBrk="0" hangingPunct="1">
-              <a:defRPr sz="1800" kern="1200">
-                <a:solidFill>
-                  <a:schemeClr val="dk1"/>
-                </a:solidFill>
-                <a:latin typeface="+mn-lt"/>
-                <a:ea typeface="+mn-ea"/>
-                <a:cs typeface="+mn-cs"/>
-              </a:defRPr>
-            </a:lvl6pPr>
-            <a:lvl7pPr marL="2743200" algn="l" defTabSz="914400" rtl="0" eaLnBrk="1" latinLnBrk="0" hangingPunct="1">
-              <a:defRPr sz="1800" kern="1200">
-                <a:solidFill>
-                  <a:schemeClr val="dk1"/>
-                </a:solidFill>
-                <a:latin typeface="+mn-lt"/>
-                <a:ea typeface="+mn-ea"/>
-                <a:cs typeface="+mn-cs"/>
-              </a:defRPr>
-            </a:lvl7pPr>
-            <a:lvl8pPr marL="3200400" algn="l" defTabSz="914400" rtl="0" eaLnBrk="1" latinLnBrk="0" hangingPunct="1">
-              <a:defRPr sz="1800" kern="1200">
-                <a:solidFill>
-                  <a:schemeClr val="dk1"/>
-                </a:solidFill>
-                <a:latin typeface="+mn-lt"/>
-                <a:ea typeface="+mn-ea"/>
-                <a:cs typeface="+mn-cs"/>
-              </a:defRPr>
-            </a:lvl8pPr>
-            <a:lvl9pPr marL="3657600" algn="l" defTabSz="914400" rtl="0" eaLnBrk="1" latinLnBrk="0" hangingPunct="1">
-              <a:defRPr sz="1800" kern="1200">
-                <a:solidFill>
-                  <a:schemeClr val="dk1"/>
-                </a:solidFill>
-                <a:latin typeface="+mn-lt"/>
-                <a:ea typeface="+mn-ea"/>
-                <a:cs typeface="+mn-cs"/>
-              </a:defRPr>
-            </a:lvl9pPr>
-          </a:lstStyle>
+          <a:lstStyle/>
           <a:p>
             <a:pPr algn="ctr"/>
             <a:r>
@@ -5866,23 +6274,7 @@
                   <a:srgbClr val="7030A0"/>
                 </a:solidFill>
               </a:rPr>
-              <a:t>Due</a:t>
-            </a:r>
-            <a:r>
-              <a:rPr lang="zh-CN" altLang="en-US" sz="1050" dirty="0" smtClean="0">
-                <a:solidFill>
-                  <a:srgbClr val="7030A0"/>
-                </a:solidFill>
-              </a:rPr>
-              <a:t> </a:t>
-            </a:r>
-            <a:r>
-              <a:rPr lang="en-US" altLang="zh-CN" sz="1050" dirty="0" smtClean="0">
-                <a:solidFill>
-                  <a:srgbClr val="7030A0"/>
-                </a:solidFill>
-              </a:rPr>
-              <a:t>date</a:t>
+              <a:t>Event</a:t>
             </a:r>
             <a:endParaRPr lang="en-SG" sz="1050" dirty="0">
               <a:solidFill>
@@ -5894,14 +6286,14 @@
       </p:sp>
       <p:sp>
         <p:nvSpPr>
-          <p:cNvPr id="88" name="Rectangle 87"/>
+          <p:cNvPr id="104" name="Rectangle 8"/>
           <p:cNvSpPr/>
           <p:nvPr/>
         </p:nvSpPr>
         <p:spPr>
           <a:xfrm>
-            <a:off x="762000" y="5562600"/>
-            <a:ext cx="708186" cy="285783"/>
+            <a:off x="4343400" y="3962400"/>
+            <a:ext cx="708186" cy="346760"/>
           </a:xfrm>
           <a:prstGeom prst="rect">
             <a:avLst/>
@@ -5929,101 +6321,7 @@
         </p:style>
         <p:txBody>
           <a:bodyPr rtlCol="0" anchor="ctr"/>
-          <a:lstStyle>
-            <a:defPPr>
-              <a:defRPr lang="en-US"/>
-            </a:defPPr>
-            <a:lvl1pPr marL="0" algn="l" defTabSz="914400" rtl="0" eaLnBrk="1" latinLnBrk="0" hangingPunct="1">
-              <a:defRPr sz="1800" kern="1200">
-                <a:solidFill>
-                  <a:schemeClr val="dk1"/>
-                </a:solidFill>
-                <a:latin typeface="+mn-lt"/>
-                <a:ea typeface="+mn-ea"/>
-                <a:cs typeface="+mn-cs"/>
-              </a:defRPr>
-            </a:lvl1pPr>
-            <a:lvl2pPr marL="457200" algn="l" defTabSz="914400" rtl="0" eaLnBrk="1" latinLnBrk="0" hangingPunct="1">
-              <a:defRPr sz="1800" kern="1200">
-                <a:solidFill>
-                  <a:schemeClr val="dk1"/>
-                </a:solidFill>
-                <a:latin typeface="+mn-lt"/>
-                <a:ea typeface="+mn-ea"/>
-                <a:cs typeface="+mn-cs"/>
-              </a:defRPr>
-            </a:lvl2pPr>
-            <a:lvl3pPr marL="914400" algn="l" defTabSz="914400" rtl="0" eaLnBrk="1" latinLnBrk="0" hangingPunct="1">
-              <a:defRPr sz="1800" kern="1200">
-                <a:solidFill>
-                  <a:schemeClr val="dk1"/>
-                </a:solidFill>
-                <a:latin typeface="+mn-lt"/>
-                <a:ea typeface="+mn-ea"/>
-                <a:cs typeface="+mn-cs"/>
-              </a:defRPr>
-            </a:lvl3pPr>
-            <a:lvl4pPr marL="1371600" algn="l" defTabSz="914400" rtl="0" eaLnBrk="1" latinLnBrk="0" hangingPunct="1">
-              <a:defRPr sz="1800" kern="1200">
-                <a:solidFill>
-                  <a:schemeClr val="dk1"/>
-                </a:solidFill>
-                <a:latin typeface="+mn-lt"/>
-                <a:ea typeface="+mn-ea"/>
-                <a:cs typeface="+mn-cs"/>
-              </a:defRPr>
-            </a:lvl4pPr>
-            <a:lvl5pPr marL="1828800" algn="l" defTabSz="914400" rtl="0" eaLnBrk="1" latinLnBrk="0" hangingPunct="1">
-              <a:defRPr sz="1800" kern="1200">
-                <a:solidFill>
-                  <a:schemeClr val="dk1"/>
-                </a:solidFill>
-                <a:latin typeface="+mn-lt"/>
-                <a:ea typeface="+mn-ea"/>
-                <a:cs typeface="+mn-cs"/>
-              </a:defRPr>
-            </a:lvl5pPr>
-            <a:lvl6pPr marL="2286000" algn="l" defTabSz="914400" rtl="0" eaLnBrk="1" latinLnBrk="0" hangingPunct="1">
-              <a:defRPr sz="1800" kern="1200">
-                <a:solidFill>
-                  <a:schemeClr val="dk1"/>
-                </a:solidFill>
-                <a:latin typeface="+mn-lt"/>
-                <a:ea typeface="+mn-ea"/>
-                <a:cs typeface="+mn-cs"/>
-              </a:defRPr>
-            </a:lvl6pPr>
-            <a:lvl7pPr marL="2743200" algn="l" defTabSz="914400" rtl="0" eaLnBrk="1" latinLnBrk="0" hangingPunct="1">
-              <a:defRPr sz="1800" kern="1200">
-                <a:solidFill>
-                  <a:schemeClr val="dk1"/>
-                </a:solidFill>
-                <a:latin typeface="+mn-lt"/>
-                <a:ea typeface="+mn-ea"/>
-                <a:cs typeface="+mn-cs"/>
-              </a:defRPr>
-            </a:lvl7pPr>
-            <a:lvl8pPr marL="3200400" algn="l" defTabSz="914400" rtl="0" eaLnBrk="1" latinLnBrk="0" hangingPunct="1">
-              <a:defRPr sz="1800" kern="1200">
-                <a:solidFill>
-                  <a:schemeClr val="dk1"/>
-                </a:solidFill>
-                <a:latin typeface="+mn-lt"/>
-                <a:ea typeface="+mn-ea"/>
-                <a:cs typeface="+mn-cs"/>
-              </a:defRPr>
-            </a:lvl8pPr>
-            <a:lvl9pPr marL="3657600" algn="l" defTabSz="914400" rtl="0" eaLnBrk="1" latinLnBrk="0" hangingPunct="1">
-              <a:defRPr sz="1800" kern="1200">
-                <a:solidFill>
-                  <a:schemeClr val="dk1"/>
-                </a:solidFill>
-                <a:latin typeface="+mn-lt"/>
-                <a:ea typeface="+mn-ea"/>
-                <a:cs typeface="+mn-cs"/>
-              </a:defRPr>
-            </a:lvl9pPr>
-          </a:lstStyle>
+          <a:lstStyle/>
           <a:p>
             <a:pPr algn="ctr"/>
             <a:r>
@@ -6032,7 +6330,7 @@
                   <a:srgbClr val="7030A0"/>
                 </a:solidFill>
               </a:rPr>
-              <a:t>Name</a:t>
+              <a:t>Task</a:t>
             </a:r>
             <a:endParaRPr lang="en-SG" sz="1050" dirty="0">
               <a:solidFill>
@@ -6044,14 +6342,14 @@
       </p:sp>
       <p:sp>
         <p:nvSpPr>
-          <p:cNvPr id="73" name="Rectangle 8"/>
+          <p:cNvPr id="132" name="Rectangle 8"/>
           <p:cNvSpPr/>
           <p:nvPr/>
         </p:nvSpPr>
         <p:spPr>
           <a:xfrm>
-            <a:off x="6400800" y="5562600"/>
-            <a:ext cx="708186" cy="285783"/>
+            <a:off x="4200525" y="4648200"/>
+            <a:ext cx="990600" cy="381000"/>
           </a:xfrm>
           <a:prstGeom prst="rect">
             <a:avLst/>
@@ -6083,12 +6381,27 @@
           <a:p>
             <a:pPr algn="ctr"/>
             <a:r>
-              <a:rPr lang="en-US" altLang="zh-CN" sz="1050" dirty="0" smtClean="0">
+              <a:rPr lang="en-US" sz="1050" dirty="0" smtClean="0">
                 <a:solidFill>
                   <a:srgbClr val="7030A0"/>
                 </a:solidFill>
               </a:rPr>
-              <a:t>Favorite</a:t>
+              <a:t>&lt;&lt;interface&gt;&gt;</a:t>
+            </a:r>
+            <a:br>
+              <a:rPr lang="en-US" sz="1050" dirty="0" smtClean="0">
+                <a:solidFill>
+                  <a:srgbClr val="7030A0"/>
+                </a:solidFill>
+              </a:rPr>
+            </a:br>
+            <a:r>
+              <a:rPr lang="en-US" sz="1050" dirty="0" smtClean="0">
+                <a:solidFill>
+                  <a:srgbClr val="7030A0"/>
+                </a:solidFill>
+              </a:rPr>
+              <a:t>TaskField</a:t>
             </a:r>
             <a:endParaRPr lang="en-SG" sz="1050" dirty="0">
               <a:solidFill>
@@ -6098,415 +6411,19 @@
           </a:p>
         </p:txBody>
       </p:sp>
-      <p:sp>
-        <p:nvSpPr>
-          <p:cNvPr id="90" name="Rectangle 8"/>
-          <p:cNvSpPr/>
-          <p:nvPr/>
-        </p:nvSpPr>
-        <p:spPr>
-          <a:xfrm>
-            <a:off x="7391400" y="5562600"/>
-            <a:ext cx="708186" cy="285783"/>
-          </a:xfrm>
-          <a:prstGeom prst="rect">
-            <a:avLst/>
-          </a:prstGeom>
-          <a:ln w="19050">
-            <a:solidFill>
-              <a:srgbClr val="7030A0"/>
-            </a:solidFill>
-          </a:ln>
-          <a:effectLst/>
-        </p:spPr>
-        <p:style>
-          <a:lnRef idx="1">
-            <a:schemeClr val="accent4"/>
-          </a:lnRef>
-          <a:fillRef idx="2">
-            <a:schemeClr val="accent4"/>
-          </a:fillRef>
-          <a:effectRef idx="1">
-            <a:schemeClr val="accent4"/>
-          </a:effectRef>
-          <a:fontRef idx="minor">
-            <a:schemeClr val="dk1"/>
-          </a:fontRef>
-        </p:style>
-        <p:txBody>
-          <a:bodyPr rtlCol="0" anchor="ctr"/>
-          <a:lstStyle/>
-          <a:p>
-            <a:pPr algn="ctr"/>
-            <a:r>
-              <a:rPr lang="en-US" altLang="zh-CN" sz="1050" dirty="0" smtClean="0">
-                <a:solidFill>
-                  <a:srgbClr val="7030A0"/>
-                </a:solidFill>
-              </a:rPr>
-              <a:t>Finished</a:t>
-            </a:r>
-            <a:endParaRPr lang="en-SG" sz="1050" dirty="0">
-              <a:solidFill>
-                <a:srgbClr val="7030A0"/>
-              </a:solidFill>
-            </a:endParaRPr>
-          </a:p>
-        </p:txBody>
-      </p:sp>
-      <p:cxnSp>
-        <p:nvCxnSpPr>
-          <p:cNvPr id="93" name="Elbow Connector 92"/>
-          <p:cNvCxnSpPr/>
-          <p:nvPr/>
-        </p:nvCxnSpPr>
-        <p:spPr>
-          <a:xfrm rot="5400000">
-            <a:off x="4717847" y="2828411"/>
-            <a:ext cx="1292942" cy="975036"/>
-          </a:xfrm>
-          <a:prstGeom prst="bentConnector3">
-            <a:avLst>
-              <a:gd name="adj1" fmla="val 50000"/>
-            </a:avLst>
-          </a:prstGeom>
-          <a:ln w="19050">
-            <a:solidFill>
-              <a:srgbClr val="7030A0"/>
-            </a:solidFill>
-            <a:headEnd type="none" w="med" len="med"/>
-            <a:tailEnd type="arrow" w="med" len="med"/>
-          </a:ln>
-          <a:effectLst/>
-        </p:spPr>
-        <p:style>
-          <a:lnRef idx="1">
-            <a:schemeClr val="accent2"/>
-          </a:lnRef>
-          <a:fillRef idx="2">
-            <a:schemeClr val="accent2"/>
-          </a:fillRef>
-          <a:effectRef idx="1">
-            <a:schemeClr val="accent2"/>
-          </a:effectRef>
-          <a:fontRef idx="minor">
-            <a:schemeClr val="dk1"/>
-          </a:fontRef>
-        </p:style>
-      </p:cxnSp>
-      <p:sp>
-        <p:nvSpPr>
-          <p:cNvPr id="94" name="TextBox 93"/>
-          <p:cNvSpPr txBox="1"/>
-          <p:nvPr/>
-        </p:nvSpPr>
-        <p:spPr>
-          <a:xfrm>
-            <a:off x="5029200" y="3810000"/>
-            <a:ext cx="189257" cy="178683"/>
-          </a:xfrm>
-          <a:prstGeom prst="rect">
-            <a:avLst/>
-          </a:prstGeom>
-          <a:noFill/>
-        </p:spPr>
-        <p:txBody>
-          <a:bodyPr wrap="square" lIns="0" tIns="0" rIns="0" bIns="0" rtlCol="0">
-            <a:noAutofit/>
-          </a:bodyPr>
-          <a:lstStyle/>
-          <a:p>
-            <a:pPr algn="ctr"/>
-            <a:r>
-              <a:rPr lang="zh-CN" altLang="en-US" sz="1100" dirty="0">
-                <a:solidFill>
-                  <a:srgbClr val="7030A0"/>
-                </a:solidFill>
-              </a:rPr>
-              <a:t>*</a:t>
-            </a:r>
-            <a:endParaRPr lang="en-SG" sz="1100" dirty="0">
-              <a:solidFill>
-                <a:srgbClr val="7030A0"/>
-              </a:solidFill>
-            </a:endParaRPr>
-          </a:p>
-        </p:txBody>
-      </p:sp>
-      <p:sp>
-        <p:nvSpPr>
-          <p:cNvPr id="89" name="Rectangle 8"/>
-          <p:cNvSpPr/>
-          <p:nvPr/>
-        </p:nvSpPr>
-        <p:spPr>
-          <a:xfrm>
-            <a:off x="6477000" y="2057400"/>
-            <a:ext cx="1135778" cy="346760"/>
-          </a:xfrm>
-          <a:prstGeom prst="rect">
-            <a:avLst/>
-          </a:prstGeom>
-          <a:ln w="19050">
-            <a:solidFill>
-              <a:srgbClr val="7030A0"/>
-            </a:solidFill>
-          </a:ln>
-          <a:effectLst/>
-        </p:spPr>
-        <p:style>
-          <a:lnRef idx="1">
-            <a:schemeClr val="accent4"/>
-          </a:lnRef>
-          <a:fillRef idx="2">
-            <a:schemeClr val="accent4"/>
-          </a:fillRef>
-          <a:effectRef idx="1">
-            <a:schemeClr val="accent4"/>
-          </a:effectRef>
-          <a:fontRef idx="minor">
-            <a:schemeClr val="dk1"/>
-          </a:fontRef>
-        </p:style>
-        <p:txBody>
-          <a:bodyPr rtlCol="0" anchor="ctr"/>
-          <a:lstStyle/>
-          <a:p>
-            <a:pPr algn="ctr"/>
-            <a:r>
-              <a:rPr lang="en-US" sz="1050" dirty="0" smtClean="0">
-                <a:solidFill>
-                  <a:srgbClr val="7030A0"/>
-                </a:solidFill>
-              </a:rPr>
-              <a:t>&lt;&lt;interface&gt;&gt;</a:t>
-            </a:r>
-            <a:br>
-              <a:rPr lang="en-US" sz="1050" dirty="0" smtClean="0">
-                <a:solidFill>
-                  <a:srgbClr val="7030A0"/>
-                </a:solidFill>
-              </a:rPr>
-            </a:br>
-            <a:r>
-              <a:rPr lang="en-US" sz="1050" dirty="0" err="1" smtClean="0">
-                <a:solidFill>
-                  <a:srgbClr val="7030A0"/>
-                </a:solidFill>
-              </a:rPr>
-              <a:t>ReadOnly</a:t>
-            </a:r>
-            <a:r>
-              <a:rPr lang="en-US" altLang="zh-CN" sz="1050" dirty="0" err="1" smtClean="0">
-                <a:solidFill>
-                  <a:srgbClr val="7030A0"/>
-                </a:solidFill>
-              </a:rPr>
-              <a:t>Event</a:t>
-            </a:r>
-            <a:endParaRPr lang="en-SG" sz="1050" dirty="0">
-              <a:solidFill>
-                <a:srgbClr val="7030A0"/>
-              </a:solidFill>
-            </a:endParaRPr>
-          </a:p>
-        </p:txBody>
-      </p:sp>
-      <p:sp>
-        <p:nvSpPr>
-          <p:cNvPr id="101" name="Rectangle 8"/>
-          <p:cNvSpPr/>
-          <p:nvPr/>
-        </p:nvSpPr>
-        <p:spPr>
-          <a:xfrm>
-            <a:off x="6781800" y="2895600"/>
-            <a:ext cx="708186" cy="346760"/>
-          </a:xfrm>
-          <a:prstGeom prst="rect">
-            <a:avLst/>
-          </a:prstGeom>
-          <a:ln w="19050">
-            <a:solidFill>
-              <a:srgbClr val="7030A0"/>
-            </a:solidFill>
-          </a:ln>
-          <a:effectLst/>
-        </p:spPr>
-        <p:style>
-          <a:lnRef idx="1">
-            <a:schemeClr val="accent4"/>
-          </a:lnRef>
-          <a:fillRef idx="2">
-            <a:schemeClr val="accent4"/>
-          </a:fillRef>
-          <a:effectRef idx="1">
-            <a:schemeClr val="accent4"/>
-          </a:effectRef>
-          <a:fontRef idx="minor">
-            <a:schemeClr val="dk1"/>
-          </a:fontRef>
-        </p:style>
-        <p:txBody>
-          <a:bodyPr rtlCol="0" anchor="ctr"/>
-          <a:lstStyle/>
-          <a:p>
-            <a:pPr algn="ctr"/>
-            <a:r>
-              <a:rPr lang="en-US" altLang="zh-CN" sz="1050" dirty="0" smtClean="0">
-                <a:solidFill>
-                  <a:srgbClr val="7030A0"/>
-                </a:solidFill>
-              </a:rPr>
-              <a:t>Event</a:t>
-            </a:r>
-            <a:endParaRPr lang="en-SG" sz="1050" dirty="0">
-              <a:solidFill>
-                <a:srgbClr val="7030A0"/>
-              </a:solidFill>
-            </a:endParaRPr>
-          </a:p>
-        </p:txBody>
-      </p:sp>
-      <p:sp>
-        <p:nvSpPr>
-          <p:cNvPr id="104" name="Rectangle 8"/>
-          <p:cNvSpPr/>
-          <p:nvPr/>
-        </p:nvSpPr>
-        <p:spPr>
-          <a:xfrm>
-            <a:off x="4343400" y="3962400"/>
-            <a:ext cx="708186" cy="346760"/>
-          </a:xfrm>
-          <a:prstGeom prst="rect">
-            <a:avLst/>
-          </a:prstGeom>
-          <a:ln w="19050">
-            <a:solidFill>
-              <a:srgbClr val="7030A0"/>
-            </a:solidFill>
-          </a:ln>
-          <a:effectLst/>
-        </p:spPr>
-        <p:style>
-          <a:lnRef idx="1">
-            <a:schemeClr val="accent4"/>
-          </a:lnRef>
-          <a:fillRef idx="2">
-            <a:schemeClr val="accent4"/>
-          </a:fillRef>
-          <a:effectRef idx="1">
-            <a:schemeClr val="accent4"/>
-          </a:effectRef>
-          <a:fontRef idx="minor">
-            <a:schemeClr val="dk1"/>
-          </a:fontRef>
-        </p:style>
-        <p:txBody>
-          <a:bodyPr rtlCol="0" anchor="ctr"/>
-          <a:lstStyle/>
-          <a:p>
-            <a:pPr algn="ctr"/>
-            <a:r>
-              <a:rPr lang="en-US" altLang="zh-CN" sz="1050" dirty="0" smtClean="0">
-                <a:solidFill>
-                  <a:srgbClr val="7030A0"/>
-                </a:solidFill>
-              </a:rPr>
-              <a:t>Task</a:t>
-            </a:r>
-            <a:endParaRPr lang="en-SG" sz="1050" dirty="0">
-              <a:solidFill>
-                <a:srgbClr val="7030A0"/>
-              </a:solidFill>
-            </a:endParaRPr>
-          </a:p>
-        </p:txBody>
-      </p:sp>
-      <p:sp>
-        <p:nvSpPr>
-          <p:cNvPr id="132" name="Rectangle 8"/>
-          <p:cNvSpPr/>
-          <p:nvPr/>
-        </p:nvSpPr>
-        <p:spPr>
-          <a:xfrm>
-            <a:off x="4200525" y="4648200"/>
-            <a:ext cx="990600" cy="381000"/>
-          </a:xfrm>
-          <a:prstGeom prst="rect">
-            <a:avLst/>
-          </a:prstGeom>
-          <a:ln w="19050">
-            <a:solidFill>
-              <a:srgbClr val="7030A0"/>
-            </a:solidFill>
-          </a:ln>
-          <a:effectLst/>
-        </p:spPr>
-        <p:style>
-          <a:lnRef idx="1">
-            <a:schemeClr val="accent4"/>
-          </a:lnRef>
-          <a:fillRef idx="2">
-            <a:schemeClr val="accent4"/>
-          </a:fillRef>
-          <a:effectRef idx="1">
-            <a:schemeClr val="accent4"/>
-          </a:effectRef>
-          <a:fontRef idx="minor">
-            <a:schemeClr val="dk1"/>
-          </a:fontRef>
-        </p:style>
-        <p:txBody>
-          <a:bodyPr rtlCol="0" anchor="ctr"/>
-          <a:lstStyle/>
-          <a:p>
-            <a:pPr algn="ctr"/>
-            <a:r>
-              <a:rPr lang="en-US" sz="1050" dirty="0" smtClean="0">
-                <a:solidFill>
-                  <a:srgbClr val="7030A0"/>
-                </a:solidFill>
-              </a:rPr>
-              <a:t>&lt;&lt;interface&gt;&gt;</a:t>
-            </a:r>
-            <a:br>
-              <a:rPr lang="en-US" sz="1050" dirty="0" smtClean="0">
-                <a:solidFill>
-                  <a:srgbClr val="7030A0"/>
-                </a:solidFill>
-              </a:rPr>
-            </a:br>
-            <a:r>
-              <a:rPr lang="en-US" sz="1050" dirty="0" smtClean="0">
-                <a:solidFill>
-                  <a:srgbClr val="7030A0"/>
-                </a:solidFill>
-              </a:rPr>
-              <a:t>TaskField</a:t>
-            </a:r>
-            <a:endParaRPr lang="en-SG" sz="1050" dirty="0">
-              <a:solidFill>
-                <a:srgbClr val="7030A0"/>
-              </a:solidFill>
-            </a:endParaRPr>
-          </a:p>
-        </p:txBody>
-      </p:sp>
       <p:cxnSp>
         <p:nvCxnSpPr>
           <p:cNvPr id="194" name="Elbow Connector 63"/>
           <p:cNvCxnSpPr>
             <a:stCxn id="195" idx="3"/>
+            <a:endCxn id="101" idx="1"/>
           </p:cNvCxnSpPr>
           <p:nvPr/>
         </p:nvCxnSpPr>
         <p:spPr>
-          <a:xfrm rot="16200000" flipH="1">
-            <a:off x="6998740" y="2732259"/>
-            <a:ext cx="293825" cy="1"/>
+          <a:xfrm flipV="1">
+            <a:off x="7274056" y="3111862"/>
+            <a:ext cx="453462" cy="1929"/>
           </a:xfrm>
           <a:prstGeom prst="bentConnector3">
             <a:avLst>
@@ -6545,8 +6462,8 @@
           <p:nvPr/>
         </p:nvSpPr>
         <p:spPr>
-          <a:xfrm rot="10800000" flipV="1">
-            <a:off x="7010400" y="2409825"/>
+          <a:xfrm rot="5295786" flipV="1">
+            <a:off x="7051083" y="3028690"/>
             <a:ext cx="270504" cy="175523"/>
           </a:xfrm>
           <a:prstGeom prst="triangle">
@@ -6593,8 +6510,8 @@
           <p:nvPr/>
         </p:nvSpPr>
         <p:spPr>
-          <a:xfrm rot="5400000" flipV="1">
-            <a:off x="4991235" y="4019416"/>
+          <a:xfrm rot="10800000" flipV="1">
+            <a:off x="4781363" y="4318880"/>
             <a:ext cx="270504" cy="175523"/>
           </a:xfrm>
           <a:prstGeom prst="triangle">
@@ -6644,12 +6561,14 @@
           <p:nvPr/>
         </p:nvCxnSpPr>
         <p:spPr>
-          <a:xfrm flipV="1">
-            <a:off x="5214249" y="3242360"/>
-            <a:ext cx="1921644" cy="864818"/>
-          </a:xfrm>
-          <a:prstGeom prst="bentConnector2">
-            <a:avLst/>
+          <a:xfrm rot="5400000" flipH="1" flipV="1">
+            <a:off x="5894532" y="2307325"/>
+            <a:ext cx="1209161" cy="3164996"/>
+          </a:xfrm>
+          <a:prstGeom prst="bentConnector3">
+            <a:avLst>
+              <a:gd name="adj1" fmla="val -8319"/>
+            </a:avLst>
           </a:prstGeom>
           <a:ln w="19050">
             <a:solidFill>
@@ -7116,10 +7035,362 @@
           </a:fontRef>
         </p:style>
       </p:cxnSp>
+      <p:sp>
+        <p:nvSpPr>
+          <p:cNvPr id="113" name="Isosceles Triangle 102"/>
+          <p:cNvSpPr/>
+          <p:nvPr/>
+        </p:nvSpPr>
+        <p:spPr>
+          <a:xfrm rot="5295786" flipV="1">
+            <a:off x="7082898" y="3995178"/>
+            <a:ext cx="270504" cy="175523"/>
+          </a:xfrm>
+          <a:prstGeom prst="triangle">
+            <a:avLst/>
+          </a:prstGeom>
+          <a:ln w="19050">
+            <a:solidFill>
+              <a:srgbClr val="7030A0"/>
+            </a:solidFill>
+          </a:ln>
+          <a:effectLst/>
+        </p:spPr>
+        <p:style>
+          <a:lnRef idx="1">
+            <a:schemeClr val="accent4"/>
+          </a:lnRef>
+          <a:fillRef idx="2">
+            <a:schemeClr val="accent4"/>
+          </a:fillRef>
+          <a:effectRef idx="1">
+            <a:schemeClr val="accent4"/>
+          </a:effectRef>
+          <a:fontRef idx="minor">
+            <a:schemeClr val="dk1"/>
+          </a:fontRef>
+        </p:style>
+        <p:txBody>
+          <a:bodyPr rtlCol="0" anchor="ctr"/>
+          <a:lstStyle/>
+          <a:p>
+            <a:pPr algn="ctr"/>
+            <a:endParaRPr lang="en-SG" sz="1050" b="1">
+              <a:solidFill>
+                <a:srgbClr val="92D050"/>
+              </a:solidFill>
+            </a:endParaRPr>
+          </a:p>
+        </p:txBody>
+      </p:sp>
+      <p:cxnSp>
+        <p:nvCxnSpPr>
+          <p:cNvPr id="115" name="Elbow Connector 63"/>
+          <p:cNvCxnSpPr/>
+          <p:nvPr/>
+        </p:nvCxnSpPr>
+        <p:spPr>
+          <a:xfrm rot="5400000" flipH="1" flipV="1">
+            <a:off x="7223898" y="3382038"/>
+            <a:ext cx="786975" cy="614829"/>
+          </a:xfrm>
+          <a:prstGeom prst="bentConnector3">
+            <a:avLst>
+              <a:gd name="adj1" fmla="val -1124"/>
+            </a:avLst>
+          </a:prstGeom>
+          <a:ln w="19050">
+            <a:solidFill>
+              <a:srgbClr val="7030A0"/>
+            </a:solidFill>
+            <a:prstDash val="sysDot"/>
+            <a:headEnd type="none" w="med" len="med"/>
+            <a:tailEnd type="none" w="med" len="med"/>
+          </a:ln>
+          <a:effectLst/>
+        </p:spPr>
+        <p:style>
+          <a:lnRef idx="1">
+            <a:schemeClr val="accent2"/>
+          </a:lnRef>
+          <a:fillRef idx="2">
+            <a:schemeClr val="accent2"/>
+          </a:fillRef>
+          <a:effectRef idx="1">
+            <a:schemeClr val="accent2"/>
+          </a:effectRef>
+          <a:fontRef idx="minor">
+            <a:schemeClr val="dk1"/>
+          </a:fontRef>
+        </p:style>
+      </p:cxnSp>
+      <p:sp>
+        <p:nvSpPr>
+          <p:cNvPr id="121" name="Isosceles Triangle 102"/>
+          <p:cNvSpPr/>
+          <p:nvPr/>
+        </p:nvSpPr>
+        <p:spPr>
+          <a:xfrm rot="16200000" flipV="1">
+            <a:off x="5735326" y="4033305"/>
+            <a:ext cx="270504" cy="175523"/>
+          </a:xfrm>
+          <a:prstGeom prst="triangle">
+            <a:avLst/>
+          </a:prstGeom>
+          <a:ln w="19050">
+            <a:solidFill>
+              <a:srgbClr val="7030A0"/>
+            </a:solidFill>
+          </a:ln>
+          <a:effectLst/>
+        </p:spPr>
+        <p:style>
+          <a:lnRef idx="1">
+            <a:schemeClr val="accent4"/>
+          </a:lnRef>
+          <a:fillRef idx="2">
+            <a:schemeClr val="accent4"/>
+          </a:fillRef>
+          <a:effectRef idx="1">
+            <a:schemeClr val="accent4"/>
+          </a:effectRef>
+          <a:fontRef idx="minor">
+            <a:schemeClr val="dk1"/>
+          </a:fontRef>
+        </p:style>
+        <p:txBody>
+          <a:bodyPr rtlCol="0" anchor="ctr"/>
+          <a:lstStyle/>
+          <a:p>
+            <a:pPr algn="ctr"/>
+            <a:endParaRPr lang="en-SG" sz="1050" b="1">
+              <a:solidFill>
+                <a:srgbClr val="92D050"/>
+              </a:solidFill>
+            </a:endParaRPr>
+          </a:p>
+        </p:txBody>
+      </p:sp>
+      <p:cxnSp>
+        <p:nvCxnSpPr>
+          <p:cNvPr id="131" name="Elbow Connector 63"/>
+          <p:cNvCxnSpPr>
+            <a:stCxn id="71" idx="3"/>
+            <a:endCxn id="89" idx="2"/>
+          </p:cNvCxnSpPr>
+          <p:nvPr/>
+        </p:nvCxnSpPr>
+        <p:spPr>
+          <a:xfrm rot="16200000" flipV="1">
+            <a:off x="6311468" y="3489283"/>
+            <a:ext cx="467629" cy="38105"/>
+          </a:xfrm>
+          <a:prstGeom prst="bentConnector3">
+            <a:avLst>
+              <a:gd name="adj1" fmla="val 102796"/>
+            </a:avLst>
+          </a:prstGeom>
+          <a:ln w="19050">
+            <a:solidFill>
+              <a:srgbClr val="7030A0"/>
+            </a:solidFill>
+            <a:prstDash val="sysDot"/>
+            <a:headEnd type="none" w="med" len="med"/>
+            <a:tailEnd type="none" w="med" len="med"/>
+          </a:ln>
+          <a:effectLst/>
+        </p:spPr>
+        <p:style>
+          <a:lnRef idx="1">
+            <a:schemeClr val="accent2"/>
+          </a:lnRef>
+          <a:fillRef idx="2">
+            <a:schemeClr val="accent2"/>
+          </a:fillRef>
+          <a:effectRef idx="1">
+            <a:schemeClr val="accent2"/>
+          </a:effectRef>
+          <a:fontRef idx="minor">
+            <a:schemeClr val="dk1"/>
+          </a:fontRef>
+        </p:style>
+      </p:cxnSp>
+      <p:cxnSp>
+        <p:nvCxnSpPr>
+          <p:cNvPr id="135" name="Elbow Connector 63"/>
+          <p:cNvCxnSpPr/>
+          <p:nvPr/>
+        </p:nvCxnSpPr>
+        <p:spPr>
+          <a:xfrm>
+            <a:off x="5046779" y="4122950"/>
+            <a:ext cx="707312" cy="991"/>
+          </a:xfrm>
+          <a:prstGeom prst="bentConnector3">
+            <a:avLst>
+              <a:gd name="adj1" fmla="val 50000"/>
+            </a:avLst>
+          </a:prstGeom>
+          <a:ln w="19050">
+            <a:solidFill>
+              <a:srgbClr val="7030A0"/>
+            </a:solidFill>
+            <a:prstDash val="sysDot"/>
+            <a:headEnd type="none" w="med" len="med"/>
+            <a:tailEnd type="none" w="med" len="med"/>
+          </a:ln>
+          <a:effectLst/>
+        </p:spPr>
+        <p:style>
+          <a:lnRef idx="1">
+            <a:schemeClr val="accent2"/>
+          </a:lnRef>
+          <a:fillRef idx="2">
+            <a:schemeClr val="accent2"/>
+          </a:fillRef>
+          <a:effectRef idx="1">
+            <a:schemeClr val="accent2"/>
+          </a:effectRef>
+          <a:fontRef idx="minor">
+            <a:schemeClr val="dk1"/>
+          </a:fontRef>
+        </p:style>
+      </p:cxnSp>
+      <p:sp>
+        <p:nvSpPr>
+          <p:cNvPr id="138" name="Isosceles Triangle 102"/>
+          <p:cNvSpPr/>
+          <p:nvPr/>
+        </p:nvSpPr>
+        <p:spPr>
+          <a:xfrm rot="5400000" flipV="1">
+            <a:off x="5143635" y="4753403"/>
+            <a:ext cx="270504" cy="175523"/>
+          </a:xfrm>
+          <a:prstGeom prst="triangle">
+            <a:avLst/>
+          </a:prstGeom>
+          <a:ln w="19050">
+            <a:solidFill>
+              <a:srgbClr val="7030A0"/>
+            </a:solidFill>
+          </a:ln>
+          <a:effectLst/>
+        </p:spPr>
+        <p:style>
+          <a:lnRef idx="1">
+            <a:schemeClr val="accent4"/>
+          </a:lnRef>
+          <a:fillRef idx="2">
+            <a:schemeClr val="accent4"/>
+          </a:fillRef>
+          <a:effectRef idx="1">
+            <a:schemeClr val="accent4"/>
+          </a:effectRef>
+          <a:fontRef idx="minor">
+            <a:schemeClr val="dk1"/>
+          </a:fontRef>
+        </p:style>
+        <p:txBody>
+          <a:bodyPr rtlCol="0" anchor="ctr"/>
+          <a:lstStyle/>
+          <a:p>
+            <a:pPr algn="ctr"/>
+            <a:endParaRPr lang="en-SG" sz="1050" b="1">
+              <a:solidFill>
+                <a:srgbClr val="92D050"/>
+              </a:solidFill>
+            </a:endParaRPr>
+          </a:p>
+        </p:txBody>
+      </p:sp>
+      <p:cxnSp>
+        <p:nvCxnSpPr>
+          <p:cNvPr id="139" name="Elbow Connector 63"/>
+          <p:cNvCxnSpPr>
+            <a:endCxn id="67" idx="3"/>
+          </p:cNvCxnSpPr>
+          <p:nvPr/>
+        </p:nvCxnSpPr>
+        <p:spPr>
+          <a:xfrm rot="16200000" flipV="1">
+            <a:off x="3970840" y="3194414"/>
+            <a:ext cx="2678187" cy="610385"/>
+          </a:xfrm>
+          <a:prstGeom prst="bentConnector2">
+            <a:avLst/>
+          </a:prstGeom>
+          <a:ln w="19050">
+            <a:solidFill>
+              <a:srgbClr val="7030A0"/>
+            </a:solidFill>
+            <a:prstDash val="sysDot"/>
+            <a:headEnd type="none" w="med" len="med"/>
+            <a:tailEnd type="none" w="med" len="med"/>
+          </a:ln>
+          <a:effectLst/>
+        </p:spPr>
+        <p:style>
+          <a:lnRef idx="1">
+            <a:schemeClr val="accent2"/>
+          </a:lnRef>
+          <a:fillRef idx="2">
+            <a:schemeClr val="accent2"/>
+          </a:fillRef>
+          <a:effectRef idx="1">
+            <a:schemeClr val="accent2"/>
+          </a:effectRef>
+          <a:fontRef idx="minor">
+            <a:schemeClr val="dk1"/>
+          </a:fontRef>
+        </p:style>
+      </p:cxnSp>
+      <p:cxnSp>
+        <p:nvCxnSpPr>
+          <p:cNvPr id="143" name="Elbow Connector 63"/>
+          <p:cNvCxnSpPr/>
+          <p:nvPr/>
+        </p:nvCxnSpPr>
+        <p:spPr>
+          <a:xfrm flipV="1">
+            <a:off x="5374906" y="4849421"/>
+            <a:ext cx="240220" cy="11004"/>
+          </a:xfrm>
+          <a:prstGeom prst="bentConnector3">
+            <a:avLst>
+              <a:gd name="adj1" fmla="val 50000"/>
+            </a:avLst>
+          </a:prstGeom>
+          <a:ln w="19050">
+            <a:solidFill>
+              <a:srgbClr val="7030A0"/>
+            </a:solidFill>
+            <a:prstDash val="sysDot"/>
+            <a:headEnd type="none" w="med" len="med"/>
+            <a:tailEnd type="none" w="med" len="med"/>
+          </a:ln>
+          <a:effectLst/>
+        </p:spPr>
+        <p:style>
+          <a:lnRef idx="1">
+            <a:schemeClr val="accent2"/>
+          </a:lnRef>
+          <a:fillRef idx="2">
+            <a:schemeClr val="accent2"/>
+          </a:fillRef>
+          <a:effectRef idx="1">
+            <a:schemeClr val="accent2"/>
+          </a:effectRef>
+          <a:fontRef idx="minor">
+            <a:schemeClr val="dk1"/>
+          </a:fontRef>
+        </p:style>
+      </p:cxnSp>
     </p:spTree>
     <p:extLst>
       <p:ext uri="{BB962C8B-B14F-4D97-AF65-F5344CB8AC3E}">
-        <p14:creationId xmlns:p14="http://schemas.microsoft.com/office/powerpoint/2010/main" xmlns="" val="2396968029"/>
+        <p14:creationId xmlns:p14="http://schemas.microsoft.com/office/powerpoint/2010/main" val="2396968029"/>
       </p:ext>
     </p:extLst>
   </p:cSld>

--- a/docs/diagrams/ModelComponentClassDiagram.pptx
+++ b/docs/diagrams/ModelComponentClassDiagram.pptx
@@ -209,7 +209,7 @@
             <a:fld id="{F5CC4B3F-88C1-4FFA-B1B6-F41C21DC6924}" type="datetimeFigureOut">
               <a:rPr lang="en-US" smtClean="0"/>
               <a:pPr/>
-              <a:t>3/27/17</a:t>
+              <a:t>3/28/17</a:t>
             </a:fld>
             <a:endParaRPr lang="en-US"/>
           </a:p>
@@ -478,6 +478,91 @@
 </p:notesMaster>
 </file>
 
+<file path=ppt/notesSlides/notesSlide1.xml><?xml version="1.0" encoding="utf-8"?>
+<p:notes xmlns:a="http://schemas.openxmlformats.org/drawingml/2006/main" xmlns:r="http://schemas.openxmlformats.org/officeDocument/2006/relationships" xmlns:p="http://schemas.openxmlformats.org/presentationml/2006/main">
+  <p:cSld>
+    <p:spTree>
+      <p:nvGrpSpPr>
+        <p:cNvPr id="1" name=""/>
+        <p:cNvGrpSpPr/>
+        <p:nvPr/>
+      </p:nvGrpSpPr>
+      <p:grpSpPr>
+        <a:xfrm>
+          <a:off x="0" y="0"/>
+          <a:ext cx="0" cy="0"/>
+          <a:chOff x="0" y="0"/>
+          <a:chExt cx="0" cy="0"/>
+        </a:xfrm>
+      </p:grpSpPr>
+      <p:sp>
+        <p:nvSpPr>
+          <p:cNvPr id="2" name="Slide Image Placeholder 1"/>
+          <p:cNvSpPr>
+            <a:spLocks noGrp="1" noRot="1" noChangeAspect="1"/>
+          </p:cNvSpPr>
+          <p:nvPr>
+            <p:ph type="sldImg"/>
+          </p:nvPr>
+        </p:nvSpPr>
+        <p:spPr/>
+      </p:sp>
+      <p:sp>
+        <p:nvSpPr>
+          <p:cNvPr id="3" name="Notes Placeholder 2"/>
+          <p:cNvSpPr>
+            <a:spLocks noGrp="1"/>
+          </p:cNvSpPr>
+          <p:nvPr>
+            <p:ph type="body" idx="1"/>
+          </p:nvPr>
+        </p:nvSpPr>
+        <p:spPr/>
+        <p:txBody>
+          <a:bodyPr/>
+          <a:lstStyle/>
+          <a:p>
+            <a:endParaRPr lang="en-US" dirty="0"/>
+          </a:p>
+        </p:txBody>
+      </p:sp>
+      <p:sp>
+        <p:nvSpPr>
+          <p:cNvPr id="4" name="Slide Number Placeholder 3"/>
+          <p:cNvSpPr>
+            <a:spLocks noGrp="1"/>
+          </p:cNvSpPr>
+          <p:nvPr>
+            <p:ph type="sldNum" sz="quarter" idx="10"/>
+          </p:nvPr>
+        </p:nvSpPr>
+        <p:spPr/>
+        <p:txBody>
+          <a:bodyPr/>
+          <a:lstStyle/>
+          <a:p>
+            <a:fld id="{5A7AB025-77E3-4BD1-A2FD-B3183DBA47A3}" type="slidenum">
+              <a:rPr lang="en-US" smtClean="0"/>
+              <a:pPr/>
+              <a:t>1</a:t>
+            </a:fld>
+            <a:endParaRPr lang="en-US"/>
+          </a:p>
+        </p:txBody>
+      </p:sp>
+    </p:spTree>
+    <p:extLst>
+      <p:ext uri="{BB962C8B-B14F-4D97-AF65-F5344CB8AC3E}">
+        <p14:creationId xmlns:p14="http://schemas.microsoft.com/office/powerpoint/2010/main" val="1600004159"/>
+      </p:ext>
+    </p:extLst>
+  </p:cSld>
+  <p:clrMapOvr>
+    <a:masterClrMapping/>
+  </p:clrMapOvr>
+</p:notes>
+</file>
+
 <file path=ppt/slideLayouts/slideLayout1.xml><?xml version="1.0" encoding="utf-8"?>
 <p:sldLayout xmlns:a="http://schemas.openxmlformats.org/drawingml/2006/main" xmlns:r="http://schemas.openxmlformats.org/officeDocument/2006/relationships" xmlns:p="http://schemas.openxmlformats.org/presentationml/2006/main" type="title" preserve="1">
   <p:cSld name="Title Slide">
@@ -660,7 +745,7 @@
             <a:fld id="{78C97017-6FC3-485B-9764-EAC9E56C1D49}" type="datetimeFigureOut">
               <a:rPr lang="en-US" smtClean="0"/>
               <a:pPr/>
-              <a:t>3/27/17</a:t>
+              <a:t>3/28/17</a:t>
             </a:fld>
             <a:endParaRPr lang="en-US"/>
           </a:p>
@@ -832,7 +917,7 @@
             <a:fld id="{78C97017-6FC3-485B-9764-EAC9E56C1D49}" type="datetimeFigureOut">
               <a:rPr lang="en-US" smtClean="0"/>
               <a:pPr/>
-              <a:t>3/27/17</a:t>
+              <a:t>3/28/17</a:t>
             </a:fld>
             <a:endParaRPr lang="en-US"/>
           </a:p>
@@ -1014,7 +1099,7 @@
             <a:fld id="{78C97017-6FC3-485B-9764-EAC9E56C1D49}" type="datetimeFigureOut">
               <a:rPr lang="en-US" smtClean="0"/>
               <a:pPr/>
-              <a:t>3/27/17</a:t>
+              <a:t>3/28/17</a:t>
             </a:fld>
             <a:endParaRPr lang="en-US"/>
           </a:p>
@@ -1186,7 +1271,7 @@
             <a:fld id="{78C97017-6FC3-485B-9764-EAC9E56C1D49}" type="datetimeFigureOut">
               <a:rPr lang="en-US" smtClean="0"/>
               <a:pPr/>
-              <a:t>3/27/17</a:t>
+              <a:t>3/28/17</a:t>
             </a:fld>
             <a:endParaRPr lang="en-US"/>
           </a:p>
@@ -1434,7 +1519,7 @@
             <a:fld id="{78C97017-6FC3-485B-9764-EAC9E56C1D49}" type="datetimeFigureOut">
               <a:rPr lang="en-US" smtClean="0"/>
               <a:pPr/>
-              <a:t>3/27/17</a:t>
+              <a:t>3/28/17</a:t>
             </a:fld>
             <a:endParaRPr lang="en-US"/>
           </a:p>
@@ -1724,7 +1809,7 @@
             <a:fld id="{78C97017-6FC3-485B-9764-EAC9E56C1D49}" type="datetimeFigureOut">
               <a:rPr lang="en-US" smtClean="0"/>
               <a:pPr/>
-              <a:t>3/27/17</a:t>
+              <a:t>3/28/17</a:t>
             </a:fld>
             <a:endParaRPr lang="en-US"/>
           </a:p>
@@ -2148,7 +2233,7 @@
             <a:fld id="{78C97017-6FC3-485B-9764-EAC9E56C1D49}" type="datetimeFigureOut">
               <a:rPr lang="en-US" smtClean="0"/>
               <a:pPr/>
-              <a:t>3/27/17</a:t>
+              <a:t>3/28/17</a:t>
             </a:fld>
             <a:endParaRPr lang="en-US"/>
           </a:p>
@@ -2268,7 +2353,7 @@
             <a:fld id="{78C97017-6FC3-485B-9764-EAC9E56C1D49}" type="datetimeFigureOut">
               <a:rPr lang="en-US" smtClean="0"/>
               <a:pPr/>
-              <a:t>3/27/17</a:t>
+              <a:t>3/28/17</a:t>
             </a:fld>
             <a:endParaRPr lang="en-US"/>
           </a:p>
@@ -2365,7 +2450,7 @@
             <a:fld id="{78C97017-6FC3-485B-9764-EAC9E56C1D49}" type="datetimeFigureOut">
               <a:rPr lang="en-US" smtClean="0"/>
               <a:pPr/>
-              <a:t>3/27/17</a:t>
+              <a:t>3/28/17</a:t>
             </a:fld>
             <a:endParaRPr lang="en-US"/>
           </a:p>
@@ -2644,7 +2729,7 @@
             <a:fld id="{78C97017-6FC3-485B-9764-EAC9E56C1D49}" type="datetimeFigureOut">
               <a:rPr lang="en-US" smtClean="0"/>
               <a:pPr/>
-              <a:t>3/27/17</a:t>
+              <a:t>3/28/17</a:t>
             </a:fld>
             <a:endParaRPr lang="en-US"/>
           </a:p>
@@ -2899,7 +2984,7 @@
             <a:fld id="{78C97017-6FC3-485B-9764-EAC9E56C1D49}" type="datetimeFigureOut">
               <a:rPr lang="en-US" smtClean="0"/>
               <a:pPr/>
-              <a:t>3/27/17</a:t>
+              <a:t>3/28/17</a:t>
             </a:fld>
             <a:endParaRPr lang="en-US"/>
           </a:p>
@@ -3114,7 +3199,7 @@
             <a:fld id="{78C97017-6FC3-485B-9764-EAC9E56C1D49}" type="datetimeFigureOut">
               <a:rPr lang="en-US" smtClean="0"/>
               <a:pPr/>
-              <a:t>3/27/17</a:t>
+              <a:t>3/28/17</a:t>
             </a:fld>
             <a:endParaRPr lang="en-US"/>
           </a:p>
@@ -3498,7 +3583,7 @@
         </p:nvSpPr>
         <p:spPr>
           <a:xfrm>
-            <a:off x="381000" y="1832423"/>
+            <a:off x="349644" y="1869427"/>
             <a:ext cx="8229600" cy="4114800"/>
           </a:xfrm>
           <a:prstGeom prst="roundRect">
@@ -4800,28 +4885,12 @@
           <a:p>
             <a:pPr algn="ctr"/>
             <a:r>
-              <a:rPr lang="en-US" altLang="zh-CN" sz="1050" dirty="0" smtClean="0">
+              <a:rPr lang="en-US" altLang="zh-CN" sz="1050" dirty="0" err="1" smtClean="0">
                 <a:solidFill>
                   <a:srgbClr val="7030A0"/>
                 </a:solidFill>
               </a:rPr>
-              <a:t>Due</a:t>
-            </a:r>
-            <a:r>
-              <a:rPr lang="zh-CN" altLang="en-US" sz="1050" dirty="0" smtClean="0">
-                <a:solidFill>
-                  <a:srgbClr val="7030A0"/>
-                </a:solidFill>
-              </a:rPr>
-              <a:t> </a:t>
-            </a:r>
-            <a:r>
-              <a:rPr lang="en-US" altLang="zh-CN" sz="1050" dirty="0" smtClean="0">
-                <a:solidFill>
-                  <a:srgbClr val="7030A0"/>
-                </a:solidFill>
-              </a:rPr>
-              <a:t>time</a:t>
+              <a:t>TaskTime</a:t>
             </a:r>
             <a:endParaRPr lang="en-SG" sz="1050" dirty="0">
               <a:solidFill>
@@ -5353,45 +5422,6 @@
       </p:sp>
       <p:sp>
         <p:nvSpPr>
-          <p:cNvPr id="56" name="TextBox 55"/>
-          <p:cNvSpPr txBox="1"/>
-          <p:nvPr/>
-        </p:nvSpPr>
-        <p:spPr>
-          <a:xfrm>
-            <a:off x="5006974" y="2201599"/>
-            <a:ext cx="189257" cy="178683"/>
-          </a:xfrm>
-          <a:prstGeom prst="rect">
-            <a:avLst/>
-          </a:prstGeom>
-          <a:noFill/>
-        </p:spPr>
-        <p:txBody>
-          <a:bodyPr wrap="square" lIns="0" tIns="0" rIns="0" bIns="0" rtlCol="0">
-            <a:noAutofit/>
-          </a:bodyPr>
-          <a:lstStyle/>
-          <a:p>
-            <a:pPr algn="ctr"/>
-            <a:r>
-              <a:rPr lang="en-US" sz="1100" dirty="0" smtClean="0">
-                <a:solidFill>
-                  <a:srgbClr val="7030A0"/>
-                </a:solidFill>
-              </a:rPr>
-              <a:t>1</a:t>
-            </a:r>
-            <a:endParaRPr lang="en-SG" sz="1100" dirty="0">
-              <a:solidFill>
-                <a:srgbClr val="7030A0"/>
-              </a:solidFill>
-            </a:endParaRPr>
-          </a:p>
-        </p:txBody>
-      </p:sp>
-      <p:sp>
-        <p:nvSpPr>
           <p:cNvPr id="60" name="TextBox 59"/>
           <p:cNvSpPr txBox="1"/>
           <p:nvPr/>
@@ -5776,28 +5806,12 @@
           <a:p>
             <a:pPr algn="ctr"/>
             <a:r>
-              <a:rPr lang="en-US" altLang="zh-CN" sz="1050" dirty="0" smtClean="0">
+              <a:rPr lang="en-US" altLang="zh-CN" sz="1050" dirty="0" err="1" smtClean="0">
                 <a:solidFill>
                   <a:srgbClr val="7030A0"/>
                 </a:solidFill>
               </a:rPr>
-              <a:t>Due</a:t>
-            </a:r>
-            <a:r>
-              <a:rPr lang="zh-CN" altLang="en-US" sz="1050" dirty="0" smtClean="0">
-                <a:solidFill>
-                  <a:srgbClr val="7030A0"/>
-                </a:solidFill>
-              </a:rPr>
-              <a:t> </a:t>
-            </a:r>
-            <a:r>
-              <a:rPr lang="en-US" altLang="zh-CN" sz="1050" dirty="0" smtClean="0">
-                <a:solidFill>
-                  <a:srgbClr val="7030A0"/>
-                </a:solidFill>
-              </a:rPr>
-              <a:t>date</a:t>
+              <a:t>TaskDate</a:t>
             </a:r>
             <a:endParaRPr lang="en-SG" sz="1050" dirty="0">
               <a:solidFill>
@@ -6069,47 +6083,6 @@
           </a:p>
         </p:txBody>
       </p:sp>
-      <p:cxnSp>
-        <p:nvCxnSpPr>
-          <p:cNvPr id="93" name="Elbow Connector 92"/>
-          <p:cNvCxnSpPr/>
-          <p:nvPr/>
-        </p:nvCxnSpPr>
-        <p:spPr>
-          <a:xfrm flipH="1">
-            <a:off x="4885557" y="2158993"/>
-            <a:ext cx="128525" cy="1822199"/>
-          </a:xfrm>
-          <a:prstGeom prst="bentConnector4">
-            <a:avLst>
-              <a:gd name="adj1" fmla="val -177864"/>
-              <a:gd name="adj2" fmla="val 84866"/>
-            </a:avLst>
-          </a:prstGeom>
-          <a:ln w="19050">
-            <a:solidFill>
-              <a:srgbClr val="7030A0"/>
-            </a:solidFill>
-            <a:headEnd type="none" w="med" len="med"/>
-            <a:tailEnd type="arrow" w="med" len="med"/>
-          </a:ln>
-          <a:effectLst/>
-        </p:spPr>
-        <p:style>
-          <a:lnRef idx="1">
-            <a:schemeClr val="accent2"/>
-          </a:lnRef>
-          <a:fillRef idx="2">
-            <a:schemeClr val="accent2"/>
-          </a:fillRef>
-          <a:effectRef idx="1">
-            <a:schemeClr val="accent2"/>
-          </a:effectRef>
-          <a:fontRef idx="minor">
-            <a:schemeClr val="dk1"/>
-          </a:fontRef>
-        </p:style>
-      </p:cxnSp>
       <p:sp>
         <p:nvSpPr>
           <p:cNvPr id="94" name="TextBox 93"/>
@@ -7037,13 +7010,13 @@
       </p:cxnSp>
       <p:sp>
         <p:nvSpPr>
-          <p:cNvPr id="113" name="Isosceles Triangle 102"/>
+          <p:cNvPr id="121" name="Isosceles Triangle 102"/>
           <p:cNvSpPr/>
           <p:nvPr/>
         </p:nvSpPr>
         <p:spPr>
-          <a:xfrm rot="5295786" flipV="1">
-            <a:off x="7082898" y="3995178"/>
+          <a:xfrm rot="16200000" flipV="1">
+            <a:off x="5735326" y="4033305"/>
             <a:ext cx="270504" cy="175523"/>
           </a:xfrm>
           <a:prstGeom prst="triangle">
@@ -7085,18 +7058,21 @@
       </p:sp>
       <p:cxnSp>
         <p:nvCxnSpPr>
-          <p:cNvPr id="115" name="Elbow Connector 63"/>
-          <p:cNvCxnSpPr/>
+          <p:cNvPr id="131" name="Elbow Connector 63"/>
+          <p:cNvCxnSpPr>
+            <a:stCxn id="71" idx="3"/>
+            <a:endCxn id="89" idx="2"/>
+          </p:cNvCxnSpPr>
           <p:nvPr/>
         </p:nvCxnSpPr>
         <p:spPr>
-          <a:xfrm rot="5400000" flipH="1" flipV="1">
-            <a:off x="7223898" y="3382038"/>
-            <a:ext cx="786975" cy="614829"/>
+          <a:xfrm rot="16200000" flipV="1">
+            <a:off x="6311468" y="3489283"/>
+            <a:ext cx="467629" cy="38105"/>
           </a:xfrm>
           <a:prstGeom prst="bentConnector3">
             <a:avLst>
-              <a:gd name="adj1" fmla="val -1124"/>
+              <a:gd name="adj1" fmla="val 102796"/>
             </a:avLst>
           </a:prstGeom>
           <a:ln w="19050">
@@ -7124,15 +7100,56 @@
           </a:fontRef>
         </p:style>
       </p:cxnSp>
-      <p:sp>
-        <p:nvSpPr>
-          <p:cNvPr id="121" name="Isosceles Triangle 102"/>
+      <p:cxnSp>
+        <p:nvCxnSpPr>
+          <p:cNvPr id="135" name="Elbow Connector 63"/>
+          <p:cNvCxnSpPr/>
+          <p:nvPr/>
+        </p:nvCxnSpPr>
+        <p:spPr>
+          <a:xfrm>
+            <a:off x="5046779" y="4122950"/>
+            <a:ext cx="707312" cy="991"/>
+          </a:xfrm>
+          <a:prstGeom prst="bentConnector3">
+            <a:avLst>
+              <a:gd name="adj1" fmla="val 50000"/>
+            </a:avLst>
+          </a:prstGeom>
+          <a:ln w="19050">
+            <a:solidFill>
+              <a:srgbClr val="7030A0"/>
+            </a:solidFill>
+            <a:prstDash val="sysDot"/>
+            <a:headEnd type="none" w="med" len="med"/>
+            <a:tailEnd type="none" w="med" len="med"/>
+          </a:ln>
+          <a:effectLst/>
+        </p:spPr>
+        <p:style>
+          <a:lnRef idx="1">
+            <a:schemeClr val="accent2"/>
+          </a:lnRef>
+          <a:fillRef idx="2">
+            <a:schemeClr val="accent2"/>
+          </a:fillRef>
+          <a:effectRef idx="1">
+            <a:schemeClr val="accent2"/>
+          </a:effectRef>
+          <a:fontRef idx="minor">
+            <a:schemeClr val="dk1"/>
+          </a:fontRef>
+        </p:style>
+      </p:cxnSp>
+      <p:sp>
+        <p:nvSpPr>
+          <p:cNvPr id="138" name="Isosceles Triangle 102"/>
           <p:cNvSpPr/>
           <p:nvPr/>
         </p:nvSpPr>
         <p:spPr>
-          <a:xfrm rot="16200000" flipV="1">
-            <a:off x="5735326" y="4033305"/>
+          <a:xfrm rot="5400000" flipV="1">
+            <a:off x="5146544" y="4772664"/>
             <a:ext cx="270504" cy="175523"/>
           </a:xfrm>
           <a:prstGeom prst="triangle">
@@ -7174,22 +7191,19 @@
       </p:sp>
       <p:cxnSp>
         <p:nvCxnSpPr>
-          <p:cNvPr id="131" name="Elbow Connector 63"/>
+          <p:cNvPr id="139" name="Elbow Connector 63"/>
           <p:cNvCxnSpPr>
-            <a:stCxn id="71" idx="3"/>
-            <a:endCxn id="89" idx="2"/>
+            <a:endCxn id="67" idx="3"/>
           </p:cNvCxnSpPr>
           <p:nvPr/>
         </p:nvCxnSpPr>
         <p:spPr>
           <a:xfrm rot="16200000" flipV="1">
-            <a:off x="6311468" y="3489283"/>
-            <a:ext cx="467629" cy="38105"/>
-          </a:xfrm>
-          <a:prstGeom prst="bentConnector3">
-            <a:avLst>
-              <a:gd name="adj1" fmla="val 102796"/>
-            </a:avLst>
+            <a:off x="3970840" y="3194414"/>
+            <a:ext cx="2678187" cy="610385"/>
+          </a:xfrm>
+          <a:prstGeom prst="bentConnector2">
+            <a:avLst/>
           </a:prstGeom>
           <a:ln w="19050">
             <a:solidFill>
@@ -7218,14 +7232,16 @@
       </p:cxnSp>
       <p:cxnSp>
         <p:nvCxnSpPr>
-          <p:cNvPr id="135" name="Elbow Connector 63"/>
-          <p:cNvCxnSpPr/>
+          <p:cNvPr id="82" name="Elbow Connector 63"/>
+          <p:cNvCxnSpPr>
+            <a:stCxn id="138" idx="3"/>
+          </p:cNvCxnSpPr>
           <p:nvPr/>
         </p:nvCxnSpPr>
         <p:spPr>
-          <a:xfrm>
-            <a:off x="5046779" y="4122950"/>
-            <a:ext cx="707312" cy="991"/>
+          <a:xfrm flipV="1">
+            <a:off x="5369558" y="4855695"/>
+            <a:ext cx="245570" cy="4731"/>
           </a:xfrm>
           <a:prstGeom prst="bentConnector3">
             <a:avLst>
@@ -7259,134 +7275,82 @@
       </p:cxnSp>
       <p:sp>
         <p:nvSpPr>
-          <p:cNvPr id="138" name="Isosceles Triangle 102"/>
-          <p:cNvSpPr/>
+          <p:cNvPr id="86" name="TextBox 85"/>
+          <p:cNvSpPr txBox="1"/>
           <p:nvPr/>
         </p:nvSpPr>
         <p:spPr>
-          <a:xfrm rot="5400000" flipV="1">
-            <a:off x="5143635" y="4753403"/>
-            <a:ext cx="270504" cy="175523"/>
-          </a:xfrm>
-          <a:prstGeom prst="triangle">
+          <a:xfrm>
+            <a:off x="4477370" y="4469516"/>
+            <a:ext cx="189257" cy="178683"/>
+          </a:xfrm>
+          <a:prstGeom prst="rect">
             <a:avLst/>
           </a:prstGeom>
-          <a:ln w="19050">
-            <a:solidFill>
-              <a:srgbClr val="7030A0"/>
-            </a:solidFill>
-          </a:ln>
-          <a:effectLst/>
-        </p:spPr>
-        <p:style>
-          <a:lnRef idx="1">
-            <a:schemeClr val="accent4"/>
-          </a:lnRef>
-          <a:fillRef idx="2">
-            <a:schemeClr val="accent4"/>
-          </a:fillRef>
-          <a:effectRef idx="1">
-            <a:schemeClr val="accent4"/>
-          </a:effectRef>
-          <a:fontRef idx="minor">
-            <a:schemeClr val="dk1"/>
-          </a:fontRef>
-        </p:style>
-        <p:txBody>
-          <a:bodyPr rtlCol="0" anchor="ctr"/>
+          <a:noFill/>
+        </p:spPr>
+        <p:txBody>
+          <a:bodyPr wrap="square" lIns="0" tIns="0" rIns="0" bIns="0" rtlCol="0">
+            <a:noAutofit/>
+          </a:bodyPr>
           <a:lstStyle/>
           <a:p>
             <a:pPr algn="ctr"/>
-            <a:endParaRPr lang="en-SG" sz="1050" b="1">
+            <a:r>
+              <a:rPr lang="en-US" sz="1100" dirty="0">
+                <a:solidFill>
+                  <a:srgbClr val="7030A0"/>
+                </a:solidFill>
+              </a:rPr>
+              <a:t>*</a:t>
+            </a:r>
+            <a:endParaRPr lang="en-SG" sz="1100" dirty="0">
               <a:solidFill>
-                <a:srgbClr val="92D050"/>
+                <a:srgbClr val="7030A0"/>
               </a:solidFill>
             </a:endParaRPr>
           </a:p>
         </p:txBody>
       </p:sp>
-      <p:cxnSp>
-        <p:nvCxnSpPr>
-          <p:cNvPr id="139" name="Elbow Connector 63"/>
-          <p:cNvCxnSpPr>
-            <a:endCxn id="67" idx="3"/>
-          </p:cNvCxnSpPr>
+      <p:sp>
+        <p:nvSpPr>
+          <p:cNvPr id="87" name="TextBox 86"/>
+          <p:cNvSpPr txBox="1"/>
           <p:nvPr/>
-        </p:nvCxnSpPr>
-        <p:spPr>
-          <a:xfrm rot="16200000" flipV="1">
-            <a:off x="3970840" y="3194414"/>
-            <a:ext cx="2678187" cy="610385"/>
-          </a:xfrm>
-          <a:prstGeom prst="bentConnector2">
+        </p:nvSpPr>
+        <p:spPr>
+          <a:xfrm>
+            <a:off x="4048883" y="4164717"/>
+            <a:ext cx="189257" cy="178683"/>
+          </a:xfrm>
+          <a:prstGeom prst="rect">
             <a:avLst/>
           </a:prstGeom>
-          <a:ln w="19050">
-            <a:solidFill>
-              <a:srgbClr val="7030A0"/>
-            </a:solidFill>
-            <a:prstDash val="sysDot"/>
-            <a:headEnd type="none" w="med" len="med"/>
-            <a:tailEnd type="none" w="med" len="med"/>
-          </a:ln>
-          <a:effectLst/>
-        </p:spPr>
-        <p:style>
-          <a:lnRef idx="1">
-            <a:schemeClr val="accent2"/>
-          </a:lnRef>
-          <a:fillRef idx="2">
-            <a:schemeClr val="accent2"/>
-          </a:fillRef>
-          <a:effectRef idx="1">
-            <a:schemeClr val="accent2"/>
-          </a:effectRef>
-          <a:fontRef idx="minor">
-            <a:schemeClr val="dk1"/>
-          </a:fontRef>
-        </p:style>
-      </p:cxnSp>
-      <p:cxnSp>
-        <p:nvCxnSpPr>
-          <p:cNvPr id="143" name="Elbow Connector 63"/>
-          <p:cNvCxnSpPr/>
-          <p:nvPr/>
-        </p:nvCxnSpPr>
-        <p:spPr>
-          <a:xfrm flipV="1">
-            <a:off x="5374906" y="4849421"/>
-            <a:ext cx="240220" cy="11004"/>
-          </a:xfrm>
-          <a:prstGeom prst="bentConnector3">
-            <a:avLst>
-              <a:gd name="adj1" fmla="val 50000"/>
-            </a:avLst>
-          </a:prstGeom>
-          <a:ln w="19050">
-            <a:solidFill>
-              <a:srgbClr val="7030A0"/>
-            </a:solidFill>
-            <a:prstDash val="sysDot"/>
-            <a:headEnd type="none" w="med" len="med"/>
-            <a:tailEnd type="none" w="med" len="med"/>
-          </a:ln>
-          <a:effectLst/>
-        </p:spPr>
-        <p:style>
-          <a:lnRef idx="1">
-            <a:schemeClr val="accent2"/>
-          </a:lnRef>
-          <a:fillRef idx="2">
-            <a:schemeClr val="accent2"/>
-          </a:fillRef>
-          <a:effectRef idx="1">
-            <a:schemeClr val="accent2"/>
-          </a:effectRef>
-          <a:fontRef idx="minor">
-            <a:schemeClr val="dk1"/>
-          </a:fontRef>
-        </p:style>
-      </p:cxnSp>
+          <a:noFill/>
+        </p:spPr>
+        <p:txBody>
+          <a:bodyPr wrap="square" lIns="0" tIns="0" rIns="0" bIns="0" rtlCol="0">
+            <a:noAutofit/>
+          </a:bodyPr>
+          <a:lstStyle/>
+          <a:p>
+            <a:pPr algn="ctr"/>
+            <a:r>
+              <a:rPr lang="en-US" sz="1100" dirty="0" smtClean="0">
+                <a:solidFill>
+                  <a:srgbClr val="7030A0"/>
+                </a:solidFill>
+              </a:rPr>
+              <a:t>*</a:t>
+            </a:r>
+            <a:endParaRPr lang="en-SG" sz="1100" dirty="0">
+              <a:solidFill>
+                <a:srgbClr val="7030A0"/>
+              </a:solidFill>
+            </a:endParaRPr>
+          </a:p>
+        </p:txBody>
+      </p:sp>
     </p:spTree>
     <p:extLst>
       <p:ext uri="{BB962C8B-B14F-4D97-AF65-F5344CB8AC3E}">

--- a/docs/diagrams/ModelComponentClassDiagram.pptx
+++ b/docs/diagrams/ModelComponentClassDiagram.pptx
@@ -8,7 +8,7 @@
     <p:notesMasterId r:id="rId3"/>
   </p:notesMasterIdLst>
   <p:sldIdLst>
-    <p:sldId id="263" r:id="rId2"/>
+    <p:sldId id="264" r:id="rId2"/>
   </p:sldIdLst>
   <p:sldSz cx="9144000" cy="6858000" type="screen4x3"/>
   <p:notesSz cx="6858000" cy="9144000"/>
@@ -209,7 +209,7 @@
             <a:fld id="{F5CC4B3F-88C1-4FFA-B1B6-F41C21DC6924}" type="datetimeFigureOut">
               <a:rPr lang="en-US" smtClean="0"/>
               <a:pPr/>
-              <a:t>3/28/17</a:t>
+              <a:t>4/9/17</a:t>
             </a:fld>
             <a:endParaRPr lang="en-US"/>
           </a:p>
@@ -478,91 +478,6 @@
 </p:notesMaster>
 </file>
 
-<file path=ppt/notesSlides/notesSlide1.xml><?xml version="1.0" encoding="utf-8"?>
-<p:notes xmlns:a="http://schemas.openxmlformats.org/drawingml/2006/main" xmlns:r="http://schemas.openxmlformats.org/officeDocument/2006/relationships" xmlns:p="http://schemas.openxmlformats.org/presentationml/2006/main">
-  <p:cSld>
-    <p:spTree>
-      <p:nvGrpSpPr>
-        <p:cNvPr id="1" name=""/>
-        <p:cNvGrpSpPr/>
-        <p:nvPr/>
-      </p:nvGrpSpPr>
-      <p:grpSpPr>
-        <a:xfrm>
-          <a:off x="0" y="0"/>
-          <a:ext cx="0" cy="0"/>
-          <a:chOff x="0" y="0"/>
-          <a:chExt cx="0" cy="0"/>
-        </a:xfrm>
-      </p:grpSpPr>
-      <p:sp>
-        <p:nvSpPr>
-          <p:cNvPr id="2" name="Slide Image Placeholder 1"/>
-          <p:cNvSpPr>
-            <a:spLocks noGrp="1" noRot="1" noChangeAspect="1"/>
-          </p:cNvSpPr>
-          <p:nvPr>
-            <p:ph type="sldImg"/>
-          </p:nvPr>
-        </p:nvSpPr>
-        <p:spPr/>
-      </p:sp>
-      <p:sp>
-        <p:nvSpPr>
-          <p:cNvPr id="3" name="Notes Placeholder 2"/>
-          <p:cNvSpPr>
-            <a:spLocks noGrp="1"/>
-          </p:cNvSpPr>
-          <p:nvPr>
-            <p:ph type="body" idx="1"/>
-          </p:nvPr>
-        </p:nvSpPr>
-        <p:spPr/>
-        <p:txBody>
-          <a:bodyPr/>
-          <a:lstStyle/>
-          <a:p>
-            <a:endParaRPr lang="en-US" dirty="0"/>
-          </a:p>
-        </p:txBody>
-      </p:sp>
-      <p:sp>
-        <p:nvSpPr>
-          <p:cNvPr id="4" name="Slide Number Placeholder 3"/>
-          <p:cNvSpPr>
-            <a:spLocks noGrp="1"/>
-          </p:cNvSpPr>
-          <p:nvPr>
-            <p:ph type="sldNum" sz="quarter" idx="10"/>
-          </p:nvPr>
-        </p:nvSpPr>
-        <p:spPr/>
-        <p:txBody>
-          <a:bodyPr/>
-          <a:lstStyle/>
-          <a:p>
-            <a:fld id="{5A7AB025-77E3-4BD1-A2FD-B3183DBA47A3}" type="slidenum">
-              <a:rPr lang="en-US" smtClean="0"/>
-              <a:pPr/>
-              <a:t>1</a:t>
-            </a:fld>
-            <a:endParaRPr lang="en-US"/>
-          </a:p>
-        </p:txBody>
-      </p:sp>
-    </p:spTree>
-    <p:extLst>
-      <p:ext uri="{BB962C8B-B14F-4D97-AF65-F5344CB8AC3E}">
-        <p14:creationId xmlns:p14="http://schemas.microsoft.com/office/powerpoint/2010/main" val="1600004159"/>
-      </p:ext>
-    </p:extLst>
-  </p:cSld>
-  <p:clrMapOvr>
-    <a:masterClrMapping/>
-  </p:clrMapOvr>
-</p:notes>
-</file>
-
 <file path=ppt/slideLayouts/slideLayout1.xml><?xml version="1.0" encoding="utf-8"?>
 <p:sldLayout xmlns:a="http://schemas.openxmlformats.org/drawingml/2006/main" xmlns:r="http://schemas.openxmlformats.org/officeDocument/2006/relationships" xmlns:p="http://schemas.openxmlformats.org/presentationml/2006/main" type="title" preserve="1">
   <p:cSld name="Title Slide">
@@ -745,7 +660,7 @@
             <a:fld id="{78C97017-6FC3-485B-9764-EAC9E56C1D49}" type="datetimeFigureOut">
               <a:rPr lang="en-US" smtClean="0"/>
               <a:pPr/>
-              <a:t>3/28/17</a:t>
+              <a:t>4/9/17</a:t>
             </a:fld>
             <a:endParaRPr lang="en-US"/>
           </a:p>
@@ -917,7 +832,7 @@
             <a:fld id="{78C97017-6FC3-485B-9764-EAC9E56C1D49}" type="datetimeFigureOut">
               <a:rPr lang="en-US" smtClean="0"/>
               <a:pPr/>
-              <a:t>3/28/17</a:t>
+              <a:t>4/9/17</a:t>
             </a:fld>
             <a:endParaRPr lang="en-US"/>
           </a:p>
@@ -1099,7 +1014,7 @@
             <a:fld id="{78C97017-6FC3-485B-9764-EAC9E56C1D49}" type="datetimeFigureOut">
               <a:rPr lang="en-US" smtClean="0"/>
               <a:pPr/>
-              <a:t>3/28/17</a:t>
+              <a:t>4/9/17</a:t>
             </a:fld>
             <a:endParaRPr lang="en-US"/>
           </a:p>
@@ -1271,7 +1186,7 @@
             <a:fld id="{78C97017-6FC3-485B-9764-EAC9E56C1D49}" type="datetimeFigureOut">
               <a:rPr lang="en-US" smtClean="0"/>
               <a:pPr/>
-              <a:t>3/28/17</a:t>
+              <a:t>4/9/17</a:t>
             </a:fld>
             <a:endParaRPr lang="en-US"/>
           </a:p>
@@ -1519,7 +1434,7 @@
             <a:fld id="{78C97017-6FC3-485B-9764-EAC9E56C1D49}" type="datetimeFigureOut">
               <a:rPr lang="en-US" smtClean="0"/>
               <a:pPr/>
-              <a:t>3/28/17</a:t>
+              <a:t>4/9/17</a:t>
             </a:fld>
             <a:endParaRPr lang="en-US"/>
           </a:p>
@@ -1809,7 +1724,7 @@
             <a:fld id="{78C97017-6FC3-485B-9764-EAC9E56C1D49}" type="datetimeFigureOut">
               <a:rPr lang="en-US" smtClean="0"/>
               <a:pPr/>
-              <a:t>3/28/17</a:t>
+              <a:t>4/9/17</a:t>
             </a:fld>
             <a:endParaRPr lang="en-US"/>
           </a:p>
@@ -2233,7 +2148,7 @@
             <a:fld id="{78C97017-6FC3-485B-9764-EAC9E56C1D49}" type="datetimeFigureOut">
               <a:rPr lang="en-US" smtClean="0"/>
               <a:pPr/>
-              <a:t>3/28/17</a:t>
+              <a:t>4/9/17</a:t>
             </a:fld>
             <a:endParaRPr lang="en-US"/>
           </a:p>
@@ -2353,7 +2268,7 @@
             <a:fld id="{78C97017-6FC3-485B-9764-EAC9E56C1D49}" type="datetimeFigureOut">
               <a:rPr lang="en-US" smtClean="0"/>
               <a:pPr/>
-              <a:t>3/28/17</a:t>
+              <a:t>4/9/17</a:t>
             </a:fld>
             <a:endParaRPr lang="en-US"/>
           </a:p>
@@ -2450,7 +2365,7 @@
             <a:fld id="{78C97017-6FC3-485B-9764-EAC9E56C1D49}" type="datetimeFigureOut">
               <a:rPr lang="en-US" smtClean="0"/>
               <a:pPr/>
-              <a:t>3/28/17</a:t>
+              <a:t>4/9/17</a:t>
             </a:fld>
             <a:endParaRPr lang="en-US"/>
           </a:p>
@@ -2729,7 +2644,7 @@
             <a:fld id="{78C97017-6FC3-485B-9764-EAC9E56C1D49}" type="datetimeFigureOut">
               <a:rPr lang="en-US" smtClean="0"/>
               <a:pPr/>
-              <a:t>3/28/17</a:t>
+              <a:t>4/9/17</a:t>
             </a:fld>
             <a:endParaRPr lang="en-US"/>
           </a:p>
@@ -2984,7 +2899,7 @@
             <a:fld id="{78C97017-6FC3-485B-9764-EAC9E56C1D49}" type="datetimeFigureOut">
               <a:rPr lang="en-US" smtClean="0"/>
               <a:pPr/>
-              <a:t>3/28/17</a:t>
+              <a:t>4/9/17</a:t>
             </a:fld>
             <a:endParaRPr lang="en-US"/>
           </a:p>
@@ -3199,7 +3114,7 @@
             <a:fld id="{78C97017-6FC3-485B-9764-EAC9E56C1D49}" type="datetimeFigureOut">
               <a:rPr lang="en-US" smtClean="0"/>
               <a:pPr/>
-              <a:t>3/28/17</a:t>
+              <a:t>4/9/17</a:t>
             </a:fld>
             <a:endParaRPr lang="en-US"/>
           </a:p>
@@ -3577,7 +3492,7 @@
       </p:grpSpPr>
       <p:sp>
         <p:nvSpPr>
-          <p:cNvPr id="118" name="Rectangle 65"/>
+          <p:cNvPr id="2" name="Rectangle 65"/>
           <p:cNvSpPr/>
           <p:nvPr/>
         </p:nvSpPr>
@@ -3638,7 +3553,7 @@
       </p:sp>
       <p:sp>
         <p:nvSpPr>
-          <p:cNvPr id="2" name="Rectangle 8"/>
+          <p:cNvPr id="3" name="Rectangle 8"/>
           <p:cNvSpPr/>
           <p:nvPr/>
         </p:nvSpPr>
@@ -3697,7 +3612,7 @@
       </p:sp>
       <p:sp>
         <p:nvSpPr>
-          <p:cNvPr id="9" name="Rectangle 62"/>
+          <p:cNvPr id="4" name="Rectangle 62"/>
           <p:cNvSpPr/>
           <p:nvPr/>
         </p:nvSpPr>
@@ -3754,51 +3669,9 @@
           </a:p>
         </p:txBody>
       </p:sp>
-      <p:cxnSp>
-        <p:nvCxnSpPr>
-          <p:cNvPr id="107" name="Elbow Connector 106"/>
-          <p:cNvCxnSpPr>
-            <a:stCxn id="9" idx="1"/>
-            <a:endCxn id="104" idx="1"/>
-          </p:cNvCxnSpPr>
-          <p:nvPr/>
-        </p:nvCxnSpPr>
-        <p:spPr>
-          <a:xfrm rot="16200000" flipH="1">
-            <a:off x="2695011" y="2487391"/>
-            <a:ext cx="369094" cy="2927684"/>
-          </a:xfrm>
-          <a:prstGeom prst="bentConnector2">
-            <a:avLst/>
-          </a:prstGeom>
-          <a:ln w="19050">
-            <a:solidFill>
-              <a:srgbClr val="7030A0"/>
-            </a:solidFill>
-            <a:prstDash val="solid"/>
-            <a:headEnd type="none" w="med" len="med"/>
-            <a:tailEnd type="arrow" w="med" len="med"/>
-          </a:ln>
-          <a:effectLst/>
-        </p:spPr>
-        <p:style>
-          <a:lnRef idx="1">
-            <a:schemeClr val="accent2"/>
-          </a:lnRef>
-          <a:fillRef idx="2">
-            <a:schemeClr val="accent2"/>
-          </a:fillRef>
-          <a:effectRef idx="1">
-            <a:schemeClr val="accent2"/>
-          </a:effectRef>
-          <a:fontRef idx="minor">
-            <a:schemeClr val="dk1"/>
-          </a:fontRef>
-        </p:style>
-      </p:cxnSp>
-      <p:sp>
-        <p:nvSpPr>
-          <p:cNvPr id="119" name="Rectangle 62"/>
+      <p:sp>
+        <p:nvSpPr>
+          <p:cNvPr id="6" name="Rectangle 62"/>
           <p:cNvSpPr/>
           <p:nvPr/>
         </p:nvSpPr>
@@ -3868,7 +3741,7 @@
       </p:sp>
       <p:sp>
         <p:nvSpPr>
-          <p:cNvPr id="120" name="Isosceles Triangle 102"/>
+          <p:cNvPr id="7" name="Isosceles Triangle 102"/>
           <p:cNvSpPr/>
           <p:nvPr/>
         </p:nvSpPr>
@@ -3915,7 +3788,7 @@
       </p:sp>
       <p:cxnSp>
         <p:nvCxnSpPr>
-          <p:cNvPr id="58" name="Straight Arrow Connector 57"/>
+          <p:cNvPr id="8" name="Straight Arrow Connector 7"/>
           <p:cNvCxnSpPr>
             <a:stCxn id="42" idx="3"/>
             <a:endCxn id="2" idx="1"/>
@@ -3954,60 +3827,9 @@
           </a:fontRef>
         </p:style>
       </p:cxnSp>
-      <p:sp>
-        <p:nvSpPr>
-          <p:cNvPr id="71" name="Isosceles Triangle 102"/>
-          <p:cNvSpPr/>
-          <p:nvPr/>
-        </p:nvSpPr>
-        <p:spPr>
-          <a:xfrm flipV="1">
-            <a:off x="6429082" y="3742150"/>
-            <a:ext cx="270504" cy="184677"/>
-          </a:xfrm>
-          <a:prstGeom prst="triangle">
-            <a:avLst/>
-          </a:prstGeom>
-          <a:solidFill>
-            <a:srgbClr val="7030A0"/>
-          </a:solidFill>
-          <a:ln w="19050">
-            <a:solidFill>
-              <a:srgbClr val="7030A0"/>
-            </a:solidFill>
-          </a:ln>
-          <a:effectLst/>
-        </p:spPr>
-        <p:style>
-          <a:lnRef idx="1">
-            <a:schemeClr val="accent4"/>
-          </a:lnRef>
-          <a:fillRef idx="2">
-            <a:schemeClr val="accent4"/>
-          </a:fillRef>
-          <a:effectRef idx="1">
-            <a:schemeClr val="accent4"/>
-          </a:effectRef>
-          <a:fontRef idx="minor">
-            <a:schemeClr val="dk1"/>
-          </a:fontRef>
-        </p:style>
-        <p:txBody>
-          <a:bodyPr rtlCol="0" anchor="ctr"/>
-          <a:lstStyle/>
-          <a:p>
-            <a:pPr algn="ctr"/>
-            <a:endParaRPr lang="en-SG" sz="1050" b="1">
-              <a:solidFill>
-                <a:srgbClr val="92D050"/>
-              </a:solidFill>
-            </a:endParaRPr>
-          </a:p>
-        </p:txBody>
-      </p:sp>
       <p:cxnSp>
         <p:nvCxnSpPr>
-          <p:cNvPr id="75" name="Elbow Connector 122"/>
+          <p:cNvPr id="10" name="Elbow Connector 122"/>
           <p:cNvCxnSpPr/>
           <p:nvPr/>
         </p:nvCxnSpPr>
@@ -4050,10 +3872,8 @@
       </p:cxnSp>
       <p:cxnSp>
         <p:nvCxnSpPr>
-          <p:cNvPr id="21" name="Straight Connector 20"/>
-          <p:cNvCxnSpPr>
-            <a:stCxn id="120" idx="3"/>
-          </p:cNvCxnSpPr>
+          <p:cNvPr id="11" name="Straight Connector 10"/>
+          <p:cNvCxnSpPr/>
           <p:nvPr/>
         </p:nvCxnSpPr>
         <p:spPr>
@@ -4091,7 +3911,7 @@
       </p:cxnSp>
       <p:sp>
         <p:nvSpPr>
-          <p:cNvPr id="42" name="Flowchart: Decision 96"/>
+          <p:cNvPr id="12" name="Flowchart: Decision 96"/>
           <p:cNvSpPr/>
           <p:nvPr/>
         </p:nvSpPr>
@@ -4136,7 +3956,7 @@
       </p:sp>
       <p:sp>
         <p:nvSpPr>
-          <p:cNvPr id="46" name="Rectangle 8"/>
+          <p:cNvPr id="13" name="Rectangle 8"/>
           <p:cNvSpPr/>
           <p:nvPr/>
         </p:nvSpPr>
@@ -4192,9 +4012,8 @@
       </p:sp>
       <p:cxnSp>
         <p:nvCxnSpPr>
-          <p:cNvPr id="47" name="Straight Arrow Connector 46"/>
+          <p:cNvPr id="14" name="Straight Arrow Connector 13"/>
           <p:cNvCxnSpPr>
-            <a:stCxn id="48" idx="3"/>
             <a:endCxn id="46" idx="1"/>
           </p:cNvCxnSpPr>
           <p:nvPr/>
@@ -4233,7 +4052,7 @@
       </p:cxnSp>
       <p:sp>
         <p:nvSpPr>
-          <p:cNvPr id="48" name="Flowchart: Decision 96"/>
+          <p:cNvPr id="15" name="Flowchart: Decision 96"/>
           <p:cNvSpPr/>
           <p:nvPr/>
         </p:nvSpPr>
@@ -4278,7 +4097,7 @@
       </p:sp>
       <p:sp>
         <p:nvSpPr>
-          <p:cNvPr id="49" name="Rectangle 8"/>
+          <p:cNvPr id="16" name="Rectangle 8"/>
           <p:cNvSpPr/>
           <p:nvPr/>
         </p:nvSpPr>
@@ -4350,7 +4169,7 @@
       </p:sp>
       <p:sp>
         <p:nvSpPr>
-          <p:cNvPr id="51" name="Flowchart: Decision 96"/>
+          <p:cNvPr id="17" name="Flowchart: Decision 96"/>
           <p:cNvSpPr/>
           <p:nvPr/>
         </p:nvSpPr>
@@ -4395,50 +4214,9 @@
           </a:p>
         </p:txBody>
       </p:sp>
-      <p:cxnSp>
-        <p:nvCxnSpPr>
-          <p:cNvPr id="30" name="Elbow Connector 29"/>
-          <p:cNvCxnSpPr>
-            <a:stCxn id="51" idx="3"/>
-            <a:endCxn id="49" idx="1"/>
-          </p:cNvCxnSpPr>
-          <p:nvPr/>
-        </p:nvCxnSpPr>
-        <p:spPr>
-          <a:xfrm>
-            <a:off x="3405286" y="2938482"/>
-            <a:ext cx="254547" cy="95145"/>
-          </a:xfrm>
-          <a:prstGeom prst="bentConnector3">
-            <a:avLst/>
-          </a:prstGeom>
-          <a:ln w="19050">
-            <a:solidFill>
-              <a:srgbClr val="7030A0"/>
-            </a:solidFill>
-            <a:headEnd type="none" w="med" len="med"/>
-            <a:tailEnd type="arrow" w="med" len="med"/>
-          </a:ln>
-          <a:effectLst/>
-        </p:spPr>
-        <p:style>
-          <a:lnRef idx="1">
-            <a:schemeClr val="accent2"/>
-          </a:lnRef>
-          <a:fillRef idx="2">
-            <a:schemeClr val="accent2"/>
-          </a:fillRef>
-          <a:effectRef idx="1">
-            <a:schemeClr val="accent2"/>
-          </a:effectRef>
-          <a:fontRef idx="minor">
-            <a:schemeClr val="dk1"/>
-          </a:fontRef>
-        </p:style>
-      </p:cxnSp>
-      <p:sp>
-        <p:nvSpPr>
-          <p:cNvPr id="57" name="Rectangle 8"/>
+      <p:sp>
+        <p:nvSpPr>
+          <p:cNvPr id="19" name="Rectangle 8"/>
           <p:cNvSpPr/>
           <p:nvPr/>
         </p:nvSpPr>
@@ -4492,52 +4270,9 @@
           </a:p>
         </p:txBody>
       </p:sp>
-      <p:cxnSp>
-        <p:nvCxnSpPr>
-          <p:cNvPr id="59" name="Elbow Connector 58"/>
-          <p:cNvCxnSpPr>
-            <a:stCxn id="51" idx="3"/>
-            <a:endCxn id="57" idx="1"/>
-          </p:cNvCxnSpPr>
-          <p:nvPr/>
-        </p:nvCxnSpPr>
-        <p:spPr>
-          <a:xfrm flipV="1">
-            <a:off x="3405286" y="2631750"/>
-            <a:ext cx="256977" cy="306732"/>
-          </a:xfrm>
-          <a:prstGeom prst="bentConnector3">
-            <a:avLst>
-              <a:gd name="adj1" fmla="val 50000"/>
-            </a:avLst>
-          </a:prstGeom>
-          <a:ln w="19050">
-            <a:solidFill>
-              <a:srgbClr val="7030A0"/>
-            </a:solidFill>
-            <a:headEnd type="none" w="med" len="med"/>
-            <a:tailEnd type="arrow" w="med" len="med"/>
-          </a:ln>
-          <a:effectLst/>
-        </p:spPr>
-        <p:style>
-          <a:lnRef idx="1">
-            <a:schemeClr val="accent2"/>
-          </a:lnRef>
-          <a:fillRef idx="2">
-            <a:schemeClr val="accent2"/>
-          </a:fillRef>
-          <a:effectRef idx="1">
-            <a:schemeClr val="accent2"/>
-          </a:effectRef>
-          <a:fontRef idx="minor">
-            <a:schemeClr val="dk1"/>
-          </a:fontRef>
-        </p:style>
-      </p:cxnSp>
-      <p:sp>
-        <p:nvSpPr>
-          <p:cNvPr id="63" name="Flowchart: Decision 96"/>
+      <p:sp>
+        <p:nvSpPr>
+          <p:cNvPr id="21" name="Flowchart: Decision 96"/>
           <p:cNvSpPr/>
           <p:nvPr/>
         </p:nvSpPr>
@@ -4580,52 +4315,9 @@
           </a:p>
         </p:txBody>
       </p:sp>
-      <p:cxnSp>
-        <p:nvCxnSpPr>
-          <p:cNvPr id="64" name="Elbow Connector 63"/>
-          <p:cNvCxnSpPr>
-            <a:stCxn id="63" idx="3"/>
-            <a:endCxn id="104" idx="0"/>
-          </p:cNvCxnSpPr>
-          <p:nvPr/>
-        </p:nvCxnSpPr>
-        <p:spPr>
-          <a:xfrm rot="16200000" flipH="1">
-            <a:off x="4140643" y="3405550"/>
-            <a:ext cx="517202" cy="596497"/>
-          </a:xfrm>
-          <a:prstGeom prst="bentConnector3">
-            <a:avLst>
-              <a:gd name="adj1" fmla="val 50000"/>
-            </a:avLst>
-          </a:prstGeom>
-          <a:ln w="19050">
-            <a:solidFill>
-              <a:srgbClr val="7030A0"/>
-            </a:solidFill>
-            <a:headEnd type="none" w="med" len="med"/>
-            <a:tailEnd type="arrow" w="med" len="med"/>
-          </a:ln>
-          <a:effectLst/>
-        </p:spPr>
-        <p:style>
-          <a:lnRef idx="1">
-            <a:schemeClr val="accent2"/>
-          </a:lnRef>
-          <a:fillRef idx="2">
-            <a:schemeClr val="accent2"/>
-          </a:fillRef>
-          <a:effectRef idx="1">
-            <a:schemeClr val="accent2"/>
-          </a:effectRef>
-          <a:fontRef idx="minor">
-            <a:schemeClr val="dk1"/>
-          </a:fontRef>
-        </p:style>
-      </p:cxnSp>
-      <p:sp>
-        <p:nvSpPr>
-          <p:cNvPr id="67" name="Rectangle 8"/>
+      <p:sp>
+        <p:nvSpPr>
+          <p:cNvPr id="23" name="Rectangle 8"/>
           <p:cNvSpPr/>
           <p:nvPr/>
         </p:nvSpPr>
@@ -4681,7 +4373,7 @@
       </p:sp>
       <p:sp>
         <p:nvSpPr>
-          <p:cNvPr id="68" name="Flowchart: Decision 96"/>
+          <p:cNvPr id="24" name="Flowchart: Decision 96"/>
           <p:cNvSpPr/>
           <p:nvPr/>
         </p:nvSpPr>
@@ -4726,11 +4418,8 @@
       </p:sp>
       <p:cxnSp>
         <p:nvCxnSpPr>
-          <p:cNvPr id="69" name="Elbow Connector 68"/>
-          <p:cNvCxnSpPr>
-            <a:stCxn id="68" idx="3"/>
-            <a:endCxn id="67" idx="1"/>
-          </p:cNvCxnSpPr>
+          <p:cNvPr id="25" name="Elbow Connector 24"/>
+          <p:cNvCxnSpPr/>
           <p:nvPr/>
         </p:nvCxnSpPr>
         <p:spPr>
@@ -4767,14 +4456,14 @@
       </p:cxnSp>
       <p:sp>
         <p:nvSpPr>
-          <p:cNvPr id="72" name="Rectangle 8"/>
+          <p:cNvPr id="27" name="Rectangle 8"/>
           <p:cNvSpPr/>
           <p:nvPr/>
         </p:nvSpPr>
         <p:spPr>
           <a:xfrm>
-            <a:off x="5969362" y="3909559"/>
-            <a:ext cx="1156969" cy="346760"/>
+            <a:off x="2590800" y="5562600"/>
+            <a:ext cx="708186" cy="285783"/>
           </a:xfrm>
           <a:prstGeom prst="rect">
             <a:avLst/>
@@ -4806,35 +4495,12 @@
           <a:p>
             <a:pPr algn="ctr"/>
             <a:r>
-              <a:rPr lang="en-US" sz="1050" dirty="0" smtClean="0">
+              <a:rPr lang="en-US" altLang="zh-CN" sz="1050" dirty="0" err="1" smtClean="0">
                 <a:solidFill>
                   <a:srgbClr val="7030A0"/>
                 </a:solidFill>
               </a:rPr>
-              <a:t>&lt;&lt;interface&gt;&gt;</a:t>
-            </a:r>
-            <a:br>
-              <a:rPr lang="en-US" sz="1050" dirty="0" smtClean="0">
-                <a:solidFill>
-                  <a:srgbClr val="7030A0"/>
-                </a:solidFill>
-              </a:rPr>
-            </a:br>
-            <a:r>
-              <a:rPr lang="en-US" sz="1050" dirty="0" err="1" smtClean="0">
-                <a:solidFill>
-                  <a:srgbClr val="7030A0"/>
-                </a:solidFill>
-              </a:rPr>
-              <a:t>ReadOnly</a:t>
-            </a:r>
-            <a:r>
-              <a:rPr lang="en-US" altLang="zh-CN" sz="1050" dirty="0" err="1" smtClean="0">
-                <a:solidFill>
-                  <a:srgbClr val="7030A0"/>
-                </a:solidFill>
-              </a:rPr>
-              <a:t>Task</a:t>
+              <a:t>TaskTime</a:t>
             </a:r>
             <a:endParaRPr lang="en-SG" sz="1050" dirty="0">
               <a:solidFill>
@@ -4846,14 +4512,14 @@
       </p:sp>
       <p:sp>
         <p:nvSpPr>
-          <p:cNvPr id="76" name="Rectangle 8"/>
+          <p:cNvPr id="28" name="Rectangle 8"/>
           <p:cNvSpPr/>
           <p:nvPr/>
         </p:nvSpPr>
         <p:spPr>
           <a:xfrm>
-            <a:off x="2590800" y="5562600"/>
-            <a:ext cx="708186" cy="285783"/>
+            <a:off x="3505200" y="5562600"/>
+            <a:ext cx="776558" cy="285783"/>
           </a:xfrm>
           <a:prstGeom prst="rect">
             <a:avLst/>
@@ -4885,14 +4551,14 @@
           <a:p>
             <a:pPr algn="ctr"/>
             <a:r>
-              <a:rPr lang="en-US" altLang="zh-CN" sz="1050" dirty="0" err="1" smtClean="0">
+              <a:rPr lang="en-US" altLang="zh-CN" sz="1000" dirty="0" smtClean="0">
                 <a:solidFill>
                   <a:srgbClr val="7030A0"/>
                 </a:solidFill>
               </a:rPr>
-              <a:t>TaskTime</a:t>
-            </a:r>
-            <a:endParaRPr lang="en-SG" sz="1050" dirty="0">
+              <a:t>Description</a:t>
+            </a:r>
+            <a:endParaRPr lang="en-SG" sz="1000" dirty="0">
               <a:solidFill>
                 <a:srgbClr val="7030A0"/>
               </a:solidFill>
@@ -4902,14 +4568,14 @@
       </p:sp>
       <p:sp>
         <p:nvSpPr>
-          <p:cNvPr id="80" name="Rectangle 8"/>
+          <p:cNvPr id="29" name="Rectangle 8"/>
           <p:cNvSpPr/>
           <p:nvPr/>
         </p:nvSpPr>
         <p:spPr>
           <a:xfrm>
-            <a:off x="3505200" y="5562600"/>
-            <a:ext cx="776558" cy="285783"/>
+            <a:off x="4495800" y="5562600"/>
+            <a:ext cx="708186" cy="285783"/>
           </a:xfrm>
           <a:prstGeom prst="rect">
             <a:avLst/>
@@ -4941,62 +4607,6 @@
           <a:p>
             <a:pPr algn="ctr"/>
             <a:r>
-              <a:rPr lang="en-US" altLang="zh-CN" sz="1000" dirty="0" smtClean="0">
-                <a:solidFill>
-                  <a:srgbClr val="7030A0"/>
-                </a:solidFill>
-              </a:rPr>
-              <a:t>Description</a:t>
-            </a:r>
-            <a:endParaRPr lang="en-SG" sz="1000" dirty="0">
-              <a:solidFill>
-                <a:srgbClr val="7030A0"/>
-              </a:solidFill>
-            </a:endParaRPr>
-          </a:p>
-        </p:txBody>
-      </p:sp>
-      <p:sp>
-        <p:nvSpPr>
-          <p:cNvPr id="83" name="Rectangle 8"/>
-          <p:cNvSpPr/>
-          <p:nvPr/>
-        </p:nvSpPr>
-        <p:spPr>
-          <a:xfrm>
-            <a:off x="4495800" y="5562600"/>
-            <a:ext cx="708186" cy="285783"/>
-          </a:xfrm>
-          <a:prstGeom prst="rect">
-            <a:avLst/>
-          </a:prstGeom>
-          <a:ln w="19050">
-            <a:solidFill>
-              <a:srgbClr val="7030A0"/>
-            </a:solidFill>
-          </a:ln>
-          <a:effectLst/>
-        </p:spPr>
-        <p:style>
-          <a:lnRef idx="1">
-            <a:schemeClr val="accent4"/>
-          </a:lnRef>
-          <a:fillRef idx="2">
-            <a:schemeClr val="accent4"/>
-          </a:fillRef>
-          <a:effectRef idx="1">
-            <a:schemeClr val="accent4"/>
-          </a:effectRef>
-          <a:fontRef idx="minor">
-            <a:schemeClr val="dk1"/>
-          </a:fontRef>
-        </p:style>
-        <p:txBody>
-          <a:bodyPr rtlCol="0" anchor="ctr"/>
-          <a:lstStyle/>
-          <a:p>
-            <a:pPr algn="ctr"/>
-            <a:r>
               <a:rPr lang="en-US" altLang="zh-CN" sz="1050" dirty="0" smtClean="0">
                 <a:solidFill>
                   <a:srgbClr val="7030A0"/>
@@ -5014,10 +4624,8 @@
       </p:sp>
       <p:cxnSp>
         <p:nvCxnSpPr>
-          <p:cNvPr id="97" name="Elbow Connector 63"/>
-          <p:cNvCxnSpPr>
-            <a:stCxn id="99" idx="3"/>
-          </p:cNvCxnSpPr>
+          <p:cNvPr id="30" name="Elbow Connector 63"/>
+          <p:cNvCxnSpPr/>
           <p:nvPr/>
         </p:nvCxnSpPr>
         <p:spPr>
@@ -5057,7 +4665,7 @@
       </p:cxnSp>
       <p:sp>
         <p:nvSpPr>
-          <p:cNvPr id="99" name="Isosceles Triangle 102"/>
+          <p:cNvPr id="31" name="Isosceles Triangle 102"/>
           <p:cNvSpPr/>
           <p:nvPr/>
         </p:nvSpPr>
@@ -5105,7 +4713,7 @@
       </p:sp>
       <p:sp>
         <p:nvSpPr>
-          <p:cNvPr id="100" name="Rectangle 8"/>
+          <p:cNvPr id="32" name="Rectangle 8"/>
           <p:cNvSpPr/>
           <p:nvPr/>
         </p:nvSpPr>
@@ -5184,7 +4792,7 @@
       </p:sp>
       <p:sp>
         <p:nvSpPr>
-          <p:cNvPr id="114" name="TextBox 113"/>
+          <p:cNvPr id="33" name="TextBox 32"/>
           <p:cNvSpPr txBox="1"/>
           <p:nvPr/>
         </p:nvSpPr>
@@ -5223,7 +4831,7 @@
       </p:sp>
       <p:sp>
         <p:nvSpPr>
-          <p:cNvPr id="122" name="Rectangle 8"/>
+          <p:cNvPr id="34" name="Rectangle 8"/>
           <p:cNvSpPr/>
           <p:nvPr/>
         </p:nvSpPr>
@@ -5302,11 +4910,8 @@
       </p:sp>
       <p:cxnSp>
         <p:nvCxnSpPr>
-          <p:cNvPr id="124" name="Elbow Connector 122"/>
-          <p:cNvCxnSpPr>
-            <a:stCxn id="119" idx="1"/>
-            <a:endCxn id="122" idx="1"/>
-          </p:cNvCxnSpPr>
+          <p:cNvPr id="35" name="Elbow Connector 122"/>
+          <p:cNvCxnSpPr/>
           <p:nvPr/>
         </p:nvCxnSpPr>
         <p:spPr>
@@ -5344,7 +4949,7 @@
       </p:cxnSp>
       <p:sp>
         <p:nvSpPr>
-          <p:cNvPr id="11" name="TextBox 10"/>
+          <p:cNvPr id="36" name="TextBox 35"/>
           <p:cNvSpPr txBox="1"/>
           <p:nvPr/>
         </p:nvSpPr>
@@ -5383,7 +4988,7 @@
       </p:sp>
       <p:sp>
         <p:nvSpPr>
-          <p:cNvPr id="54" name="TextBox 53"/>
+          <p:cNvPr id="37" name="TextBox 36"/>
           <p:cNvSpPr txBox="1"/>
           <p:nvPr/>
         </p:nvSpPr>
@@ -5422,7 +5027,7 @@
       </p:sp>
       <p:sp>
         <p:nvSpPr>
-          <p:cNvPr id="60" name="TextBox 59"/>
+          <p:cNvPr id="38" name="TextBox 37"/>
           <p:cNvSpPr txBox="1"/>
           <p:nvPr/>
         </p:nvSpPr>
@@ -5461,13 +5066,13 @@
       </p:sp>
       <p:sp>
         <p:nvSpPr>
-          <p:cNvPr id="61" name="TextBox 60"/>
+          <p:cNvPr id="40" name="TextBox 39"/>
           <p:cNvSpPr txBox="1"/>
           <p:nvPr/>
         </p:nvSpPr>
         <p:spPr>
           <a:xfrm>
-            <a:off x="4464444" y="3802509"/>
+            <a:off x="1872858" y="2742039"/>
             <a:ext cx="189257" cy="178683"/>
           </a:xfrm>
           <a:prstGeom prst="rect">
@@ -5488,7 +5093,7 @@
                   <a:srgbClr val="7030A0"/>
                 </a:solidFill>
               </a:rPr>
-              <a:t>*</a:t>
+              <a:t>1</a:t>
             </a:r>
             <a:endParaRPr lang="en-SG" sz="1100" dirty="0">
               <a:solidFill>
@@ -5500,13 +5105,13 @@
       </p:sp>
       <p:sp>
         <p:nvSpPr>
-          <p:cNvPr id="65" name="TextBox 64"/>
+          <p:cNvPr id="41" name="TextBox 40"/>
           <p:cNvSpPr txBox="1"/>
           <p:nvPr/>
         </p:nvSpPr>
         <p:spPr>
           <a:xfrm>
-            <a:off x="1872858" y="2742039"/>
+            <a:off x="1841305" y="3563851"/>
             <a:ext cx="189257" cy="178683"/>
           </a:xfrm>
           <a:prstGeom prst="rect">
@@ -5539,13 +5144,13 @@
       </p:sp>
       <p:sp>
         <p:nvSpPr>
-          <p:cNvPr id="66" name="TextBox 65"/>
+          <p:cNvPr id="42" name="TextBox 41"/>
           <p:cNvSpPr txBox="1"/>
           <p:nvPr/>
         </p:nvSpPr>
         <p:spPr>
           <a:xfrm>
-            <a:off x="1841305" y="3563851"/>
+            <a:off x="4800600" y="2971800"/>
             <a:ext cx="189257" cy="178683"/>
           </a:xfrm>
           <a:prstGeom prst="rect">
@@ -5578,46 +5183,7 @@
       </p:sp>
       <p:sp>
         <p:nvSpPr>
-          <p:cNvPr id="70" name="TextBox 69"/>
-          <p:cNvSpPr txBox="1"/>
-          <p:nvPr/>
-        </p:nvSpPr>
-        <p:spPr>
-          <a:xfrm>
-            <a:off x="4800600" y="2971800"/>
-            <a:ext cx="189257" cy="178683"/>
-          </a:xfrm>
-          <a:prstGeom prst="rect">
-            <a:avLst/>
-          </a:prstGeom>
-          <a:noFill/>
-        </p:spPr>
-        <p:txBody>
-          <a:bodyPr wrap="square" lIns="0" tIns="0" rIns="0" bIns="0" rtlCol="0">
-            <a:noAutofit/>
-          </a:bodyPr>
-          <a:lstStyle/>
-          <a:p>
-            <a:pPr algn="ctr"/>
-            <a:r>
-              <a:rPr lang="en-US" sz="1100" dirty="0" smtClean="0">
-                <a:solidFill>
-                  <a:srgbClr val="7030A0"/>
-                </a:solidFill>
-              </a:rPr>
-              <a:t>1</a:t>
-            </a:r>
-            <a:endParaRPr lang="en-SG" sz="1100" dirty="0">
-              <a:solidFill>
-                <a:srgbClr val="7030A0"/>
-              </a:solidFill>
-            </a:endParaRPr>
-          </a:p>
-        </p:txBody>
-      </p:sp>
-      <p:sp>
-        <p:nvSpPr>
-          <p:cNvPr id="74" name="Rectangle 8"/>
+          <p:cNvPr id="43" name="Rectangle 8"/>
           <p:cNvSpPr/>
           <p:nvPr/>
         </p:nvSpPr>
@@ -5673,7 +5239,7 @@
       </p:sp>
       <p:sp>
         <p:nvSpPr>
-          <p:cNvPr id="77" name="Rectangle 76"/>
+          <p:cNvPr id="44" name="Rectangle 43"/>
           <p:cNvSpPr/>
           <p:nvPr/>
         </p:nvSpPr>
@@ -5823,7 +5389,7 @@
       </p:sp>
       <p:sp>
         <p:nvSpPr>
-          <p:cNvPr id="88" name="Rectangle 87"/>
+          <p:cNvPr id="45" name="Rectangle 44"/>
           <p:cNvSpPr/>
           <p:nvPr/>
         </p:nvSpPr>
@@ -5973,7 +5539,7 @@
       </p:sp>
       <p:sp>
         <p:nvSpPr>
-          <p:cNvPr id="73" name="Rectangle 8"/>
+          <p:cNvPr id="46" name="Rectangle 8"/>
           <p:cNvSpPr/>
           <p:nvPr/>
         </p:nvSpPr>
@@ -6029,7 +5595,7 @@
       </p:sp>
       <p:sp>
         <p:nvSpPr>
-          <p:cNvPr id="90" name="Rectangle 8"/>
+          <p:cNvPr id="47" name="Rectangle 8"/>
           <p:cNvSpPr/>
           <p:nvPr/>
         </p:nvSpPr>
@@ -6085,53 +5651,14 @@
       </p:sp>
       <p:sp>
         <p:nvSpPr>
-          <p:cNvPr id="94" name="TextBox 93"/>
-          <p:cNvSpPr txBox="1"/>
+          <p:cNvPr id="50" name="Rectangle 8"/>
+          <p:cNvSpPr/>
           <p:nvPr/>
         </p:nvSpPr>
         <p:spPr>
           <a:xfrm>
-            <a:off x="4967094" y="3782321"/>
-            <a:ext cx="189257" cy="178683"/>
-          </a:xfrm>
-          <a:prstGeom prst="rect">
-            <a:avLst/>
-          </a:prstGeom>
-          <a:noFill/>
-        </p:spPr>
-        <p:txBody>
-          <a:bodyPr wrap="square" lIns="0" tIns="0" rIns="0" bIns="0" rtlCol="0">
-            <a:noAutofit/>
-          </a:bodyPr>
-          <a:lstStyle/>
-          <a:p>
-            <a:pPr algn="ctr"/>
-            <a:r>
-              <a:rPr lang="zh-CN" altLang="en-US" sz="1100" dirty="0">
-                <a:solidFill>
-                  <a:srgbClr val="7030A0"/>
-                </a:solidFill>
-              </a:rPr>
-              <a:t>*</a:t>
-            </a:r>
-            <a:endParaRPr lang="en-SG" sz="1100" dirty="0">
-              <a:solidFill>
-                <a:srgbClr val="7030A0"/>
-              </a:solidFill>
-            </a:endParaRPr>
-          </a:p>
-        </p:txBody>
-      </p:sp>
-      <p:sp>
-        <p:nvSpPr>
-          <p:cNvPr id="89" name="Rectangle 8"/>
-          <p:cNvSpPr/>
-          <p:nvPr/>
-        </p:nvSpPr>
-        <p:spPr>
-          <a:xfrm>
-            <a:off x="5958340" y="2927761"/>
-            <a:ext cx="1135778" cy="346760"/>
+            <a:off x="5619975" y="3050445"/>
+            <a:ext cx="708186" cy="346760"/>
           </a:xfrm>
           <a:prstGeom prst="rect">
             <a:avLst/>
@@ -6163,30 +5690,7 @@
           <a:p>
             <a:pPr algn="ctr"/>
             <a:r>
-              <a:rPr lang="en-US" sz="1050" dirty="0" smtClean="0">
-                <a:solidFill>
-                  <a:srgbClr val="7030A0"/>
-                </a:solidFill>
-              </a:rPr>
-              <a:t>&lt;&lt;interface&gt;&gt;</a:t>
-            </a:r>
-            <a:br>
-              <a:rPr lang="en-US" sz="1050" dirty="0" smtClean="0">
-                <a:solidFill>
-                  <a:srgbClr val="7030A0"/>
-                </a:solidFill>
-              </a:rPr>
-            </a:br>
-            <a:r>
-              <a:rPr lang="en-US" sz="1050" dirty="0" err="1" smtClean="0">
-                <a:solidFill>
-                  <a:srgbClr val="7030A0"/>
-                </a:solidFill>
-              </a:rPr>
-              <a:t>ReadOnly</a:t>
-            </a:r>
-            <a:r>
-              <a:rPr lang="en-US" altLang="zh-CN" sz="1050" dirty="0" err="1" smtClean="0">
+              <a:rPr lang="en-US" altLang="zh-CN" sz="1050" dirty="0" smtClean="0">
                 <a:solidFill>
                   <a:srgbClr val="7030A0"/>
                 </a:solidFill>
@@ -6203,13 +5707,13 @@
       </p:sp>
       <p:sp>
         <p:nvSpPr>
-          <p:cNvPr id="101" name="Rectangle 8"/>
+          <p:cNvPr id="51" name="Rectangle 8"/>
           <p:cNvSpPr/>
           <p:nvPr/>
         </p:nvSpPr>
         <p:spPr>
           <a:xfrm>
-            <a:off x="7727518" y="2938482"/>
+            <a:off x="5619975" y="3717287"/>
             <a:ext cx="708186" cy="346760"/>
           </a:xfrm>
           <a:prstGeom prst="rect">
@@ -6247,7 +5751,7 @@
                   <a:srgbClr val="7030A0"/>
                 </a:solidFill>
               </a:rPr>
-              <a:t>Event</a:t>
+              <a:t>Task</a:t>
             </a:r>
             <a:endParaRPr lang="en-SG" sz="1050" dirty="0">
               <a:solidFill>
@@ -6259,14 +5763,14 @@
       </p:sp>
       <p:sp>
         <p:nvSpPr>
-          <p:cNvPr id="104" name="Rectangle 8"/>
+          <p:cNvPr id="52" name="Rectangle 8"/>
           <p:cNvSpPr/>
           <p:nvPr/>
         </p:nvSpPr>
         <p:spPr>
           <a:xfrm>
-            <a:off x="4343400" y="3962400"/>
-            <a:ext cx="708186" cy="346760"/>
+            <a:off x="3462836" y="4646433"/>
+            <a:ext cx="990600" cy="381000"/>
           </a:xfrm>
           <a:prstGeom prst="rect">
             <a:avLst/>
@@ -6298,12 +5802,27 @@
           <a:p>
             <a:pPr algn="ctr"/>
             <a:r>
-              <a:rPr lang="en-US" altLang="zh-CN" sz="1050" dirty="0" smtClean="0">
+              <a:rPr lang="en-US" sz="1050" dirty="0" smtClean="0">
                 <a:solidFill>
                   <a:srgbClr val="7030A0"/>
                 </a:solidFill>
               </a:rPr>
-              <a:t>Task</a:t>
+              <a:t>&lt;&lt;interface&gt;&gt;</a:t>
+            </a:r>
+            <a:br>
+              <a:rPr lang="en-US" sz="1050" dirty="0" smtClean="0">
+                <a:solidFill>
+                  <a:srgbClr val="7030A0"/>
+                </a:solidFill>
+              </a:rPr>
+            </a:br>
+            <a:r>
+              <a:rPr lang="en-US" sz="1050" dirty="0" smtClean="0">
+                <a:solidFill>
+                  <a:srgbClr val="7030A0"/>
+                </a:solidFill>
+              </a:rPr>
+              <a:t>TaskField</a:t>
             </a:r>
             <a:endParaRPr lang="en-SG" sz="1050" dirty="0">
               <a:solidFill>
@@ -6315,16 +5834,16 @@
       </p:sp>
       <p:sp>
         <p:nvSpPr>
-          <p:cNvPr id="132" name="Rectangle 8"/>
+          <p:cNvPr id="58" name="Isosceles Triangle 102"/>
           <p:cNvSpPr/>
           <p:nvPr/>
         </p:nvSpPr>
         <p:spPr>
-          <a:xfrm>
-            <a:off x="4200525" y="4648200"/>
-            <a:ext cx="990600" cy="381000"/>
-          </a:xfrm>
-          <a:prstGeom prst="rect">
+          <a:xfrm rot="10800000" flipV="1">
+            <a:off x="3827203" y="5038622"/>
+            <a:ext cx="270504" cy="175523"/>
+          </a:xfrm>
+          <a:prstGeom prst="triangle">
             <a:avLst/>
           </a:prstGeom>
           <a:ln w="19050">
@@ -6353,32 +5872,9 @@
           <a:lstStyle/>
           <a:p>
             <a:pPr algn="ctr"/>
-            <a:r>
-              <a:rPr lang="en-US" sz="1050" dirty="0" smtClean="0">
-                <a:solidFill>
-                  <a:srgbClr val="7030A0"/>
-                </a:solidFill>
-              </a:rPr>
-              <a:t>&lt;&lt;interface&gt;&gt;</a:t>
-            </a:r>
-            <a:br>
-              <a:rPr lang="en-US" sz="1050" dirty="0" smtClean="0">
-                <a:solidFill>
-                  <a:srgbClr val="7030A0"/>
-                </a:solidFill>
-              </a:rPr>
-            </a:br>
-            <a:r>
-              <a:rPr lang="en-US" sz="1050" dirty="0" smtClean="0">
-                <a:solidFill>
-                  <a:srgbClr val="7030A0"/>
-                </a:solidFill>
-              </a:rPr>
-              <a:t>TaskField</a:t>
-            </a:r>
-            <a:endParaRPr lang="en-SG" sz="1050" dirty="0">
+            <a:endParaRPr lang="en-SG" sz="1050" b="1">
               <a:solidFill>
-                <a:srgbClr val="7030A0"/>
+                <a:srgbClr val="92D050"/>
               </a:solidFill>
             </a:endParaRPr>
           </a:p>
@@ -6386,21 +5882,18 @@
       </p:sp>
       <p:cxnSp>
         <p:nvCxnSpPr>
-          <p:cNvPr id="194" name="Elbow Connector 63"/>
-          <p:cNvCxnSpPr>
-            <a:stCxn id="195" idx="3"/>
-            <a:endCxn id="101" idx="1"/>
-          </p:cNvCxnSpPr>
+          <p:cNvPr id="59" name="Elbow Connector 63"/>
+          <p:cNvCxnSpPr/>
           <p:nvPr/>
         </p:nvCxnSpPr>
         <p:spPr>
-          <a:xfrm flipV="1">
-            <a:off x="7274056" y="3111862"/>
-            <a:ext cx="453462" cy="1929"/>
+          <a:xfrm>
+            <a:off x="3924695" y="5400689"/>
+            <a:ext cx="3820798" cy="161910"/>
           </a:xfrm>
           <a:prstGeom prst="bentConnector3">
             <a:avLst>
-              <a:gd name="adj1" fmla="val 50000"/>
+              <a:gd name="adj1" fmla="val 100019"/>
             </a:avLst>
           </a:prstGeom>
           <a:ln w="19050">
@@ -6430,16 +5923,16 @@
       </p:cxnSp>
       <p:sp>
         <p:nvSpPr>
-          <p:cNvPr id="195" name="Isosceles Triangle 102"/>
+          <p:cNvPr id="86" name="Rectangle 8"/>
           <p:cNvSpPr/>
           <p:nvPr/>
         </p:nvSpPr>
         <p:spPr>
-          <a:xfrm rot="5295786" flipV="1">
-            <a:off x="7051083" y="3028690"/>
-            <a:ext cx="270504" cy="175523"/>
-          </a:xfrm>
-          <a:prstGeom prst="triangle">
+          <a:xfrm>
+            <a:off x="5301647" y="4402333"/>
+            <a:ext cx="1035903" cy="346760"/>
+          </a:xfrm>
+          <a:prstGeom prst="rect">
             <a:avLst/>
           </a:prstGeom>
           <a:ln w="19050">
@@ -6468,9 +5961,17 @@
           <a:lstStyle/>
           <a:p>
             <a:pPr algn="ctr"/>
-            <a:endParaRPr lang="en-SG" sz="1050" b="1">
+            <a:r>
+              <a:rPr lang="en-US" altLang="zh-CN" sz="1050" smtClean="0">
+                <a:solidFill>
+                  <a:srgbClr val="7030A0"/>
+                </a:solidFill>
+              </a:rPr>
+              <a:t>RecurringTask</a:t>
+            </a:r>
+            <a:endParaRPr lang="en-SG" sz="1050" dirty="0">
               <a:solidFill>
-                <a:srgbClr val="92D050"/>
+                <a:srgbClr val="7030A0"/>
               </a:solidFill>
             </a:endParaRPr>
           </a:p>
@@ -6478,16 +5979,16 @@
       </p:sp>
       <p:sp>
         <p:nvSpPr>
-          <p:cNvPr id="200" name="Isosceles Triangle 102"/>
+          <p:cNvPr id="89" name="Rectangle 8"/>
           <p:cNvSpPr/>
           <p:nvPr/>
         </p:nvSpPr>
         <p:spPr>
-          <a:xfrm rot="10800000" flipV="1">
-            <a:off x="4781363" y="4318880"/>
-            <a:ext cx="270504" cy="175523"/>
-          </a:xfrm>
-          <a:prstGeom prst="triangle">
+          <a:xfrm>
+            <a:off x="5301850" y="2385404"/>
+            <a:ext cx="1035903" cy="346760"/>
+          </a:xfrm>
+          <a:prstGeom prst="rect">
             <a:avLst/>
           </a:prstGeom>
           <a:ln w="19050">
@@ -6516,6 +6017,546 @@
           <a:lstStyle/>
           <a:p>
             <a:pPr algn="ctr"/>
+            <a:r>
+              <a:rPr lang="en-US" altLang="zh-CN" sz="1050" dirty="0" smtClean="0">
+                <a:solidFill>
+                  <a:srgbClr val="7030A0"/>
+                </a:solidFill>
+              </a:rPr>
+              <a:t>RecurringEvent</a:t>
+            </a:r>
+            <a:endParaRPr lang="en-SG" sz="1050" dirty="0">
+              <a:solidFill>
+                <a:srgbClr val="7030A0"/>
+              </a:solidFill>
+            </a:endParaRPr>
+          </a:p>
+        </p:txBody>
+      </p:sp>
+      <p:sp>
+        <p:nvSpPr>
+          <p:cNvPr id="90" name="Rectangle 8"/>
+          <p:cNvSpPr/>
+          <p:nvPr/>
+        </p:nvSpPr>
+        <p:spPr>
+          <a:xfrm>
+            <a:off x="6754893" y="3055785"/>
+            <a:ext cx="1560320" cy="346760"/>
+          </a:xfrm>
+          <a:prstGeom prst="rect">
+            <a:avLst/>
+          </a:prstGeom>
+          <a:ln w="19050">
+            <a:solidFill>
+              <a:srgbClr val="7030A0"/>
+            </a:solidFill>
+          </a:ln>
+          <a:effectLst/>
+        </p:spPr>
+        <p:style>
+          <a:lnRef idx="1">
+            <a:schemeClr val="accent4"/>
+          </a:lnRef>
+          <a:fillRef idx="2">
+            <a:schemeClr val="accent4"/>
+          </a:fillRef>
+          <a:effectRef idx="1">
+            <a:schemeClr val="accent4"/>
+          </a:effectRef>
+          <a:fontRef idx="minor">
+            <a:schemeClr val="dk1"/>
+          </a:fontRef>
+        </p:style>
+        <p:txBody>
+          <a:bodyPr rtlCol="0" anchor="ctr"/>
+          <a:lstStyle/>
+          <a:p>
+            <a:pPr algn="ctr"/>
+            <a:r>
+              <a:rPr lang="en-US" sz="1050" dirty="0" smtClean="0">
+                <a:solidFill>
+                  <a:srgbClr val="7030A0"/>
+                </a:solidFill>
+              </a:rPr>
+              <a:t>&lt;&lt;interface&gt;&gt;</a:t>
+            </a:r>
+            <a:br>
+              <a:rPr lang="en-US" sz="1050" dirty="0" smtClean="0">
+                <a:solidFill>
+                  <a:srgbClr val="7030A0"/>
+                </a:solidFill>
+              </a:rPr>
+            </a:br>
+            <a:r>
+              <a:rPr lang="en-US" sz="1050" dirty="0" err="1" smtClean="0">
+                <a:solidFill>
+                  <a:srgbClr val="7030A0"/>
+                </a:solidFill>
+              </a:rPr>
+              <a:t>ReadOnly</a:t>
+            </a:r>
+            <a:r>
+              <a:rPr lang="en-US" altLang="zh-CN" sz="1050" dirty="0" err="1" smtClean="0">
+                <a:solidFill>
+                  <a:srgbClr val="7030A0"/>
+                </a:solidFill>
+              </a:rPr>
+              <a:t>Event</a:t>
+            </a:r>
+            <a:endParaRPr lang="en-SG" sz="1050" dirty="0">
+              <a:solidFill>
+                <a:srgbClr val="7030A0"/>
+              </a:solidFill>
+            </a:endParaRPr>
+          </a:p>
+        </p:txBody>
+      </p:sp>
+      <p:sp>
+        <p:nvSpPr>
+          <p:cNvPr id="94" name="Rectangle 8"/>
+          <p:cNvSpPr/>
+          <p:nvPr/>
+        </p:nvSpPr>
+        <p:spPr>
+          <a:xfrm>
+            <a:off x="6769201" y="3711404"/>
+            <a:ext cx="1546012" cy="346760"/>
+          </a:xfrm>
+          <a:prstGeom prst="rect">
+            <a:avLst/>
+          </a:prstGeom>
+          <a:ln w="19050">
+            <a:solidFill>
+              <a:srgbClr val="7030A0"/>
+            </a:solidFill>
+          </a:ln>
+          <a:effectLst/>
+        </p:spPr>
+        <p:style>
+          <a:lnRef idx="1">
+            <a:schemeClr val="accent4"/>
+          </a:lnRef>
+          <a:fillRef idx="2">
+            <a:schemeClr val="accent4"/>
+          </a:fillRef>
+          <a:effectRef idx="1">
+            <a:schemeClr val="accent4"/>
+          </a:effectRef>
+          <a:fontRef idx="minor">
+            <a:schemeClr val="dk1"/>
+          </a:fontRef>
+        </p:style>
+        <p:txBody>
+          <a:bodyPr rtlCol="0" anchor="ctr"/>
+          <a:lstStyle/>
+          <a:p>
+            <a:pPr algn="ctr"/>
+            <a:r>
+              <a:rPr lang="en-US" sz="1050" dirty="0" smtClean="0">
+                <a:solidFill>
+                  <a:srgbClr val="7030A0"/>
+                </a:solidFill>
+              </a:rPr>
+              <a:t>&lt;&lt;interface&gt;&gt;</a:t>
+            </a:r>
+            <a:br>
+              <a:rPr lang="en-US" sz="1050" dirty="0" smtClean="0">
+                <a:solidFill>
+                  <a:srgbClr val="7030A0"/>
+                </a:solidFill>
+              </a:rPr>
+            </a:br>
+            <a:r>
+              <a:rPr lang="en-US" sz="1050" dirty="0" err="1" smtClean="0">
+                <a:solidFill>
+                  <a:srgbClr val="7030A0"/>
+                </a:solidFill>
+              </a:rPr>
+              <a:t>ReadOnly</a:t>
+            </a:r>
+            <a:r>
+              <a:rPr lang="en-US" sz="1050" dirty="0" err="1" smtClean="0">
+                <a:solidFill>
+                  <a:srgbClr val="7030A0"/>
+                </a:solidFill>
+              </a:rPr>
+              <a:t>Task</a:t>
+            </a:r>
+            <a:endParaRPr lang="en-SG" sz="1050" dirty="0">
+              <a:solidFill>
+                <a:srgbClr val="7030A0"/>
+              </a:solidFill>
+            </a:endParaRPr>
+          </a:p>
+        </p:txBody>
+      </p:sp>
+      <p:sp>
+        <p:nvSpPr>
+          <p:cNvPr id="95" name="Rectangle 8"/>
+          <p:cNvSpPr/>
+          <p:nvPr/>
+        </p:nvSpPr>
+        <p:spPr>
+          <a:xfrm>
+            <a:off x="6764570" y="2394381"/>
+            <a:ext cx="1540966" cy="346760"/>
+          </a:xfrm>
+          <a:prstGeom prst="rect">
+            <a:avLst/>
+          </a:prstGeom>
+          <a:ln w="19050">
+            <a:solidFill>
+              <a:srgbClr val="7030A0"/>
+            </a:solidFill>
+          </a:ln>
+          <a:effectLst/>
+        </p:spPr>
+        <p:style>
+          <a:lnRef idx="1">
+            <a:schemeClr val="accent4"/>
+          </a:lnRef>
+          <a:fillRef idx="2">
+            <a:schemeClr val="accent4"/>
+          </a:fillRef>
+          <a:effectRef idx="1">
+            <a:schemeClr val="accent4"/>
+          </a:effectRef>
+          <a:fontRef idx="minor">
+            <a:schemeClr val="dk1"/>
+          </a:fontRef>
+        </p:style>
+        <p:txBody>
+          <a:bodyPr rtlCol="0" anchor="ctr"/>
+          <a:lstStyle/>
+          <a:p>
+            <a:pPr algn="ctr"/>
+            <a:r>
+              <a:rPr lang="en-US" sz="1050" dirty="0" smtClean="0">
+                <a:solidFill>
+                  <a:srgbClr val="7030A0"/>
+                </a:solidFill>
+              </a:rPr>
+              <a:t>&lt;&lt;interface&gt;&gt;</a:t>
+            </a:r>
+            <a:r>
+              <a:rPr lang="en-US" sz="1050" smtClean="0">
+                <a:solidFill>
+                  <a:srgbClr val="7030A0"/>
+                </a:solidFill>
+              </a:rPr>
+              <a:t/>
+            </a:r>
+            <a:br>
+              <a:rPr lang="en-US" sz="1050" smtClean="0">
+                <a:solidFill>
+                  <a:srgbClr val="7030A0"/>
+                </a:solidFill>
+              </a:rPr>
+            </a:br>
+            <a:r>
+              <a:rPr lang="en-US" sz="1050" dirty="0" err="1" smtClean="0">
+                <a:solidFill>
+                  <a:srgbClr val="7030A0"/>
+                </a:solidFill>
+              </a:rPr>
+              <a:t>ReadOnlyRecurring</a:t>
+            </a:r>
+            <a:r>
+              <a:rPr lang="en-US" altLang="zh-CN" sz="1050" dirty="0" err="1" smtClean="0">
+                <a:solidFill>
+                  <a:srgbClr val="7030A0"/>
+                </a:solidFill>
+              </a:rPr>
+              <a:t>Event</a:t>
+            </a:r>
+            <a:endParaRPr lang="en-SG" sz="1050" dirty="0">
+              <a:solidFill>
+                <a:srgbClr val="7030A0"/>
+              </a:solidFill>
+            </a:endParaRPr>
+          </a:p>
+        </p:txBody>
+      </p:sp>
+      <p:sp>
+        <p:nvSpPr>
+          <p:cNvPr id="96" name="Rectangle 8"/>
+          <p:cNvSpPr/>
+          <p:nvPr/>
+        </p:nvSpPr>
+        <p:spPr>
+          <a:xfrm>
+            <a:off x="6789487" y="4388431"/>
+            <a:ext cx="1540966" cy="346760"/>
+          </a:xfrm>
+          <a:prstGeom prst="rect">
+            <a:avLst/>
+          </a:prstGeom>
+          <a:ln w="19050">
+            <a:solidFill>
+              <a:srgbClr val="7030A0"/>
+            </a:solidFill>
+          </a:ln>
+          <a:effectLst/>
+        </p:spPr>
+        <p:style>
+          <a:lnRef idx="1">
+            <a:schemeClr val="accent4"/>
+          </a:lnRef>
+          <a:fillRef idx="2">
+            <a:schemeClr val="accent4"/>
+          </a:fillRef>
+          <a:effectRef idx="1">
+            <a:schemeClr val="accent4"/>
+          </a:effectRef>
+          <a:fontRef idx="minor">
+            <a:schemeClr val="dk1"/>
+          </a:fontRef>
+        </p:style>
+        <p:txBody>
+          <a:bodyPr rtlCol="0" anchor="ctr"/>
+          <a:lstStyle/>
+          <a:p>
+            <a:pPr algn="ctr"/>
+            <a:r>
+              <a:rPr lang="en-US" sz="1050" dirty="0" smtClean="0">
+                <a:solidFill>
+                  <a:srgbClr val="7030A0"/>
+                </a:solidFill>
+              </a:rPr>
+              <a:t>&lt;&lt;interface&gt;&gt;</a:t>
+            </a:r>
+            <a:br>
+              <a:rPr lang="en-US" sz="1050" dirty="0" smtClean="0">
+                <a:solidFill>
+                  <a:srgbClr val="7030A0"/>
+                </a:solidFill>
+              </a:rPr>
+            </a:br>
+            <a:r>
+              <a:rPr lang="en-US" sz="1050" dirty="0" err="1" smtClean="0">
+                <a:solidFill>
+                  <a:srgbClr val="7030A0"/>
+                </a:solidFill>
+              </a:rPr>
+              <a:t>ReadOnlyRecurring</a:t>
+            </a:r>
+            <a:r>
+              <a:rPr lang="en-US" sz="1050" dirty="0" err="1" smtClean="0">
+                <a:solidFill>
+                  <a:srgbClr val="7030A0"/>
+                </a:solidFill>
+              </a:rPr>
+              <a:t>Task</a:t>
+            </a:r>
+            <a:endParaRPr lang="en-SG" sz="1050" dirty="0">
+              <a:solidFill>
+                <a:srgbClr val="7030A0"/>
+              </a:solidFill>
+            </a:endParaRPr>
+          </a:p>
+        </p:txBody>
+      </p:sp>
+      <p:cxnSp>
+        <p:nvCxnSpPr>
+          <p:cNvPr id="100" name="Elbow Connector 99"/>
+          <p:cNvCxnSpPr/>
+          <p:nvPr/>
+        </p:nvCxnSpPr>
+        <p:spPr>
+          <a:xfrm flipV="1">
+            <a:off x="3405286" y="2631750"/>
+            <a:ext cx="256977" cy="306732"/>
+          </a:xfrm>
+          <a:prstGeom prst="bentConnector3">
+            <a:avLst>
+              <a:gd name="adj1" fmla="val 50000"/>
+            </a:avLst>
+          </a:prstGeom>
+          <a:ln w="19050">
+            <a:solidFill>
+              <a:srgbClr val="7030A0"/>
+            </a:solidFill>
+            <a:headEnd type="none" w="med" len="med"/>
+            <a:tailEnd type="arrow" w="med" len="med"/>
+          </a:ln>
+          <a:effectLst/>
+        </p:spPr>
+        <p:style>
+          <a:lnRef idx="1">
+            <a:schemeClr val="accent2"/>
+          </a:lnRef>
+          <a:fillRef idx="2">
+            <a:schemeClr val="accent2"/>
+          </a:fillRef>
+          <a:effectRef idx="1">
+            <a:schemeClr val="accent2"/>
+          </a:effectRef>
+          <a:fontRef idx="minor">
+            <a:schemeClr val="dk1"/>
+          </a:fontRef>
+        </p:style>
+      </p:cxnSp>
+      <p:cxnSp>
+        <p:nvCxnSpPr>
+          <p:cNvPr id="101" name="Elbow Connector 100"/>
+          <p:cNvCxnSpPr/>
+          <p:nvPr/>
+        </p:nvCxnSpPr>
+        <p:spPr>
+          <a:xfrm>
+            <a:off x="3382124" y="2944393"/>
+            <a:ext cx="275476" cy="89234"/>
+          </a:xfrm>
+          <a:prstGeom prst="bentConnector3">
+            <a:avLst>
+              <a:gd name="adj1" fmla="val 50000"/>
+            </a:avLst>
+          </a:prstGeom>
+          <a:ln w="19050">
+            <a:solidFill>
+              <a:srgbClr val="7030A0"/>
+            </a:solidFill>
+            <a:headEnd type="none" w="med" len="med"/>
+            <a:tailEnd type="arrow" w="med" len="med"/>
+          </a:ln>
+          <a:effectLst/>
+        </p:spPr>
+        <p:style>
+          <a:lnRef idx="1">
+            <a:schemeClr val="accent2"/>
+          </a:lnRef>
+          <a:fillRef idx="2">
+            <a:schemeClr val="accent2"/>
+          </a:fillRef>
+          <a:effectRef idx="1">
+            <a:schemeClr val="accent2"/>
+          </a:effectRef>
+          <a:fontRef idx="minor">
+            <a:schemeClr val="dk1"/>
+          </a:fontRef>
+        </p:style>
+      </p:cxnSp>
+      <p:cxnSp>
+        <p:nvCxnSpPr>
+          <p:cNvPr id="103" name="Elbow Connector 102"/>
+          <p:cNvCxnSpPr/>
+          <p:nvPr/>
+        </p:nvCxnSpPr>
+        <p:spPr>
+          <a:xfrm>
+            <a:off x="4108944" y="3457215"/>
+            <a:ext cx="1511031" cy="362522"/>
+          </a:xfrm>
+          <a:prstGeom prst="bentConnector3">
+            <a:avLst>
+              <a:gd name="adj1" fmla="val -227"/>
+            </a:avLst>
+          </a:prstGeom>
+          <a:ln w="19050">
+            <a:solidFill>
+              <a:srgbClr val="7030A0"/>
+            </a:solidFill>
+            <a:headEnd type="none" w="med" len="med"/>
+            <a:tailEnd type="arrow" w="med" len="med"/>
+          </a:ln>
+          <a:effectLst/>
+        </p:spPr>
+        <p:style>
+          <a:lnRef idx="1">
+            <a:schemeClr val="accent2"/>
+          </a:lnRef>
+          <a:fillRef idx="2">
+            <a:schemeClr val="accent2"/>
+          </a:fillRef>
+          <a:effectRef idx="1">
+            <a:schemeClr val="accent2"/>
+          </a:effectRef>
+          <a:fontRef idx="minor">
+            <a:schemeClr val="dk1"/>
+          </a:fontRef>
+        </p:style>
+      </p:cxnSp>
+      <p:cxnSp>
+        <p:nvCxnSpPr>
+          <p:cNvPr id="106" name="Elbow Connector 105"/>
+          <p:cNvCxnSpPr/>
+          <p:nvPr/>
+        </p:nvCxnSpPr>
+        <p:spPr>
+          <a:xfrm>
+            <a:off x="1409440" y="3770457"/>
+            <a:ext cx="4210535" cy="190806"/>
+          </a:xfrm>
+          <a:prstGeom prst="bentConnector3">
+            <a:avLst>
+              <a:gd name="adj1" fmla="val 51"/>
+            </a:avLst>
+          </a:prstGeom>
+          <a:ln w="19050">
+            <a:solidFill>
+              <a:srgbClr val="7030A0"/>
+            </a:solidFill>
+            <a:headEnd type="none" w="med" len="med"/>
+            <a:tailEnd type="arrow" w="med" len="med"/>
+          </a:ln>
+          <a:effectLst/>
+        </p:spPr>
+        <p:style>
+          <a:lnRef idx="1">
+            <a:schemeClr val="accent2"/>
+          </a:lnRef>
+          <a:fillRef idx="2">
+            <a:schemeClr val="accent2"/>
+          </a:fillRef>
+          <a:effectRef idx="1">
+            <a:schemeClr val="accent2"/>
+          </a:effectRef>
+          <a:fontRef idx="minor">
+            <a:schemeClr val="dk1"/>
+          </a:fontRef>
+        </p:style>
+      </p:cxnSp>
+      <p:sp>
+        <p:nvSpPr>
+          <p:cNvPr id="111" name="Isosceles Triangle 102"/>
+          <p:cNvSpPr/>
+          <p:nvPr/>
+        </p:nvSpPr>
+        <p:spPr>
+          <a:xfrm rot="16200000" flipV="1">
+            <a:off x="6539074" y="3788535"/>
+            <a:ext cx="270504" cy="175523"/>
+          </a:xfrm>
+          <a:prstGeom prst="triangle">
+            <a:avLst/>
+          </a:prstGeom>
+          <a:ln w="19050">
+            <a:solidFill>
+              <a:srgbClr val="7030A0"/>
+            </a:solidFill>
+          </a:ln>
+          <a:effectLst/>
+        </p:spPr>
+        <p:style>
+          <a:lnRef idx="1">
+            <a:schemeClr val="accent4"/>
+          </a:lnRef>
+          <a:fillRef idx="2">
+            <a:schemeClr val="accent4"/>
+          </a:fillRef>
+          <a:effectRef idx="1">
+            <a:schemeClr val="accent4"/>
+          </a:effectRef>
+          <a:fontRef idx="minor">
+            <a:schemeClr val="dk1"/>
+          </a:fontRef>
+        </p:style>
+        <p:txBody>
+          <a:bodyPr rtlCol="0" anchor="ctr"/>
+          <a:lstStyle/>
+          <a:p>
+            <a:pPr algn="ctr"/>
             <a:endParaRPr lang="en-SG" sz="1050" b="1">
               <a:solidFill>
                 <a:srgbClr val="92D050"/>
@@ -6526,21 +6567,756 @@
       </p:sp>
       <p:cxnSp>
         <p:nvCxnSpPr>
-          <p:cNvPr id="204" name="肘形连接符 203"/>
+          <p:cNvPr id="112" name="Elbow Connector 63"/>
           <p:cNvCxnSpPr>
-            <a:stCxn id="200" idx="3"/>
-            <a:endCxn id="101" idx="2"/>
+            <a:endCxn id="111" idx="3"/>
           </p:cNvCxnSpPr>
           <p:nvPr/>
         </p:nvCxnSpPr>
         <p:spPr>
-          <a:xfrm rot="5400000" flipH="1" flipV="1">
-            <a:off x="5894532" y="2307325"/>
-            <a:ext cx="1209161" cy="3164996"/>
+          <a:xfrm>
+            <a:off x="6319439" y="3871817"/>
+            <a:ext cx="267126" cy="4480"/>
           </a:xfrm>
           <a:prstGeom prst="bentConnector3">
             <a:avLst>
-              <a:gd name="adj1" fmla="val -8319"/>
+              <a:gd name="adj1" fmla="val 50000"/>
+            </a:avLst>
+          </a:prstGeom>
+          <a:ln w="19050">
+            <a:solidFill>
+              <a:srgbClr val="7030A0"/>
+            </a:solidFill>
+            <a:prstDash val="sysDot"/>
+            <a:headEnd type="none" w="med" len="med"/>
+            <a:tailEnd type="none" w="med" len="med"/>
+          </a:ln>
+          <a:effectLst/>
+        </p:spPr>
+        <p:style>
+          <a:lnRef idx="1">
+            <a:schemeClr val="accent2"/>
+          </a:lnRef>
+          <a:fillRef idx="2">
+            <a:schemeClr val="accent2"/>
+          </a:fillRef>
+          <a:effectRef idx="1">
+            <a:schemeClr val="accent2"/>
+          </a:effectRef>
+          <a:fontRef idx="minor">
+            <a:schemeClr val="dk1"/>
+          </a:fontRef>
+        </p:style>
+      </p:cxnSp>
+      <p:sp>
+        <p:nvSpPr>
+          <p:cNvPr id="118" name="Isosceles Triangle 102"/>
+          <p:cNvSpPr/>
+          <p:nvPr/>
+        </p:nvSpPr>
+        <p:spPr>
+          <a:xfrm rot="16200000" flipV="1">
+            <a:off x="6566473" y="4459668"/>
+            <a:ext cx="270504" cy="175523"/>
+          </a:xfrm>
+          <a:prstGeom prst="triangle">
+            <a:avLst/>
+          </a:prstGeom>
+          <a:ln w="19050">
+            <a:solidFill>
+              <a:srgbClr val="7030A0"/>
+            </a:solidFill>
+          </a:ln>
+          <a:effectLst/>
+        </p:spPr>
+        <p:style>
+          <a:lnRef idx="1">
+            <a:schemeClr val="accent4"/>
+          </a:lnRef>
+          <a:fillRef idx="2">
+            <a:schemeClr val="accent4"/>
+          </a:fillRef>
+          <a:effectRef idx="1">
+            <a:schemeClr val="accent4"/>
+          </a:effectRef>
+          <a:fontRef idx="minor">
+            <a:schemeClr val="dk1"/>
+          </a:fontRef>
+        </p:style>
+        <p:txBody>
+          <a:bodyPr rtlCol="0" anchor="ctr"/>
+          <a:lstStyle/>
+          <a:p>
+            <a:pPr algn="ctr"/>
+            <a:endParaRPr lang="en-SG" sz="1050" b="1">
+              <a:solidFill>
+                <a:srgbClr val="92D050"/>
+              </a:solidFill>
+            </a:endParaRPr>
+          </a:p>
+        </p:txBody>
+      </p:sp>
+      <p:cxnSp>
+        <p:nvCxnSpPr>
+          <p:cNvPr id="119" name="Elbow Connector 63"/>
+          <p:cNvCxnSpPr/>
+          <p:nvPr/>
+        </p:nvCxnSpPr>
+        <p:spPr>
+          <a:xfrm>
+            <a:off x="6346838" y="4542950"/>
+            <a:ext cx="267126" cy="4480"/>
+          </a:xfrm>
+          <a:prstGeom prst="bentConnector3">
+            <a:avLst>
+              <a:gd name="adj1" fmla="val 50000"/>
+            </a:avLst>
+          </a:prstGeom>
+          <a:ln w="19050">
+            <a:solidFill>
+              <a:srgbClr val="7030A0"/>
+            </a:solidFill>
+            <a:prstDash val="sysDot"/>
+            <a:headEnd type="none" w="med" len="med"/>
+            <a:tailEnd type="none" w="med" len="med"/>
+          </a:ln>
+          <a:effectLst/>
+        </p:spPr>
+        <p:style>
+          <a:lnRef idx="1">
+            <a:schemeClr val="accent2"/>
+          </a:lnRef>
+          <a:fillRef idx="2">
+            <a:schemeClr val="accent2"/>
+          </a:fillRef>
+          <a:effectRef idx="1">
+            <a:schemeClr val="accent2"/>
+          </a:effectRef>
+          <a:fontRef idx="minor">
+            <a:schemeClr val="dk1"/>
+          </a:fontRef>
+        </p:style>
+      </p:cxnSp>
+      <p:sp>
+        <p:nvSpPr>
+          <p:cNvPr id="120" name="Isosceles Triangle 102"/>
+          <p:cNvSpPr/>
+          <p:nvPr/>
+        </p:nvSpPr>
+        <p:spPr>
+          <a:xfrm rot="16200000" flipV="1">
+            <a:off x="6535288" y="3162326"/>
+            <a:ext cx="270504" cy="175523"/>
+          </a:xfrm>
+          <a:prstGeom prst="triangle">
+            <a:avLst/>
+          </a:prstGeom>
+          <a:ln w="19050">
+            <a:solidFill>
+              <a:srgbClr val="7030A0"/>
+            </a:solidFill>
+          </a:ln>
+          <a:effectLst/>
+        </p:spPr>
+        <p:style>
+          <a:lnRef idx="1">
+            <a:schemeClr val="accent4"/>
+          </a:lnRef>
+          <a:fillRef idx="2">
+            <a:schemeClr val="accent4"/>
+          </a:fillRef>
+          <a:effectRef idx="1">
+            <a:schemeClr val="accent4"/>
+          </a:effectRef>
+          <a:fontRef idx="minor">
+            <a:schemeClr val="dk1"/>
+          </a:fontRef>
+        </p:style>
+        <p:txBody>
+          <a:bodyPr rtlCol="0" anchor="ctr"/>
+          <a:lstStyle/>
+          <a:p>
+            <a:pPr algn="ctr"/>
+            <a:endParaRPr lang="en-SG" sz="1050" b="1">
+              <a:solidFill>
+                <a:srgbClr val="92D050"/>
+              </a:solidFill>
+            </a:endParaRPr>
+          </a:p>
+        </p:txBody>
+      </p:sp>
+      <p:cxnSp>
+        <p:nvCxnSpPr>
+          <p:cNvPr id="121" name="Elbow Connector 63"/>
+          <p:cNvCxnSpPr/>
+          <p:nvPr/>
+        </p:nvCxnSpPr>
+        <p:spPr>
+          <a:xfrm>
+            <a:off x="6315653" y="3245608"/>
+            <a:ext cx="267126" cy="4480"/>
+          </a:xfrm>
+          <a:prstGeom prst="bentConnector3">
+            <a:avLst>
+              <a:gd name="adj1" fmla="val 50000"/>
+            </a:avLst>
+          </a:prstGeom>
+          <a:ln w="19050">
+            <a:solidFill>
+              <a:srgbClr val="7030A0"/>
+            </a:solidFill>
+            <a:prstDash val="sysDot"/>
+            <a:headEnd type="none" w="med" len="med"/>
+            <a:tailEnd type="none" w="med" len="med"/>
+          </a:ln>
+          <a:effectLst/>
+        </p:spPr>
+        <p:style>
+          <a:lnRef idx="1">
+            <a:schemeClr val="accent2"/>
+          </a:lnRef>
+          <a:fillRef idx="2">
+            <a:schemeClr val="accent2"/>
+          </a:fillRef>
+          <a:effectRef idx="1">
+            <a:schemeClr val="accent2"/>
+          </a:effectRef>
+          <a:fontRef idx="minor">
+            <a:schemeClr val="dk1"/>
+          </a:fontRef>
+        </p:style>
+      </p:cxnSp>
+      <p:sp>
+        <p:nvSpPr>
+          <p:cNvPr id="122" name="Isosceles Triangle 102"/>
+          <p:cNvSpPr/>
+          <p:nvPr/>
+        </p:nvSpPr>
+        <p:spPr>
+          <a:xfrm rot="16200000" flipV="1">
+            <a:off x="6546236" y="2530266"/>
+            <a:ext cx="270504" cy="175523"/>
+          </a:xfrm>
+          <a:prstGeom prst="triangle">
+            <a:avLst/>
+          </a:prstGeom>
+          <a:ln w="19050">
+            <a:solidFill>
+              <a:srgbClr val="7030A0"/>
+            </a:solidFill>
+          </a:ln>
+          <a:effectLst/>
+        </p:spPr>
+        <p:style>
+          <a:lnRef idx="1">
+            <a:schemeClr val="accent4"/>
+          </a:lnRef>
+          <a:fillRef idx="2">
+            <a:schemeClr val="accent4"/>
+          </a:fillRef>
+          <a:effectRef idx="1">
+            <a:schemeClr val="accent4"/>
+          </a:effectRef>
+          <a:fontRef idx="minor">
+            <a:schemeClr val="dk1"/>
+          </a:fontRef>
+        </p:style>
+        <p:txBody>
+          <a:bodyPr rtlCol="0" anchor="ctr"/>
+          <a:lstStyle/>
+          <a:p>
+            <a:pPr algn="ctr"/>
+            <a:endParaRPr lang="en-SG" sz="1050" b="1">
+              <a:solidFill>
+                <a:srgbClr val="92D050"/>
+              </a:solidFill>
+            </a:endParaRPr>
+          </a:p>
+        </p:txBody>
+      </p:sp>
+      <p:cxnSp>
+        <p:nvCxnSpPr>
+          <p:cNvPr id="123" name="Elbow Connector 63"/>
+          <p:cNvCxnSpPr/>
+          <p:nvPr/>
+        </p:nvCxnSpPr>
+        <p:spPr>
+          <a:xfrm>
+            <a:off x="6326601" y="2613548"/>
+            <a:ext cx="267126" cy="4480"/>
+          </a:xfrm>
+          <a:prstGeom prst="bentConnector3">
+            <a:avLst>
+              <a:gd name="adj1" fmla="val 50000"/>
+            </a:avLst>
+          </a:prstGeom>
+          <a:ln w="19050">
+            <a:solidFill>
+              <a:srgbClr val="7030A0"/>
+            </a:solidFill>
+            <a:prstDash val="sysDot"/>
+            <a:headEnd type="none" w="med" len="med"/>
+            <a:tailEnd type="none" w="med" len="med"/>
+          </a:ln>
+          <a:effectLst/>
+        </p:spPr>
+        <p:style>
+          <a:lnRef idx="1">
+            <a:schemeClr val="accent2"/>
+          </a:lnRef>
+          <a:fillRef idx="2">
+            <a:schemeClr val="accent2"/>
+          </a:fillRef>
+          <a:effectRef idx="1">
+            <a:schemeClr val="accent2"/>
+          </a:effectRef>
+          <a:fontRef idx="minor">
+            <a:schemeClr val="dk1"/>
+          </a:fontRef>
+        </p:style>
+      </p:cxnSp>
+      <p:cxnSp>
+        <p:nvCxnSpPr>
+          <p:cNvPr id="146" name="Elbow Connector 63"/>
+          <p:cNvCxnSpPr>
+            <a:endCxn id="46" idx="0"/>
+          </p:cNvCxnSpPr>
+          <p:nvPr/>
+        </p:nvCxnSpPr>
+        <p:spPr>
+          <a:xfrm>
+            <a:off x="3924695" y="5406560"/>
+            <a:ext cx="2830198" cy="156040"/>
+          </a:xfrm>
+          <a:prstGeom prst="bentConnector2">
+            <a:avLst/>
+          </a:prstGeom>
+          <a:ln w="19050">
+            <a:solidFill>
+              <a:srgbClr val="7030A0"/>
+            </a:solidFill>
+            <a:prstDash val="sysDot"/>
+            <a:headEnd type="none" w="med" len="med"/>
+            <a:tailEnd type="none" w="med" len="med"/>
+          </a:ln>
+          <a:effectLst/>
+        </p:spPr>
+        <p:style>
+          <a:lnRef idx="1">
+            <a:schemeClr val="accent2"/>
+          </a:lnRef>
+          <a:fillRef idx="2">
+            <a:schemeClr val="accent2"/>
+          </a:fillRef>
+          <a:effectRef idx="1">
+            <a:schemeClr val="accent2"/>
+          </a:effectRef>
+          <a:fontRef idx="minor">
+            <a:schemeClr val="dk1"/>
+          </a:fontRef>
+        </p:style>
+      </p:cxnSp>
+      <p:cxnSp>
+        <p:nvCxnSpPr>
+          <p:cNvPr id="148" name="Elbow Connector 63"/>
+          <p:cNvCxnSpPr>
+            <a:endCxn id="43" idx="0"/>
+          </p:cNvCxnSpPr>
+          <p:nvPr/>
+        </p:nvCxnSpPr>
+        <p:spPr>
+          <a:xfrm>
+            <a:off x="3924695" y="5400690"/>
+            <a:ext cx="1839598" cy="161910"/>
+          </a:xfrm>
+          <a:prstGeom prst="bentConnector2">
+            <a:avLst/>
+          </a:prstGeom>
+          <a:ln w="19050">
+            <a:solidFill>
+              <a:srgbClr val="7030A0"/>
+            </a:solidFill>
+            <a:prstDash val="sysDot"/>
+            <a:headEnd type="none" w="med" len="med"/>
+            <a:tailEnd type="none" w="med" len="med"/>
+          </a:ln>
+          <a:effectLst/>
+        </p:spPr>
+        <p:style>
+          <a:lnRef idx="1">
+            <a:schemeClr val="accent2"/>
+          </a:lnRef>
+          <a:fillRef idx="2">
+            <a:schemeClr val="accent2"/>
+          </a:fillRef>
+          <a:effectRef idx="1">
+            <a:schemeClr val="accent2"/>
+          </a:effectRef>
+          <a:fontRef idx="minor">
+            <a:schemeClr val="dk1"/>
+          </a:fontRef>
+        </p:style>
+      </p:cxnSp>
+      <p:cxnSp>
+        <p:nvCxnSpPr>
+          <p:cNvPr id="151" name="Elbow Connector 63"/>
+          <p:cNvCxnSpPr>
+            <a:endCxn id="29" idx="0"/>
+          </p:cNvCxnSpPr>
+          <p:nvPr/>
+        </p:nvCxnSpPr>
+        <p:spPr>
+          <a:xfrm>
+            <a:off x="3924695" y="5405665"/>
+            <a:ext cx="925198" cy="156935"/>
+          </a:xfrm>
+          <a:prstGeom prst="bentConnector2">
+            <a:avLst/>
+          </a:prstGeom>
+          <a:ln w="19050">
+            <a:solidFill>
+              <a:srgbClr val="7030A0"/>
+            </a:solidFill>
+            <a:prstDash val="sysDot"/>
+            <a:headEnd type="none" w="med" len="med"/>
+            <a:tailEnd type="none" w="med" len="med"/>
+          </a:ln>
+          <a:effectLst/>
+        </p:spPr>
+        <p:style>
+          <a:lnRef idx="1">
+            <a:schemeClr val="accent2"/>
+          </a:lnRef>
+          <a:fillRef idx="2">
+            <a:schemeClr val="accent2"/>
+          </a:fillRef>
+          <a:effectRef idx="1">
+            <a:schemeClr val="accent2"/>
+          </a:effectRef>
+          <a:fontRef idx="minor">
+            <a:schemeClr val="dk1"/>
+          </a:fontRef>
+        </p:style>
+      </p:cxnSp>
+      <p:cxnSp>
+        <p:nvCxnSpPr>
+          <p:cNvPr id="153" name="Elbow Connector 63"/>
+          <p:cNvCxnSpPr>
+            <a:endCxn id="28" idx="0"/>
+          </p:cNvCxnSpPr>
+          <p:nvPr/>
+        </p:nvCxnSpPr>
+        <p:spPr>
+          <a:xfrm rot="5400000">
+            <a:off x="3828132" y="5466037"/>
+            <a:ext cx="161910" cy="31216"/>
+          </a:xfrm>
+          <a:prstGeom prst="bentConnector3">
+            <a:avLst>
+              <a:gd name="adj1" fmla="val 89533"/>
+            </a:avLst>
+          </a:prstGeom>
+          <a:ln w="19050">
+            <a:solidFill>
+              <a:srgbClr val="7030A0"/>
+            </a:solidFill>
+            <a:prstDash val="sysDot"/>
+            <a:headEnd type="none" w="med" len="med"/>
+            <a:tailEnd type="none" w="med" len="med"/>
+          </a:ln>
+          <a:effectLst/>
+        </p:spPr>
+        <p:style>
+          <a:lnRef idx="1">
+            <a:schemeClr val="accent2"/>
+          </a:lnRef>
+          <a:fillRef idx="2">
+            <a:schemeClr val="accent2"/>
+          </a:fillRef>
+          <a:effectRef idx="1">
+            <a:schemeClr val="accent2"/>
+          </a:effectRef>
+          <a:fontRef idx="minor">
+            <a:schemeClr val="dk1"/>
+          </a:fontRef>
+        </p:style>
+      </p:cxnSp>
+      <p:cxnSp>
+        <p:nvCxnSpPr>
+          <p:cNvPr id="156" name="Elbow Connector 63"/>
+          <p:cNvCxnSpPr>
+            <a:endCxn id="27" idx="0"/>
+          </p:cNvCxnSpPr>
+          <p:nvPr/>
+        </p:nvCxnSpPr>
+        <p:spPr>
+          <a:xfrm rot="10800000" flipV="1">
+            <a:off x="2944893" y="5401844"/>
+            <a:ext cx="979802" cy="160756"/>
+          </a:xfrm>
+          <a:prstGeom prst="bentConnector2">
+            <a:avLst/>
+          </a:prstGeom>
+          <a:ln w="19050">
+            <a:solidFill>
+              <a:srgbClr val="7030A0"/>
+            </a:solidFill>
+            <a:prstDash val="sysDot"/>
+            <a:headEnd type="none" w="med" len="med"/>
+            <a:tailEnd type="none" w="med" len="med"/>
+          </a:ln>
+          <a:effectLst/>
+        </p:spPr>
+        <p:style>
+          <a:lnRef idx="1">
+            <a:schemeClr val="accent2"/>
+          </a:lnRef>
+          <a:fillRef idx="2">
+            <a:schemeClr val="accent2"/>
+          </a:fillRef>
+          <a:effectRef idx="1">
+            <a:schemeClr val="accent2"/>
+          </a:effectRef>
+          <a:fontRef idx="minor">
+            <a:schemeClr val="dk1"/>
+          </a:fontRef>
+        </p:style>
+      </p:cxnSp>
+      <p:cxnSp>
+        <p:nvCxnSpPr>
+          <p:cNvPr id="158" name="Elbow Connector 63"/>
+          <p:cNvCxnSpPr>
+            <a:endCxn id="44" idx="0"/>
+          </p:cNvCxnSpPr>
+          <p:nvPr/>
+        </p:nvCxnSpPr>
+        <p:spPr>
+          <a:xfrm rot="10800000" flipV="1">
+            <a:off x="2030494" y="5401842"/>
+            <a:ext cx="1931907" cy="160757"/>
+          </a:xfrm>
+          <a:prstGeom prst="bentConnector2">
+            <a:avLst/>
+          </a:prstGeom>
+          <a:ln w="19050">
+            <a:solidFill>
+              <a:srgbClr val="7030A0"/>
+            </a:solidFill>
+            <a:prstDash val="sysDot"/>
+            <a:headEnd type="none" w="med" len="med"/>
+            <a:tailEnd type="none" w="med" len="med"/>
+          </a:ln>
+          <a:effectLst/>
+        </p:spPr>
+        <p:style>
+          <a:lnRef idx="1">
+            <a:schemeClr val="accent2"/>
+          </a:lnRef>
+          <a:fillRef idx="2">
+            <a:schemeClr val="accent2"/>
+          </a:fillRef>
+          <a:effectRef idx="1">
+            <a:schemeClr val="accent2"/>
+          </a:effectRef>
+          <a:fontRef idx="minor">
+            <a:schemeClr val="dk1"/>
+          </a:fontRef>
+        </p:style>
+      </p:cxnSp>
+      <p:cxnSp>
+        <p:nvCxnSpPr>
+          <p:cNvPr id="160" name="Elbow Connector 63"/>
+          <p:cNvCxnSpPr>
+            <a:endCxn id="45" idx="0"/>
+          </p:cNvCxnSpPr>
+          <p:nvPr/>
+        </p:nvCxnSpPr>
+        <p:spPr>
+          <a:xfrm rot="10800000" flipV="1">
+            <a:off x="1116094" y="5401842"/>
+            <a:ext cx="2846307" cy="160757"/>
+          </a:xfrm>
+          <a:prstGeom prst="bentConnector2">
+            <a:avLst/>
+          </a:prstGeom>
+          <a:ln w="19050">
+            <a:solidFill>
+              <a:srgbClr val="7030A0"/>
+            </a:solidFill>
+            <a:prstDash val="sysDot"/>
+            <a:headEnd type="none" w="med" len="med"/>
+            <a:tailEnd type="none" w="med" len="med"/>
+          </a:ln>
+          <a:effectLst/>
+        </p:spPr>
+        <p:style>
+          <a:lnRef idx="1">
+            <a:schemeClr val="accent2"/>
+          </a:lnRef>
+          <a:fillRef idx="2">
+            <a:schemeClr val="accent2"/>
+          </a:fillRef>
+          <a:effectRef idx="1">
+            <a:schemeClr val="accent2"/>
+          </a:effectRef>
+          <a:fontRef idx="minor">
+            <a:schemeClr val="dk1"/>
+          </a:fontRef>
+        </p:style>
+      </p:cxnSp>
+      <p:cxnSp>
+        <p:nvCxnSpPr>
+          <p:cNvPr id="162" name="Elbow Connector 63"/>
+          <p:cNvCxnSpPr>
+            <a:endCxn id="58" idx="3"/>
+          </p:cNvCxnSpPr>
+          <p:nvPr/>
+        </p:nvCxnSpPr>
+        <p:spPr>
+          <a:xfrm rot="5400000" flipH="1" flipV="1">
+            <a:off x="3853989" y="5318293"/>
+            <a:ext cx="212613" cy="4319"/>
+          </a:xfrm>
+          <a:prstGeom prst="bentConnector3">
+            <a:avLst>
+              <a:gd name="adj1" fmla="val 50000"/>
+            </a:avLst>
+          </a:prstGeom>
+          <a:ln w="19050">
+            <a:solidFill>
+              <a:srgbClr val="7030A0"/>
+            </a:solidFill>
+            <a:prstDash val="sysDot"/>
+            <a:headEnd type="none" w="med" len="med"/>
+            <a:tailEnd type="none" w="med" len="med"/>
+          </a:ln>
+          <a:effectLst/>
+        </p:spPr>
+        <p:style>
+          <a:lnRef idx="1">
+            <a:schemeClr val="accent2"/>
+          </a:lnRef>
+          <a:fillRef idx="2">
+            <a:schemeClr val="accent2"/>
+          </a:fillRef>
+          <a:effectRef idx="1">
+            <a:schemeClr val="accent2"/>
+          </a:effectRef>
+          <a:fontRef idx="minor">
+            <a:schemeClr val="dk1"/>
+          </a:fontRef>
+        </p:style>
+      </p:cxnSp>
+      <p:cxnSp>
+        <p:nvCxnSpPr>
+          <p:cNvPr id="170" name="Elbow Connector 63"/>
+          <p:cNvCxnSpPr>
+            <a:stCxn id="58" idx="3"/>
+            <a:endCxn id="23" idx="3"/>
+          </p:cNvCxnSpPr>
+          <p:nvPr/>
+        </p:nvCxnSpPr>
+        <p:spPr>
+          <a:xfrm rot="5400000" flipH="1" flipV="1">
+            <a:off x="2956781" y="3166186"/>
+            <a:ext cx="3053632" cy="1042285"/>
+          </a:xfrm>
+          <a:prstGeom prst="bentConnector4">
+            <a:avLst>
+              <a:gd name="adj1" fmla="val -6289"/>
+              <a:gd name="adj2" fmla="val 121933"/>
+            </a:avLst>
+          </a:prstGeom>
+          <a:ln w="19050">
+            <a:solidFill>
+              <a:srgbClr val="7030A0"/>
+            </a:solidFill>
+            <a:prstDash val="sysDot"/>
+            <a:headEnd type="none" w="med" len="med"/>
+            <a:tailEnd type="none" w="med" len="med"/>
+          </a:ln>
+          <a:effectLst/>
+        </p:spPr>
+        <p:style>
+          <a:lnRef idx="1">
+            <a:schemeClr val="accent2"/>
+          </a:lnRef>
+          <a:fillRef idx="2">
+            <a:schemeClr val="accent2"/>
+          </a:fillRef>
+          <a:effectRef idx="1">
+            <a:schemeClr val="accent2"/>
+          </a:effectRef>
+          <a:fontRef idx="minor">
+            <a:schemeClr val="dk1"/>
+          </a:fontRef>
+        </p:style>
+      </p:cxnSp>
+      <p:sp>
+        <p:nvSpPr>
+          <p:cNvPr id="175" name="Isosceles Triangle 102"/>
+          <p:cNvSpPr/>
+          <p:nvPr/>
+        </p:nvSpPr>
+        <p:spPr>
+          <a:xfrm rot="10800000" flipV="1">
+            <a:off x="5967167" y="4064942"/>
+            <a:ext cx="270504" cy="175523"/>
+          </a:xfrm>
+          <a:prstGeom prst="triangle">
+            <a:avLst/>
+          </a:prstGeom>
+          <a:ln w="19050">
+            <a:solidFill>
+              <a:srgbClr val="7030A0"/>
+            </a:solidFill>
+          </a:ln>
+          <a:effectLst/>
+        </p:spPr>
+        <p:style>
+          <a:lnRef idx="1">
+            <a:schemeClr val="accent4"/>
+          </a:lnRef>
+          <a:fillRef idx="2">
+            <a:schemeClr val="accent4"/>
+          </a:fillRef>
+          <a:effectRef idx="1">
+            <a:schemeClr val="accent4"/>
+          </a:effectRef>
+          <a:fontRef idx="minor">
+            <a:schemeClr val="dk1"/>
+          </a:fontRef>
+        </p:style>
+        <p:txBody>
+          <a:bodyPr rtlCol="0" anchor="ctr"/>
+          <a:lstStyle/>
+          <a:p>
+            <a:pPr algn="ctr"/>
+            <a:endParaRPr lang="en-SG" sz="1050" b="1">
+              <a:solidFill>
+                <a:srgbClr val="92D050"/>
+              </a:solidFill>
+            </a:endParaRPr>
+          </a:p>
+        </p:txBody>
+      </p:sp>
+      <p:cxnSp>
+        <p:nvCxnSpPr>
+          <p:cNvPr id="176" name="肘形连接符 203"/>
+          <p:cNvCxnSpPr>
+            <a:stCxn id="175" idx="3"/>
+            <a:endCxn id="86" idx="0"/>
+          </p:cNvCxnSpPr>
+          <p:nvPr/>
+        </p:nvCxnSpPr>
+        <p:spPr>
+          <a:xfrm rot="5400000">
+            <a:off x="5880075" y="4179989"/>
+            <a:ext cx="161868" cy="282820"/>
+          </a:xfrm>
+          <a:prstGeom prst="bentConnector3">
+            <a:avLst>
+              <a:gd name="adj1" fmla="val 50000"/>
             </a:avLst>
           </a:prstGeom>
           <a:ln w="19050">
@@ -6564,24 +7340,477 @@
           </a:fontRef>
         </p:style>
       </p:cxnSp>
+      <p:sp>
+        <p:nvSpPr>
+          <p:cNvPr id="179" name="Isosceles Triangle 102"/>
+          <p:cNvSpPr/>
+          <p:nvPr/>
+        </p:nvSpPr>
+        <p:spPr>
+          <a:xfrm flipV="1">
+            <a:off x="5834862" y="3542442"/>
+            <a:ext cx="270504" cy="175523"/>
+          </a:xfrm>
+          <a:prstGeom prst="triangle">
+            <a:avLst/>
+          </a:prstGeom>
+          <a:ln w="19050">
+            <a:solidFill>
+              <a:srgbClr val="7030A0"/>
+            </a:solidFill>
+          </a:ln>
+          <a:effectLst/>
+        </p:spPr>
+        <p:style>
+          <a:lnRef idx="1">
+            <a:schemeClr val="accent4"/>
+          </a:lnRef>
+          <a:fillRef idx="2">
+            <a:schemeClr val="accent4"/>
+          </a:fillRef>
+          <a:effectRef idx="1">
+            <a:schemeClr val="accent4"/>
+          </a:effectRef>
+          <a:fontRef idx="minor">
+            <a:schemeClr val="dk1"/>
+          </a:fontRef>
+        </p:style>
+        <p:txBody>
+          <a:bodyPr rtlCol="0" anchor="ctr"/>
+          <a:lstStyle/>
+          <a:p>
+            <a:pPr algn="ctr"/>
+            <a:endParaRPr lang="en-SG" sz="1050" b="1">
+              <a:solidFill>
+                <a:srgbClr val="92D050"/>
+              </a:solidFill>
+            </a:endParaRPr>
+          </a:p>
+        </p:txBody>
+      </p:sp>
       <p:cxnSp>
         <p:nvCxnSpPr>
-          <p:cNvPr id="206" name="Elbow Connector 106"/>
+          <p:cNvPr id="182" name="肘形连接符 203"/>
           <p:cNvCxnSpPr>
-            <a:stCxn id="104" idx="2"/>
-            <a:endCxn id="132" idx="0"/>
+            <a:stCxn id="50" idx="2"/>
+            <a:endCxn id="179" idx="3"/>
           </p:cNvCxnSpPr>
           <p:nvPr/>
         </p:nvCxnSpPr>
         <p:spPr>
           <a:xfrm rot="5400000">
-            <a:off x="4527139" y="4477846"/>
-            <a:ext cx="339040" cy="1668"/>
+            <a:off x="5899473" y="3467846"/>
+            <a:ext cx="145237" cy="3954"/>
           </a:xfrm>
           <a:prstGeom prst="bentConnector3">
             <a:avLst>
               <a:gd name="adj1" fmla="val 50000"/>
             </a:avLst>
+          </a:prstGeom>
+          <a:ln w="19050">
+            <a:solidFill>
+              <a:srgbClr val="7030A0"/>
+            </a:solidFill>
+          </a:ln>
+        </p:spPr>
+        <p:style>
+          <a:lnRef idx="1">
+            <a:schemeClr val="accent1"/>
+          </a:lnRef>
+          <a:fillRef idx="0">
+            <a:schemeClr val="accent1"/>
+          </a:fillRef>
+          <a:effectRef idx="0">
+            <a:schemeClr val="accent1"/>
+          </a:effectRef>
+          <a:fontRef idx="minor">
+            <a:schemeClr val="tx1"/>
+          </a:fontRef>
+        </p:style>
+      </p:cxnSp>
+      <p:sp>
+        <p:nvSpPr>
+          <p:cNvPr id="186" name="Isosceles Triangle 102"/>
+          <p:cNvSpPr/>
+          <p:nvPr/>
+        </p:nvSpPr>
+        <p:spPr>
+          <a:xfrm flipV="1">
+            <a:off x="5684549" y="2881343"/>
+            <a:ext cx="270504" cy="175523"/>
+          </a:xfrm>
+          <a:prstGeom prst="triangle">
+            <a:avLst/>
+          </a:prstGeom>
+          <a:ln w="19050">
+            <a:solidFill>
+              <a:srgbClr val="7030A0"/>
+            </a:solidFill>
+          </a:ln>
+          <a:effectLst/>
+        </p:spPr>
+        <p:style>
+          <a:lnRef idx="1">
+            <a:schemeClr val="accent4"/>
+          </a:lnRef>
+          <a:fillRef idx="2">
+            <a:schemeClr val="accent4"/>
+          </a:fillRef>
+          <a:effectRef idx="1">
+            <a:schemeClr val="accent4"/>
+          </a:effectRef>
+          <a:fontRef idx="minor">
+            <a:schemeClr val="dk1"/>
+          </a:fontRef>
+        </p:style>
+        <p:txBody>
+          <a:bodyPr rtlCol="0" anchor="ctr"/>
+          <a:lstStyle/>
+          <a:p>
+            <a:pPr algn="ctr"/>
+            <a:endParaRPr lang="en-SG" sz="1050" b="1">
+              <a:solidFill>
+                <a:srgbClr val="92D050"/>
+              </a:solidFill>
+            </a:endParaRPr>
+          </a:p>
+        </p:txBody>
+      </p:sp>
+      <p:cxnSp>
+        <p:nvCxnSpPr>
+          <p:cNvPr id="187" name="肘形连接符 203"/>
+          <p:cNvCxnSpPr>
+            <a:stCxn id="89" idx="2"/>
+            <a:endCxn id="186" idx="3"/>
+          </p:cNvCxnSpPr>
+          <p:nvPr/>
+        </p:nvCxnSpPr>
+        <p:spPr>
+          <a:xfrm rot="5400000">
+            <a:off x="5745213" y="2806753"/>
+            <a:ext cx="149179" cy="1"/>
+          </a:xfrm>
+          <a:prstGeom prst="bentConnector3">
+            <a:avLst>
+              <a:gd name="adj1" fmla="val 50000"/>
+            </a:avLst>
+          </a:prstGeom>
+          <a:ln w="19050">
+            <a:solidFill>
+              <a:srgbClr val="7030A0"/>
+            </a:solidFill>
+          </a:ln>
+        </p:spPr>
+        <p:style>
+          <a:lnRef idx="1">
+            <a:schemeClr val="accent1"/>
+          </a:lnRef>
+          <a:fillRef idx="0">
+            <a:schemeClr val="accent1"/>
+          </a:fillRef>
+          <a:effectRef idx="0">
+            <a:schemeClr val="accent1"/>
+          </a:effectRef>
+          <a:fontRef idx="minor">
+            <a:schemeClr val="tx1"/>
+          </a:fontRef>
+        </p:style>
+      </p:cxnSp>
+      <p:sp>
+        <p:nvSpPr>
+          <p:cNvPr id="191" name="Isosceles Triangle 102"/>
+          <p:cNvSpPr/>
+          <p:nvPr/>
+        </p:nvSpPr>
+        <p:spPr>
+          <a:xfrm flipV="1">
+            <a:off x="7391400" y="3523137"/>
+            <a:ext cx="270504" cy="184677"/>
+          </a:xfrm>
+          <a:prstGeom prst="triangle">
+            <a:avLst/>
+          </a:prstGeom>
+          <a:solidFill>
+            <a:srgbClr val="7030A0"/>
+          </a:solidFill>
+          <a:ln w="19050">
+            <a:solidFill>
+              <a:srgbClr val="7030A0"/>
+            </a:solidFill>
+          </a:ln>
+          <a:effectLst/>
+        </p:spPr>
+        <p:style>
+          <a:lnRef idx="1">
+            <a:schemeClr val="accent4"/>
+          </a:lnRef>
+          <a:fillRef idx="2">
+            <a:schemeClr val="accent4"/>
+          </a:fillRef>
+          <a:effectRef idx="1">
+            <a:schemeClr val="accent4"/>
+          </a:effectRef>
+          <a:fontRef idx="minor">
+            <a:schemeClr val="dk1"/>
+          </a:fontRef>
+        </p:style>
+        <p:txBody>
+          <a:bodyPr rtlCol="0" anchor="ctr"/>
+          <a:lstStyle/>
+          <a:p>
+            <a:pPr algn="ctr"/>
+            <a:endParaRPr lang="en-SG" sz="1050" b="1">
+              <a:solidFill>
+                <a:srgbClr val="92D050"/>
+              </a:solidFill>
+            </a:endParaRPr>
+          </a:p>
+        </p:txBody>
+      </p:sp>
+      <p:cxnSp>
+        <p:nvCxnSpPr>
+          <p:cNvPr id="192" name="Elbow Connector 63"/>
+          <p:cNvCxnSpPr/>
+          <p:nvPr/>
+        </p:nvCxnSpPr>
+        <p:spPr>
+          <a:xfrm rot="5400000" flipH="1" flipV="1">
+            <a:off x="7452007" y="3458839"/>
+            <a:ext cx="107790" cy="20808"/>
+          </a:xfrm>
+          <a:prstGeom prst="bentConnector3">
+            <a:avLst>
+              <a:gd name="adj1" fmla="val 16067"/>
+            </a:avLst>
+          </a:prstGeom>
+          <a:ln w="19050">
+            <a:solidFill>
+              <a:srgbClr val="7030A0"/>
+            </a:solidFill>
+            <a:prstDash val="sysDot"/>
+            <a:headEnd type="none" w="med" len="med"/>
+            <a:tailEnd type="none" w="med" len="med"/>
+          </a:ln>
+          <a:effectLst/>
+        </p:spPr>
+        <p:style>
+          <a:lnRef idx="1">
+            <a:schemeClr val="accent2"/>
+          </a:lnRef>
+          <a:fillRef idx="2">
+            <a:schemeClr val="accent2"/>
+          </a:fillRef>
+          <a:effectRef idx="1">
+            <a:schemeClr val="accent2"/>
+          </a:effectRef>
+          <a:fontRef idx="minor">
+            <a:schemeClr val="dk1"/>
+          </a:fontRef>
+        </p:style>
+      </p:cxnSp>
+      <p:sp>
+        <p:nvSpPr>
+          <p:cNvPr id="196" name="Isosceles Triangle 102"/>
+          <p:cNvSpPr/>
+          <p:nvPr/>
+        </p:nvSpPr>
+        <p:spPr>
+          <a:xfrm flipV="1">
+            <a:off x="7391400" y="2850989"/>
+            <a:ext cx="270504" cy="184677"/>
+          </a:xfrm>
+          <a:prstGeom prst="triangle">
+            <a:avLst/>
+          </a:prstGeom>
+          <a:solidFill>
+            <a:srgbClr val="7030A0"/>
+          </a:solidFill>
+          <a:ln w="19050">
+            <a:solidFill>
+              <a:srgbClr val="7030A0"/>
+            </a:solidFill>
+          </a:ln>
+          <a:effectLst/>
+        </p:spPr>
+        <p:style>
+          <a:lnRef idx="1">
+            <a:schemeClr val="accent4"/>
+          </a:lnRef>
+          <a:fillRef idx="2">
+            <a:schemeClr val="accent4"/>
+          </a:fillRef>
+          <a:effectRef idx="1">
+            <a:schemeClr val="accent4"/>
+          </a:effectRef>
+          <a:fontRef idx="minor">
+            <a:schemeClr val="dk1"/>
+          </a:fontRef>
+        </p:style>
+        <p:txBody>
+          <a:bodyPr rtlCol="0" anchor="ctr"/>
+          <a:lstStyle/>
+          <a:p>
+            <a:pPr algn="ctr"/>
+            <a:endParaRPr lang="en-SG" sz="1050" b="1">
+              <a:solidFill>
+                <a:srgbClr val="92D050"/>
+              </a:solidFill>
+            </a:endParaRPr>
+          </a:p>
+        </p:txBody>
+      </p:sp>
+      <p:cxnSp>
+        <p:nvCxnSpPr>
+          <p:cNvPr id="197" name="Elbow Connector 63"/>
+          <p:cNvCxnSpPr/>
+          <p:nvPr/>
+        </p:nvCxnSpPr>
+        <p:spPr>
+          <a:xfrm rot="5400000" flipH="1" flipV="1">
+            <a:off x="7452007" y="2786691"/>
+            <a:ext cx="107790" cy="20808"/>
+          </a:xfrm>
+          <a:prstGeom prst="bentConnector3">
+            <a:avLst>
+              <a:gd name="adj1" fmla="val -17865"/>
+            </a:avLst>
+          </a:prstGeom>
+          <a:ln w="19050">
+            <a:solidFill>
+              <a:srgbClr val="7030A0"/>
+            </a:solidFill>
+            <a:prstDash val="sysDot"/>
+            <a:headEnd type="none" w="med" len="med"/>
+            <a:tailEnd type="none" w="med" len="med"/>
+          </a:ln>
+          <a:effectLst/>
+        </p:spPr>
+        <p:style>
+          <a:lnRef idx="1">
+            <a:schemeClr val="accent2"/>
+          </a:lnRef>
+          <a:fillRef idx="2">
+            <a:schemeClr val="accent2"/>
+          </a:fillRef>
+          <a:effectRef idx="1">
+            <a:schemeClr val="accent2"/>
+          </a:effectRef>
+          <a:fontRef idx="minor">
+            <a:schemeClr val="dk1"/>
+          </a:fontRef>
+        </p:style>
+      </p:cxnSp>
+      <p:sp>
+        <p:nvSpPr>
+          <p:cNvPr id="202" name="Isosceles Triangle 102"/>
+          <p:cNvSpPr/>
+          <p:nvPr/>
+        </p:nvSpPr>
+        <p:spPr>
+          <a:xfrm rot="10800000" flipV="1">
+            <a:off x="7391400" y="4061754"/>
+            <a:ext cx="270504" cy="184677"/>
+          </a:xfrm>
+          <a:prstGeom prst="triangle">
+            <a:avLst/>
+          </a:prstGeom>
+          <a:solidFill>
+            <a:srgbClr val="7030A0"/>
+          </a:solidFill>
+          <a:ln w="19050">
+            <a:solidFill>
+              <a:srgbClr val="7030A0"/>
+            </a:solidFill>
+          </a:ln>
+          <a:effectLst/>
+        </p:spPr>
+        <p:style>
+          <a:lnRef idx="1">
+            <a:schemeClr val="accent4"/>
+          </a:lnRef>
+          <a:fillRef idx="2">
+            <a:schemeClr val="accent4"/>
+          </a:fillRef>
+          <a:effectRef idx="1">
+            <a:schemeClr val="accent4"/>
+          </a:effectRef>
+          <a:fontRef idx="minor">
+            <a:schemeClr val="dk1"/>
+          </a:fontRef>
+        </p:style>
+        <p:txBody>
+          <a:bodyPr rtlCol="0" anchor="ctr"/>
+          <a:lstStyle/>
+          <a:p>
+            <a:pPr algn="ctr"/>
+            <a:endParaRPr lang="en-SG" sz="1050" b="1">
+              <a:solidFill>
+                <a:srgbClr val="92D050"/>
+              </a:solidFill>
+            </a:endParaRPr>
+          </a:p>
+        </p:txBody>
+      </p:sp>
+      <p:cxnSp>
+        <p:nvCxnSpPr>
+          <p:cNvPr id="204" name="Elbow Connector 63"/>
+          <p:cNvCxnSpPr>
+            <a:stCxn id="96" idx="0"/>
+            <a:endCxn id="202" idx="3"/>
+          </p:cNvCxnSpPr>
+          <p:nvPr/>
+        </p:nvCxnSpPr>
+        <p:spPr>
+          <a:xfrm rot="16200000" flipV="1">
+            <a:off x="7472311" y="4300772"/>
+            <a:ext cx="142000" cy="33318"/>
+          </a:xfrm>
+          <a:prstGeom prst="bentConnector3">
+            <a:avLst>
+              <a:gd name="adj1" fmla="val -1515"/>
+            </a:avLst>
+          </a:prstGeom>
+          <a:ln w="19050">
+            <a:solidFill>
+              <a:srgbClr val="7030A0"/>
+            </a:solidFill>
+            <a:prstDash val="sysDot"/>
+            <a:headEnd type="none" w="med" len="med"/>
+            <a:tailEnd type="none" w="med" len="med"/>
+          </a:ln>
+          <a:effectLst/>
+        </p:spPr>
+        <p:style>
+          <a:lnRef idx="1">
+            <a:schemeClr val="accent2"/>
+          </a:lnRef>
+          <a:fillRef idx="2">
+            <a:schemeClr val="accent2"/>
+          </a:fillRef>
+          <a:effectRef idx="1">
+            <a:schemeClr val="accent2"/>
+          </a:effectRef>
+          <a:fontRef idx="minor">
+            <a:schemeClr val="dk1"/>
+          </a:fontRef>
+        </p:style>
+      </p:cxnSp>
+      <p:cxnSp>
+        <p:nvCxnSpPr>
+          <p:cNvPr id="210" name="Elbow Connector 106"/>
+          <p:cNvCxnSpPr>
+            <a:stCxn id="86" idx="2"/>
+            <a:endCxn id="52" idx="3"/>
+          </p:cNvCxnSpPr>
+          <p:nvPr/>
+        </p:nvCxnSpPr>
+        <p:spPr>
+          <a:xfrm rot="5400000">
+            <a:off x="5092598" y="4109932"/>
+            <a:ext cx="87840" cy="1366163"/>
+          </a:xfrm>
+          <a:prstGeom prst="bentConnector2">
+            <a:avLst/>
           </a:prstGeom>
           <a:ln w="19050">
             <a:solidFill>
@@ -6608,80 +7837,29 @@
           </a:fontRef>
         </p:style>
       </p:cxnSp>
-      <p:sp>
-        <p:nvSpPr>
-          <p:cNvPr id="214" name="Isosceles Triangle 102"/>
-          <p:cNvSpPr/>
-          <p:nvPr/>
-        </p:nvSpPr>
+      <p:cxnSp>
+        <p:nvCxnSpPr>
+          <p:cNvPr id="218" name="Elbow Connector 106"/>
+          <p:cNvCxnSpPr/>
+          <p:nvPr/>
+        </p:nvCxnSpPr>
         <p:spPr>
           <a:xfrm rot="10800000" flipV="1">
-            <a:off x="4572000" y="5029200"/>
-            <a:ext cx="270504" cy="175523"/>
-          </a:xfrm>
-          <a:prstGeom prst="triangle">
-            <a:avLst/>
+            <a:off x="4439648" y="4190992"/>
+            <a:ext cx="1499375" cy="563778"/>
+          </a:xfrm>
+          <a:prstGeom prst="bentConnector3">
+            <a:avLst>
+              <a:gd name="adj1" fmla="val 72565"/>
+            </a:avLst>
           </a:prstGeom>
           <a:ln w="19050">
             <a:solidFill>
               <a:srgbClr val="7030A0"/>
             </a:solidFill>
-          </a:ln>
-          <a:effectLst/>
-        </p:spPr>
-        <p:style>
-          <a:lnRef idx="1">
-            <a:schemeClr val="accent4"/>
-          </a:lnRef>
-          <a:fillRef idx="2">
-            <a:schemeClr val="accent4"/>
-          </a:fillRef>
-          <a:effectRef idx="1">
-            <a:schemeClr val="accent4"/>
-          </a:effectRef>
-          <a:fontRef idx="minor">
-            <a:schemeClr val="dk1"/>
-          </a:fontRef>
-        </p:style>
-        <p:txBody>
-          <a:bodyPr rtlCol="0" anchor="ctr"/>
-          <a:lstStyle/>
-          <a:p>
-            <a:pPr algn="ctr"/>
-            <a:endParaRPr lang="en-SG" sz="1050" b="1">
-              <a:solidFill>
-                <a:srgbClr val="92D050"/>
-              </a:solidFill>
-            </a:endParaRPr>
-          </a:p>
-        </p:txBody>
-      </p:sp>
-      <p:cxnSp>
-        <p:nvCxnSpPr>
-          <p:cNvPr id="215" name="Elbow Connector 63"/>
-          <p:cNvCxnSpPr>
-            <a:stCxn id="214" idx="3"/>
-            <a:endCxn id="90" idx="0"/>
-          </p:cNvCxnSpPr>
-          <p:nvPr/>
-        </p:nvCxnSpPr>
-        <p:spPr>
-          <a:xfrm rot="16200000" flipH="1">
-            <a:off x="6047434" y="3864540"/>
-            <a:ext cx="357877" cy="3038241"/>
-          </a:xfrm>
-          <a:prstGeom prst="bentConnector3">
-            <a:avLst>
-              <a:gd name="adj1" fmla="val 50000"/>
-            </a:avLst>
-          </a:prstGeom>
-          <a:ln w="19050">
-            <a:solidFill>
-              <a:srgbClr val="7030A0"/>
-            </a:solidFill>
-            <a:prstDash val="sysDot"/>
+            <a:prstDash val="solid"/>
             <a:headEnd type="none" w="med" len="med"/>
-            <a:tailEnd type="none" w="med" len="med"/>
+            <a:tailEnd type="arrow" w="med" len="med"/>
           </a:ln>
           <a:effectLst/>
         </p:spPr>
@@ -6702,17 +7880,14 @@
       </p:cxnSp>
       <p:cxnSp>
         <p:nvCxnSpPr>
-          <p:cNvPr id="218" name="Elbow Connector 63"/>
-          <p:cNvCxnSpPr>
-            <a:stCxn id="214" idx="3"/>
-            <a:endCxn id="73" idx="0"/>
-          </p:cNvCxnSpPr>
+          <p:cNvPr id="234" name="Elbow Connector 106"/>
+          <p:cNvCxnSpPr/>
           <p:nvPr/>
         </p:nvCxnSpPr>
         <p:spPr>
-          <a:xfrm rot="16200000" flipH="1">
-            <a:off x="5552134" y="4359840"/>
-            <a:ext cx="357877" cy="2047641"/>
+          <a:xfrm rot="5400000">
+            <a:off x="3471876" y="3058889"/>
+            <a:ext cx="2063425" cy="1103547"/>
           </a:xfrm>
           <a:prstGeom prst="bentConnector3">
             <a:avLst>
@@ -6723,9 +7898,9 @@
             <a:solidFill>
               <a:srgbClr val="7030A0"/>
             </a:solidFill>
-            <a:prstDash val="sysDot"/>
+            <a:prstDash val="solid"/>
             <a:headEnd type="none" w="med" len="med"/>
-            <a:tailEnd type="none" w="med" len="med"/>
+            <a:tailEnd type="arrow" w="med" len="med"/>
           </a:ln>
           <a:effectLst/>
         </p:spPr>
@@ -6746,17 +7921,16 @@
       </p:cxnSp>
       <p:cxnSp>
         <p:nvCxnSpPr>
-          <p:cNvPr id="221" name="Elbow Connector 63"/>
+          <p:cNvPr id="239" name="Elbow Connector 106"/>
           <p:cNvCxnSpPr>
-            <a:stCxn id="214" idx="3"/>
-            <a:endCxn id="74" idx="0"/>
+            <a:stCxn id="89" idx="1"/>
           </p:cNvCxnSpPr>
           <p:nvPr/>
         </p:nvCxnSpPr>
         <p:spPr>
-          <a:xfrm rot="16200000" flipH="1">
-            <a:off x="5056834" y="4855140"/>
-            <a:ext cx="357877" cy="1057041"/>
+          <a:xfrm rot="10800000" flipV="1">
+            <a:off x="5057440" y="2558783"/>
+            <a:ext cx="244410" cy="8977"/>
           </a:xfrm>
           <a:prstGeom prst="bentConnector3">
             <a:avLst>
@@ -6767,7 +7941,7 @@
             <a:solidFill>
               <a:srgbClr val="7030A0"/>
             </a:solidFill>
-            <a:prstDash val="sysDot"/>
+            <a:prstDash val="solid"/>
             <a:headEnd type="none" w="med" len="med"/>
             <a:tailEnd type="none" w="med" len="med"/>
           </a:ln>
@@ -6790,30 +7964,27 @@
       </p:cxnSp>
       <p:cxnSp>
         <p:nvCxnSpPr>
-          <p:cNvPr id="224" name="Elbow Connector 63"/>
-          <p:cNvCxnSpPr>
-            <a:stCxn id="214" idx="3"/>
-            <a:endCxn id="83" idx="0"/>
-          </p:cNvCxnSpPr>
+          <p:cNvPr id="247" name="Elbow Connector 106"/>
+          <p:cNvCxnSpPr/>
           <p:nvPr/>
         </p:nvCxnSpPr>
         <p:spPr>
-          <a:xfrm rot="16200000" flipH="1">
-            <a:off x="4599634" y="5312340"/>
-            <a:ext cx="357877" cy="142641"/>
+          <a:xfrm rot="5400000">
+            <a:off x="3977344" y="3495190"/>
+            <a:ext cx="1447643" cy="895836"/>
           </a:xfrm>
           <a:prstGeom prst="bentConnector3">
             <a:avLst>
-              <a:gd name="adj1" fmla="val 50000"/>
+              <a:gd name="adj1" fmla="val 33577"/>
             </a:avLst>
           </a:prstGeom>
           <a:ln w="19050">
             <a:solidFill>
               <a:srgbClr val="7030A0"/>
             </a:solidFill>
-            <a:prstDash val="sysDot"/>
+            <a:prstDash val="solid"/>
             <a:headEnd type="none" w="med" len="med"/>
-            <a:tailEnd type="none" w="med" len="med"/>
+            <a:tailEnd type="arrow" w="med" len="med"/>
           </a:ln>
           <a:effectLst/>
         </p:spPr>
@@ -6834,17 +8005,16 @@
       </p:cxnSp>
       <p:cxnSp>
         <p:nvCxnSpPr>
-          <p:cNvPr id="227" name="Elbow Connector 63"/>
+          <p:cNvPr id="251" name="Elbow Connector 106"/>
           <p:cNvCxnSpPr>
-            <a:stCxn id="214" idx="3"/>
-            <a:endCxn id="80" idx="0"/>
+            <a:stCxn id="50" idx="1"/>
           </p:cNvCxnSpPr>
           <p:nvPr/>
         </p:nvCxnSpPr>
         <p:spPr>
-          <a:xfrm rot="5400000">
-            <a:off x="4121428" y="4976775"/>
-            <a:ext cx="357877" cy="813773"/>
+          <a:xfrm rot="10800000">
+            <a:off x="5136519" y="3217853"/>
+            <a:ext cx="483457" cy="5972"/>
           </a:xfrm>
           <a:prstGeom prst="bentConnector3">
             <a:avLst>
@@ -6855,7 +8025,7 @@
             <a:solidFill>
               <a:srgbClr val="7030A0"/>
             </a:solidFill>
-            <a:prstDash val="sysDot"/>
+            <a:prstDash val="solid"/>
             <a:headEnd type="none" w="med" len="med"/>
             <a:tailEnd type="none" w="med" len="med"/>
           </a:ln>
@@ -6876,498 +8046,287 @@
           </a:fontRef>
         </p:style>
       </p:cxnSp>
+      <p:sp>
+        <p:nvSpPr>
+          <p:cNvPr id="258" name="TextBox 257"/>
+          <p:cNvSpPr txBox="1"/>
+          <p:nvPr/>
+        </p:nvSpPr>
+        <p:spPr>
+          <a:xfrm>
+            <a:off x="5359740" y="3683251"/>
+            <a:ext cx="189257" cy="178683"/>
+          </a:xfrm>
+          <a:prstGeom prst="rect">
+            <a:avLst/>
+          </a:prstGeom>
+          <a:noFill/>
+        </p:spPr>
+        <p:txBody>
+          <a:bodyPr wrap="square" lIns="0" tIns="0" rIns="0" bIns="0" rtlCol="0">
+            <a:noAutofit/>
+          </a:bodyPr>
+          <a:lstStyle/>
+          <a:p>
+            <a:pPr algn="ctr"/>
+            <a:r>
+              <a:rPr lang="zh-CN" altLang="en-US" sz="1100" dirty="0">
+                <a:solidFill>
+                  <a:srgbClr val="7030A0"/>
+                </a:solidFill>
+              </a:rPr>
+              <a:t>*</a:t>
+            </a:r>
+            <a:endParaRPr lang="en-SG" sz="1100" dirty="0">
+              <a:solidFill>
+                <a:srgbClr val="7030A0"/>
+              </a:solidFill>
+            </a:endParaRPr>
+          </a:p>
+        </p:txBody>
+      </p:sp>
+      <p:sp>
+        <p:nvSpPr>
+          <p:cNvPr id="262" name="TextBox 261"/>
+          <p:cNvSpPr txBox="1"/>
+          <p:nvPr/>
+        </p:nvSpPr>
+        <p:spPr>
+          <a:xfrm>
+            <a:off x="5359739" y="3962400"/>
+            <a:ext cx="189257" cy="178683"/>
+          </a:xfrm>
+          <a:prstGeom prst="rect">
+            <a:avLst/>
+          </a:prstGeom>
+          <a:noFill/>
+        </p:spPr>
+        <p:txBody>
+          <a:bodyPr wrap="square" lIns="0" tIns="0" rIns="0" bIns="0" rtlCol="0">
+            <a:noAutofit/>
+          </a:bodyPr>
+          <a:lstStyle/>
+          <a:p>
+            <a:pPr algn="ctr"/>
+            <a:r>
+              <a:rPr lang="zh-CN" altLang="en-US" sz="1100" dirty="0">
+                <a:solidFill>
+                  <a:srgbClr val="7030A0"/>
+                </a:solidFill>
+              </a:rPr>
+              <a:t>*</a:t>
+            </a:r>
+            <a:endParaRPr lang="en-SG" sz="1100" dirty="0">
+              <a:solidFill>
+                <a:srgbClr val="7030A0"/>
+              </a:solidFill>
+            </a:endParaRPr>
+          </a:p>
+        </p:txBody>
+      </p:sp>
+      <p:sp>
+        <p:nvSpPr>
+          <p:cNvPr id="265" name="TextBox 264"/>
+          <p:cNvSpPr txBox="1"/>
+          <p:nvPr/>
+        </p:nvSpPr>
+        <p:spPr>
+          <a:xfrm>
+            <a:off x="4527469" y="4613875"/>
+            <a:ext cx="189257" cy="178683"/>
+          </a:xfrm>
+          <a:prstGeom prst="rect">
+            <a:avLst/>
+          </a:prstGeom>
+          <a:noFill/>
+        </p:spPr>
+        <p:txBody>
+          <a:bodyPr wrap="square" lIns="0" tIns="0" rIns="0" bIns="0" rtlCol="0">
+            <a:noAutofit/>
+          </a:bodyPr>
+          <a:lstStyle/>
+          <a:p>
+            <a:pPr algn="ctr"/>
+            <a:r>
+              <a:rPr lang="zh-CN" altLang="en-US" sz="1100" dirty="0">
+                <a:solidFill>
+                  <a:srgbClr val="7030A0"/>
+                </a:solidFill>
+              </a:rPr>
+              <a:t>*</a:t>
+            </a:r>
+            <a:endParaRPr lang="en-SG" sz="1100" dirty="0">
+              <a:solidFill>
+                <a:srgbClr val="7030A0"/>
+              </a:solidFill>
+            </a:endParaRPr>
+          </a:p>
+        </p:txBody>
+      </p:sp>
+      <p:sp>
+        <p:nvSpPr>
+          <p:cNvPr id="266" name="TextBox 265"/>
+          <p:cNvSpPr txBox="1"/>
+          <p:nvPr/>
+        </p:nvSpPr>
+        <p:spPr>
+          <a:xfrm>
+            <a:off x="4536675" y="4864741"/>
+            <a:ext cx="189257" cy="178683"/>
+          </a:xfrm>
+          <a:prstGeom prst="rect">
+            <a:avLst/>
+          </a:prstGeom>
+          <a:noFill/>
+        </p:spPr>
+        <p:txBody>
+          <a:bodyPr wrap="square" lIns="0" tIns="0" rIns="0" bIns="0" rtlCol="0">
+            <a:noAutofit/>
+          </a:bodyPr>
+          <a:lstStyle/>
+          <a:p>
+            <a:pPr algn="ctr"/>
+            <a:r>
+              <a:rPr lang="zh-CN" altLang="en-US" sz="1100" dirty="0">
+                <a:solidFill>
+                  <a:srgbClr val="7030A0"/>
+                </a:solidFill>
+              </a:rPr>
+              <a:t>*</a:t>
+            </a:r>
+            <a:endParaRPr lang="en-SG" sz="1100" dirty="0">
+              <a:solidFill>
+                <a:srgbClr val="7030A0"/>
+              </a:solidFill>
+            </a:endParaRPr>
+          </a:p>
+        </p:txBody>
+      </p:sp>
+      <p:sp>
+        <p:nvSpPr>
+          <p:cNvPr id="268" name="TextBox 267"/>
+          <p:cNvSpPr txBox="1"/>
+          <p:nvPr/>
+        </p:nvSpPr>
+        <p:spPr>
+          <a:xfrm>
+            <a:off x="3751795" y="4464708"/>
+            <a:ext cx="189257" cy="178683"/>
+          </a:xfrm>
+          <a:prstGeom prst="rect">
+            <a:avLst/>
+          </a:prstGeom>
+          <a:noFill/>
+        </p:spPr>
+        <p:txBody>
+          <a:bodyPr wrap="square" lIns="0" tIns="0" rIns="0" bIns="0" rtlCol="0">
+            <a:noAutofit/>
+          </a:bodyPr>
+          <a:lstStyle/>
+          <a:p>
+            <a:pPr algn="ctr"/>
+            <a:r>
+              <a:rPr lang="zh-CN" altLang="en-US" sz="1100" dirty="0">
+                <a:solidFill>
+                  <a:srgbClr val="7030A0"/>
+                </a:solidFill>
+              </a:rPr>
+              <a:t>*</a:t>
+            </a:r>
+            <a:endParaRPr lang="en-SG" sz="1100" dirty="0">
+              <a:solidFill>
+                <a:srgbClr val="7030A0"/>
+              </a:solidFill>
+            </a:endParaRPr>
+          </a:p>
+        </p:txBody>
+      </p:sp>
+      <p:sp>
+        <p:nvSpPr>
+          <p:cNvPr id="269" name="TextBox 268"/>
+          <p:cNvSpPr txBox="1"/>
+          <p:nvPr/>
+        </p:nvSpPr>
+        <p:spPr>
+          <a:xfrm>
+            <a:off x="4089307" y="4449756"/>
+            <a:ext cx="189257" cy="178683"/>
+          </a:xfrm>
+          <a:prstGeom prst="rect">
+            <a:avLst/>
+          </a:prstGeom>
+          <a:noFill/>
+        </p:spPr>
+        <p:txBody>
+          <a:bodyPr wrap="square" lIns="0" tIns="0" rIns="0" bIns="0" rtlCol="0">
+            <a:noAutofit/>
+          </a:bodyPr>
+          <a:lstStyle/>
+          <a:p>
+            <a:pPr algn="ctr"/>
+            <a:r>
+              <a:rPr lang="zh-CN" altLang="en-US" sz="1100" dirty="0">
+                <a:solidFill>
+                  <a:srgbClr val="7030A0"/>
+                </a:solidFill>
+              </a:rPr>
+              <a:t>*</a:t>
+            </a:r>
+            <a:endParaRPr lang="en-SG" sz="1100" dirty="0">
+              <a:solidFill>
+                <a:srgbClr val="7030A0"/>
+              </a:solidFill>
+            </a:endParaRPr>
+          </a:p>
+        </p:txBody>
+      </p:sp>
       <p:cxnSp>
         <p:nvCxnSpPr>
-          <p:cNvPr id="230" name="Elbow Connector 63"/>
-          <p:cNvCxnSpPr>
-            <a:stCxn id="214" idx="3"/>
-            <a:endCxn id="76" idx="0"/>
-          </p:cNvCxnSpPr>
+          <p:cNvPr id="275" name="肘形连接符 203"/>
+          <p:cNvCxnSpPr/>
           <p:nvPr/>
         </p:nvCxnSpPr>
         <p:spPr>
-          <a:xfrm rot="5400000">
-            <a:off x="3647135" y="4502482"/>
-            <a:ext cx="357877" cy="1762359"/>
+          <a:xfrm rot="16200000" flipH="1">
+            <a:off x="5856756" y="4104156"/>
+            <a:ext cx="126274" cy="47413"/>
           </a:xfrm>
           <a:prstGeom prst="bentConnector3">
             <a:avLst>
-              <a:gd name="adj1" fmla="val 50000"/>
+              <a:gd name="adj1" fmla="val -7931"/>
             </a:avLst>
-          </a:prstGeom>
-          <a:ln w="19050">
-            <a:solidFill>
-              <a:srgbClr val="7030A0"/>
-            </a:solidFill>
-            <a:prstDash val="sysDot"/>
-            <a:headEnd type="none" w="med" len="med"/>
-            <a:tailEnd type="none" w="med" len="med"/>
-          </a:ln>
-          <a:effectLst/>
-        </p:spPr>
-        <p:style>
-          <a:lnRef idx="1">
-            <a:schemeClr val="accent2"/>
-          </a:lnRef>
-          <a:fillRef idx="2">
-            <a:schemeClr val="accent2"/>
-          </a:fillRef>
-          <a:effectRef idx="1">
-            <a:schemeClr val="accent2"/>
-          </a:effectRef>
-          <a:fontRef idx="minor">
-            <a:schemeClr val="dk1"/>
-          </a:fontRef>
-        </p:style>
-      </p:cxnSp>
-      <p:cxnSp>
-        <p:nvCxnSpPr>
-          <p:cNvPr id="233" name="Elbow Connector 63"/>
-          <p:cNvCxnSpPr>
-            <a:stCxn id="214" idx="3"/>
-            <a:endCxn id="77" idx="0"/>
-          </p:cNvCxnSpPr>
-          <p:nvPr/>
-        </p:nvCxnSpPr>
-        <p:spPr>
-          <a:xfrm rot="5400000">
-            <a:off x="3189935" y="4045282"/>
-            <a:ext cx="357877" cy="2676759"/>
-          </a:xfrm>
-          <a:prstGeom prst="bentConnector3">
-            <a:avLst>
-              <a:gd name="adj1" fmla="val 50000"/>
-            </a:avLst>
-          </a:prstGeom>
-          <a:ln w="19050">
-            <a:solidFill>
-              <a:srgbClr val="7030A0"/>
-            </a:solidFill>
-            <a:prstDash val="sysDot"/>
-            <a:headEnd type="none" w="med" len="med"/>
-            <a:tailEnd type="none" w="med" len="med"/>
-          </a:ln>
-          <a:effectLst/>
-        </p:spPr>
-        <p:style>
-          <a:lnRef idx="1">
-            <a:schemeClr val="accent2"/>
-          </a:lnRef>
-          <a:fillRef idx="2">
-            <a:schemeClr val="accent2"/>
-          </a:fillRef>
-          <a:effectRef idx="1">
-            <a:schemeClr val="accent2"/>
-          </a:effectRef>
-          <a:fontRef idx="minor">
-            <a:schemeClr val="dk1"/>
-          </a:fontRef>
-        </p:style>
-      </p:cxnSp>
-      <p:cxnSp>
-        <p:nvCxnSpPr>
-          <p:cNvPr id="236" name="Elbow Connector 63"/>
-          <p:cNvCxnSpPr>
-            <a:stCxn id="214" idx="3"/>
-            <a:endCxn id="88" idx="0"/>
-          </p:cNvCxnSpPr>
-          <p:nvPr/>
-        </p:nvCxnSpPr>
-        <p:spPr>
-          <a:xfrm rot="5400000">
-            <a:off x="2732735" y="3588082"/>
-            <a:ext cx="357877" cy="3591159"/>
-          </a:xfrm>
-          <a:prstGeom prst="bentConnector3">
-            <a:avLst>
-              <a:gd name="adj1" fmla="val 50000"/>
-            </a:avLst>
-          </a:prstGeom>
-          <a:ln w="19050">
-            <a:solidFill>
-              <a:srgbClr val="7030A0"/>
-            </a:solidFill>
-            <a:prstDash val="sysDot"/>
-            <a:headEnd type="none" w="med" len="med"/>
-            <a:tailEnd type="none" w="med" len="med"/>
-          </a:ln>
-          <a:effectLst/>
-        </p:spPr>
-        <p:style>
-          <a:lnRef idx="1">
-            <a:schemeClr val="accent2"/>
-          </a:lnRef>
-          <a:fillRef idx="2">
-            <a:schemeClr val="accent2"/>
-          </a:fillRef>
-          <a:effectRef idx="1">
-            <a:schemeClr val="accent2"/>
-          </a:effectRef>
-          <a:fontRef idx="minor">
-            <a:schemeClr val="dk1"/>
-          </a:fontRef>
-        </p:style>
-      </p:cxnSp>
-      <p:sp>
-        <p:nvSpPr>
-          <p:cNvPr id="121" name="Isosceles Triangle 102"/>
-          <p:cNvSpPr/>
-          <p:nvPr/>
-        </p:nvSpPr>
-        <p:spPr>
-          <a:xfrm rot="16200000" flipV="1">
-            <a:off x="5735326" y="4033305"/>
-            <a:ext cx="270504" cy="175523"/>
-          </a:xfrm>
-          <a:prstGeom prst="triangle">
-            <a:avLst/>
           </a:prstGeom>
           <a:ln w="19050">
             <a:solidFill>
               <a:srgbClr val="7030A0"/>
             </a:solidFill>
           </a:ln>
-          <a:effectLst/>
         </p:spPr>
         <p:style>
           <a:lnRef idx="1">
-            <a:schemeClr val="accent4"/>
+            <a:schemeClr val="accent1"/>
           </a:lnRef>
-          <a:fillRef idx="2">
-            <a:schemeClr val="accent4"/>
+          <a:fillRef idx="0">
+            <a:schemeClr val="accent1"/>
           </a:fillRef>
-          <a:effectRef idx="1">
-            <a:schemeClr val="accent4"/>
+          <a:effectRef idx="0">
+            <a:schemeClr val="accent1"/>
           </a:effectRef>
           <a:fontRef idx="minor">
-            <a:schemeClr val="dk1"/>
-          </a:fontRef>
-        </p:style>
-        <p:txBody>
-          <a:bodyPr rtlCol="0" anchor="ctr"/>
-          <a:lstStyle/>
-          <a:p>
-            <a:pPr algn="ctr"/>
-            <a:endParaRPr lang="en-SG" sz="1050" b="1">
-              <a:solidFill>
-                <a:srgbClr val="92D050"/>
-              </a:solidFill>
-            </a:endParaRPr>
-          </a:p>
-        </p:txBody>
-      </p:sp>
-      <p:cxnSp>
-        <p:nvCxnSpPr>
-          <p:cNvPr id="131" name="Elbow Connector 63"/>
-          <p:cNvCxnSpPr>
-            <a:stCxn id="71" idx="3"/>
-            <a:endCxn id="89" idx="2"/>
-          </p:cNvCxnSpPr>
-          <p:nvPr/>
-        </p:nvCxnSpPr>
-        <p:spPr>
-          <a:xfrm rot="16200000" flipV="1">
-            <a:off x="6311468" y="3489283"/>
-            <a:ext cx="467629" cy="38105"/>
-          </a:xfrm>
-          <a:prstGeom prst="bentConnector3">
-            <a:avLst>
-              <a:gd name="adj1" fmla="val 102796"/>
-            </a:avLst>
-          </a:prstGeom>
-          <a:ln w="19050">
-            <a:solidFill>
-              <a:srgbClr val="7030A0"/>
-            </a:solidFill>
-            <a:prstDash val="sysDot"/>
-            <a:headEnd type="none" w="med" len="med"/>
-            <a:tailEnd type="none" w="med" len="med"/>
-          </a:ln>
-          <a:effectLst/>
-        </p:spPr>
-        <p:style>
-          <a:lnRef idx="1">
-            <a:schemeClr val="accent2"/>
-          </a:lnRef>
-          <a:fillRef idx="2">
-            <a:schemeClr val="accent2"/>
-          </a:fillRef>
-          <a:effectRef idx="1">
-            <a:schemeClr val="accent2"/>
-          </a:effectRef>
-          <a:fontRef idx="minor">
-            <a:schemeClr val="dk1"/>
+            <a:schemeClr val="tx1"/>
           </a:fontRef>
         </p:style>
       </p:cxnSp>
-      <p:cxnSp>
-        <p:nvCxnSpPr>
-          <p:cNvPr id="135" name="Elbow Connector 63"/>
-          <p:cNvCxnSpPr/>
-          <p:nvPr/>
-        </p:nvCxnSpPr>
-        <p:spPr>
-          <a:xfrm>
-            <a:off x="5046779" y="4122950"/>
-            <a:ext cx="707312" cy="991"/>
-          </a:xfrm>
-          <a:prstGeom prst="bentConnector3">
-            <a:avLst>
-              <a:gd name="adj1" fmla="val 50000"/>
-            </a:avLst>
-          </a:prstGeom>
-          <a:ln w="19050">
-            <a:solidFill>
-              <a:srgbClr val="7030A0"/>
-            </a:solidFill>
-            <a:prstDash val="sysDot"/>
-            <a:headEnd type="none" w="med" len="med"/>
-            <a:tailEnd type="none" w="med" len="med"/>
-          </a:ln>
-          <a:effectLst/>
-        </p:spPr>
-        <p:style>
-          <a:lnRef idx="1">
-            <a:schemeClr val="accent2"/>
-          </a:lnRef>
-          <a:fillRef idx="2">
-            <a:schemeClr val="accent2"/>
-          </a:fillRef>
-          <a:effectRef idx="1">
-            <a:schemeClr val="accent2"/>
-          </a:effectRef>
-          <a:fontRef idx="minor">
-            <a:schemeClr val="dk1"/>
-          </a:fontRef>
-        </p:style>
-      </p:cxnSp>
-      <p:sp>
-        <p:nvSpPr>
-          <p:cNvPr id="138" name="Isosceles Triangle 102"/>
-          <p:cNvSpPr/>
-          <p:nvPr/>
-        </p:nvSpPr>
-        <p:spPr>
-          <a:xfrm rot="5400000" flipV="1">
-            <a:off x="5146544" y="4772664"/>
-            <a:ext cx="270504" cy="175523"/>
-          </a:xfrm>
-          <a:prstGeom prst="triangle">
-            <a:avLst/>
-          </a:prstGeom>
-          <a:ln w="19050">
-            <a:solidFill>
-              <a:srgbClr val="7030A0"/>
-            </a:solidFill>
-          </a:ln>
-          <a:effectLst/>
-        </p:spPr>
-        <p:style>
-          <a:lnRef idx="1">
-            <a:schemeClr val="accent4"/>
-          </a:lnRef>
-          <a:fillRef idx="2">
-            <a:schemeClr val="accent4"/>
-          </a:fillRef>
-          <a:effectRef idx="1">
-            <a:schemeClr val="accent4"/>
-          </a:effectRef>
-          <a:fontRef idx="minor">
-            <a:schemeClr val="dk1"/>
-          </a:fontRef>
-        </p:style>
-        <p:txBody>
-          <a:bodyPr rtlCol="0" anchor="ctr"/>
-          <a:lstStyle/>
-          <a:p>
-            <a:pPr algn="ctr"/>
-            <a:endParaRPr lang="en-SG" sz="1050" b="1">
-              <a:solidFill>
-                <a:srgbClr val="92D050"/>
-              </a:solidFill>
-            </a:endParaRPr>
-          </a:p>
-        </p:txBody>
-      </p:sp>
-      <p:cxnSp>
-        <p:nvCxnSpPr>
-          <p:cNvPr id="139" name="Elbow Connector 63"/>
-          <p:cNvCxnSpPr>
-            <a:endCxn id="67" idx="3"/>
-          </p:cNvCxnSpPr>
-          <p:nvPr/>
-        </p:nvCxnSpPr>
-        <p:spPr>
-          <a:xfrm rot="16200000" flipV="1">
-            <a:off x="3970840" y="3194414"/>
-            <a:ext cx="2678187" cy="610385"/>
-          </a:xfrm>
-          <a:prstGeom prst="bentConnector2">
-            <a:avLst/>
-          </a:prstGeom>
-          <a:ln w="19050">
-            <a:solidFill>
-              <a:srgbClr val="7030A0"/>
-            </a:solidFill>
-            <a:prstDash val="sysDot"/>
-            <a:headEnd type="none" w="med" len="med"/>
-            <a:tailEnd type="none" w="med" len="med"/>
-          </a:ln>
-          <a:effectLst/>
-        </p:spPr>
-        <p:style>
-          <a:lnRef idx="1">
-            <a:schemeClr val="accent2"/>
-          </a:lnRef>
-          <a:fillRef idx="2">
-            <a:schemeClr val="accent2"/>
-          </a:fillRef>
-          <a:effectRef idx="1">
-            <a:schemeClr val="accent2"/>
-          </a:effectRef>
-          <a:fontRef idx="minor">
-            <a:schemeClr val="dk1"/>
-          </a:fontRef>
-        </p:style>
-      </p:cxnSp>
-      <p:cxnSp>
-        <p:nvCxnSpPr>
-          <p:cNvPr id="82" name="Elbow Connector 63"/>
-          <p:cNvCxnSpPr>
-            <a:stCxn id="138" idx="3"/>
-          </p:cNvCxnSpPr>
-          <p:nvPr/>
-        </p:nvCxnSpPr>
-        <p:spPr>
-          <a:xfrm flipV="1">
-            <a:off x="5369558" y="4855695"/>
-            <a:ext cx="245570" cy="4731"/>
-          </a:xfrm>
-          <a:prstGeom prst="bentConnector3">
-            <a:avLst>
-              <a:gd name="adj1" fmla="val 50000"/>
-            </a:avLst>
-          </a:prstGeom>
-          <a:ln w="19050">
-            <a:solidFill>
-              <a:srgbClr val="7030A0"/>
-            </a:solidFill>
-            <a:prstDash val="sysDot"/>
-            <a:headEnd type="none" w="med" len="med"/>
-            <a:tailEnd type="none" w="med" len="med"/>
-          </a:ln>
-          <a:effectLst/>
-        </p:spPr>
-        <p:style>
-          <a:lnRef idx="1">
-            <a:schemeClr val="accent2"/>
-          </a:lnRef>
-          <a:fillRef idx="2">
-            <a:schemeClr val="accent2"/>
-          </a:fillRef>
-          <a:effectRef idx="1">
-            <a:schemeClr val="accent2"/>
-          </a:effectRef>
-          <a:fontRef idx="minor">
-            <a:schemeClr val="dk1"/>
-          </a:fontRef>
-        </p:style>
-      </p:cxnSp>
-      <p:sp>
-        <p:nvSpPr>
-          <p:cNvPr id="86" name="TextBox 85"/>
-          <p:cNvSpPr txBox="1"/>
-          <p:nvPr/>
-        </p:nvSpPr>
-        <p:spPr>
-          <a:xfrm>
-            <a:off x="4477370" y="4469516"/>
-            <a:ext cx="189257" cy="178683"/>
-          </a:xfrm>
-          <a:prstGeom prst="rect">
-            <a:avLst/>
-          </a:prstGeom>
-          <a:noFill/>
-        </p:spPr>
-        <p:txBody>
-          <a:bodyPr wrap="square" lIns="0" tIns="0" rIns="0" bIns="0" rtlCol="0">
-            <a:noAutofit/>
-          </a:bodyPr>
-          <a:lstStyle/>
-          <a:p>
-            <a:pPr algn="ctr"/>
-            <a:r>
-              <a:rPr lang="en-US" sz="1100" dirty="0">
-                <a:solidFill>
-                  <a:srgbClr val="7030A0"/>
-                </a:solidFill>
-              </a:rPr>
-              <a:t>*</a:t>
-            </a:r>
-            <a:endParaRPr lang="en-SG" sz="1100" dirty="0">
-              <a:solidFill>
-                <a:srgbClr val="7030A0"/>
-              </a:solidFill>
-            </a:endParaRPr>
-          </a:p>
-        </p:txBody>
-      </p:sp>
-      <p:sp>
-        <p:nvSpPr>
-          <p:cNvPr id="87" name="TextBox 86"/>
-          <p:cNvSpPr txBox="1"/>
-          <p:nvPr/>
-        </p:nvSpPr>
-        <p:spPr>
-          <a:xfrm>
-            <a:off x="4048883" y="4164717"/>
-            <a:ext cx="189257" cy="178683"/>
-          </a:xfrm>
-          <a:prstGeom prst="rect">
-            <a:avLst/>
-          </a:prstGeom>
-          <a:noFill/>
-        </p:spPr>
-        <p:txBody>
-          <a:bodyPr wrap="square" lIns="0" tIns="0" rIns="0" bIns="0" rtlCol="0">
-            <a:noAutofit/>
-          </a:bodyPr>
-          <a:lstStyle/>
-          <a:p>
-            <a:pPr algn="ctr"/>
-            <a:r>
-              <a:rPr lang="en-US" sz="1100" dirty="0" smtClean="0">
-                <a:solidFill>
-                  <a:srgbClr val="7030A0"/>
-                </a:solidFill>
-              </a:rPr>
-              <a:t>*</a:t>
-            </a:r>
-            <a:endParaRPr lang="en-SG" sz="1100" dirty="0">
-              <a:solidFill>
-                <a:srgbClr val="7030A0"/>
-              </a:solidFill>
-            </a:endParaRPr>
-          </a:p>
-        </p:txBody>
-      </p:sp>
     </p:spTree>
     <p:extLst>
       <p:ext uri="{BB962C8B-B14F-4D97-AF65-F5344CB8AC3E}">
-        <p14:creationId xmlns:p14="http://schemas.microsoft.com/office/powerpoint/2010/main" val="2396968029"/>
+        <p14:creationId xmlns:p14="http://schemas.microsoft.com/office/powerpoint/2010/main" val="2088895195"/>
       </p:ext>
     </p:extLst>
   </p:cSld>
   <p:clrMapOvr>
     <a:masterClrMapping/>
   </p:clrMapOvr>
-  <p:timing>
-    <p:tnLst>
-      <p:par>
-        <p:cTn id="1" dur="indefinite" restart="never" nodeType="tmRoot"/>
-      </p:par>
-    </p:tnLst>
-  </p:timing>
 </p:sld>
 </file>
 

--- a/docs/diagrams/ModelComponentClassDiagram.pptx
+++ b/docs/diagrams/ModelComponentClassDiagram.pptx
@@ -3595,7 +3595,7 @@
           <a:p>
             <a:pPr algn="ctr"/>
             <a:r>
-              <a:rPr lang="en-US" sz="1050" dirty="0" err="1" smtClean="0">
+              <a:rPr lang="en-US" sz="1050" dirty="0" smtClean="0">
                 <a:solidFill>
                   <a:schemeClr val="bg1"/>
                 </a:solidFill>
@@ -3654,7 +3654,7 @@
           <a:p>
             <a:pPr algn="ctr"/>
             <a:r>
-              <a:rPr lang="en-US" sz="1050" dirty="0" err="1" smtClean="0">
+              <a:rPr lang="en-US" sz="1050" dirty="0" smtClean="0">
                 <a:solidFill>
                   <a:schemeClr val="bg1"/>
                 </a:solidFill>
@@ -3995,7 +3995,7 @@
           <a:p>
             <a:pPr algn="ctr"/>
             <a:r>
-              <a:rPr lang="en-US" altLang="zh-CN" sz="1050" dirty="0" err="1" smtClean="0">
+              <a:rPr lang="en-US" altLang="zh-CN" sz="1050" dirty="0" smtClean="0">
                 <a:solidFill>
                   <a:srgbClr val="7030A0"/>
                 </a:solidFill>
@@ -4136,7 +4136,7 @@
           <a:p>
             <a:pPr algn="ctr"/>
             <a:r>
-              <a:rPr lang="en-US" sz="1050" dirty="0" err="1" smtClean="0">
+              <a:rPr lang="en-US" sz="1050" dirty="0" smtClean="0">
                 <a:solidFill>
                   <a:srgbClr val="7030A0"/>
                 </a:solidFill>
@@ -4144,7 +4144,7 @@
               <a:t>Unique</a:t>
             </a:r>
             <a:r>
-              <a:rPr lang="en-US" altLang="zh-CN" sz="1050" dirty="0" err="1" smtClean="0">
+              <a:rPr lang="en-US" altLang="zh-CN" sz="1050" dirty="0" smtClean="0">
                 <a:solidFill>
                   <a:srgbClr val="7030A0"/>
                 </a:solidFill>
@@ -4152,7 +4152,7 @@
               <a:t>Task</a:t>
             </a:r>
             <a:r>
-              <a:rPr lang="en-US" sz="1050" dirty="0" err="1" smtClean="0">
+              <a:rPr lang="en-US" sz="1050" dirty="0" smtClean="0">
                 <a:solidFill>
                   <a:srgbClr val="7030A0"/>
                 </a:solidFill>
@@ -4255,7 +4255,7 @@
           <a:p>
             <a:pPr algn="ctr"/>
             <a:r>
-              <a:rPr lang="en-US" sz="1050" dirty="0" err="1" smtClean="0">
+              <a:rPr lang="en-US" sz="1050" dirty="0" smtClean="0">
                 <a:solidFill>
                   <a:srgbClr val="7030A0"/>
                 </a:solidFill>
@@ -4495,7 +4495,7 @@
           <a:p>
             <a:pPr algn="ctr"/>
             <a:r>
-              <a:rPr lang="en-US" altLang="zh-CN" sz="1050" dirty="0" err="1" smtClean="0">
+              <a:rPr lang="en-US" altLang="zh-CN" sz="1050" dirty="0" smtClean="0">
                 <a:solidFill>
                   <a:srgbClr val="7030A0"/>
                 </a:solidFill>
@@ -4767,7 +4767,7 @@
               </a:rPr>
             </a:br>
             <a:r>
-              <a:rPr lang="en-US" sz="1050" dirty="0" err="1" smtClean="0">
+              <a:rPr lang="en-US" sz="1050" dirty="0" smtClean="0">
                 <a:solidFill>
                   <a:srgbClr val="7030A0"/>
                 </a:solidFill>
@@ -4775,7 +4775,7 @@
               <a:t>ReadOnly</a:t>
             </a:r>
             <a:r>
-              <a:rPr lang="en-US" altLang="zh-CN" sz="1050" dirty="0" err="1" smtClean="0">
+              <a:rPr lang="en-US" altLang="zh-CN" sz="1050" dirty="0" smtClean="0">
                 <a:solidFill>
                   <a:srgbClr val="7030A0"/>
                 </a:solidFill>
@@ -4893,7 +4893,7 @@
               </a:rPr>
             </a:br>
             <a:r>
-              <a:rPr lang="en-US" sz="1050" dirty="0" err="1" smtClean="0">
+              <a:rPr lang="en-US" sz="1050" dirty="0" smtClean="0">
                 <a:solidFill>
                   <a:srgbClr val="7030A0"/>
                 </a:solidFill>
@@ -5372,7 +5372,7 @@
           <a:p>
             <a:pPr algn="ctr"/>
             <a:r>
-              <a:rPr lang="en-US" altLang="zh-CN" sz="1050" dirty="0" err="1" smtClean="0">
+              <a:rPr lang="en-US" altLang="zh-CN" sz="1050" dirty="0" smtClean="0">
                 <a:solidFill>
                   <a:srgbClr val="7030A0"/>
                 </a:solidFill>
@@ -6089,7 +6089,7 @@
               </a:rPr>
             </a:br>
             <a:r>
-              <a:rPr lang="en-US" sz="1050" dirty="0" err="1" smtClean="0">
+              <a:rPr lang="en-US" sz="1050" dirty="0" smtClean="0">
                 <a:solidFill>
                   <a:srgbClr val="7030A0"/>
                 </a:solidFill>
@@ -6097,7 +6097,7 @@
               <a:t>ReadOnly</a:t>
             </a:r>
             <a:r>
-              <a:rPr lang="en-US" altLang="zh-CN" sz="1050" dirty="0" err="1" smtClean="0">
+              <a:rPr lang="en-US" altLang="zh-CN" sz="1050" dirty="0" smtClean="0">
                 <a:solidFill>
                   <a:srgbClr val="7030A0"/>
                 </a:solidFill>
@@ -6168,20 +6168,12 @@
               </a:rPr>
             </a:br>
             <a:r>
-              <a:rPr lang="en-US" sz="1050" dirty="0" err="1" smtClean="0">
+              <a:rPr lang="en-US" sz="1050" dirty="0" smtClean="0">
                 <a:solidFill>
                   <a:srgbClr val="7030A0"/>
                 </a:solidFill>
               </a:rPr>
-              <a:t>ReadOnly</a:t>
-            </a:r>
-            <a:r>
-              <a:rPr lang="en-US" sz="1050" dirty="0" err="1" smtClean="0">
-                <a:solidFill>
-                  <a:srgbClr val="7030A0"/>
-                </a:solidFill>
-              </a:rPr>
-              <a:t>Task</a:t>
+              <a:t>ReadOnlyTask</a:t>
             </a:r>
             <a:endParaRPr lang="en-SG" sz="1050" dirty="0">
               <a:solidFill>
@@ -6239,23 +6231,15 @@
               </a:rPr>
               <a:t>&lt;&lt;interface&gt;&gt;</a:t>
             </a:r>
-            <a:r>
-              <a:rPr lang="en-US" sz="1050" smtClean="0">
-                <a:solidFill>
-                  <a:srgbClr val="7030A0"/>
-                </a:solidFill>
-              </a:rPr>
-              <a:t/>
-            </a:r>
             <a:br>
-              <a:rPr lang="en-US" sz="1050" smtClean="0">
+              <a:rPr lang="en-US" sz="1050" dirty="0" smtClean="0">
                 <a:solidFill>
                   <a:srgbClr val="7030A0"/>
                 </a:solidFill>
               </a:rPr>
             </a:br>
             <a:r>
-              <a:rPr lang="en-US" sz="1050" dirty="0" err="1" smtClean="0">
+              <a:rPr lang="en-US" sz="1050" dirty="0" smtClean="0">
                 <a:solidFill>
                   <a:srgbClr val="7030A0"/>
                 </a:solidFill>
@@ -6263,7 +6247,7 @@
               <a:t>ReadOnlyRecurring</a:t>
             </a:r>
             <a:r>
-              <a:rPr lang="en-US" altLang="zh-CN" sz="1050" dirty="0" err="1" smtClean="0">
+              <a:rPr lang="en-US" altLang="zh-CN" sz="1050" dirty="0" smtClean="0">
                 <a:solidFill>
                   <a:srgbClr val="7030A0"/>
                 </a:solidFill>
@@ -6334,20 +6318,12 @@
               </a:rPr>
             </a:br>
             <a:r>
-              <a:rPr lang="en-US" sz="1050" dirty="0" err="1" smtClean="0">
+              <a:rPr lang="en-US" sz="1050" dirty="0" smtClean="0">
                 <a:solidFill>
                   <a:srgbClr val="7030A0"/>
                 </a:solidFill>
               </a:rPr>
-              <a:t>ReadOnlyRecurring</a:t>
-            </a:r>
-            <a:r>
-              <a:rPr lang="en-US" sz="1050" dirty="0" err="1" smtClean="0">
-                <a:solidFill>
-                  <a:srgbClr val="7030A0"/>
-                </a:solidFill>
-              </a:rPr>
-              <a:t>Task</a:t>
+              <a:t>ReadOnlyRecurringTask</a:t>
             </a:r>
             <a:endParaRPr lang="en-SG" sz="1050" dirty="0">
               <a:solidFill>
